--- a/도면.pptx
+++ b/도면.pptx
@@ -5,10 +5,11 @@
     <p:sldMasterId id="2147483648" r:id="rId1"/>
   </p:sldMasterIdLst>
   <p:notesMasterIdLst>
-    <p:notesMasterId r:id="rId3"/>
+    <p:notesMasterId r:id="rId4"/>
   </p:notesMasterIdLst>
   <p:sldIdLst>
     <p:sldId id="256" r:id="rId2"/>
+    <p:sldId id="257" r:id="rId3"/>
   </p:sldIdLst>
   <p:sldSz cx="9144000" cy="5143500" type="screen16x9"/>
   <p:notesSz cx="6858000" cy="9144000"/>
@@ -193,7 +194,7 @@
             <a:fld id="{3952EF5C-13A6-46DC-8EE4-A9BA01FECAB6}" type="datetimeFigureOut">
               <a:rPr lang="ko-KR" altLang="en-US" smtClean="0"/>
               <a:pPr/>
-              <a:t>2016-04-02</a:t>
+              <a:t>2016-04-23</a:t>
             </a:fld>
             <a:endParaRPr lang="ko-KR" altLang="en-US"/>
           </a:p>
@@ -362,6 +363,11 @@
         </p:txBody>
       </p:sp>
     </p:spTree>
+    <p:extLst>
+      <p:ext uri="{BB962C8B-B14F-4D97-AF65-F5344CB8AC3E}">
+        <p14:creationId xmlns:p14="http://schemas.microsoft.com/office/powerpoint/2010/main" val="2617749134"/>
+      </p:ext>
+    </p:extLst>
   </p:cSld>
   <p:clrMap bg1="lt1" tx1="dk1" bg2="lt2" tx2="dk2" accent1="accent1" accent2="accent2" accent3="accent3" accent4="accent4" accent5="accent5" accent6="accent6" hlink="hlink" folHlink="folHlink"/>
   <p:notesStyle>
@@ -891,7 +897,7 @@
               <a:buAutoNum type="arabicPeriod"/>
             </a:pPr>
             <a:r>
-              <a:rPr lang="ko-KR" altLang="en-US" baseline="0" smtClean="0"/>
+              <a:rPr lang="ko-KR" altLang="en-US" baseline="0" dirty="0" smtClean="0"/>
               <a:t>나머지는 행사상품</a:t>
             </a:r>
             <a:endParaRPr lang="en-US" altLang="ko-KR" baseline="0" dirty="0" smtClean="0"/>
@@ -923,6 +929,91 @@
               <a:rPr lang="ko-KR" altLang="en-US" smtClean="0"/>
               <a:pPr/>
               <a:t>1</a:t>
+            </a:fld>
+            <a:endParaRPr lang="ko-KR" altLang="en-US"/>
+          </a:p>
+        </p:txBody>
+      </p:sp>
+    </p:spTree>
+  </p:cSld>
+  <p:clrMapOvr>
+    <a:masterClrMapping/>
+  </p:clrMapOvr>
+</p:notes>
+</file>
+
+<file path=ppt/notesSlides/notesSlide2.xml><?xml version="1.0" encoding="utf-8"?>
+<p:notes xmlns:a="http://schemas.openxmlformats.org/drawingml/2006/main" xmlns:r="http://schemas.openxmlformats.org/officeDocument/2006/relationships" xmlns:p="http://schemas.openxmlformats.org/presentationml/2006/main">
+  <p:cSld>
+    <p:spTree>
+      <p:nvGrpSpPr>
+        <p:cNvPr id="1" name=""/>
+        <p:cNvGrpSpPr/>
+        <p:nvPr/>
+      </p:nvGrpSpPr>
+      <p:grpSpPr>
+        <a:xfrm>
+          <a:off x="0" y="0"/>
+          <a:ext cx="0" cy="0"/>
+          <a:chOff x="0" y="0"/>
+          <a:chExt cx="0" cy="0"/>
+        </a:xfrm>
+      </p:grpSpPr>
+      <p:sp>
+        <p:nvSpPr>
+          <p:cNvPr id="2" name="슬라이드 이미지 개체 틀 1"/>
+          <p:cNvSpPr>
+            <a:spLocks noGrp="1" noRot="1" noChangeAspect="1"/>
+          </p:cNvSpPr>
+          <p:nvPr>
+            <p:ph type="sldImg"/>
+          </p:nvPr>
+        </p:nvSpPr>
+        <p:spPr/>
+      </p:sp>
+      <p:sp>
+        <p:nvSpPr>
+          <p:cNvPr id="3" name="슬라이드 노트 개체 틀 2"/>
+          <p:cNvSpPr>
+            <a:spLocks noGrp="1"/>
+          </p:cNvSpPr>
+          <p:nvPr>
+            <p:ph type="body" idx="1"/>
+          </p:nvPr>
+        </p:nvSpPr>
+        <p:spPr/>
+        <p:txBody>
+          <a:bodyPr>
+            <a:normAutofit/>
+          </a:bodyPr>
+          <a:lstStyle/>
+          <a:p>
+            <a:pPr marL="228600" indent="-228600">
+              <a:buAutoNum type="arabicPeriod"/>
+            </a:pPr>
+            <a:endParaRPr lang="ko-KR" altLang="en-US" dirty="0"/>
+          </a:p>
+        </p:txBody>
+      </p:sp>
+      <p:sp>
+        <p:nvSpPr>
+          <p:cNvPr id="4" name="슬라이드 번호 개체 틀 3"/>
+          <p:cNvSpPr>
+            <a:spLocks noGrp="1"/>
+          </p:cNvSpPr>
+          <p:nvPr>
+            <p:ph type="sldNum" sz="quarter" idx="10"/>
+          </p:nvPr>
+        </p:nvSpPr>
+        <p:spPr/>
+        <p:txBody>
+          <a:bodyPr/>
+          <a:lstStyle/>
+          <a:p>
+            <a:fld id="{AFE9915A-9C0B-4C6B-979A-C71FFE3DEDFD}" type="slidenum">
+              <a:rPr lang="ko-KR" altLang="en-US" smtClean="0"/>
+              <a:pPr/>
+              <a:t>2</a:t>
             </a:fld>
             <a:endParaRPr lang="ko-KR" altLang="en-US"/>
           </a:p>
@@ -1118,7 +1209,7 @@
             <a:fld id="{32C829D3-BBA9-4BF1-9A6D-2D455122F13F}" type="datetimeFigureOut">
               <a:rPr lang="ko-KR" altLang="en-US" smtClean="0"/>
               <a:pPr/>
-              <a:t>2016-04-02</a:t>
+              <a:t>2016-04-23</a:t>
             </a:fld>
             <a:endParaRPr lang="ko-KR" altLang="en-US"/>
           </a:p>
@@ -1285,7 +1376,7 @@
             <a:fld id="{32C829D3-BBA9-4BF1-9A6D-2D455122F13F}" type="datetimeFigureOut">
               <a:rPr lang="ko-KR" altLang="en-US" smtClean="0"/>
               <a:pPr/>
-              <a:t>2016-04-02</a:t>
+              <a:t>2016-04-23</a:t>
             </a:fld>
             <a:endParaRPr lang="ko-KR" altLang="en-US"/>
           </a:p>
@@ -1462,7 +1553,7 @@
             <a:fld id="{32C829D3-BBA9-4BF1-9A6D-2D455122F13F}" type="datetimeFigureOut">
               <a:rPr lang="ko-KR" altLang="en-US" smtClean="0"/>
               <a:pPr/>
-              <a:t>2016-04-02</a:t>
+              <a:t>2016-04-23</a:t>
             </a:fld>
             <a:endParaRPr lang="ko-KR" altLang="en-US"/>
           </a:p>
@@ -1629,7 +1720,7 @@
             <a:fld id="{32C829D3-BBA9-4BF1-9A6D-2D455122F13F}" type="datetimeFigureOut">
               <a:rPr lang="ko-KR" altLang="en-US" smtClean="0"/>
               <a:pPr/>
-              <a:t>2016-04-02</a:t>
+              <a:t>2016-04-23</a:t>
             </a:fld>
             <a:endParaRPr lang="ko-KR" altLang="en-US"/>
           </a:p>
@@ -1872,7 +1963,7 @@
             <a:fld id="{32C829D3-BBA9-4BF1-9A6D-2D455122F13F}" type="datetimeFigureOut">
               <a:rPr lang="ko-KR" altLang="en-US" smtClean="0"/>
               <a:pPr/>
-              <a:t>2016-04-02</a:t>
+              <a:t>2016-04-23</a:t>
             </a:fld>
             <a:endParaRPr lang="ko-KR" altLang="en-US"/>
           </a:p>
@@ -2157,7 +2248,7 @@
             <a:fld id="{32C829D3-BBA9-4BF1-9A6D-2D455122F13F}" type="datetimeFigureOut">
               <a:rPr lang="ko-KR" altLang="en-US" smtClean="0"/>
               <a:pPr/>
-              <a:t>2016-04-02</a:t>
+              <a:t>2016-04-23</a:t>
             </a:fld>
             <a:endParaRPr lang="ko-KR" altLang="en-US"/>
           </a:p>
@@ -2581,7 +2672,7 @@
             <a:fld id="{32C829D3-BBA9-4BF1-9A6D-2D455122F13F}" type="datetimeFigureOut">
               <a:rPr lang="ko-KR" altLang="en-US" smtClean="0"/>
               <a:pPr/>
-              <a:t>2016-04-02</a:t>
+              <a:t>2016-04-23</a:t>
             </a:fld>
             <a:endParaRPr lang="ko-KR" altLang="en-US"/>
           </a:p>
@@ -2696,7 +2787,7 @@
             <a:fld id="{32C829D3-BBA9-4BF1-9A6D-2D455122F13F}" type="datetimeFigureOut">
               <a:rPr lang="ko-KR" altLang="en-US" smtClean="0"/>
               <a:pPr/>
-              <a:t>2016-04-02</a:t>
+              <a:t>2016-04-23</a:t>
             </a:fld>
             <a:endParaRPr lang="ko-KR" altLang="en-US"/>
           </a:p>
@@ -2788,7 +2879,7 @@
             <a:fld id="{32C829D3-BBA9-4BF1-9A6D-2D455122F13F}" type="datetimeFigureOut">
               <a:rPr lang="ko-KR" altLang="en-US" smtClean="0"/>
               <a:pPr/>
-              <a:t>2016-04-02</a:t>
+              <a:t>2016-04-23</a:t>
             </a:fld>
             <a:endParaRPr lang="ko-KR" altLang="en-US"/>
           </a:p>
@@ -3062,7 +3153,7 @@
             <a:fld id="{32C829D3-BBA9-4BF1-9A6D-2D455122F13F}" type="datetimeFigureOut">
               <a:rPr lang="ko-KR" altLang="en-US" smtClean="0"/>
               <a:pPr/>
-              <a:t>2016-04-02</a:t>
+              <a:t>2016-04-23</a:t>
             </a:fld>
             <a:endParaRPr lang="ko-KR" altLang="en-US"/>
           </a:p>
@@ -3312,7 +3403,7 @@
             <a:fld id="{32C829D3-BBA9-4BF1-9A6D-2D455122F13F}" type="datetimeFigureOut">
               <a:rPr lang="ko-KR" altLang="en-US" smtClean="0"/>
               <a:pPr/>
-              <a:t>2016-04-02</a:t>
+              <a:t>2016-04-23</a:t>
             </a:fld>
             <a:endParaRPr lang="ko-KR" altLang="en-US"/>
           </a:p>
@@ -3522,7 +3613,7 @@
             <a:fld id="{32C829D3-BBA9-4BF1-9A6D-2D455122F13F}" type="datetimeFigureOut">
               <a:rPr lang="ko-KR" altLang="en-US" smtClean="0"/>
               <a:pPr/>
-              <a:t>2016-04-02</a:t>
+              <a:t>2016-04-23</a:t>
             </a:fld>
             <a:endParaRPr lang="ko-KR" altLang="en-US"/>
           </a:p>
@@ -3907,6 +3998,12 @@
           <a:prstGeom prst="rect">
             <a:avLst/>
           </a:prstGeom>
+          <a:solidFill>
+            <a:schemeClr val="accent6">
+              <a:lumMod val="60000"/>
+              <a:lumOff val="40000"/>
+            </a:schemeClr>
+          </a:solidFill>
           <a:ln>
             <a:noFill/>
           </a:ln>
@@ -3932,7 +4029,13 @@
           <a:lstStyle/>
           <a:p>
             <a:pPr algn="ctr"/>
-            <a:endParaRPr lang="ko-KR" altLang="en-US"/>
+            <a:endParaRPr lang="ko-KR" altLang="en-US" sz="1400" b="1">
+              <a:solidFill>
+                <a:schemeClr val="accent1">
+                  <a:lumMod val="75000"/>
+                </a:schemeClr>
+              </a:solidFill>
+            </a:endParaRPr>
           </a:p>
         </p:txBody>
       </p:sp>
@@ -3950,6 +4053,12 @@
           <a:prstGeom prst="rect">
             <a:avLst/>
           </a:prstGeom>
+          <a:solidFill>
+            <a:schemeClr val="accent6">
+              <a:lumMod val="60000"/>
+              <a:lumOff val="40000"/>
+            </a:schemeClr>
+          </a:solidFill>
           <a:ln>
             <a:noFill/>
           </a:ln>
@@ -3975,7 +4084,13 @@
           <a:lstStyle/>
           <a:p>
             <a:pPr algn="ctr"/>
-            <a:endParaRPr lang="ko-KR" altLang="en-US"/>
+            <a:endParaRPr lang="ko-KR" altLang="en-US" sz="1400">
+              <a:solidFill>
+                <a:schemeClr val="accent1">
+                  <a:lumMod val="75000"/>
+                </a:schemeClr>
+              </a:solidFill>
+            </a:endParaRPr>
           </a:p>
         </p:txBody>
       </p:sp>
@@ -3993,6 +4108,12 @@
           <a:prstGeom prst="rect">
             <a:avLst/>
           </a:prstGeom>
+          <a:solidFill>
+            <a:schemeClr val="accent6">
+              <a:lumMod val="60000"/>
+              <a:lumOff val="40000"/>
+            </a:schemeClr>
+          </a:solidFill>
           <a:ln>
             <a:noFill/>
           </a:ln>
@@ -4018,7 +4139,13 @@
           <a:lstStyle/>
           <a:p>
             <a:pPr algn="ctr"/>
-            <a:endParaRPr lang="ko-KR" altLang="en-US"/>
+            <a:endParaRPr lang="ko-KR" altLang="en-US" sz="1400">
+              <a:solidFill>
+                <a:schemeClr val="accent1">
+                  <a:lumMod val="75000"/>
+                </a:schemeClr>
+              </a:solidFill>
+            </a:endParaRPr>
           </a:p>
         </p:txBody>
       </p:sp>
@@ -4036,6 +4163,12 @@
           <a:prstGeom prst="rect">
             <a:avLst/>
           </a:prstGeom>
+          <a:solidFill>
+            <a:schemeClr val="accent6">
+              <a:lumMod val="60000"/>
+              <a:lumOff val="40000"/>
+            </a:schemeClr>
+          </a:solidFill>
           <a:ln>
             <a:noFill/>
           </a:ln>
@@ -4061,7 +4194,13 @@
           <a:lstStyle/>
           <a:p>
             <a:pPr algn="ctr"/>
-            <a:endParaRPr lang="ko-KR" altLang="en-US"/>
+            <a:endParaRPr lang="ko-KR" altLang="en-US" sz="1400">
+              <a:solidFill>
+                <a:schemeClr val="accent1">
+                  <a:lumMod val="75000"/>
+                </a:schemeClr>
+              </a:solidFill>
+            </a:endParaRPr>
           </a:p>
         </p:txBody>
       </p:sp>
@@ -4079,6 +4218,12 @@
           <a:prstGeom prst="rect">
             <a:avLst/>
           </a:prstGeom>
+          <a:solidFill>
+            <a:schemeClr val="accent6">
+              <a:lumMod val="60000"/>
+              <a:lumOff val="40000"/>
+            </a:schemeClr>
+          </a:solidFill>
           <a:ln>
             <a:noFill/>
           </a:ln>
@@ -4104,7 +4249,13 @@
           <a:lstStyle/>
           <a:p>
             <a:pPr algn="ctr"/>
-            <a:endParaRPr lang="ko-KR" altLang="en-US"/>
+            <a:endParaRPr lang="ko-KR" altLang="en-US" sz="1400">
+              <a:solidFill>
+                <a:schemeClr val="accent1">
+                  <a:lumMod val="75000"/>
+                </a:schemeClr>
+              </a:solidFill>
+            </a:endParaRPr>
           </a:p>
         </p:txBody>
       </p:sp>
@@ -4122,6 +4273,12 @@
           <a:prstGeom prst="rect">
             <a:avLst/>
           </a:prstGeom>
+          <a:solidFill>
+            <a:schemeClr val="accent6">
+              <a:lumMod val="60000"/>
+              <a:lumOff val="40000"/>
+            </a:schemeClr>
+          </a:solidFill>
           <a:ln>
             <a:noFill/>
           </a:ln>
@@ -4147,7 +4304,13 @@
           <a:lstStyle/>
           <a:p>
             <a:pPr algn="ctr"/>
-            <a:endParaRPr lang="ko-KR" altLang="en-US"/>
+            <a:endParaRPr lang="ko-KR" altLang="en-US" sz="1400">
+              <a:solidFill>
+                <a:schemeClr val="accent1">
+                  <a:lumMod val="75000"/>
+                </a:schemeClr>
+              </a:solidFill>
+            </a:endParaRPr>
           </a:p>
         </p:txBody>
       </p:sp>
@@ -4165,6 +4328,12 @@
           <a:prstGeom prst="rect">
             <a:avLst/>
           </a:prstGeom>
+          <a:solidFill>
+            <a:schemeClr val="accent6">
+              <a:lumMod val="60000"/>
+              <a:lumOff val="40000"/>
+            </a:schemeClr>
+          </a:solidFill>
           <a:ln>
             <a:noFill/>
           </a:ln>
@@ -4190,7 +4359,13 @@
           <a:lstStyle/>
           <a:p>
             <a:pPr algn="ctr"/>
-            <a:endParaRPr lang="ko-KR" altLang="en-US"/>
+            <a:endParaRPr lang="ko-KR" altLang="en-US" sz="1400" b="1">
+              <a:solidFill>
+                <a:schemeClr val="accent1">
+                  <a:lumMod val="75000"/>
+                </a:schemeClr>
+              </a:solidFill>
+            </a:endParaRPr>
           </a:p>
         </p:txBody>
       </p:sp>
@@ -4208,6 +4383,12 @@
           <a:prstGeom prst="rect">
             <a:avLst/>
           </a:prstGeom>
+          <a:solidFill>
+            <a:schemeClr val="accent6">
+              <a:lumMod val="60000"/>
+              <a:lumOff val="40000"/>
+            </a:schemeClr>
+          </a:solidFill>
           <a:ln>
             <a:noFill/>
           </a:ln>
@@ -4233,7 +4414,13 @@
           <a:lstStyle/>
           <a:p>
             <a:pPr algn="ctr"/>
-            <a:endParaRPr lang="ko-KR" altLang="en-US"/>
+            <a:endParaRPr lang="ko-KR" altLang="en-US" sz="1400" b="1">
+              <a:solidFill>
+                <a:schemeClr val="accent1">
+                  <a:lumMod val="75000"/>
+                </a:schemeClr>
+              </a:solidFill>
+            </a:endParaRPr>
           </a:p>
         </p:txBody>
       </p:sp>
@@ -4251,6 +4438,12 @@
           <a:prstGeom prst="rect">
             <a:avLst/>
           </a:prstGeom>
+          <a:solidFill>
+            <a:schemeClr val="accent6">
+              <a:lumMod val="60000"/>
+              <a:lumOff val="40000"/>
+            </a:schemeClr>
+          </a:solidFill>
           <a:ln>
             <a:noFill/>
           </a:ln>
@@ -4276,7 +4469,13 @@
           <a:lstStyle/>
           <a:p>
             <a:pPr algn="ctr"/>
-            <a:endParaRPr lang="ko-KR" altLang="en-US"/>
+            <a:endParaRPr lang="ko-KR" altLang="en-US" sz="1400" b="1">
+              <a:solidFill>
+                <a:schemeClr val="accent1">
+                  <a:lumMod val="75000"/>
+                </a:schemeClr>
+              </a:solidFill>
+            </a:endParaRPr>
           </a:p>
         </p:txBody>
       </p:sp>
@@ -4294,6 +4493,12 @@
           <a:prstGeom prst="rect">
             <a:avLst/>
           </a:prstGeom>
+          <a:solidFill>
+            <a:schemeClr val="accent6">
+              <a:lumMod val="60000"/>
+              <a:lumOff val="40000"/>
+            </a:schemeClr>
+          </a:solidFill>
           <a:ln>
             <a:noFill/>
           </a:ln>
@@ -4319,7 +4524,13 @@
           <a:lstStyle/>
           <a:p>
             <a:pPr algn="ctr"/>
-            <a:endParaRPr lang="ko-KR" altLang="en-US"/>
+            <a:endParaRPr lang="ko-KR" altLang="en-US" sz="1400" b="1">
+              <a:solidFill>
+                <a:schemeClr val="accent1">
+                  <a:lumMod val="75000"/>
+                </a:schemeClr>
+              </a:solidFill>
+            </a:endParaRPr>
           </a:p>
         </p:txBody>
       </p:sp>
@@ -4332,11 +4543,17 @@
         <p:spPr>
           <a:xfrm>
             <a:off x="928662" y="1928807"/>
-            <a:ext cx="785818" cy="781117"/>
-          </a:xfrm>
-          <a:prstGeom prst="rect">
-            <a:avLst/>
-          </a:prstGeom>
+            <a:ext cx="1267074" cy="852223"/>
+          </a:xfrm>
+          <a:prstGeom prst="rect">
+            <a:avLst/>
+          </a:prstGeom>
+          <a:solidFill>
+            <a:schemeClr val="accent6">
+              <a:lumMod val="60000"/>
+              <a:lumOff val="40000"/>
+            </a:schemeClr>
+          </a:solidFill>
           <a:ln>
             <a:noFill/>
           </a:ln>
@@ -4362,24 +4579,36 @@
           <a:lstStyle/>
           <a:p>
             <a:pPr algn="ctr"/>
-            <a:endParaRPr lang="ko-KR" altLang="en-US"/>
-          </a:p>
-        </p:txBody>
-      </p:sp>
-      <p:sp>
-        <p:nvSpPr>
-          <p:cNvPr id="15" name="직사각형 14"/>
+            <a:endParaRPr lang="ko-KR" altLang="en-US" sz="1400" b="1">
+              <a:solidFill>
+                <a:schemeClr val="accent1">
+                  <a:lumMod val="75000"/>
+                </a:schemeClr>
+              </a:solidFill>
+            </a:endParaRPr>
+          </a:p>
+        </p:txBody>
+      </p:sp>
+      <p:sp>
+        <p:nvSpPr>
+          <p:cNvPr id="16" name="직사각형 15"/>
           <p:cNvSpPr/>
           <p:nvPr/>
         </p:nvSpPr>
         <p:spPr>
           <a:xfrm>
-            <a:off x="1928794" y="1928807"/>
-            <a:ext cx="785818" cy="781117"/>
-          </a:xfrm>
-          <a:prstGeom prst="rect">
-            <a:avLst/>
-          </a:prstGeom>
+            <a:off x="2459384" y="1928807"/>
+            <a:ext cx="528439" cy="852223"/>
+          </a:xfrm>
+          <a:prstGeom prst="rect">
+            <a:avLst/>
+          </a:prstGeom>
+          <a:solidFill>
+            <a:schemeClr val="accent6">
+              <a:lumMod val="60000"/>
+              <a:lumOff val="40000"/>
+            </a:schemeClr>
+          </a:solidFill>
           <a:ln>
             <a:noFill/>
           </a:ln>
@@ -4405,24 +4634,36 @@
           <a:lstStyle/>
           <a:p>
             <a:pPr algn="ctr"/>
-            <a:endParaRPr lang="ko-KR" altLang="en-US"/>
-          </a:p>
-        </p:txBody>
-      </p:sp>
-      <p:sp>
-        <p:nvSpPr>
-          <p:cNvPr id="16" name="직사각형 15"/>
+            <a:endParaRPr lang="ko-KR" altLang="en-US" sz="1400" b="1">
+              <a:solidFill>
+                <a:schemeClr val="accent1">
+                  <a:lumMod val="75000"/>
+                </a:schemeClr>
+              </a:solidFill>
+            </a:endParaRPr>
+          </a:p>
+        </p:txBody>
+      </p:sp>
+      <p:sp>
+        <p:nvSpPr>
+          <p:cNvPr id="17" name="직사각형 16"/>
           <p:cNvSpPr/>
           <p:nvPr/>
         </p:nvSpPr>
         <p:spPr>
           <a:xfrm>
-            <a:off x="2928926" y="1928807"/>
-            <a:ext cx="357190" cy="781117"/>
-          </a:xfrm>
-          <a:prstGeom prst="rect">
-            <a:avLst/>
-          </a:prstGeom>
+            <a:off x="3912704" y="1925454"/>
+            <a:ext cx="500066" cy="852223"/>
+          </a:xfrm>
+          <a:prstGeom prst="rect">
+            <a:avLst/>
+          </a:prstGeom>
+          <a:solidFill>
+            <a:schemeClr val="accent6">
+              <a:lumMod val="60000"/>
+              <a:lumOff val="40000"/>
+            </a:schemeClr>
+          </a:solidFill>
           <a:ln>
             <a:noFill/>
           </a:ln>
@@ -4448,24 +4689,36 @@
           <a:lstStyle/>
           <a:p>
             <a:pPr algn="ctr"/>
-            <a:endParaRPr lang="ko-KR" altLang="en-US"/>
-          </a:p>
-        </p:txBody>
-      </p:sp>
-      <p:sp>
-        <p:nvSpPr>
-          <p:cNvPr id="17" name="직사각형 16"/>
+            <a:endParaRPr lang="ko-KR" altLang="en-US" sz="1400" b="1">
+              <a:solidFill>
+                <a:schemeClr val="accent1">
+                  <a:lumMod val="75000"/>
+                </a:schemeClr>
+              </a:solidFill>
+            </a:endParaRPr>
+          </a:p>
+        </p:txBody>
+      </p:sp>
+      <p:sp>
+        <p:nvSpPr>
+          <p:cNvPr id="18" name="직사각형 17"/>
           <p:cNvSpPr/>
           <p:nvPr/>
         </p:nvSpPr>
         <p:spPr>
           <a:xfrm>
-            <a:off x="3929058" y="1928807"/>
-            <a:ext cx="357190" cy="781117"/>
-          </a:xfrm>
-          <a:prstGeom prst="rect">
-            <a:avLst/>
-          </a:prstGeom>
+            <a:off x="3198324" y="1928806"/>
+            <a:ext cx="542665" cy="852223"/>
+          </a:xfrm>
+          <a:prstGeom prst="rect">
+            <a:avLst/>
+          </a:prstGeom>
+          <a:solidFill>
+            <a:schemeClr val="accent6">
+              <a:lumMod val="60000"/>
+              <a:lumOff val="40000"/>
+            </a:schemeClr>
+          </a:solidFill>
           <a:ln>
             <a:noFill/>
           </a:ln>
@@ -4491,24 +4744,36 @@
           <a:lstStyle/>
           <a:p>
             <a:pPr algn="ctr"/>
-            <a:endParaRPr lang="ko-KR" altLang="en-US"/>
-          </a:p>
-        </p:txBody>
-      </p:sp>
-      <p:sp>
-        <p:nvSpPr>
-          <p:cNvPr id="18" name="직사각형 17"/>
+            <a:endParaRPr lang="ko-KR" altLang="en-US" sz="1400" b="1">
+              <a:solidFill>
+                <a:schemeClr val="accent1">
+                  <a:lumMod val="75000"/>
+                </a:schemeClr>
+              </a:solidFill>
+            </a:endParaRPr>
+          </a:p>
+        </p:txBody>
+      </p:sp>
+      <p:sp>
+        <p:nvSpPr>
+          <p:cNvPr id="19" name="직사각형 18"/>
           <p:cNvSpPr/>
           <p:nvPr/>
         </p:nvSpPr>
         <p:spPr>
           <a:xfrm>
-            <a:off x="3428992" y="1928807"/>
-            <a:ext cx="357190" cy="781117"/>
-          </a:xfrm>
-          <a:prstGeom prst="rect">
-            <a:avLst/>
-          </a:prstGeom>
+            <a:off x="1000100" y="3000378"/>
+            <a:ext cx="1495665" cy="359415"/>
+          </a:xfrm>
+          <a:prstGeom prst="rect">
+            <a:avLst/>
+          </a:prstGeom>
+          <a:solidFill>
+            <a:schemeClr val="accent6">
+              <a:lumMod val="60000"/>
+              <a:lumOff val="40000"/>
+            </a:schemeClr>
+          </a:solidFill>
           <a:ln>
             <a:noFill/>
           </a:ln>
@@ -4534,24 +4799,86 @@
           <a:lstStyle/>
           <a:p>
             <a:pPr algn="ctr"/>
-            <a:endParaRPr lang="ko-KR" altLang="en-US"/>
-          </a:p>
-        </p:txBody>
-      </p:sp>
-      <p:sp>
-        <p:nvSpPr>
-          <p:cNvPr id="19" name="직사각형 18"/>
+            <a:r>
+              <a:rPr lang="ko-KR" altLang="en-US" sz="1400" b="1" dirty="0" smtClean="0">
+                <a:solidFill>
+                  <a:schemeClr val="accent1">
+                    <a:lumMod val="75000"/>
+                  </a:schemeClr>
+                </a:solidFill>
+              </a:rPr>
+              <a:t>김</a:t>
+            </a:r>
+            <a:r>
+              <a:rPr lang="en-US" altLang="ko-KR" sz="1400" b="1" dirty="0" smtClean="0">
+                <a:solidFill>
+                  <a:schemeClr val="accent1">
+                    <a:lumMod val="75000"/>
+                  </a:schemeClr>
+                </a:solidFill>
+              </a:rPr>
+              <a:t>/</a:t>
+            </a:r>
+            <a:r>
+              <a:rPr lang="ko-KR" altLang="en-US" sz="1400" b="1" dirty="0" smtClean="0">
+                <a:solidFill>
+                  <a:schemeClr val="accent1">
+                    <a:lumMod val="75000"/>
+                  </a:schemeClr>
+                </a:solidFill>
+              </a:rPr>
+              <a:t>미역</a:t>
+            </a:r>
+            <a:r>
+              <a:rPr lang="en-US" altLang="ko-KR" sz="1400" b="1" dirty="0" smtClean="0">
+                <a:solidFill>
+                  <a:schemeClr val="accent1">
+                    <a:lumMod val="75000"/>
+                  </a:schemeClr>
+                </a:solidFill>
+              </a:rPr>
+              <a:t>/</a:t>
+            </a:r>
+            <a:r>
+              <a:rPr lang="ko-KR" altLang="en-US" sz="1400" b="1" dirty="0" err="1" smtClean="0">
+                <a:solidFill>
+                  <a:schemeClr val="accent1">
+                    <a:lumMod val="75000"/>
+                  </a:schemeClr>
+                </a:solidFill>
+              </a:rPr>
+              <a:t>건어</a:t>
+            </a:r>
+            <a:endParaRPr lang="ko-KR" altLang="en-US" sz="1400" b="1" dirty="0">
+              <a:solidFill>
+                <a:schemeClr val="accent1">
+                  <a:lumMod val="75000"/>
+                </a:schemeClr>
+              </a:solidFill>
+            </a:endParaRPr>
+          </a:p>
+        </p:txBody>
+      </p:sp>
+      <p:sp>
+        <p:nvSpPr>
+          <p:cNvPr id="20" name="직사각형 19"/>
           <p:cNvSpPr/>
           <p:nvPr/>
         </p:nvSpPr>
         <p:spPr>
           <a:xfrm>
-            <a:off x="1000100" y="3000378"/>
-            <a:ext cx="1495665" cy="359415"/>
-          </a:xfrm>
-          <a:prstGeom prst="rect">
-            <a:avLst/>
-          </a:prstGeom>
+            <a:off x="4857753" y="642925"/>
+            <a:ext cx="928725" cy="223176"/>
+          </a:xfrm>
+          <a:prstGeom prst="rect">
+            <a:avLst/>
+          </a:prstGeom>
+          <a:solidFill>
+            <a:schemeClr val="accent6">
+              <a:lumMod val="60000"/>
+              <a:lumOff val="40000"/>
+            </a:schemeClr>
+          </a:solidFill>
           <a:ln>
             <a:noFill/>
           </a:ln>
@@ -4577,24 +4904,46 @@
           <a:lstStyle/>
           <a:p>
             <a:pPr algn="ctr"/>
-            <a:endParaRPr lang="ko-KR" altLang="en-US"/>
-          </a:p>
-        </p:txBody>
-      </p:sp>
-      <p:sp>
-        <p:nvSpPr>
-          <p:cNvPr id="20" name="직사각형 19"/>
+            <a:r>
+              <a:rPr lang="ko-KR" altLang="en-US" sz="1400" b="1" dirty="0" smtClean="0">
+                <a:solidFill>
+                  <a:schemeClr val="accent1">
+                    <a:lumMod val="75000"/>
+                  </a:schemeClr>
+                </a:solidFill>
+              </a:rPr>
+              <a:t>행사</a:t>
+            </a:r>
+            <a:endParaRPr lang="en-US" altLang="ko-KR" sz="1400" b="1" dirty="0" smtClean="0">
+              <a:solidFill>
+                <a:schemeClr val="accent1">
+                  <a:lumMod val="75000"/>
+                </a:schemeClr>
+              </a:solidFill>
+            </a:endParaRPr>
+          </a:p>
+        </p:txBody>
+      </p:sp>
+      <p:sp>
+        <p:nvSpPr>
+          <p:cNvPr id="21" name="직사각형 20"/>
           <p:cNvSpPr/>
           <p:nvPr/>
         </p:nvSpPr>
         <p:spPr>
           <a:xfrm>
-            <a:off x="4857753" y="642925"/>
+            <a:off x="5929322" y="642924"/>
             <a:ext cx="928725" cy="223176"/>
           </a:xfrm>
           <a:prstGeom prst="rect">
             <a:avLst/>
           </a:prstGeom>
+          <a:solidFill>
+            <a:schemeClr val="accent6">
+              <a:lumMod val="60000"/>
+              <a:lumOff val="40000"/>
+            </a:schemeClr>
+          </a:solidFill>
           <a:ln>
             <a:noFill/>
           </a:ln>
@@ -4620,24 +4969,46 @@
           <a:lstStyle/>
           <a:p>
             <a:pPr algn="ctr"/>
-            <a:endParaRPr lang="ko-KR" altLang="en-US"/>
-          </a:p>
-        </p:txBody>
-      </p:sp>
-      <p:sp>
-        <p:nvSpPr>
-          <p:cNvPr id="21" name="직사각형 20"/>
+            <a:r>
+              <a:rPr lang="ko-KR" altLang="en-US" sz="1400" b="1" dirty="0" smtClean="0">
+                <a:solidFill>
+                  <a:schemeClr val="accent1">
+                    <a:lumMod val="75000"/>
+                  </a:schemeClr>
+                </a:solidFill>
+              </a:rPr>
+              <a:t>행사</a:t>
+            </a:r>
+            <a:endParaRPr lang="ko-KR" altLang="en-US" sz="1400" b="1" dirty="0">
+              <a:solidFill>
+                <a:schemeClr val="accent1">
+                  <a:lumMod val="75000"/>
+                </a:schemeClr>
+              </a:solidFill>
+            </a:endParaRPr>
+          </a:p>
+        </p:txBody>
+      </p:sp>
+      <p:sp>
+        <p:nvSpPr>
+          <p:cNvPr id="22" name="직사각형 21"/>
           <p:cNvSpPr/>
           <p:nvPr/>
         </p:nvSpPr>
         <p:spPr>
           <a:xfrm>
-            <a:off x="5929322" y="642924"/>
-            <a:ext cx="928725" cy="223176"/>
-          </a:xfrm>
-          <a:prstGeom prst="rect">
-            <a:avLst/>
-          </a:prstGeom>
+            <a:off x="4857752" y="1071552"/>
+            <a:ext cx="785818" cy="781117"/>
+          </a:xfrm>
+          <a:prstGeom prst="rect">
+            <a:avLst/>
+          </a:prstGeom>
+          <a:solidFill>
+            <a:schemeClr val="accent6">
+              <a:lumMod val="60000"/>
+              <a:lumOff val="40000"/>
+            </a:schemeClr>
+          </a:solidFill>
           <a:ln>
             <a:noFill/>
           </a:ln>
@@ -4663,24 +5034,36 @@
           <a:lstStyle/>
           <a:p>
             <a:pPr algn="ctr"/>
-            <a:endParaRPr lang="ko-KR" altLang="en-US"/>
-          </a:p>
-        </p:txBody>
-      </p:sp>
-      <p:sp>
-        <p:nvSpPr>
-          <p:cNvPr id="22" name="직사각형 21"/>
+            <a:endParaRPr lang="ko-KR" altLang="en-US" sz="1400" b="1">
+              <a:solidFill>
+                <a:schemeClr val="accent1">
+                  <a:lumMod val="75000"/>
+                </a:schemeClr>
+              </a:solidFill>
+            </a:endParaRPr>
+          </a:p>
+        </p:txBody>
+      </p:sp>
+      <p:sp>
+        <p:nvSpPr>
+          <p:cNvPr id="23" name="직사각형 22"/>
           <p:cNvSpPr/>
           <p:nvPr/>
         </p:nvSpPr>
         <p:spPr>
           <a:xfrm>
-            <a:off x="4857752" y="1071552"/>
+            <a:off x="5786446" y="1071552"/>
             <a:ext cx="785818" cy="781117"/>
           </a:xfrm>
           <a:prstGeom prst="rect">
             <a:avLst/>
           </a:prstGeom>
+          <a:solidFill>
+            <a:schemeClr val="accent6">
+              <a:lumMod val="60000"/>
+              <a:lumOff val="40000"/>
+            </a:schemeClr>
+          </a:solidFill>
           <a:ln>
             <a:noFill/>
           </a:ln>
@@ -4706,24 +5089,36 @@
           <a:lstStyle/>
           <a:p>
             <a:pPr algn="ctr"/>
-            <a:endParaRPr lang="ko-KR" altLang="en-US"/>
-          </a:p>
-        </p:txBody>
-      </p:sp>
-      <p:sp>
-        <p:nvSpPr>
-          <p:cNvPr id="23" name="직사각형 22"/>
+            <a:endParaRPr lang="ko-KR" altLang="en-US" sz="1400" b="1">
+              <a:solidFill>
+                <a:schemeClr val="accent1">
+                  <a:lumMod val="75000"/>
+                </a:schemeClr>
+              </a:solidFill>
+            </a:endParaRPr>
+          </a:p>
+        </p:txBody>
+      </p:sp>
+      <p:sp>
+        <p:nvSpPr>
+          <p:cNvPr id="24" name="직사각형 23"/>
           <p:cNvSpPr/>
           <p:nvPr/>
         </p:nvSpPr>
         <p:spPr>
           <a:xfrm>
-            <a:off x="5786446" y="1071552"/>
+            <a:off x="6715140" y="1071552"/>
             <a:ext cx="785818" cy="781117"/>
           </a:xfrm>
           <a:prstGeom prst="rect">
             <a:avLst/>
           </a:prstGeom>
+          <a:solidFill>
+            <a:schemeClr val="accent6">
+              <a:lumMod val="60000"/>
+              <a:lumOff val="40000"/>
+            </a:schemeClr>
+          </a:solidFill>
           <a:ln>
             <a:noFill/>
           </a:ln>
@@ -4749,24 +5144,36 @@
           <a:lstStyle/>
           <a:p>
             <a:pPr algn="ctr"/>
-            <a:endParaRPr lang="ko-KR" altLang="en-US"/>
-          </a:p>
-        </p:txBody>
-      </p:sp>
-      <p:sp>
-        <p:nvSpPr>
-          <p:cNvPr id="24" name="직사각형 23"/>
+            <a:endParaRPr lang="ko-KR" altLang="en-US" sz="1400" b="1">
+              <a:solidFill>
+                <a:schemeClr val="accent1">
+                  <a:lumMod val="75000"/>
+                </a:schemeClr>
+              </a:solidFill>
+            </a:endParaRPr>
+          </a:p>
+        </p:txBody>
+      </p:sp>
+      <p:sp>
+        <p:nvSpPr>
+          <p:cNvPr id="25" name="직사각형 24"/>
           <p:cNvSpPr/>
           <p:nvPr/>
         </p:nvSpPr>
         <p:spPr>
           <a:xfrm>
-            <a:off x="6715140" y="1071552"/>
-            <a:ext cx="785818" cy="781117"/>
-          </a:xfrm>
-          <a:prstGeom prst="rect">
-            <a:avLst/>
-          </a:prstGeom>
+            <a:off x="4857753" y="2143122"/>
+            <a:ext cx="928725" cy="223176"/>
+          </a:xfrm>
+          <a:prstGeom prst="rect">
+            <a:avLst/>
+          </a:prstGeom>
+          <a:solidFill>
+            <a:schemeClr val="accent6">
+              <a:lumMod val="60000"/>
+              <a:lumOff val="40000"/>
+            </a:schemeClr>
+          </a:solidFill>
           <a:ln>
             <a:noFill/>
           </a:ln>
@@ -4792,24 +5199,46 @@
           <a:lstStyle/>
           <a:p>
             <a:pPr algn="ctr"/>
-            <a:endParaRPr lang="ko-KR" altLang="en-US"/>
-          </a:p>
-        </p:txBody>
-      </p:sp>
-      <p:sp>
-        <p:nvSpPr>
-          <p:cNvPr id="25" name="직사각형 24"/>
+            <a:r>
+              <a:rPr lang="ko-KR" altLang="en-US" sz="1400" b="1" dirty="0" smtClean="0">
+                <a:solidFill>
+                  <a:schemeClr val="accent1">
+                    <a:lumMod val="75000"/>
+                  </a:schemeClr>
+                </a:solidFill>
+              </a:rPr>
+              <a:t>행사</a:t>
+            </a:r>
+            <a:endParaRPr lang="ko-KR" altLang="en-US" sz="1400" b="1" dirty="0">
+              <a:solidFill>
+                <a:schemeClr val="accent1">
+                  <a:lumMod val="75000"/>
+                </a:schemeClr>
+              </a:solidFill>
+            </a:endParaRPr>
+          </a:p>
+        </p:txBody>
+      </p:sp>
+      <p:sp>
+        <p:nvSpPr>
+          <p:cNvPr id="26" name="직사각형 25"/>
           <p:cNvSpPr/>
           <p:nvPr/>
         </p:nvSpPr>
         <p:spPr>
           <a:xfrm>
-            <a:off x="4857753" y="2143122"/>
+            <a:off x="5929322" y="2143121"/>
             <a:ext cx="928725" cy="223176"/>
           </a:xfrm>
           <a:prstGeom prst="rect">
             <a:avLst/>
           </a:prstGeom>
+          <a:solidFill>
+            <a:schemeClr val="accent6">
+              <a:lumMod val="60000"/>
+              <a:lumOff val="40000"/>
+            </a:schemeClr>
+          </a:solidFill>
           <a:ln>
             <a:noFill/>
           </a:ln>
@@ -4835,24 +5264,46 @@
           <a:lstStyle/>
           <a:p>
             <a:pPr algn="ctr"/>
-            <a:endParaRPr lang="ko-KR" altLang="en-US"/>
-          </a:p>
-        </p:txBody>
-      </p:sp>
-      <p:sp>
-        <p:nvSpPr>
-          <p:cNvPr id="26" name="직사각형 25"/>
+            <a:r>
+              <a:rPr lang="ko-KR" altLang="en-US" sz="1400" b="1" dirty="0" smtClean="0">
+                <a:solidFill>
+                  <a:schemeClr val="accent1">
+                    <a:lumMod val="75000"/>
+                  </a:schemeClr>
+                </a:solidFill>
+              </a:rPr>
+              <a:t>행사</a:t>
+            </a:r>
+            <a:endParaRPr lang="ko-KR" altLang="en-US" sz="1400" b="1" dirty="0">
+              <a:solidFill>
+                <a:schemeClr val="accent1">
+                  <a:lumMod val="75000"/>
+                </a:schemeClr>
+              </a:solidFill>
+            </a:endParaRPr>
+          </a:p>
+        </p:txBody>
+      </p:sp>
+      <p:sp>
+        <p:nvSpPr>
+          <p:cNvPr id="27" name="직사각형 26"/>
           <p:cNvSpPr/>
           <p:nvPr/>
         </p:nvSpPr>
         <p:spPr>
           <a:xfrm>
-            <a:off x="5929322" y="2143121"/>
+            <a:off x="7000892" y="2143121"/>
             <a:ext cx="928725" cy="223176"/>
           </a:xfrm>
           <a:prstGeom prst="rect">
             <a:avLst/>
           </a:prstGeom>
+          <a:solidFill>
+            <a:schemeClr val="accent6">
+              <a:lumMod val="60000"/>
+              <a:lumOff val="40000"/>
+            </a:schemeClr>
+          </a:solidFill>
           <a:ln>
             <a:noFill/>
           </a:ln>
@@ -4878,24 +5329,46 @@
           <a:lstStyle/>
           <a:p>
             <a:pPr algn="ctr"/>
-            <a:endParaRPr lang="ko-KR" altLang="en-US"/>
-          </a:p>
-        </p:txBody>
-      </p:sp>
-      <p:sp>
-        <p:nvSpPr>
-          <p:cNvPr id="27" name="직사각형 26"/>
+            <a:r>
+              <a:rPr lang="ko-KR" altLang="en-US" sz="1400" b="1" dirty="0" smtClean="0">
+                <a:solidFill>
+                  <a:schemeClr val="accent1">
+                    <a:lumMod val="75000"/>
+                  </a:schemeClr>
+                </a:solidFill>
+              </a:rPr>
+              <a:t>행사</a:t>
+            </a:r>
+            <a:endParaRPr lang="ko-KR" altLang="en-US" sz="1400" b="1" dirty="0">
+              <a:solidFill>
+                <a:schemeClr val="accent1">
+                  <a:lumMod val="75000"/>
+                </a:schemeClr>
+              </a:solidFill>
+            </a:endParaRPr>
+          </a:p>
+        </p:txBody>
+      </p:sp>
+      <p:sp>
+        <p:nvSpPr>
+          <p:cNvPr id="28" name="직사각형 27"/>
           <p:cNvSpPr/>
           <p:nvPr/>
         </p:nvSpPr>
         <p:spPr>
           <a:xfrm>
-            <a:off x="7000892" y="2143121"/>
-            <a:ext cx="928725" cy="223176"/>
-          </a:xfrm>
-          <a:prstGeom prst="rect">
-            <a:avLst/>
-          </a:prstGeom>
+            <a:off x="5286380" y="3000378"/>
+            <a:ext cx="785818" cy="781117"/>
+          </a:xfrm>
+          <a:prstGeom prst="rect">
+            <a:avLst/>
+          </a:prstGeom>
+          <a:solidFill>
+            <a:schemeClr val="accent6">
+              <a:lumMod val="60000"/>
+              <a:lumOff val="40000"/>
+            </a:schemeClr>
+          </a:solidFill>
           <a:ln>
             <a:noFill/>
           </a:ln>
@@ -4921,24 +5394,36 @@
           <a:lstStyle/>
           <a:p>
             <a:pPr algn="ctr"/>
-            <a:endParaRPr lang="ko-KR" altLang="en-US"/>
-          </a:p>
-        </p:txBody>
-      </p:sp>
-      <p:sp>
-        <p:nvSpPr>
-          <p:cNvPr id="28" name="직사각형 27"/>
+            <a:endParaRPr lang="ko-KR" altLang="en-US" sz="1400" b="1">
+              <a:solidFill>
+                <a:schemeClr val="accent1">
+                  <a:lumMod val="75000"/>
+                </a:schemeClr>
+              </a:solidFill>
+            </a:endParaRPr>
+          </a:p>
+        </p:txBody>
+      </p:sp>
+      <p:sp>
+        <p:nvSpPr>
+          <p:cNvPr id="29" name="직사각형 28"/>
           <p:cNvSpPr/>
           <p:nvPr/>
         </p:nvSpPr>
         <p:spPr>
           <a:xfrm>
-            <a:off x="5286380" y="3000378"/>
+            <a:off x="6215074" y="3000378"/>
             <a:ext cx="785818" cy="781117"/>
           </a:xfrm>
           <a:prstGeom prst="rect">
             <a:avLst/>
           </a:prstGeom>
+          <a:solidFill>
+            <a:schemeClr val="accent6">
+              <a:lumMod val="60000"/>
+              <a:lumOff val="40000"/>
+            </a:schemeClr>
+          </a:solidFill>
           <a:ln>
             <a:noFill/>
           </a:ln>
@@ -4964,24 +5449,36 @@
           <a:lstStyle/>
           <a:p>
             <a:pPr algn="ctr"/>
-            <a:endParaRPr lang="ko-KR" altLang="en-US"/>
-          </a:p>
-        </p:txBody>
-      </p:sp>
-      <p:sp>
-        <p:nvSpPr>
-          <p:cNvPr id="29" name="직사각형 28"/>
+            <a:endParaRPr lang="ko-KR" altLang="en-US" sz="1400" b="1">
+              <a:solidFill>
+                <a:schemeClr val="accent1">
+                  <a:lumMod val="75000"/>
+                </a:schemeClr>
+              </a:solidFill>
+            </a:endParaRPr>
+          </a:p>
+        </p:txBody>
+      </p:sp>
+      <p:sp>
+        <p:nvSpPr>
+          <p:cNvPr id="30" name="직사각형 29"/>
           <p:cNvSpPr/>
           <p:nvPr/>
         </p:nvSpPr>
         <p:spPr>
           <a:xfrm>
-            <a:off x="6215074" y="3000378"/>
+            <a:off x="7143768" y="3000378"/>
             <a:ext cx="785818" cy="781117"/>
           </a:xfrm>
           <a:prstGeom prst="rect">
             <a:avLst/>
           </a:prstGeom>
+          <a:solidFill>
+            <a:schemeClr val="accent6">
+              <a:lumMod val="60000"/>
+              <a:lumOff val="40000"/>
+            </a:schemeClr>
+          </a:solidFill>
           <a:ln>
             <a:noFill/>
           </a:ln>
@@ -5007,24 +5504,36 @@
           <a:lstStyle/>
           <a:p>
             <a:pPr algn="ctr"/>
-            <a:endParaRPr lang="ko-KR" altLang="en-US"/>
-          </a:p>
-        </p:txBody>
-      </p:sp>
-      <p:sp>
-        <p:nvSpPr>
-          <p:cNvPr id="30" name="직사각형 29"/>
+            <a:endParaRPr lang="ko-KR" altLang="en-US" sz="1400" b="1">
+              <a:solidFill>
+                <a:schemeClr val="accent1">
+                  <a:lumMod val="75000"/>
+                </a:schemeClr>
+              </a:solidFill>
+            </a:endParaRPr>
+          </a:p>
+        </p:txBody>
+      </p:sp>
+      <p:sp>
+        <p:nvSpPr>
+          <p:cNvPr id="31" name="직사각형 30"/>
           <p:cNvSpPr/>
           <p:nvPr/>
         </p:nvSpPr>
         <p:spPr>
           <a:xfrm>
-            <a:off x="7143768" y="3000378"/>
+            <a:off x="3357554" y="3000378"/>
             <a:ext cx="785818" cy="781117"/>
           </a:xfrm>
           <a:prstGeom prst="rect">
             <a:avLst/>
           </a:prstGeom>
+          <a:solidFill>
+            <a:schemeClr val="accent6">
+              <a:lumMod val="60000"/>
+              <a:lumOff val="40000"/>
+            </a:schemeClr>
+          </a:solidFill>
           <a:ln>
             <a:noFill/>
           </a:ln>
@@ -5050,24 +5559,36 @@
           <a:lstStyle/>
           <a:p>
             <a:pPr algn="ctr"/>
-            <a:endParaRPr lang="ko-KR" altLang="en-US"/>
-          </a:p>
-        </p:txBody>
-      </p:sp>
-      <p:sp>
-        <p:nvSpPr>
-          <p:cNvPr id="31" name="직사각형 30"/>
+            <a:endParaRPr lang="ko-KR" altLang="en-US" sz="1400" b="1">
+              <a:solidFill>
+                <a:schemeClr val="accent1">
+                  <a:lumMod val="75000"/>
+                </a:schemeClr>
+              </a:solidFill>
+            </a:endParaRPr>
+          </a:p>
+        </p:txBody>
+      </p:sp>
+      <p:sp>
+        <p:nvSpPr>
+          <p:cNvPr id="32" name="직사각형 31"/>
           <p:cNvSpPr/>
           <p:nvPr/>
         </p:nvSpPr>
         <p:spPr>
           <a:xfrm>
-            <a:off x="3357554" y="3000378"/>
+            <a:off x="4286248" y="3000378"/>
             <a:ext cx="785818" cy="781117"/>
           </a:xfrm>
           <a:prstGeom prst="rect">
             <a:avLst/>
           </a:prstGeom>
+          <a:solidFill>
+            <a:schemeClr val="accent6">
+              <a:lumMod val="60000"/>
+              <a:lumOff val="40000"/>
+            </a:schemeClr>
+          </a:solidFill>
           <a:ln>
             <a:noFill/>
           </a:ln>
@@ -5093,24 +5614,36 @@
           <a:lstStyle/>
           <a:p>
             <a:pPr algn="ctr"/>
-            <a:endParaRPr lang="ko-KR" altLang="en-US"/>
-          </a:p>
-        </p:txBody>
-      </p:sp>
-      <p:sp>
-        <p:nvSpPr>
-          <p:cNvPr id="32" name="직사각형 31"/>
+            <a:endParaRPr lang="ko-KR" altLang="en-US" sz="1400" b="1">
+              <a:solidFill>
+                <a:schemeClr val="accent1">
+                  <a:lumMod val="75000"/>
+                </a:schemeClr>
+              </a:solidFill>
+            </a:endParaRPr>
+          </a:p>
+        </p:txBody>
+      </p:sp>
+      <p:sp>
+        <p:nvSpPr>
+          <p:cNvPr id="33" name="직사각형 32"/>
           <p:cNvSpPr/>
           <p:nvPr/>
         </p:nvSpPr>
         <p:spPr>
           <a:xfrm>
-            <a:off x="4286248" y="3000378"/>
-            <a:ext cx="785818" cy="781117"/>
-          </a:xfrm>
-          <a:prstGeom prst="rect">
-            <a:avLst/>
-          </a:prstGeom>
+            <a:off x="8572528" y="1500180"/>
+            <a:ext cx="571472" cy="2231761"/>
+          </a:xfrm>
+          <a:prstGeom prst="rect">
+            <a:avLst/>
+          </a:prstGeom>
+          <a:solidFill>
+            <a:schemeClr val="accent6">
+              <a:lumMod val="60000"/>
+              <a:lumOff val="40000"/>
+            </a:schemeClr>
+          </a:solidFill>
           <a:ln>
             <a:noFill/>
           </a:ln>
@@ -5136,24 +5669,35 @@
           <a:lstStyle/>
           <a:p>
             <a:pPr algn="ctr"/>
-            <a:endParaRPr lang="ko-KR" altLang="en-US"/>
-          </a:p>
-        </p:txBody>
-      </p:sp>
-      <p:sp>
-        <p:nvSpPr>
-          <p:cNvPr id="33" name="직사각형 32"/>
+            <a:endParaRPr lang="ko-KR" altLang="en-US" sz="1400" b="1">
+              <a:solidFill>
+                <a:schemeClr val="accent1">
+                  <a:lumMod val="75000"/>
+                </a:schemeClr>
+              </a:solidFill>
+            </a:endParaRPr>
+          </a:p>
+        </p:txBody>
+      </p:sp>
+      <p:sp>
+        <p:nvSpPr>
+          <p:cNvPr id="34" name="직사각형 33"/>
           <p:cNvSpPr/>
           <p:nvPr/>
         </p:nvSpPr>
         <p:spPr>
           <a:xfrm>
-            <a:off x="8572528" y="1500180"/>
-            <a:ext cx="571472" cy="2231761"/>
-          </a:xfrm>
-          <a:prstGeom prst="rect">
-            <a:avLst/>
-          </a:prstGeom>
+            <a:off x="3099630" y="4000510"/>
+            <a:ext cx="5044269" cy="321829"/>
+          </a:xfrm>
+          <a:prstGeom prst="rect">
+            <a:avLst/>
+          </a:prstGeom>
+          <a:solidFill>
+            <a:schemeClr val="bg1">
+              <a:lumMod val="85000"/>
+            </a:schemeClr>
+          </a:solidFill>
           <a:ln>
             <a:noFill/>
           </a:ln>
@@ -5179,20 +5723,20 @@
           <a:lstStyle/>
           <a:p>
             <a:pPr algn="ctr"/>
-            <a:endParaRPr lang="ko-KR" altLang="en-US"/>
-          </a:p>
-        </p:txBody>
-      </p:sp>
-      <p:sp>
-        <p:nvSpPr>
-          <p:cNvPr id="34" name="직사각형 33"/>
+            <a:endParaRPr lang="ko-KR" altLang="en-US" sz="1400"/>
+          </a:p>
+        </p:txBody>
+      </p:sp>
+      <p:sp>
+        <p:nvSpPr>
+          <p:cNvPr id="35" name="직사각형 34"/>
           <p:cNvSpPr/>
           <p:nvPr/>
         </p:nvSpPr>
         <p:spPr>
           <a:xfrm>
-            <a:off x="3099630" y="4000510"/>
-            <a:ext cx="5044269" cy="321829"/>
+            <a:off x="0" y="4000510"/>
+            <a:ext cx="2428860" cy="321829"/>
           </a:xfrm>
           <a:prstGeom prst="rect">
             <a:avLst/>
@@ -5227,20 +5771,20 @@
           <a:lstStyle/>
           <a:p>
             <a:pPr algn="ctr"/>
-            <a:endParaRPr lang="ko-KR" altLang="en-US"/>
-          </a:p>
-        </p:txBody>
-      </p:sp>
-      <p:sp>
-        <p:nvSpPr>
-          <p:cNvPr id="35" name="직사각형 34"/>
+            <a:endParaRPr lang="ko-KR" altLang="en-US" sz="1400"/>
+          </a:p>
+        </p:txBody>
+      </p:sp>
+      <p:sp>
+        <p:nvSpPr>
+          <p:cNvPr id="36" name="직사각형 35"/>
           <p:cNvSpPr/>
           <p:nvPr/>
         </p:nvSpPr>
         <p:spPr>
           <a:xfrm>
-            <a:off x="0" y="4000510"/>
-            <a:ext cx="2428860" cy="321829"/>
+            <a:off x="1714480" y="3714758"/>
+            <a:ext cx="714348" cy="571486"/>
           </a:xfrm>
           <a:prstGeom prst="rect">
             <a:avLst/>
@@ -5275,20 +5819,20 @@
           <a:lstStyle/>
           <a:p>
             <a:pPr algn="ctr"/>
-            <a:endParaRPr lang="ko-KR" altLang="en-US"/>
-          </a:p>
-        </p:txBody>
-      </p:sp>
-      <p:sp>
-        <p:nvSpPr>
-          <p:cNvPr id="36" name="직사각형 35"/>
+            <a:endParaRPr lang="ko-KR" altLang="en-US" sz="1400"/>
+          </a:p>
+        </p:txBody>
+      </p:sp>
+      <p:sp>
+        <p:nvSpPr>
+          <p:cNvPr id="37" name="직사각형 36"/>
           <p:cNvSpPr/>
           <p:nvPr/>
         </p:nvSpPr>
         <p:spPr>
           <a:xfrm>
-            <a:off x="1714480" y="3714758"/>
-            <a:ext cx="714348" cy="571486"/>
+            <a:off x="0" y="4286262"/>
+            <a:ext cx="714348" cy="857238"/>
           </a:xfrm>
           <a:prstGeom prst="rect">
             <a:avLst/>
@@ -5323,27 +5867,1640 @@
           <a:lstStyle/>
           <a:p>
             <a:pPr algn="ctr"/>
-            <a:endParaRPr lang="ko-KR" altLang="en-US"/>
-          </a:p>
-        </p:txBody>
-      </p:sp>
-      <p:sp>
-        <p:nvSpPr>
-          <p:cNvPr id="37" name="직사각형 36"/>
+            <a:endParaRPr lang="ko-KR" altLang="en-US" sz="1400"/>
+          </a:p>
+        </p:txBody>
+      </p:sp>
+      <p:sp>
+        <p:nvSpPr>
+          <p:cNvPr id="38" name="TextBox 37"/>
+          <p:cNvSpPr txBox="1"/>
+          <p:nvPr/>
+        </p:nvSpPr>
+        <p:spPr>
+          <a:xfrm>
+            <a:off x="918726" y="27128"/>
+            <a:ext cx="1505058" cy="307777"/>
+          </a:xfrm>
+          <a:prstGeom prst="rect">
+            <a:avLst/>
+          </a:prstGeom>
+          <a:noFill/>
+        </p:spPr>
+        <p:txBody>
+          <a:bodyPr wrap="square" rtlCol="0">
+            <a:spAutoFit/>
+          </a:bodyPr>
+          <a:lstStyle/>
+          <a:p>
+            <a:pPr algn="ctr"/>
+            <a:r>
+              <a:rPr lang="en-US" altLang="ko-KR" sz="1400" b="1" dirty="0" smtClean="0">
+                <a:solidFill>
+                  <a:schemeClr val="accent1">
+                    <a:lumMod val="75000"/>
+                  </a:schemeClr>
+                </a:solidFill>
+              </a:rPr>
+              <a:t>1</a:t>
+            </a:r>
+            <a:endParaRPr lang="ko-KR" altLang="en-US" sz="1400" b="1" dirty="0">
+              <a:solidFill>
+                <a:schemeClr val="accent1">
+                  <a:lumMod val="75000"/>
+                </a:schemeClr>
+              </a:solidFill>
+            </a:endParaRPr>
+          </a:p>
+        </p:txBody>
+      </p:sp>
+      <p:sp>
+        <p:nvSpPr>
+          <p:cNvPr id="40" name="TextBox 39"/>
+          <p:cNvSpPr txBox="1"/>
+          <p:nvPr/>
+        </p:nvSpPr>
+        <p:spPr>
+          <a:xfrm>
+            <a:off x="3198881" y="38503"/>
+            <a:ext cx="797055" cy="307777"/>
+          </a:xfrm>
+          <a:prstGeom prst="rect">
+            <a:avLst/>
+          </a:prstGeom>
+          <a:noFill/>
+        </p:spPr>
+        <p:txBody>
+          <a:bodyPr wrap="square" rtlCol="0">
+            <a:spAutoFit/>
+          </a:bodyPr>
+          <a:lstStyle/>
+          <a:p>
+            <a:pPr algn="ctr"/>
+            <a:r>
+              <a:rPr lang="en-US" altLang="ko-KR" sz="1400" b="1" dirty="0" smtClean="0">
+                <a:solidFill>
+                  <a:schemeClr val="accent1">
+                    <a:lumMod val="75000"/>
+                  </a:schemeClr>
+                </a:solidFill>
+              </a:rPr>
+              <a:t>2</a:t>
+            </a:r>
+            <a:endParaRPr lang="ko-KR" altLang="en-US" sz="1400" b="1" dirty="0">
+              <a:solidFill>
+                <a:schemeClr val="accent1">
+                  <a:lumMod val="75000"/>
+                </a:schemeClr>
+              </a:solidFill>
+            </a:endParaRPr>
+          </a:p>
+        </p:txBody>
+      </p:sp>
+      <p:sp>
+        <p:nvSpPr>
+          <p:cNvPr id="41" name="TextBox 40"/>
+          <p:cNvSpPr txBox="1"/>
+          <p:nvPr/>
+        </p:nvSpPr>
+        <p:spPr>
+          <a:xfrm>
+            <a:off x="2915088" y="637904"/>
+            <a:ext cx="1341525" cy="307777"/>
+          </a:xfrm>
+          <a:prstGeom prst="rect">
+            <a:avLst/>
+          </a:prstGeom>
+          <a:noFill/>
+        </p:spPr>
+        <p:txBody>
+          <a:bodyPr wrap="square" rtlCol="0">
+            <a:spAutoFit/>
+          </a:bodyPr>
+          <a:lstStyle/>
+          <a:p>
+            <a:pPr algn="ctr"/>
+            <a:r>
+              <a:rPr lang="en-US" altLang="ko-KR" sz="1400" b="1" dirty="0" smtClean="0">
+                <a:solidFill>
+                  <a:schemeClr val="accent1">
+                    <a:lumMod val="75000"/>
+                  </a:schemeClr>
+                </a:solidFill>
+              </a:rPr>
+              <a:t>2</a:t>
+            </a:r>
+            <a:endParaRPr lang="ko-KR" altLang="en-US" sz="1400" b="1" dirty="0">
+              <a:solidFill>
+                <a:schemeClr val="accent1">
+                  <a:lumMod val="75000"/>
+                </a:schemeClr>
+              </a:solidFill>
+            </a:endParaRPr>
+          </a:p>
+        </p:txBody>
+      </p:sp>
+      <p:sp>
+        <p:nvSpPr>
+          <p:cNvPr id="42" name="TextBox 41"/>
+          <p:cNvSpPr txBox="1"/>
+          <p:nvPr/>
+        </p:nvSpPr>
+        <p:spPr>
+          <a:xfrm>
+            <a:off x="1205561" y="2154785"/>
+            <a:ext cx="699368" cy="307777"/>
+          </a:xfrm>
+          <a:prstGeom prst="rect">
+            <a:avLst/>
+          </a:prstGeom>
+          <a:noFill/>
+        </p:spPr>
+        <p:txBody>
+          <a:bodyPr wrap="square" rtlCol="0">
+            <a:spAutoFit/>
+          </a:bodyPr>
+          <a:lstStyle/>
+          <a:p>
+            <a:pPr algn="ctr"/>
+            <a:r>
+              <a:rPr lang="ko-KR" altLang="en-US" sz="1400" b="1" dirty="0" smtClean="0">
+                <a:solidFill>
+                  <a:schemeClr val="accent1">
+                    <a:lumMod val="75000"/>
+                  </a:schemeClr>
+                </a:solidFill>
+              </a:rPr>
+              <a:t>과</a:t>
+            </a:r>
+            <a:r>
+              <a:rPr lang="ko-KR" altLang="en-US" sz="1400" b="1" dirty="0">
+                <a:solidFill>
+                  <a:schemeClr val="accent1">
+                    <a:lumMod val="75000"/>
+                  </a:schemeClr>
+                </a:solidFill>
+              </a:rPr>
+              <a:t>일</a:t>
+            </a:r>
+          </a:p>
+        </p:txBody>
+      </p:sp>
+      <p:sp>
+        <p:nvSpPr>
+          <p:cNvPr id="43" name="TextBox 42"/>
+          <p:cNvSpPr txBox="1"/>
+          <p:nvPr/>
+        </p:nvSpPr>
+        <p:spPr>
+          <a:xfrm>
+            <a:off x="142860" y="1478009"/>
+            <a:ext cx="285752" cy="1384995"/>
+          </a:xfrm>
+          <a:prstGeom prst="rect">
+            <a:avLst/>
+          </a:prstGeom>
+          <a:noFill/>
+        </p:spPr>
+        <p:txBody>
+          <a:bodyPr wrap="square" rtlCol="0">
+            <a:spAutoFit/>
+          </a:bodyPr>
+          <a:lstStyle/>
+          <a:p>
+            <a:pPr algn="ctr"/>
+            <a:r>
+              <a:rPr lang="ko-KR" altLang="en-US" sz="1400" b="1" dirty="0" smtClean="0">
+                <a:solidFill>
+                  <a:schemeClr val="accent1">
+                    <a:lumMod val="75000"/>
+                  </a:schemeClr>
+                </a:solidFill>
+              </a:rPr>
+              <a:t>채소</a:t>
+            </a:r>
+            <a:endParaRPr lang="en-US" altLang="ko-KR" sz="1400" b="1" dirty="0" smtClean="0">
+              <a:solidFill>
+                <a:schemeClr val="accent1">
+                  <a:lumMod val="75000"/>
+                </a:schemeClr>
+              </a:solidFill>
+            </a:endParaRPr>
+          </a:p>
+          <a:p>
+            <a:pPr algn="ctr"/>
+            <a:endParaRPr lang="en-US" altLang="ko-KR" sz="1400" b="1" dirty="0">
+              <a:solidFill>
+                <a:schemeClr val="accent1">
+                  <a:lumMod val="75000"/>
+                </a:schemeClr>
+              </a:solidFill>
+            </a:endParaRPr>
+          </a:p>
+          <a:p>
+            <a:pPr algn="ctr"/>
+            <a:r>
+              <a:rPr lang="ko-KR" altLang="en-US" sz="1400" b="1" dirty="0" err="1" smtClean="0">
+                <a:solidFill>
+                  <a:schemeClr val="accent1">
+                    <a:lumMod val="75000"/>
+                  </a:schemeClr>
+                </a:solidFill>
+              </a:rPr>
+              <a:t>건나물</a:t>
+            </a:r>
+            <a:endParaRPr lang="ko-KR" altLang="en-US" sz="1400" b="1" dirty="0">
+              <a:solidFill>
+                <a:schemeClr val="accent1">
+                  <a:lumMod val="75000"/>
+                </a:schemeClr>
+              </a:solidFill>
+            </a:endParaRPr>
+          </a:p>
+        </p:txBody>
+      </p:sp>
+      <p:sp>
+        <p:nvSpPr>
+          <p:cNvPr id="44" name="TextBox 43"/>
+          <p:cNvSpPr txBox="1"/>
+          <p:nvPr/>
+        </p:nvSpPr>
+        <p:spPr>
+          <a:xfrm>
+            <a:off x="3276714" y="3214692"/>
+            <a:ext cx="1018935" cy="307777"/>
+          </a:xfrm>
+          <a:prstGeom prst="rect">
+            <a:avLst/>
+          </a:prstGeom>
+          <a:noFill/>
+        </p:spPr>
+        <p:txBody>
+          <a:bodyPr wrap="square" rtlCol="0">
+            <a:spAutoFit/>
+          </a:bodyPr>
+          <a:lstStyle/>
+          <a:p>
+            <a:pPr algn="ctr"/>
+            <a:r>
+              <a:rPr lang="ko-KR" altLang="en-US" sz="1400" b="1" dirty="0" smtClean="0">
+                <a:solidFill>
+                  <a:schemeClr val="accent1">
+                    <a:lumMod val="75000"/>
+                  </a:schemeClr>
+                </a:solidFill>
+              </a:rPr>
+              <a:t>쌀</a:t>
+            </a:r>
+            <a:r>
+              <a:rPr lang="en-US" altLang="ko-KR" sz="1400" b="1" dirty="0">
+                <a:solidFill>
+                  <a:schemeClr val="accent1">
+                    <a:lumMod val="75000"/>
+                  </a:schemeClr>
+                </a:solidFill>
+              </a:rPr>
+              <a:t>/</a:t>
+            </a:r>
+            <a:r>
+              <a:rPr lang="ko-KR" altLang="en-US" sz="1400" b="1" dirty="0" smtClean="0">
+                <a:solidFill>
+                  <a:schemeClr val="accent1">
+                    <a:lumMod val="75000"/>
+                  </a:schemeClr>
+                </a:solidFill>
+              </a:rPr>
+              <a:t>잡곡</a:t>
+            </a:r>
+            <a:endParaRPr lang="ko-KR" altLang="en-US" sz="1400" b="1" dirty="0">
+              <a:solidFill>
+                <a:schemeClr val="accent1">
+                  <a:lumMod val="75000"/>
+                </a:schemeClr>
+              </a:solidFill>
+            </a:endParaRPr>
+          </a:p>
+        </p:txBody>
+      </p:sp>
+      <p:sp>
+        <p:nvSpPr>
+          <p:cNvPr id="45" name="TextBox 44"/>
+          <p:cNvSpPr txBox="1"/>
+          <p:nvPr/>
+        </p:nvSpPr>
+        <p:spPr>
+          <a:xfrm>
+            <a:off x="3198324" y="1308732"/>
+            <a:ext cx="714380" cy="307777"/>
+          </a:xfrm>
+          <a:prstGeom prst="rect">
+            <a:avLst/>
+          </a:prstGeom>
+          <a:noFill/>
+        </p:spPr>
+        <p:txBody>
+          <a:bodyPr wrap="square" rtlCol="0">
+            <a:spAutoFit/>
+          </a:bodyPr>
+          <a:lstStyle/>
+          <a:p>
+            <a:pPr algn="ctr"/>
+            <a:r>
+              <a:rPr lang="ko-KR" altLang="en-US" sz="1400" b="1" smtClean="0">
+                <a:solidFill>
+                  <a:schemeClr val="accent1">
+                    <a:lumMod val="75000"/>
+                  </a:schemeClr>
+                </a:solidFill>
+              </a:rPr>
+              <a:t>반</a:t>
+            </a:r>
+            <a:r>
+              <a:rPr lang="ko-KR" altLang="en-US" sz="1400" b="1" dirty="0">
+                <a:solidFill>
+                  <a:schemeClr val="accent1">
+                    <a:lumMod val="75000"/>
+                  </a:schemeClr>
+                </a:solidFill>
+              </a:rPr>
+              <a:t>찬</a:t>
+            </a:r>
+          </a:p>
+        </p:txBody>
+      </p:sp>
+      <p:sp>
+        <p:nvSpPr>
+          <p:cNvPr id="46" name="TextBox 45"/>
+          <p:cNvSpPr txBox="1"/>
+          <p:nvPr/>
+        </p:nvSpPr>
+        <p:spPr>
+          <a:xfrm>
+            <a:off x="2294503" y="2212409"/>
+            <a:ext cx="858199" cy="307777"/>
+          </a:xfrm>
+          <a:prstGeom prst="rect">
+            <a:avLst/>
+          </a:prstGeom>
+          <a:noFill/>
+        </p:spPr>
+        <p:txBody>
+          <a:bodyPr wrap="square" rtlCol="0">
+            <a:spAutoFit/>
+          </a:bodyPr>
+          <a:lstStyle/>
+          <a:p>
+            <a:pPr algn="ctr"/>
+            <a:r>
+              <a:rPr lang="ko-KR" altLang="en-US" sz="1400" b="1" dirty="0" smtClean="0">
+                <a:solidFill>
+                  <a:schemeClr val="accent1">
+                    <a:lumMod val="75000"/>
+                  </a:schemeClr>
+                </a:solidFill>
+              </a:rPr>
+              <a:t>음료</a:t>
+            </a:r>
+            <a:endParaRPr lang="en-US" altLang="ko-KR" sz="1400" b="1" dirty="0" smtClean="0">
+              <a:solidFill>
+                <a:schemeClr val="accent1">
+                  <a:lumMod val="75000"/>
+                </a:schemeClr>
+              </a:solidFill>
+            </a:endParaRPr>
+          </a:p>
+        </p:txBody>
+      </p:sp>
+      <p:sp>
+        <p:nvSpPr>
+          <p:cNvPr id="48" name="TextBox 47"/>
+          <p:cNvSpPr txBox="1"/>
+          <p:nvPr/>
+        </p:nvSpPr>
+        <p:spPr>
+          <a:xfrm>
+            <a:off x="3286329" y="1986781"/>
+            <a:ext cx="366653" cy="738664"/>
+          </a:xfrm>
+          <a:prstGeom prst="rect">
+            <a:avLst/>
+          </a:prstGeom>
+          <a:noFill/>
+        </p:spPr>
+        <p:txBody>
+          <a:bodyPr wrap="square" rtlCol="0">
+            <a:spAutoFit/>
+          </a:bodyPr>
+          <a:lstStyle/>
+          <a:p>
+            <a:pPr algn="ctr"/>
+            <a:r>
+              <a:rPr lang="ko-KR" altLang="en-US" sz="1400" b="1" dirty="0">
+                <a:solidFill>
+                  <a:schemeClr val="accent1">
+                    <a:lumMod val="75000"/>
+                  </a:schemeClr>
+                </a:solidFill>
+              </a:rPr>
+              <a:t>유</a:t>
+            </a:r>
+            <a:r>
+              <a:rPr lang="ko-KR" altLang="en-US" sz="1400" b="1" dirty="0" smtClean="0">
+                <a:solidFill>
+                  <a:schemeClr val="accent1">
+                    <a:lumMod val="75000"/>
+                  </a:schemeClr>
+                </a:solidFill>
+              </a:rPr>
+              <a:t>제품</a:t>
+            </a:r>
+            <a:endParaRPr lang="ko-KR" altLang="en-US" sz="1400" b="1" dirty="0">
+              <a:solidFill>
+                <a:schemeClr val="accent1">
+                  <a:lumMod val="75000"/>
+                </a:schemeClr>
+              </a:solidFill>
+            </a:endParaRPr>
+          </a:p>
+        </p:txBody>
+      </p:sp>
+      <p:sp>
+        <p:nvSpPr>
+          <p:cNvPr id="49" name="TextBox 48"/>
+          <p:cNvSpPr txBox="1"/>
+          <p:nvPr/>
+        </p:nvSpPr>
+        <p:spPr>
+          <a:xfrm>
+            <a:off x="3744174" y="2197021"/>
+            <a:ext cx="792087" cy="307777"/>
+          </a:xfrm>
+          <a:prstGeom prst="rect">
+            <a:avLst/>
+          </a:prstGeom>
+          <a:noFill/>
+        </p:spPr>
+        <p:txBody>
+          <a:bodyPr wrap="square" rtlCol="0">
+            <a:spAutoFit/>
+          </a:bodyPr>
+          <a:lstStyle/>
+          <a:p>
+            <a:pPr algn="ctr"/>
+            <a:r>
+              <a:rPr lang="ko-KR" altLang="en-US" sz="1400" b="1" dirty="0" smtClean="0">
+                <a:solidFill>
+                  <a:schemeClr val="accent1">
+                    <a:lumMod val="75000"/>
+                  </a:schemeClr>
+                </a:solidFill>
+              </a:rPr>
+              <a:t>주</a:t>
+            </a:r>
+            <a:r>
+              <a:rPr lang="ko-KR" altLang="en-US" sz="1400" b="1" dirty="0">
+                <a:solidFill>
+                  <a:schemeClr val="accent1">
+                    <a:lumMod val="75000"/>
+                  </a:schemeClr>
+                </a:solidFill>
+              </a:rPr>
+              <a:t>류</a:t>
+            </a:r>
+            <a:endParaRPr lang="en-US" altLang="ko-KR" sz="1400" b="1" dirty="0" smtClean="0">
+              <a:solidFill>
+                <a:schemeClr val="accent1">
+                  <a:lumMod val="75000"/>
+                </a:schemeClr>
+              </a:solidFill>
+            </a:endParaRPr>
+          </a:p>
+        </p:txBody>
+      </p:sp>
+      <p:sp>
+        <p:nvSpPr>
+          <p:cNvPr id="51" name="TextBox 50"/>
+          <p:cNvSpPr txBox="1"/>
+          <p:nvPr/>
+        </p:nvSpPr>
+        <p:spPr>
+          <a:xfrm>
+            <a:off x="6786586" y="1308732"/>
+            <a:ext cx="642910" cy="307777"/>
+          </a:xfrm>
+          <a:prstGeom prst="rect">
+            <a:avLst/>
+          </a:prstGeom>
+          <a:noFill/>
+        </p:spPr>
+        <p:txBody>
+          <a:bodyPr wrap="square" rtlCol="0">
+            <a:spAutoFit/>
+          </a:bodyPr>
+          <a:lstStyle/>
+          <a:p>
+            <a:pPr algn="ctr"/>
+            <a:r>
+              <a:rPr lang="ko-KR" altLang="en-US" sz="1400" b="1" dirty="0" smtClean="0">
+                <a:solidFill>
+                  <a:schemeClr val="accent1">
+                    <a:lumMod val="75000"/>
+                  </a:schemeClr>
+                </a:solidFill>
+              </a:rPr>
+              <a:t>과자</a:t>
+            </a:r>
+            <a:endParaRPr lang="ko-KR" altLang="en-US" sz="1400" b="1" dirty="0">
+              <a:solidFill>
+                <a:schemeClr val="accent1">
+                  <a:lumMod val="75000"/>
+                </a:schemeClr>
+              </a:solidFill>
+            </a:endParaRPr>
+          </a:p>
+        </p:txBody>
+      </p:sp>
+      <p:sp>
+        <p:nvSpPr>
+          <p:cNvPr id="52" name="TextBox 51"/>
+          <p:cNvSpPr txBox="1"/>
+          <p:nvPr/>
+        </p:nvSpPr>
+        <p:spPr>
+          <a:xfrm>
+            <a:off x="5787586" y="1178202"/>
+            <a:ext cx="784678" cy="523220"/>
+          </a:xfrm>
+          <a:prstGeom prst="rect">
+            <a:avLst/>
+          </a:prstGeom>
+          <a:noFill/>
+        </p:spPr>
+        <p:txBody>
+          <a:bodyPr wrap="square" rtlCol="0">
+            <a:spAutoFit/>
+          </a:bodyPr>
+          <a:lstStyle/>
+          <a:p>
+            <a:pPr algn="ctr"/>
+            <a:r>
+              <a:rPr lang="ko-KR" altLang="en-US" sz="1400" b="1" dirty="0" smtClean="0">
+                <a:solidFill>
+                  <a:schemeClr val="accent1">
+                    <a:lumMod val="75000"/>
+                  </a:schemeClr>
+                </a:solidFill>
+              </a:rPr>
+              <a:t>커피</a:t>
+            </a:r>
+            <a:endParaRPr lang="en-US" altLang="ko-KR" sz="1400" b="1" dirty="0" smtClean="0">
+              <a:solidFill>
+                <a:schemeClr val="accent1">
+                  <a:lumMod val="75000"/>
+                </a:schemeClr>
+              </a:solidFill>
+            </a:endParaRPr>
+          </a:p>
+          <a:p>
+            <a:pPr algn="ctr"/>
+            <a:r>
+              <a:rPr lang="ko-KR" altLang="en-US" sz="1400" b="1" dirty="0" smtClean="0">
+                <a:solidFill>
+                  <a:schemeClr val="accent1">
+                    <a:lumMod val="75000"/>
+                  </a:schemeClr>
+                </a:solidFill>
+              </a:rPr>
+              <a:t>차</a:t>
+            </a:r>
+            <a:endParaRPr lang="en-US" altLang="ko-KR" sz="1400" b="1" dirty="0" smtClean="0">
+              <a:solidFill>
+                <a:schemeClr val="accent1">
+                  <a:lumMod val="75000"/>
+                </a:schemeClr>
+              </a:solidFill>
+            </a:endParaRPr>
+          </a:p>
+        </p:txBody>
+      </p:sp>
+      <p:sp>
+        <p:nvSpPr>
+          <p:cNvPr id="53" name="TextBox 52"/>
+          <p:cNvSpPr txBox="1"/>
+          <p:nvPr/>
+        </p:nvSpPr>
+        <p:spPr>
+          <a:xfrm>
+            <a:off x="5375685" y="3221659"/>
+            <a:ext cx="607207" cy="307777"/>
+          </a:xfrm>
+          <a:prstGeom prst="rect">
+            <a:avLst/>
+          </a:prstGeom>
+          <a:noFill/>
+        </p:spPr>
+        <p:txBody>
+          <a:bodyPr wrap="square" rtlCol="0">
+            <a:spAutoFit/>
+          </a:bodyPr>
+          <a:lstStyle/>
+          <a:p>
+            <a:pPr algn="ctr"/>
+            <a:r>
+              <a:rPr lang="ko-KR" altLang="en-US" sz="1400" b="1" dirty="0" smtClean="0">
+                <a:solidFill>
+                  <a:schemeClr val="accent1">
+                    <a:lumMod val="75000"/>
+                  </a:schemeClr>
+                </a:solidFill>
+              </a:rPr>
+              <a:t>라</a:t>
+            </a:r>
+            <a:r>
+              <a:rPr lang="ko-KR" altLang="en-US" sz="1400" b="1" dirty="0">
+                <a:solidFill>
+                  <a:schemeClr val="accent1">
+                    <a:lumMod val="75000"/>
+                  </a:schemeClr>
+                </a:solidFill>
+              </a:rPr>
+              <a:t>면</a:t>
+            </a:r>
+          </a:p>
+        </p:txBody>
+      </p:sp>
+      <p:sp>
+        <p:nvSpPr>
+          <p:cNvPr id="54" name="TextBox 53"/>
+          <p:cNvSpPr txBox="1"/>
+          <p:nvPr/>
+        </p:nvSpPr>
+        <p:spPr>
+          <a:xfrm>
+            <a:off x="4041946" y="3021604"/>
+            <a:ext cx="1249781" cy="738664"/>
+          </a:xfrm>
+          <a:prstGeom prst="rect">
+            <a:avLst/>
+          </a:prstGeom>
+          <a:noFill/>
+        </p:spPr>
+        <p:txBody>
+          <a:bodyPr wrap="square" rtlCol="0">
+            <a:spAutoFit/>
+          </a:bodyPr>
+          <a:lstStyle/>
+          <a:p>
+            <a:pPr algn="ctr"/>
+            <a:r>
+              <a:rPr lang="ko-KR" altLang="en-US" sz="1400" b="1" dirty="0" err="1" smtClean="0">
+                <a:solidFill>
+                  <a:schemeClr val="accent1">
+                    <a:lumMod val="75000"/>
+                  </a:schemeClr>
+                </a:solidFill>
+              </a:rPr>
+              <a:t>식용류</a:t>
+            </a:r>
+            <a:endParaRPr lang="en-US" altLang="ko-KR" sz="1400" b="1" dirty="0">
+              <a:solidFill>
+                <a:schemeClr val="accent1">
+                  <a:lumMod val="75000"/>
+                </a:schemeClr>
+              </a:solidFill>
+            </a:endParaRPr>
+          </a:p>
+          <a:p>
+            <a:pPr algn="ctr"/>
+            <a:r>
+              <a:rPr lang="ko-KR" altLang="en-US" sz="1400" b="1" dirty="0" smtClean="0">
+                <a:solidFill>
+                  <a:schemeClr val="accent1">
+                    <a:lumMod val="75000"/>
+                  </a:schemeClr>
+                </a:solidFill>
+              </a:rPr>
+              <a:t>조미료</a:t>
+            </a:r>
+            <a:endParaRPr lang="en-US" altLang="ko-KR" sz="1400" b="1" dirty="0" smtClean="0">
+              <a:solidFill>
+                <a:schemeClr val="accent1">
+                  <a:lumMod val="75000"/>
+                </a:schemeClr>
+              </a:solidFill>
+            </a:endParaRPr>
+          </a:p>
+          <a:p>
+            <a:pPr algn="ctr"/>
+            <a:r>
+              <a:rPr lang="ko-KR" altLang="en-US" sz="1400" b="1" dirty="0" smtClean="0">
+                <a:solidFill>
+                  <a:schemeClr val="accent1">
+                    <a:lumMod val="75000"/>
+                  </a:schemeClr>
+                </a:solidFill>
+              </a:rPr>
+              <a:t>밀가</a:t>
+            </a:r>
+            <a:r>
+              <a:rPr lang="ko-KR" altLang="en-US" sz="1400" b="1" dirty="0">
+                <a:solidFill>
+                  <a:schemeClr val="accent1">
+                    <a:lumMod val="75000"/>
+                  </a:schemeClr>
+                </a:solidFill>
+              </a:rPr>
+              <a:t>루</a:t>
+            </a:r>
+          </a:p>
+        </p:txBody>
+      </p:sp>
+      <p:sp>
+        <p:nvSpPr>
+          <p:cNvPr id="55" name="TextBox 54"/>
+          <p:cNvSpPr txBox="1"/>
+          <p:nvPr/>
+        </p:nvSpPr>
+        <p:spPr>
+          <a:xfrm>
+            <a:off x="6107925" y="3098548"/>
+            <a:ext cx="1000116" cy="523220"/>
+          </a:xfrm>
+          <a:prstGeom prst="rect">
+            <a:avLst/>
+          </a:prstGeom>
+          <a:noFill/>
+        </p:spPr>
+        <p:txBody>
+          <a:bodyPr wrap="square" rtlCol="0">
+            <a:spAutoFit/>
+          </a:bodyPr>
+          <a:lstStyle/>
+          <a:p>
+            <a:pPr algn="ctr"/>
+            <a:r>
+              <a:rPr lang="ko-KR" altLang="en-US" sz="1400" b="1" smtClean="0">
+                <a:solidFill>
+                  <a:schemeClr val="accent1">
+                    <a:lumMod val="75000"/>
+                  </a:schemeClr>
+                </a:solidFill>
+              </a:rPr>
+              <a:t>통조림</a:t>
+            </a:r>
+            <a:endParaRPr lang="en-US" altLang="ko-KR" sz="1400" b="1" dirty="0">
+              <a:solidFill>
+                <a:schemeClr val="accent1">
+                  <a:lumMod val="75000"/>
+                </a:schemeClr>
+              </a:solidFill>
+            </a:endParaRPr>
+          </a:p>
+          <a:p>
+            <a:pPr algn="ctr"/>
+            <a:r>
+              <a:rPr lang="ko-KR" altLang="en-US" sz="1400" b="1" dirty="0" smtClean="0">
+                <a:solidFill>
+                  <a:schemeClr val="accent1">
+                    <a:lumMod val="75000"/>
+                  </a:schemeClr>
+                </a:solidFill>
+              </a:rPr>
+              <a:t>캔</a:t>
+            </a:r>
+            <a:endParaRPr lang="ko-KR" altLang="en-US" sz="1400" b="1" dirty="0">
+              <a:solidFill>
+                <a:schemeClr val="accent1">
+                  <a:lumMod val="75000"/>
+                </a:schemeClr>
+              </a:solidFill>
+            </a:endParaRPr>
+          </a:p>
+        </p:txBody>
+      </p:sp>
+      <p:sp>
+        <p:nvSpPr>
+          <p:cNvPr id="56" name="TextBox 55"/>
+          <p:cNvSpPr txBox="1"/>
+          <p:nvPr/>
+        </p:nvSpPr>
+        <p:spPr>
+          <a:xfrm>
+            <a:off x="7237815" y="3008044"/>
+            <a:ext cx="597724" cy="738664"/>
+          </a:xfrm>
+          <a:prstGeom prst="rect">
+            <a:avLst/>
+          </a:prstGeom>
+          <a:noFill/>
+        </p:spPr>
+        <p:txBody>
+          <a:bodyPr wrap="square" rtlCol="0">
+            <a:spAutoFit/>
+          </a:bodyPr>
+          <a:lstStyle/>
+          <a:p>
+            <a:pPr algn="ctr"/>
+            <a:r>
+              <a:rPr lang="ko-KR" altLang="en-US" sz="1400" b="1" dirty="0" err="1" smtClean="0">
+                <a:solidFill>
+                  <a:schemeClr val="accent1">
+                    <a:lumMod val="75000"/>
+                  </a:schemeClr>
+                </a:solidFill>
+              </a:rPr>
+              <a:t>장류</a:t>
+            </a:r>
+            <a:endParaRPr lang="en-US" altLang="ko-KR" sz="1400" b="1" dirty="0" smtClean="0">
+              <a:solidFill>
+                <a:schemeClr val="accent1">
+                  <a:lumMod val="75000"/>
+                </a:schemeClr>
+              </a:solidFill>
+            </a:endParaRPr>
+          </a:p>
+          <a:p>
+            <a:pPr algn="ctr"/>
+            <a:r>
+              <a:rPr lang="ko-KR" altLang="en-US" sz="1400" b="1" dirty="0" err="1" smtClean="0">
+                <a:solidFill>
+                  <a:schemeClr val="accent1">
+                    <a:lumMod val="75000"/>
+                  </a:schemeClr>
+                </a:solidFill>
+              </a:rPr>
+              <a:t>케찹</a:t>
+            </a:r>
+            <a:endParaRPr lang="en-US" altLang="ko-KR" sz="1400" b="1" dirty="0" smtClean="0">
+              <a:solidFill>
+                <a:schemeClr val="accent1">
+                  <a:lumMod val="75000"/>
+                </a:schemeClr>
+              </a:solidFill>
+            </a:endParaRPr>
+          </a:p>
+          <a:p>
+            <a:pPr algn="ctr"/>
+            <a:r>
+              <a:rPr lang="ko-KR" altLang="en-US" sz="1400" b="1" dirty="0" smtClean="0">
+                <a:solidFill>
+                  <a:schemeClr val="accent1">
+                    <a:lumMod val="75000"/>
+                  </a:schemeClr>
+                </a:solidFill>
+              </a:rPr>
+              <a:t>소</a:t>
+            </a:r>
+            <a:r>
+              <a:rPr lang="ko-KR" altLang="en-US" sz="1400" b="1" dirty="0">
+                <a:solidFill>
+                  <a:schemeClr val="accent1">
+                    <a:lumMod val="75000"/>
+                  </a:schemeClr>
+                </a:solidFill>
+              </a:rPr>
+              <a:t>스</a:t>
+            </a:r>
+          </a:p>
+        </p:txBody>
+      </p:sp>
+      <p:sp>
+        <p:nvSpPr>
+          <p:cNvPr id="59" name="TextBox 58"/>
+          <p:cNvSpPr txBox="1"/>
+          <p:nvPr/>
+        </p:nvSpPr>
+        <p:spPr>
+          <a:xfrm>
+            <a:off x="8033755" y="268572"/>
+            <a:ext cx="833164" cy="523220"/>
+          </a:xfrm>
+          <a:prstGeom prst="rect">
+            <a:avLst/>
+          </a:prstGeom>
+          <a:noFill/>
+        </p:spPr>
+        <p:txBody>
+          <a:bodyPr wrap="square" rtlCol="0">
+            <a:spAutoFit/>
+          </a:bodyPr>
+          <a:lstStyle/>
+          <a:p>
+            <a:pPr algn="ctr"/>
+            <a:r>
+              <a:rPr lang="ko-KR" altLang="en-US" sz="1400" b="1" dirty="0" smtClean="0">
+                <a:solidFill>
+                  <a:schemeClr val="accent1">
+                    <a:lumMod val="75000"/>
+                  </a:schemeClr>
+                </a:solidFill>
+              </a:rPr>
+              <a:t>세제</a:t>
+            </a:r>
+            <a:endParaRPr lang="en-US" altLang="ko-KR" sz="1400" b="1" dirty="0" smtClean="0">
+              <a:solidFill>
+                <a:schemeClr val="accent1">
+                  <a:lumMod val="75000"/>
+                </a:schemeClr>
+              </a:solidFill>
+            </a:endParaRPr>
+          </a:p>
+          <a:p>
+            <a:pPr algn="ctr"/>
+            <a:r>
+              <a:rPr lang="ko-KR" altLang="en-US" sz="1400" b="1" dirty="0" smtClean="0">
+                <a:solidFill>
+                  <a:schemeClr val="accent1">
+                    <a:lumMod val="75000"/>
+                  </a:schemeClr>
+                </a:solidFill>
+              </a:rPr>
+              <a:t>화장지</a:t>
+            </a:r>
+            <a:endParaRPr lang="ko-KR" altLang="en-US" sz="1400" b="1" dirty="0">
+              <a:solidFill>
+                <a:schemeClr val="accent1">
+                  <a:lumMod val="75000"/>
+                </a:schemeClr>
+              </a:solidFill>
+            </a:endParaRPr>
+          </a:p>
+        </p:txBody>
+      </p:sp>
+      <p:sp>
+        <p:nvSpPr>
+          <p:cNvPr id="60" name="TextBox 59"/>
+          <p:cNvSpPr txBox="1"/>
+          <p:nvPr/>
+        </p:nvSpPr>
+        <p:spPr>
+          <a:xfrm>
+            <a:off x="6027545" y="53891"/>
+            <a:ext cx="1946694" cy="307777"/>
+          </a:xfrm>
+          <a:prstGeom prst="rect">
+            <a:avLst/>
+          </a:prstGeom>
+          <a:noFill/>
+        </p:spPr>
+        <p:txBody>
+          <a:bodyPr wrap="square" rtlCol="0">
+            <a:spAutoFit/>
+          </a:bodyPr>
+          <a:lstStyle/>
+          <a:p>
+            <a:pPr algn="ctr"/>
+            <a:r>
+              <a:rPr lang="ko-KR" altLang="en-US" sz="1400" b="1" dirty="0" smtClean="0">
+                <a:solidFill>
+                  <a:schemeClr val="accent1">
+                    <a:lumMod val="75000"/>
+                  </a:schemeClr>
+                </a:solidFill>
+              </a:rPr>
+              <a:t>랩</a:t>
+            </a:r>
+            <a:r>
+              <a:rPr lang="en-US" altLang="ko-KR" sz="1400" b="1" dirty="0" smtClean="0">
+                <a:solidFill>
+                  <a:schemeClr val="accent1">
+                    <a:lumMod val="75000"/>
+                  </a:schemeClr>
+                </a:solidFill>
+              </a:rPr>
+              <a:t>/</a:t>
+            </a:r>
+            <a:r>
+              <a:rPr lang="ko-KR" altLang="en-US" sz="1400" b="1" dirty="0" smtClean="0">
+                <a:solidFill>
+                  <a:schemeClr val="accent1">
+                    <a:lumMod val="75000"/>
+                  </a:schemeClr>
+                </a:solidFill>
+              </a:rPr>
+              <a:t>호일</a:t>
+            </a:r>
+            <a:r>
+              <a:rPr lang="en-US" altLang="ko-KR" sz="1400" b="1" dirty="0" smtClean="0">
+                <a:solidFill>
+                  <a:schemeClr val="accent1">
+                    <a:lumMod val="75000"/>
+                  </a:schemeClr>
+                </a:solidFill>
+              </a:rPr>
+              <a:t>/</a:t>
+            </a:r>
+            <a:r>
+              <a:rPr lang="ko-KR" altLang="en-US" sz="1400" b="1" dirty="0" smtClean="0">
+                <a:solidFill>
+                  <a:schemeClr val="accent1">
+                    <a:lumMod val="75000"/>
+                  </a:schemeClr>
+                </a:solidFill>
+              </a:rPr>
+              <a:t>고무장갑</a:t>
+            </a:r>
+            <a:endParaRPr lang="ko-KR" altLang="en-US" sz="1400" b="1" dirty="0">
+              <a:solidFill>
+                <a:schemeClr val="accent1">
+                  <a:lumMod val="75000"/>
+                </a:schemeClr>
+              </a:solidFill>
+            </a:endParaRPr>
+          </a:p>
+        </p:txBody>
+      </p:sp>
+      <p:sp>
+        <p:nvSpPr>
+          <p:cNvPr id="61" name="TextBox 60"/>
+          <p:cNvSpPr txBox="1"/>
+          <p:nvPr/>
+        </p:nvSpPr>
+        <p:spPr>
+          <a:xfrm>
+            <a:off x="4698534" y="53892"/>
+            <a:ext cx="1711092" cy="307777"/>
+          </a:xfrm>
+          <a:prstGeom prst="rect">
+            <a:avLst/>
+          </a:prstGeom>
+          <a:noFill/>
+        </p:spPr>
+        <p:txBody>
+          <a:bodyPr wrap="square" rtlCol="0">
+            <a:spAutoFit/>
+          </a:bodyPr>
+          <a:lstStyle/>
+          <a:p>
+            <a:pPr algn="ctr"/>
+            <a:r>
+              <a:rPr lang="ko-KR" altLang="en-US" sz="1400" b="1" dirty="0" smtClean="0">
+                <a:solidFill>
+                  <a:schemeClr val="accent1">
+                    <a:lumMod val="75000"/>
+                  </a:schemeClr>
+                </a:solidFill>
+              </a:rPr>
+              <a:t>헤어</a:t>
+            </a:r>
+            <a:r>
+              <a:rPr lang="en-US" altLang="ko-KR" sz="1400" b="1" dirty="0" smtClean="0">
+                <a:solidFill>
+                  <a:schemeClr val="accent1">
+                    <a:lumMod val="75000"/>
+                  </a:schemeClr>
+                </a:solidFill>
+              </a:rPr>
+              <a:t>/</a:t>
+            </a:r>
+            <a:r>
+              <a:rPr lang="ko-KR" altLang="en-US" sz="1400" b="1" dirty="0" smtClean="0">
+                <a:solidFill>
+                  <a:schemeClr val="accent1">
+                    <a:lumMod val="75000"/>
+                  </a:schemeClr>
+                </a:solidFill>
+              </a:rPr>
+              <a:t>세안</a:t>
+            </a:r>
+            <a:r>
+              <a:rPr lang="en-US" altLang="ko-KR" sz="1400" b="1" dirty="0" smtClean="0">
+                <a:solidFill>
+                  <a:schemeClr val="accent1">
+                    <a:lumMod val="75000"/>
+                  </a:schemeClr>
+                </a:solidFill>
+              </a:rPr>
+              <a:t>/</a:t>
+            </a:r>
+            <a:r>
+              <a:rPr lang="ko-KR" altLang="en-US" sz="1400" b="1" dirty="0" smtClean="0">
+                <a:solidFill>
+                  <a:schemeClr val="accent1">
+                    <a:lumMod val="75000"/>
+                  </a:schemeClr>
+                </a:solidFill>
+              </a:rPr>
+              <a:t>바디</a:t>
+            </a:r>
+            <a:endParaRPr lang="ko-KR" altLang="en-US" sz="1400" b="1" dirty="0">
+              <a:solidFill>
+                <a:schemeClr val="accent1">
+                  <a:lumMod val="75000"/>
+                </a:schemeClr>
+              </a:solidFill>
+            </a:endParaRPr>
+          </a:p>
+        </p:txBody>
+      </p:sp>
+      <p:sp>
+        <p:nvSpPr>
+          <p:cNvPr id="62" name="TextBox 61"/>
+          <p:cNvSpPr txBox="1"/>
+          <p:nvPr/>
+        </p:nvSpPr>
+        <p:spPr>
+          <a:xfrm>
+            <a:off x="8604172" y="1503007"/>
+            <a:ext cx="500066" cy="2246769"/>
+          </a:xfrm>
+          <a:prstGeom prst="rect">
+            <a:avLst/>
+          </a:prstGeom>
+          <a:noFill/>
+        </p:spPr>
+        <p:txBody>
+          <a:bodyPr wrap="square" rtlCol="0">
+            <a:spAutoFit/>
+          </a:bodyPr>
+          <a:lstStyle/>
+          <a:p>
+            <a:pPr algn="ctr"/>
+            <a:r>
+              <a:rPr lang="ko-KR" altLang="en-US" sz="1400" b="1" dirty="0" smtClean="0">
+                <a:solidFill>
+                  <a:schemeClr val="accent1">
+                    <a:lumMod val="75000"/>
+                  </a:schemeClr>
+                </a:solidFill>
+              </a:rPr>
+              <a:t>조리</a:t>
+            </a:r>
+            <a:endParaRPr lang="en-US" altLang="ko-KR" sz="1400" b="1" dirty="0" smtClean="0">
+              <a:solidFill>
+                <a:schemeClr val="accent1">
+                  <a:lumMod val="75000"/>
+                </a:schemeClr>
+              </a:solidFill>
+            </a:endParaRPr>
+          </a:p>
+          <a:p>
+            <a:pPr algn="ctr"/>
+            <a:endParaRPr lang="en-US" altLang="ko-KR" sz="1400" b="1" dirty="0">
+              <a:solidFill>
+                <a:schemeClr val="accent1">
+                  <a:lumMod val="75000"/>
+                </a:schemeClr>
+              </a:solidFill>
+            </a:endParaRPr>
+          </a:p>
+          <a:p>
+            <a:pPr algn="ctr"/>
+            <a:r>
+              <a:rPr lang="ko-KR" altLang="en-US" sz="1400" b="1" dirty="0" smtClean="0">
+                <a:solidFill>
+                  <a:schemeClr val="accent1">
+                    <a:lumMod val="75000"/>
+                  </a:schemeClr>
+                </a:solidFill>
+              </a:rPr>
+              <a:t>주방용품</a:t>
+            </a:r>
+            <a:endParaRPr lang="en-US" altLang="ko-KR" sz="1400" b="1" dirty="0" smtClean="0">
+              <a:solidFill>
+                <a:schemeClr val="accent1">
+                  <a:lumMod val="75000"/>
+                </a:schemeClr>
+              </a:solidFill>
+            </a:endParaRPr>
+          </a:p>
+          <a:p>
+            <a:pPr algn="ctr"/>
+            <a:endParaRPr lang="en-US" altLang="ko-KR" sz="1400" b="1" dirty="0" smtClean="0">
+              <a:solidFill>
+                <a:schemeClr val="accent1">
+                  <a:lumMod val="75000"/>
+                </a:schemeClr>
+              </a:solidFill>
+            </a:endParaRPr>
+          </a:p>
+          <a:p>
+            <a:pPr algn="ctr"/>
+            <a:r>
+              <a:rPr lang="ko-KR" altLang="en-US" sz="1400" b="1" dirty="0" smtClean="0">
+                <a:solidFill>
+                  <a:schemeClr val="accent1">
+                    <a:lumMod val="75000"/>
+                  </a:schemeClr>
+                </a:solidFill>
+              </a:rPr>
+              <a:t>그릇</a:t>
+            </a:r>
+            <a:endParaRPr lang="en-US" altLang="ko-KR" sz="1400" b="1" dirty="0" smtClean="0">
+              <a:solidFill>
+                <a:schemeClr val="accent1">
+                  <a:lumMod val="75000"/>
+                </a:schemeClr>
+              </a:solidFill>
+            </a:endParaRPr>
+          </a:p>
+        </p:txBody>
+      </p:sp>
+      <p:sp>
+        <p:nvSpPr>
+          <p:cNvPr id="63" name="TextBox 62"/>
+          <p:cNvSpPr txBox="1"/>
+          <p:nvPr/>
+        </p:nvSpPr>
+        <p:spPr>
+          <a:xfrm>
+            <a:off x="4786314" y="4000510"/>
+            <a:ext cx="1357322" cy="307777"/>
+          </a:xfrm>
+          <a:prstGeom prst="rect">
+            <a:avLst/>
+          </a:prstGeom>
+          <a:noFill/>
+        </p:spPr>
+        <p:txBody>
+          <a:bodyPr wrap="square" rtlCol="0">
+            <a:spAutoFit/>
+          </a:bodyPr>
+          <a:lstStyle/>
+          <a:p>
+            <a:pPr algn="ctr"/>
+            <a:r>
+              <a:rPr lang="ko-KR" altLang="en-US" sz="1400" dirty="0" smtClean="0"/>
+              <a:t>카운</a:t>
+            </a:r>
+            <a:r>
+              <a:rPr lang="ko-KR" altLang="en-US" sz="1400" dirty="0"/>
+              <a:t>터</a:t>
+            </a:r>
+          </a:p>
+        </p:txBody>
+      </p:sp>
+      <p:sp>
+        <p:nvSpPr>
+          <p:cNvPr id="64" name="TextBox 63"/>
+          <p:cNvSpPr txBox="1"/>
+          <p:nvPr/>
+        </p:nvSpPr>
+        <p:spPr>
+          <a:xfrm>
+            <a:off x="485021" y="3994484"/>
+            <a:ext cx="1357322" cy="307777"/>
+          </a:xfrm>
+          <a:prstGeom prst="rect">
+            <a:avLst/>
+          </a:prstGeom>
+          <a:noFill/>
+        </p:spPr>
+        <p:txBody>
+          <a:bodyPr wrap="square" rtlCol="0">
+            <a:spAutoFit/>
+          </a:bodyPr>
+          <a:lstStyle/>
+          <a:p>
+            <a:pPr algn="ctr"/>
+            <a:r>
+              <a:rPr lang="ko-KR" altLang="en-US" sz="1400" dirty="0" smtClean="0"/>
+              <a:t>입구</a:t>
+            </a:r>
+            <a:endParaRPr lang="ko-KR" altLang="en-US" sz="1400" dirty="0"/>
+          </a:p>
+        </p:txBody>
+      </p:sp>
+      <p:sp>
+        <p:nvSpPr>
+          <p:cNvPr id="65" name="TextBox 64"/>
+          <p:cNvSpPr txBox="1"/>
+          <p:nvPr/>
+        </p:nvSpPr>
+        <p:spPr>
+          <a:xfrm>
+            <a:off x="861548" y="1324121"/>
+            <a:ext cx="1643074" cy="307777"/>
+          </a:xfrm>
+          <a:prstGeom prst="rect">
+            <a:avLst/>
+          </a:prstGeom>
+          <a:noFill/>
+        </p:spPr>
+        <p:txBody>
+          <a:bodyPr wrap="square" rtlCol="0">
+            <a:spAutoFit/>
+          </a:bodyPr>
+          <a:lstStyle/>
+          <a:p>
+            <a:pPr algn="ctr"/>
+            <a:r>
+              <a:rPr lang="ko-KR" altLang="en-US" sz="1400" b="1" dirty="0" smtClean="0">
+                <a:solidFill>
+                  <a:schemeClr val="accent1">
+                    <a:lumMod val="75000"/>
+                  </a:schemeClr>
+                </a:solidFill>
+              </a:rPr>
+              <a:t>두부</a:t>
+            </a:r>
+            <a:r>
+              <a:rPr lang="en-US" altLang="ko-KR" sz="1400" b="1" dirty="0" smtClean="0">
+                <a:solidFill>
+                  <a:schemeClr val="accent1">
+                    <a:lumMod val="75000"/>
+                  </a:schemeClr>
+                </a:solidFill>
+              </a:rPr>
+              <a:t>/</a:t>
+            </a:r>
+            <a:r>
+              <a:rPr lang="ko-KR" altLang="en-US" sz="1400" b="1" dirty="0" smtClean="0">
+                <a:solidFill>
+                  <a:schemeClr val="accent1">
+                    <a:lumMod val="75000"/>
+                  </a:schemeClr>
+                </a:solidFill>
+              </a:rPr>
+              <a:t>김치</a:t>
+            </a:r>
+            <a:endParaRPr lang="ko-KR" altLang="en-US" sz="1400" b="1" dirty="0">
+              <a:solidFill>
+                <a:schemeClr val="accent1">
+                  <a:lumMod val="75000"/>
+                </a:schemeClr>
+              </a:solidFill>
+            </a:endParaRPr>
+          </a:p>
+        </p:txBody>
+      </p:sp>
+      <p:pic>
+        <p:nvPicPr>
+          <p:cNvPr id="2" name="그림 1"/>
+          <p:cNvPicPr>
+            <a:picLocks noChangeAspect="1"/>
+          </p:cNvPicPr>
+          <p:nvPr/>
+        </p:nvPicPr>
+        <p:blipFill>
+          <a:blip r:embed="rId3" cstate="print">
+            <a:extLst>
+              <a:ext uri="{28A0092B-C50C-407E-A947-70E740481C1C}">
+                <a14:useLocalDpi xmlns:a14="http://schemas.microsoft.com/office/drawing/2010/main" val="0"/>
+              </a:ext>
+            </a:extLst>
+          </a:blip>
+          <a:stretch>
+            <a:fillRect/>
+          </a:stretch>
+        </p:blipFill>
+        <p:spPr>
+          <a:xfrm>
+            <a:off x="835183" y="4286262"/>
+            <a:ext cx="379247" cy="379247"/>
+          </a:xfrm>
+          <a:prstGeom prst="rect">
+            <a:avLst/>
+          </a:prstGeom>
+        </p:spPr>
+      </p:pic>
+      <p:pic>
+        <p:nvPicPr>
+          <p:cNvPr id="3" name="그림 2"/>
+          <p:cNvPicPr>
+            <a:picLocks noChangeAspect="1"/>
+          </p:cNvPicPr>
+          <p:nvPr/>
+        </p:nvPicPr>
+        <p:blipFill>
+          <a:blip r:embed="rId4" cstate="print">
+            <a:extLst>
+              <a:ext uri="{28A0092B-C50C-407E-A947-70E740481C1C}">
+                <a14:useLocalDpi xmlns:a14="http://schemas.microsoft.com/office/drawing/2010/main" val="0"/>
+              </a:ext>
+            </a:extLst>
+          </a:blip>
+          <a:stretch>
+            <a:fillRect/>
+          </a:stretch>
+        </p:blipFill>
+        <p:spPr>
+          <a:xfrm>
+            <a:off x="2404263" y="3781495"/>
+            <a:ext cx="334946" cy="334946"/>
+          </a:xfrm>
+          <a:prstGeom prst="rect">
+            <a:avLst/>
+          </a:prstGeom>
+        </p:spPr>
+      </p:pic>
+      <p:pic>
+        <p:nvPicPr>
+          <p:cNvPr id="66" name="그림 65"/>
+          <p:cNvPicPr>
+            <a:picLocks noChangeAspect="1"/>
+          </p:cNvPicPr>
+          <p:nvPr/>
+        </p:nvPicPr>
+        <p:blipFill>
+          <a:blip r:embed="rId3" cstate="print">
+            <a:extLst>
+              <a:ext uri="{28A0092B-C50C-407E-A947-70E740481C1C}">
+                <a14:useLocalDpi xmlns:a14="http://schemas.microsoft.com/office/drawing/2010/main" val="0"/>
+              </a:ext>
+            </a:extLst>
+          </a:blip>
+          <a:stretch>
+            <a:fillRect/>
+          </a:stretch>
+        </p:blipFill>
+        <p:spPr>
+          <a:xfrm>
+            <a:off x="1150188" y="4286262"/>
+            <a:ext cx="379247" cy="379247"/>
+          </a:xfrm>
+          <a:prstGeom prst="rect">
+            <a:avLst/>
+          </a:prstGeom>
+        </p:spPr>
+      </p:pic>
+      <p:pic>
+        <p:nvPicPr>
+          <p:cNvPr id="67" name="그림 66"/>
+          <p:cNvPicPr>
+            <a:picLocks noChangeAspect="1"/>
+          </p:cNvPicPr>
+          <p:nvPr/>
+        </p:nvPicPr>
+        <p:blipFill>
+          <a:blip r:embed="rId3" cstate="print">
+            <a:extLst>
+              <a:ext uri="{28A0092B-C50C-407E-A947-70E740481C1C}">
+                <a14:useLocalDpi xmlns:a14="http://schemas.microsoft.com/office/drawing/2010/main" val="0"/>
+              </a:ext>
+            </a:extLst>
+          </a:blip>
+          <a:stretch>
+            <a:fillRect/>
+          </a:stretch>
+        </p:blipFill>
+        <p:spPr>
+          <a:xfrm>
+            <a:off x="1866118" y="4286243"/>
+            <a:ext cx="379247" cy="379247"/>
+          </a:xfrm>
+          <a:prstGeom prst="rect">
+            <a:avLst/>
+          </a:prstGeom>
+        </p:spPr>
+      </p:pic>
+      <p:pic>
+        <p:nvPicPr>
+          <p:cNvPr id="68" name="그림 67"/>
+          <p:cNvPicPr>
+            <a:picLocks noChangeAspect="1"/>
+          </p:cNvPicPr>
+          <p:nvPr/>
+        </p:nvPicPr>
+        <p:blipFill>
+          <a:blip r:embed="rId3" cstate="print">
+            <a:extLst>
+              <a:ext uri="{28A0092B-C50C-407E-A947-70E740481C1C}">
+                <a14:useLocalDpi xmlns:a14="http://schemas.microsoft.com/office/drawing/2010/main" val="0"/>
+              </a:ext>
+            </a:extLst>
+          </a:blip>
+          <a:stretch>
+            <a:fillRect/>
+          </a:stretch>
+        </p:blipFill>
+        <p:spPr>
+          <a:xfrm>
+            <a:off x="1513512" y="4286244"/>
+            <a:ext cx="379247" cy="379247"/>
+          </a:xfrm>
+          <a:prstGeom prst="rect">
+            <a:avLst/>
+          </a:prstGeom>
+        </p:spPr>
+      </p:pic>
+      <p:sp>
+        <p:nvSpPr>
+          <p:cNvPr id="69" name="TextBox 68"/>
+          <p:cNvSpPr txBox="1"/>
+          <p:nvPr/>
+        </p:nvSpPr>
+        <p:spPr>
+          <a:xfrm>
+            <a:off x="1001754" y="642925"/>
+            <a:ext cx="1505058" cy="307777"/>
+          </a:xfrm>
+          <a:prstGeom prst="rect">
+            <a:avLst/>
+          </a:prstGeom>
+          <a:noFill/>
+        </p:spPr>
+        <p:txBody>
+          <a:bodyPr wrap="square" rtlCol="0">
+            <a:spAutoFit/>
+          </a:bodyPr>
+          <a:lstStyle/>
+          <a:p>
+            <a:pPr algn="ctr"/>
+            <a:r>
+              <a:rPr lang="en-US" altLang="ko-KR" sz="1400" b="1" dirty="0" smtClean="0">
+                <a:solidFill>
+                  <a:schemeClr val="accent1">
+                    <a:lumMod val="75000"/>
+                  </a:schemeClr>
+                </a:solidFill>
+              </a:rPr>
+              <a:t>1</a:t>
+            </a:r>
+            <a:endParaRPr lang="ko-KR" altLang="en-US" sz="1400" b="1" dirty="0">
+              <a:solidFill>
+                <a:schemeClr val="accent1">
+                  <a:lumMod val="75000"/>
+                </a:schemeClr>
+              </a:solidFill>
+            </a:endParaRPr>
+          </a:p>
+        </p:txBody>
+      </p:sp>
+      <p:sp>
+        <p:nvSpPr>
+          <p:cNvPr id="70" name="TextBox 69"/>
+          <p:cNvSpPr txBox="1"/>
+          <p:nvPr/>
+        </p:nvSpPr>
+        <p:spPr>
+          <a:xfrm>
+            <a:off x="4683486" y="1201010"/>
+            <a:ext cx="1170836" cy="523220"/>
+          </a:xfrm>
+          <a:prstGeom prst="rect">
+            <a:avLst/>
+          </a:prstGeom>
+          <a:noFill/>
+        </p:spPr>
+        <p:txBody>
+          <a:bodyPr wrap="square" rtlCol="0">
+            <a:spAutoFit/>
+          </a:bodyPr>
+          <a:lstStyle/>
+          <a:p>
+            <a:pPr algn="ctr"/>
+            <a:r>
+              <a:rPr lang="ko-KR" altLang="en-US" sz="1400" b="1" dirty="0" smtClean="0">
+                <a:solidFill>
+                  <a:schemeClr val="accent1">
+                    <a:lumMod val="75000"/>
+                  </a:schemeClr>
+                </a:solidFill>
+              </a:rPr>
+              <a:t>냉동식품</a:t>
+            </a:r>
+            <a:endParaRPr lang="en-US" altLang="ko-KR" sz="1400" b="1" dirty="0" smtClean="0">
+              <a:solidFill>
+                <a:schemeClr val="accent1">
+                  <a:lumMod val="75000"/>
+                </a:schemeClr>
+              </a:solidFill>
+            </a:endParaRPr>
+          </a:p>
+          <a:p>
+            <a:pPr algn="ctr"/>
+            <a:r>
+              <a:rPr lang="ko-KR" altLang="en-US" sz="1400" b="1" dirty="0" smtClean="0">
+                <a:solidFill>
+                  <a:schemeClr val="accent1">
+                    <a:lumMod val="75000"/>
+                  </a:schemeClr>
+                </a:solidFill>
+              </a:rPr>
+              <a:t>아이스크</a:t>
+            </a:r>
+            <a:r>
+              <a:rPr lang="ko-KR" altLang="en-US" sz="1400" b="1" dirty="0">
+                <a:solidFill>
+                  <a:schemeClr val="accent1">
+                    <a:lumMod val="75000"/>
+                  </a:schemeClr>
+                </a:solidFill>
+              </a:rPr>
+              <a:t>림</a:t>
+            </a:r>
+          </a:p>
+        </p:txBody>
+      </p:sp>
+      <p:sp>
+        <p:nvSpPr>
+          <p:cNvPr id="71" name="직사각형 70"/>
           <p:cNvSpPr/>
           <p:nvPr/>
         </p:nvSpPr>
         <p:spPr>
           <a:xfrm>
-            <a:off x="0" y="4286262"/>
-            <a:ext cx="714348" cy="857238"/>
+            <a:off x="5929322" y="2528255"/>
+            <a:ext cx="928725" cy="223176"/>
           </a:xfrm>
           <a:prstGeom prst="rect">
             <a:avLst/>
           </a:prstGeom>
           <a:solidFill>
-            <a:schemeClr val="bg1">
-              <a:lumMod val="85000"/>
+            <a:schemeClr val="accent6">
+              <a:lumMod val="60000"/>
+              <a:lumOff val="40000"/>
             </a:schemeClr>
           </a:solidFill>
           <a:ln>
@@ -5371,43 +7528,21 @@
           <a:lstStyle/>
           <a:p>
             <a:pPr algn="ctr"/>
-            <a:endParaRPr lang="ko-KR" altLang="en-US"/>
-          </a:p>
-        </p:txBody>
-      </p:sp>
-      <p:sp>
-        <p:nvSpPr>
-          <p:cNvPr id="38" name="TextBox 37"/>
-          <p:cNvSpPr txBox="1"/>
-          <p:nvPr/>
-        </p:nvSpPr>
-        <p:spPr>
-          <a:xfrm>
-            <a:off x="857224" y="0"/>
-            <a:ext cx="285752" cy="369332"/>
-          </a:xfrm>
-          <a:prstGeom prst="rect">
-            <a:avLst/>
-          </a:prstGeom>
-          <a:noFill/>
-        </p:spPr>
-        <p:txBody>
-          <a:bodyPr wrap="square" rtlCol="0">
-            <a:spAutoFit/>
-          </a:bodyPr>
-          <a:lstStyle/>
-          <a:p>
-            <a:r>
-              <a:rPr lang="en-US" altLang="ko-KR" dirty="0" smtClean="0">
+            <a:r>
+              <a:rPr lang="ko-KR" altLang="en-US" sz="1400" b="1" dirty="0" smtClean="0">
                 <a:solidFill>
-                  <a:schemeClr val="bg1"/>
+                  <a:schemeClr val="accent1">
+                    <a:lumMod val="75000"/>
+                  </a:schemeClr>
                 </a:solidFill>
               </a:rPr>
-              <a:t>1</a:t>
-            </a:r>
-            <a:endParaRPr lang="ko-KR" altLang="en-US" dirty="0">
+              <a:t>행사</a:t>
+            </a:r>
+            <a:endParaRPr lang="ko-KR" altLang="en-US" sz="1400" b="1" dirty="0">
               <a:solidFill>
-                <a:schemeClr val="bg1"/>
+                <a:schemeClr val="accent1">
+                  <a:lumMod val="75000"/>
+                </a:schemeClr>
               </a:solidFill>
             </a:endParaRPr>
           </a:p>
@@ -5415,37 +7550,64 @@
       </p:sp>
       <p:sp>
         <p:nvSpPr>
-          <p:cNvPr id="39" name="TextBox 38"/>
-          <p:cNvSpPr txBox="1"/>
-          <p:nvPr/>
-        </p:nvSpPr>
-        <p:spPr>
-          <a:xfrm>
-            <a:off x="1000100" y="642924"/>
-            <a:ext cx="285752" cy="369332"/>
-          </a:xfrm>
-          <a:prstGeom prst="rect">
-            <a:avLst/>
-          </a:prstGeom>
-          <a:noFill/>
-        </p:spPr>
-        <p:txBody>
-          <a:bodyPr wrap="square" rtlCol="0">
-            <a:spAutoFit/>
-          </a:bodyPr>
-          <a:lstStyle/>
-          <a:p>
-            <a:r>
-              <a:rPr lang="en-US" altLang="ko-KR" dirty="0" smtClean="0">
+          <p:cNvPr id="72" name="직사각형 71"/>
+          <p:cNvSpPr/>
+          <p:nvPr/>
+        </p:nvSpPr>
+        <p:spPr>
+          <a:xfrm>
+            <a:off x="4857721" y="2539365"/>
+            <a:ext cx="928725" cy="223176"/>
+          </a:xfrm>
+          <a:prstGeom prst="rect">
+            <a:avLst/>
+          </a:prstGeom>
+          <a:solidFill>
+            <a:schemeClr val="accent6">
+              <a:lumMod val="60000"/>
+              <a:lumOff val="40000"/>
+            </a:schemeClr>
+          </a:solidFill>
+          <a:ln>
+            <a:noFill/>
+          </a:ln>
+        </p:spPr>
+        <p:style>
+          <a:lnRef idx="2">
+            <a:schemeClr val="accent1">
+              <a:shade val="50000"/>
+            </a:schemeClr>
+          </a:lnRef>
+          <a:fillRef idx="1">
+            <a:schemeClr val="accent1"/>
+          </a:fillRef>
+          <a:effectRef idx="0">
+            <a:schemeClr val="accent1"/>
+          </a:effectRef>
+          <a:fontRef idx="minor">
+            <a:schemeClr val="lt1"/>
+          </a:fontRef>
+        </p:style>
+        <p:txBody>
+          <a:bodyPr rtlCol="0" anchor="ctr"/>
+          <a:lstStyle/>
+          <a:p>
+            <a:pPr algn="ctr"/>
+            <a:r>
+              <a:rPr lang="ko-KR" altLang="en-US" sz="1400" b="1" dirty="0" smtClean="0">
                 <a:solidFill>
-                  <a:schemeClr val="bg1"/>
+                  <a:schemeClr val="accent1">
+                    <a:lumMod val="75000"/>
+                  </a:schemeClr>
                 </a:solidFill>
               </a:rPr>
-              <a:t>1</a:t>
-            </a:r>
-            <a:endParaRPr lang="ko-KR" altLang="en-US" dirty="0">
+              <a:t>행사</a:t>
+            </a:r>
+            <a:endParaRPr lang="ko-KR" altLang="en-US" sz="1400" b="1" dirty="0">
               <a:solidFill>
-                <a:schemeClr val="bg1"/>
+                <a:schemeClr val="accent1">
+                  <a:lumMod val="75000"/>
+                </a:schemeClr>
               </a:solidFill>
             </a:endParaRPr>
           </a:p>
@@ -5453,898 +7615,64 @@
       </p:sp>
       <p:sp>
         <p:nvSpPr>
-          <p:cNvPr id="40" name="TextBox 39"/>
-          <p:cNvSpPr txBox="1"/>
-          <p:nvPr/>
-        </p:nvSpPr>
-        <p:spPr>
-          <a:xfrm>
-            <a:off x="3071802" y="0"/>
-            <a:ext cx="285752" cy="369332"/>
-          </a:xfrm>
-          <a:prstGeom prst="rect">
-            <a:avLst/>
-          </a:prstGeom>
-          <a:noFill/>
-        </p:spPr>
-        <p:txBody>
-          <a:bodyPr wrap="square" rtlCol="0">
-            <a:spAutoFit/>
-          </a:bodyPr>
-          <a:lstStyle/>
-          <a:p>
-            <a:r>
-              <a:rPr lang="en-US" altLang="ko-KR" dirty="0" smtClean="0">
+          <p:cNvPr id="73" name="직사각형 72"/>
+          <p:cNvSpPr/>
+          <p:nvPr/>
+        </p:nvSpPr>
+        <p:spPr>
+          <a:xfrm>
+            <a:off x="7000892" y="2528255"/>
+            <a:ext cx="928725" cy="223176"/>
+          </a:xfrm>
+          <a:prstGeom prst="rect">
+            <a:avLst/>
+          </a:prstGeom>
+          <a:solidFill>
+            <a:schemeClr val="accent6">
+              <a:lumMod val="60000"/>
+              <a:lumOff val="40000"/>
+            </a:schemeClr>
+          </a:solidFill>
+          <a:ln>
+            <a:noFill/>
+          </a:ln>
+        </p:spPr>
+        <p:style>
+          <a:lnRef idx="2">
+            <a:schemeClr val="accent1">
+              <a:shade val="50000"/>
+            </a:schemeClr>
+          </a:lnRef>
+          <a:fillRef idx="1">
+            <a:schemeClr val="accent1"/>
+          </a:fillRef>
+          <a:effectRef idx="0">
+            <a:schemeClr val="accent1"/>
+          </a:effectRef>
+          <a:fontRef idx="minor">
+            <a:schemeClr val="lt1"/>
+          </a:fontRef>
+        </p:style>
+        <p:txBody>
+          <a:bodyPr rtlCol="0" anchor="ctr"/>
+          <a:lstStyle/>
+          <a:p>
+            <a:pPr algn="ctr"/>
+            <a:r>
+              <a:rPr lang="ko-KR" altLang="en-US" sz="1400" b="1" dirty="0" smtClean="0">
                 <a:solidFill>
-                  <a:schemeClr val="bg1"/>
+                  <a:schemeClr val="accent1">
+                    <a:lumMod val="75000"/>
+                  </a:schemeClr>
                 </a:solidFill>
               </a:rPr>
-              <a:t>2</a:t>
-            </a:r>
-            <a:endParaRPr lang="ko-KR" altLang="en-US" dirty="0">
+              <a:t>행사</a:t>
+            </a:r>
+            <a:endParaRPr lang="ko-KR" altLang="en-US" sz="1400" b="1" dirty="0">
               <a:solidFill>
-                <a:schemeClr val="bg1"/>
-              </a:solidFill>
-            </a:endParaRPr>
-          </a:p>
-        </p:txBody>
-      </p:sp>
-      <p:sp>
-        <p:nvSpPr>
-          <p:cNvPr id="41" name="TextBox 40"/>
-          <p:cNvSpPr txBox="1"/>
-          <p:nvPr/>
-        </p:nvSpPr>
-        <p:spPr>
-          <a:xfrm>
-            <a:off x="3000364" y="642924"/>
-            <a:ext cx="285752" cy="369332"/>
-          </a:xfrm>
-          <a:prstGeom prst="rect">
-            <a:avLst/>
-          </a:prstGeom>
-          <a:noFill/>
-        </p:spPr>
-        <p:txBody>
-          <a:bodyPr wrap="square" rtlCol="0">
-            <a:spAutoFit/>
-          </a:bodyPr>
-          <a:lstStyle/>
-          <a:p>
-            <a:r>
-              <a:rPr lang="en-US" altLang="ko-KR" dirty="0" smtClean="0">
-                <a:solidFill>
-                  <a:schemeClr val="bg1"/>
-                </a:solidFill>
-              </a:rPr>
-              <a:t>2</a:t>
-            </a:r>
-            <a:endParaRPr lang="ko-KR" altLang="en-US" dirty="0">
-              <a:solidFill>
-                <a:schemeClr val="bg1"/>
-              </a:solidFill>
-            </a:endParaRPr>
-          </a:p>
-        </p:txBody>
-      </p:sp>
-      <p:sp>
-        <p:nvSpPr>
-          <p:cNvPr id="42" name="TextBox 41"/>
-          <p:cNvSpPr txBox="1"/>
-          <p:nvPr/>
-        </p:nvSpPr>
-        <p:spPr>
-          <a:xfrm>
-            <a:off x="1142976" y="2143122"/>
-            <a:ext cx="285752" cy="369332"/>
-          </a:xfrm>
-          <a:prstGeom prst="rect">
-            <a:avLst/>
-          </a:prstGeom>
-          <a:noFill/>
-        </p:spPr>
-        <p:txBody>
-          <a:bodyPr wrap="square" rtlCol="0">
-            <a:spAutoFit/>
-          </a:bodyPr>
-          <a:lstStyle/>
-          <a:p>
-            <a:r>
-              <a:rPr lang="en-US" altLang="ko-KR" dirty="0" smtClean="0">
-                <a:solidFill>
-                  <a:schemeClr val="bg1"/>
-                </a:solidFill>
-              </a:rPr>
-              <a:t>3</a:t>
-            </a:r>
-            <a:endParaRPr lang="ko-KR" altLang="en-US" dirty="0">
-              <a:solidFill>
-                <a:schemeClr val="bg1"/>
-              </a:solidFill>
-            </a:endParaRPr>
-          </a:p>
-        </p:txBody>
-      </p:sp>
-      <p:sp>
-        <p:nvSpPr>
-          <p:cNvPr id="43" name="TextBox 42"/>
-          <p:cNvSpPr txBox="1"/>
-          <p:nvPr/>
-        </p:nvSpPr>
-        <p:spPr>
-          <a:xfrm>
-            <a:off x="0" y="2214560"/>
-            <a:ext cx="285752" cy="369332"/>
-          </a:xfrm>
-          <a:prstGeom prst="rect">
-            <a:avLst/>
-          </a:prstGeom>
-          <a:noFill/>
-        </p:spPr>
-        <p:txBody>
-          <a:bodyPr wrap="square" rtlCol="0">
-            <a:spAutoFit/>
-          </a:bodyPr>
-          <a:lstStyle/>
-          <a:p>
-            <a:r>
-              <a:rPr lang="en-US" altLang="ko-KR" dirty="0" smtClean="0">
-                <a:solidFill>
-                  <a:schemeClr val="bg1"/>
-                </a:solidFill>
-              </a:rPr>
-              <a:t>4</a:t>
-            </a:r>
-            <a:endParaRPr lang="ko-KR" altLang="en-US" dirty="0">
-              <a:solidFill>
-                <a:schemeClr val="bg1"/>
-              </a:solidFill>
-            </a:endParaRPr>
-          </a:p>
-        </p:txBody>
-      </p:sp>
-      <p:sp>
-        <p:nvSpPr>
-          <p:cNvPr id="44" name="TextBox 43"/>
-          <p:cNvSpPr txBox="1"/>
-          <p:nvPr/>
-        </p:nvSpPr>
-        <p:spPr>
-          <a:xfrm>
-            <a:off x="3571868" y="3214692"/>
-            <a:ext cx="285752" cy="369332"/>
-          </a:xfrm>
-          <a:prstGeom prst="rect">
-            <a:avLst/>
-          </a:prstGeom>
-          <a:noFill/>
-        </p:spPr>
-        <p:txBody>
-          <a:bodyPr wrap="square" rtlCol="0">
-            <a:spAutoFit/>
-          </a:bodyPr>
-          <a:lstStyle/>
-          <a:p>
-            <a:r>
-              <a:rPr lang="en-US" altLang="ko-KR" dirty="0" smtClean="0">
-                <a:solidFill>
-                  <a:schemeClr val="bg1"/>
-                </a:solidFill>
-              </a:rPr>
-              <a:t>5</a:t>
-            </a:r>
-            <a:endParaRPr lang="ko-KR" altLang="en-US" dirty="0">
-              <a:solidFill>
-                <a:schemeClr val="bg1"/>
-              </a:solidFill>
-            </a:endParaRPr>
-          </a:p>
-        </p:txBody>
-      </p:sp>
-      <p:sp>
-        <p:nvSpPr>
-          <p:cNvPr id="45" name="TextBox 44"/>
-          <p:cNvSpPr txBox="1"/>
-          <p:nvPr/>
-        </p:nvSpPr>
-        <p:spPr>
-          <a:xfrm>
-            <a:off x="3071802" y="1285866"/>
-            <a:ext cx="285752" cy="369332"/>
-          </a:xfrm>
-          <a:prstGeom prst="rect">
-            <a:avLst/>
-          </a:prstGeom>
-          <a:noFill/>
-        </p:spPr>
-        <p:txBody>
-          <a:bodyPr wrap="square" rtlCol="0">
-            <a:spAutoFit/>
-          </a:bodyPr>
-          <a:lstStyle/>
-          <a:p>
-            <a:r>
-              <a:rPr lang="en-US" altLang="ko-KR" dirty="0" smtClean="0">
-                <a:solidFill>
-                  <a:schemeClr val="bg1"/>
-                </a:solidFill>
-              </a:rPr>
-              <a:t>6</a:t>
-            </a:r>
-            <a:endParaRPr lang="ko-KR" altLang="en-US" dirty="0">
-              <a:solidFill>
-                <a:schemeClr val="bg1"/>
-              </a:solidFill>
-            </a:endParaRPr>
-          </a:p>
-        </p:txBody>
-      </p:sp>
-      <p:sp>
-        <p:nvSpPr>
-          <p:cNvPr id="46" name="TextBox 45"/>
-          <p:cNvSpPr txBox="1"/>
-          <p:nvPr/>
-        </p:nvSpPr>
-        <p:spPr>
-          <a:xfrm>
-            <a:off x="2949240" y="2117558"/>
-            <a:ext cx="285752" cy="369332"/>
-          </a:xfrm>
-          <a:prstGeom prst="rect">
-            <a:avLst/>
-          </a:prstGeom>
-          <a:noFill/>
-        </p:spPr>
-        <p:txBody>
-          <a:bodyPr wrap="square" rtlCol="0">
-            <a:spAutoFit/>
-          </a:bodyPr>
-          <a:lstStyle/>
-          <a:p>
-            <a:r>
-              <a:rPr lang="en-US" altLang="ko-KR" dirty="0" smtClean="0">
-                <a:solidFill>
-                  <a:schemeClr val="bg1"/>
-                </a:solidFill>
-              </a:rPr>
-              <a:t>9</a:t>
-            </a:r>
-            <a:endParaRPr lang="ko-KR" altLang="en-US" dirty="0">
-              <a:solidFill>
-                <a:schemeClr val="bg1"/>
-              </a:solidFill>
-            </a:endParaRPr>
-          </a:p>
-        </p:txBody>
-      </p:sp>
-      <p:sp>
-        <p:nvSpPr>
-          <p:cNvPr id="47" name="TextBox 46"/>
-          <p:cNvSpPr txBox="1"/>
-          <p:nvPr/>
-        </p:nvSpPr>
-        <p:spPr>
-          <a:xfrm>
-            <a:off x="2214546" y="2143122"/>
-            <a:ext cx="285752" cy="369332"/>
-          </a:xfrm>
-          <a:prstGeom prst="rect">
-            <a:avLst/>
-          </a:prstGeom>
-          <a:noFill/>
-        </p:spPr>
-        <p:txBody>
-          <a:bodyPr wrap="square" rtlCol="0">
-            <a:spAutoFit/>
-          </a:bodyPr>
-          <a:lstStyle/>
-          <a:p>
-            <a:r>
-              <a:rPr lang="en-US" altLang="ko-KR" dirty="0" smtClean="0">
-                <a:solidFill>
-                  <a:schemeClr val="bg1"/>
-                </a:solidFill>
-              </a:rPr>
-              <a:t>9</a:t>
-            </a:r>
-            <a:endParaRPr lang="ko-KR" altLang="en-US" dirty="0">
-              <a:solidFill>
-                <a:schemeClr val="bg1"/>
-              </a:solidFill>
-            </a:endParaRPr>
-          </a:p>
-        </p:txBody>
-      </p:sp>
-      <p:sp>
-        <p:nvSpPr>
-          <p:cNvPr id="48" name="TextBox 47"/>
-          <p:cNvSpPr txBox="1"/>
-          <p:nvPr/>
-        </p:nvSpPr>
-        <p:spPr>
-          <a:xfrm>
-            <a:off x="3474880" y="2103274"/>
-            <a:ext cx="285752" cy="369332"/>
-          </a:xfrm>
-          <a:prstGeom prst="rect">
-            <a:avLst/>
-          </a:prstGeom>
-          <a:noFill/>
-        </p:spPr>
-        <p:txBody>
-          <a:bodyPr wrap="square" rtlCol="0">
-            <a:spAutoFit/>
-          </a:bodyPr>
-          <a:lstStyle/>
-          <a:p>
-            <a:r>
-              <a:rPr lang="en-US" altLang="ko-KR" dirty="0" smtClean="0">
-                <a:solidFill>
-                  <a:schemeClr val="bg1"/>
-                </a:solidFill>
-              </a:rPr>
-              <a:t>7</a:t>
-            </a:r>
-            <a:endParaRPr lang="ko-KR" altLang="en-US" dirty="0">
-              <a:solidFill>
-                <a:schemeClr val="bg1"/>
-              </a:solidFill>
-            </a:endParaRPr>
-          </a:p>
-        </p:txBody>
-      </p:sp>
-      <p:sp>
-        <p:nvSpPr>
-          <p:cNvPr id="49" name="TextBox 48"/>
-          <p:cNvSpPr txBox="1"/>
-          <p:nvPr/>
-        </p:nvSpPr>
-        <p:spPr>
-          <a:xfrm>
-            <a:off x="3968175" y="2103274"/>
-            <a:ext cx="285752" cy="369332"/>
-          </a:xfrm>
-          <a:prstGeom prst="rect">
-            <a:avLst/>
-          </a:prstGeom>
-          <a:noFill/>
-        </p:spPr>
-        <p:txBody>
-          <a:bodyPr wrap="square" rtlCol="0">
-            <a:spAutoFit/>
-          </a:bodyPr>
-          <a:lstStyle/>
-          <a:p>
-            <a:r>
-              <a:rPr lang="en-US" altLang="ko-KR" dirty="0" smtClean="0">
-                <a:solidFill>
-                  <a:schemeClr val="bg1"/>
-                </a:solidFill>
-              </a:rPr>
-              <a:t>7</a:t>
-            </a:r>
-            <a:endParaRPr lang="ko-KR" altLang="en-US" dirty="0">
-              <a:solidFill>
-                <a:schemeClr val="bg1"/>
-              </a:solidFill>
-            </a:endParaRPr>
-          </a:p>
-        </p:txBody>
-      </p:sp>
-      <p:sp>
-        <p:nvSpPr>
-          <p:cNvPr id="50" name="TextBox 49"/>
-          <p:cNvSpPr txBox="1"/>
-          <p:nvPr/>
-        </p:nvSpPr>
-        <p:spPr>
-          <a:xfrm>
-            <a:off x="6858016" y="1285866"/>
-            <a:ext cx="500066" cy="369332"/>
-          </a:xfrm>
-          <a:prstGeom prst="rect">
-            <a:avLst/>
-          </a:prstGeom>
-          <a:noFill/>
-        </p:spPr>
-        <p:txBody>
-          <a:bodyPr wrap="square" rtlCol="0">
-            <a:spAutoFit/>
-          </a:bodyPr>
-          <a:lstStyle/>
-          <a:p>
-            <a:r>
-              <a:rPr lang="en-US" altLang="ko-KR" dirty="0" smtClean="0">
-                <a:solidFill>
-                  <a:schemeClr val="bg1"/>
-                </a:solidFill>
-              </a:rPr>
-              <a:t>10</a:t>
-            </a:r>
-            <a:endParaRPr lang="ko-KR" altLang="en-US" dirty="0">
-              <a:solidFill>
-                <a:schemeClr val="bg1"/>
-              </a:solidFill>
-            </a:endParaRPr>
-          </a:p>
-        </p:txBody>
-      </p:sp>
-      <p:sp>
-        <p:nvSpPr>
-          <p:cNvPr id="51" name="TextBox 50"/>
-          <p:cNvSpPr txBox="1"/>
-          <p:nvPr/>
-        </p:nvSpPr>
-        <p:spPr>
-          <a:xfrm>
-            <a:off x="5929322" y="1285866"/>
-            <a:ext cx="500066" cy="369332"/>
-          </a:xfrm>
-          <a:prstGeom prst="rect">
-            <a:avLst/>
-          </a:prstGeom>
-          <a:noFill/>
-        </p:spPr>
-        <p:txBody>
-          <a:bodyPr wrap="square" rtlCol="0">
-            <a:spAutoFit/>
-          </a:bodyPr>
-          <a:lstStyle/>
-          <a:p>
-            <a:r>
-              <a:rPr lang="en-US" altLang="ko-KR" dirty="0" smtClean="0">
-                <a:solidFill>
-                  <a:schemeClr val="bg1"/>
-                </a:solidFill>
-              </a:rPr>
-              <a:t>11</a:t>
-            </a:r>
-            <a:endParaRPr lang="ko-KR" altLang="en-US" dirty="0">
-              <a:solidFill>
-                <a:schemeClr val="bg1"/>
-              </a:solidFill>
-            </a:endParaRPr>
-          </a:p>
-        </p:txBody>
-      </p:sp>
-      <p:sp>
-        <p:nvSpPr>
-          <p:cNvPr id="52" name="TextBox 51"/>
-          <p:cNvSpPr txBox="1"/>
-          <p:nvPr/>
-        </p:nvSpPr>
-        <p:spPr>
-          <a:xfrm>
-            <a:off x="5000628" y="1285866"/>
-            <a:ext cx="500066" cy="369332"/>
-          </a:xfrm>
-          <a:prstGeom prst="rect">
-            <a:avLst/>
-          </a:prstGeom>
-          <a:noFill/>
-        </p:spPr>
-        <p:txBody>
-          <a:bodyPr wrap="square" rtlCol="0">
-            <a:spAutoFit/>
-          </a:bodyPr>
-          <a:lstStyle/>
-          <a:p>
-            <a:r>
-              <a:rPr lang="en-US" altLang="ko-KR" dirty="0" smtClean="0">
-                <a:solidFill>
-                  <a:schemeClr val="bg1"/>
-                </a:solidFill>
-              </a:rPr>
-              <a:t>12</a:t>
-            </a:r>
-            <a:endParaRPr lang="ko-KR" altLang="en-US" dirty="0">
-              <a:solidFill>
-                <a:schemeClr val="bg1"/>
-              </a:solidFill>
-            </a:endParaRPr>
-          </a:p>
-        </p:txBody>
-      </p:sp>
-      <p:sp>
-        <p:nvSpPr>
-          <p:cNvPr id="53" name="TextBox 52"/>
-          <p:cNvSpPr txBox="1"/>
-          <p:nvPr/>
-        </p:nvSpPr>
-        <p:spPr>
-          <a:xfrm>
-            <a:off x="5429256" y="3214692"/>
-            <a:ext cx="500066" cy="369332"/>
-          </a:xfrm>
-          <a:prstGeom prst="rect">
-            <a:avLst/>
-          </a:prstGeom>
-          <a:noFill/>
-        </p:spPr>
-        <p:txBody>
-          <a:bodyPr wrap="square" rtlCol="0">
-            <a:spAutoFit/>
-          </a:bodyPr>
-          <a:lstStyle/>
-          <a:p>
-            <a:r>
-              <a:rPr lang="en-US" altLang="ko-KR" dirty="0" smtClean="0">
-                <a:solidFill>
-                  <a:schemeClr val="bg1"/>
-                </a:solidFill>
-              </a:rPr>
-              <a:t>13</a:t>
-            </a:r>
-            <a:endParaRPr lang="ko-KR" altLang="en-US" dirty="0">
-              <a:solidFill>
-                <a:schemeClr val="bg1"/>
-              </a:solidFill>
-            </a:endParaRPr>
-          </a:p>
-        </p:txBody>
-      </p:sp>
-      <p:sp>
-        <p:nvSpPr>
-          <p:cNvPr id="54" name="TextBox 53"/>
-          <p:cNvSpPr txBox="1"/>
-          <p:nvPr/>
-        </p:nvSpPr>
-        <p:spPr>
-          <a:xfrm>
-            <a:off x="4429124" y="3214692"/>
-            <a:ext cx="500066" cy="369332"/>
-          </a:xfrm>
-          <a:prstGeom prst="rect">
-            <a:avLst/>
-          </a:prstGeom>
-          <a:noFill/>
-        </p:spPr>
-        <p:txBody>
-          <a:bodyPr wrap="square" rtlCol="0">
-            <a:spAutoFit/>
-          </a:bodyPr>
-          <a:lstStyle/>
-          <a:p>
-            <a:r>
-              <a:rPr lang="en-US" altLang="ko-KR" dirty="0" smtClean="0">
-                <a:solidFill>
-                  <a:schemeClr val="bg1"/>
-                </a:solidFill>
-              </a:rPr>
-              <a:t>14</a:t>
-            </a:r>
-            <a:endParaRPr lang="ko-KR" altLang="en-US" dirty="0">
-              <a:solidFill>
-                <a:schemeClr val="bg1"/>
-              </a:solidFill>
-            </a:endParaRPr>
-          </a:p>
-        </p:txBody>
-      </p:sp>
-      <p:sp>
-        <p:nvSpPr>
-          <p:cNvPr id="55" name="TextBox 54"/>
-          <p:cNvSpPr txBox="1"/>
-          <p:nvPr/>
-        </p:nvSpPr>
-        <p:spPr>
-          <a:xfrm>
-            <a:off x="6357950" y="3214692"/>
-            <a:ext cx="500066" cy="369332"/>
-          </a:xfrm>
-          <a:prstGeom prst="rect">
-            <a:avLst/>
-          </a:prstGeom>
-          <a:noFill/>
-        </p:spPr>
-        <p:txBody>
-          <a:bodyPr wrap="square" rtlCol="0">
-            <a:spAutoFit/>
-          </a:bodyPr>
-          <a:lstStyle/>
-          <a:p>
-            <a:r>
-              <a:rPr lang="en-US" altLang="ko-KR" dirty="0" smtClean="0">
-                <a:solidFill>
-                  <a:schemeClr val="bg1"/>
-                </a:solidFill>
-              </a:rPr>
-              <a:t>15</a:t>
-            </a:r>
-            <a:endParaRPr lang="ko-KR" altLang="en-US" dirty="0">
-              <a:solidFill>
-                <a:schemeClr val="bg1"/>
-              </a:solidFill>
-            </a:endParaRPr>
-          </a:p>
-        </p:txBody>
-      </p:sp>
-      <p:sp>
-        <p:nvSpPr>
-          <p:cNvPr id="56" name="TextBox 55"/>
-          <p:cNvSpPr txBox="1"/>
-          <p:nvPr/>
-        </p:nvSpPr>
-        <p:spPr>
-          <a:xfrm>
-            <a:off x="7286644" y="3214692"/>
-            <a:ext cx="500066" cy="369332"/>
-          </a:xfrm>
-          <a:prstGeom prst="rect">
-            <a:avLst/>
-          </a:prstGeom>
-          <a:noFill/>
-        </p:spPr>
-        <p:txBody>
-          <a:bodyPr wrap="square" rtlCol="0">
-            <a:spAutoFit/>
-          </a:bodyPr>
-          <a:lstStyle/>
-          <a:p>
-            <a:r>
-              <a:rPr lang="en-US" altLang="ko-KR" dirty="0" smtClean="0">
-                <a:solidFill>
-                  <a:schemeClr val="bg1"/>
-                </a:solidFill>
-              </a:rPr>
-              <a:t>16</a:t>
-            </a:r>
-            <a:endParaRPr lang="ko-KR" altLang="en-US" dirty="0">
-              <a:solidFill>
-                <a:schemeClr val="bg1"/>
-              </a:solidFill>
-            </a:endParaRPr>
-          </a:p>
-        </p:txBody>
-      </p:sp>
-      <p:sp>
-        <p:nvSpPr>
-          <p:cNvPr id="59" name="TextBox 58"/>
-          <p:cNvSpPr txBox="1"/>
-          <p:nvPr/>
-        </p:nvSpPr>
-        <p:spPr>
-          <a:xfrm>
-            <a:off x="8143900" y="428610"/>
-            <a:ext cx="500066" cy="369332"/>
-          </a:xfrm>
-          <a:prstGeom prst="rect">
-            <a:avLst/>
-          </a:prstGeom>
-          <a:noFill/>
-        </p:spPr>
-        <p:txBody>
-          <a:bodyPr wrap="square" rtlCol="0">
-            <a:spAutoFit/>
-          </a:bodyPr>
-          <a:lstStyle/>
-          <a:p>
-            <a:r>
-              <a:rPr lang="en-US" altLang="ko-KR" dirty="0" smtClean="0">
-                <a:solidFill>
-                  <a:schemeClr val="bg1"/>
-                </a:solidFill>
-              </a:rPr>
-              <a:t>17</a:t>
-            </a:r>
-            <a:endParaRPr lang="ko-KR" altLang="en-US" dirty="0">
-              <a:solidFill>
-                <a:schemeClr val="bg1"/>
-              </a:solidFill>
-            </a:endParaRPr>
-          </a:p>
-        </p:txBody>
-      </p:sp>
-      <p:sp>
-        <p:nvSpPr>
-          <p:cNvPr id="60" name="TextBox 59"/>
-          <p:cNvSpPr txBox="1"/>
-          <p:nvPr/>
-        </p:nvSpPr>
-        <p:spPr>
-          <a:xfrm>
-            <a:off x="6715140" y="0"/>
-            <a:ext cx="500066" cy="369332"/>
-          </a:xfrm>
-          <a:prstGeom prst="rect">
-            <a:avLst/>
-          </a:prstGeom>
-          <a:noFill/>
-        </p:spPr>
-        <p:txBody>
-          <a:bodyPr wrap="square" rtlCol="0">
-            <a:spAutoFit/>
-          </a:bodyPr>
-          <a:lstStyle/>
-          <a:p>
-            <a:r>
-              <a:rPr lang="en-US" altLang="ko-KR" dirty="0" smtClean="0">
-                <a:solidFill>
-                  <a:schemeClr val="bg1"/>
-                </a:solidFill>
-              </a:rPr>
-              <a:t>18</a:t>
-            </a:r>
-            <a:endParaRPr lang="ko-KR" altLang="en-US" dirty="0">
-              <a:solidFill>
-                <a:schemeClr val="bg1"/>
-              </a:solidFill>
-            </a:endParaRPr>
-          </a:p>
-        </p:txBody>
-      </p:sp>
-      <p:sp>
-        <p:nvSpPr>
-          <p:cNvPr id="61" name="TextBox 60"/>
-          <p:cNvSpPr txBox="1"/>
-          <p:nvPr/>
-        </p:nvSpPr>
-        <p:spPr>
-          <a:xfrm>
-            <a:off x="5286380" y="0"/>
-            <a:ext cx="500066" cy="369332"/>
-          </a:xfrm>
-          <a:prstGeom prst="rect">
-            <a:avLst/>
-          </a:prstGeom>
-          <a:noFill/>
-        </p:spPr>
-        <p:txBody>
-          <a:bodyPr wrap="square" rtlCol="0">
-            <a:spAutoFit/>
-          </a:bodyPr>
-          <a:lstStyle/>
-          <a:p>
-            <a:r>
-              <a:rPr lang="en-US" altLang="ko-KR" dirty="0" smtClean="0">
-                <a:solidFill>
-                  <a:schemeClr val="bg1"/>
-                </a:solidFill>
-              </a:rPr>
-              <a:t>19</a:t>
-            </a:r>
-            <a:endParaRPr lang="ko-KR" altLang="en-US" dirty="0">
-              <a:solidFill>
-                <a:schemeClr val="bg1"/>
-              </a:solidFill>
-            </a:endParaRPr>
-          </a:p>
-        </p:txBody>
-      </p:sp>
-      <p:sp>
-        <p:nvSpPr>
-          <p:cNvPr id="62" name="TextBox 61"/>
-          <p:cNvSpPr txBox="1"/>
-          <p:nvPr/>
-        </p:nvSpPr>
-        <p:spPr>
-          <a:xfrm>
-            <a:off x="8643934" y="2428874"/>
-            <a:ext cx="500066" cy="369332"/>
-          </a:xfrm>
-          <a:prstGeom prst="rect">
-            <a:avLst/>
-          </a:prstGeom>
-          <a:noFill/>
-        </p:spPr>
-        <p:txBody>
-          <a:bodyPr wrap="square" rtlCol="0">
-            <a:spAutoFit/>
-          </a:bodyPr>
-          <a:lstStyle/>
-          <a:p>
-            <a:r>
-              <a:rPr lang="en-US" altLang="ko-KR" dirty="0" smtClean="0">
-                <a:solidFill>
-                  <a:schemeClr val="bg1"/>
-                </a:solidFill>
-              </a:rPr>
-              <a:t>20</a:t>
-            </a:r>
-            <a:endParaRPr lang="ko-KR" altLang="en-US" dirty="0">
-              <a:solidFill>
-                <a:schemeClr val="bg1"/>
-              </a:solidFill>
-            </a:endParaRPr>
-          </a:p>
-        </p:txBody>
-      </p:sp>
-      <p:sp>
-        <p:nvSpPr>
-          <p:cNvPr id="63" name="TextBox 62"/>
-          <p:cNvSpPr txBox="1"/>
-          <p:nvPr/>
-        </p:nvSpPr>
-        <p:spPr>
-          <a:xfrm>
-            <a:off x="4786314" y="4000510"/>
-            <a:ext cx="1357322" cy="369332"/>
-          </a:xfrm>
-          <a:prstGeom prst="rect">
-            <a:avLst/>
-          </a:prstGeom>
-          <a:noFill/>
-        </p:spPr>
-        <p:txBody>
-          <a:bodyPr wrap="square" rtlCol="0">
-            <a:spAutoFit/>
-          </a:bodyPr>
-          <a:lstStyle/>
-          <a:p>
-            <a:r>
-              <a:rPr lang="ko-KR" altLang="en-US" dirty="0" smtClean="0"/>
-              <a:t>카운</a:t>
-            </a:r>
-            <a:r>
-              <a:rPr lang="ko-KR" altLang="en-US" dirty="0"/>
-              <a:t>터</a:t>
-            </a:r>
-          </a:p>
-        </p:txBody>
-      </p:sp>
-      <p:sp>
-        <p:nvSpPr>
-          <p:cNvPr id="64" name="TextBox 63"/>
-          <p:cNvSpPr txBox="1"/>
-          <p:nvPr/>
-        </p:nvSpPr>
-        <p:spPr>
-          <a:xfrm>
-            <a:off x="485021" y="3994484"/>
-            <a:ext cx="1357322" cy="369332"/>
-          </a:xfrm>
-          <a:prstGeom prst="rect">
-            <a:avLst/>
-          </a:prstGeom>
-          <a:noFill/>
-        </p:spPr>
-        <p:txBody>
-          <a:bodyPr wrap="square" rtlCol="0">
-            <a:spAutoFit/>
-          </a:bodyPr>
-          <a:lstStyle/>
-          <a:p>
-            <a:r>
-              <a:rPr lang="ko-KR" altLang="en-US" dirty="0" smtClean="0"/>
-              <a:t>입구</a:t>
-            </a:r>
-            <a:endParaRPr lang="ko-KR" altLang="en-US" dirty="0"/>
-          </a:p>
-        </p:txBody>
-      </p:sp>
-      <p:sp>
-        <p:nvSpPr>
-          <p:cNvPr id="65" name="TextBox 64"/>
-          <p:cNvSpPr txBox="1"/>
-          <p:nvPr/>
-        </p:nvSpPr>
-        <p:spPr>
-          <a:xfrm>
-            <a:off x="1214414" y="1285866"/>
-            <a:ext cx="285752" cy="369332"/>
-          </a:xfrm>
-          <a:prstGeom prst="rect">
-            <a:avLst/>
-          </a:prstGeom>
-          <a:noFill/>
-        </p:spPr>
-        <p:txBody>
-          <a:bodyPr wrap="square" rtlCol="0">
-            <a:spAutoFit/>
-          </a:bodyPr>
-          <a:lstStyle/>
-          <a:p>
-            <a:r>
-              <a:rPr lang="en-US" altLang="ko-KR" dirty="0" smtClean="0">
-                <a:solidFill>
-                  <a:schemeClr val="bg1"/>
-                </a:solidFill>
-              </a:rPr>
-              <a:t>8</a:t>
-            </a:r>
-            <a:endParaRPr lang="ko-KR" altLang="en-US" dirty="0">
-              <a:solidFill>
-                <a:schemeClr val="bg1"/>
+                <a:schemeClr val="accent1">
+                  <a:lumMod val="75000"/>
+                </a:schemeClr>
               </a:solidFill>
             </a:endParaRPr>
           </a:p>
@@ -6355,6 +7683,3208 @@
   <p:clrMapOvr>
     <a:masterClrMapping/>
   </p:clrMapOvr>
+  <p:timing>
+    <p:tnLst>
+      <p:par>
+        <p:cTn id="1" dur="indefinite" restart="never" nodeType="tmRoot"/>
+      </p:par>
+    </p:tnLst>
+  </p:timing>
+</p:sld>
+</file>
+
+<file path=ppt/slides/slide2.xml><?xml version="1.0" encoding="utf-8"?>
+<p:sld xmlns:a="http://schemas.openxmlformats.org/drawingml/2006/main" xmlns:r="http://schemas.openxmlformats.org/officeDocument/2006/relationships" xmlns:p="http://schemas.openxmlformats.org/presentationml/2006/main">
+  <p:cSld>
+    <p:spTree>
+      <p:nvGrpSpPr>
+        <p:cNvPr id="1" name=""/>
+        <p:cNvGrpSpPr/>
+        <p:nvPr/>
+      </p:nvGrpSpPr>
+      <p:grpSpPr>
+        <a:xfrm>
+          <a:off x="0" y="0"/>
+          <a:ext cx="0" cy="0"/>
+          <a:chOff x="0" y="0"/>
+          <a:chExt cx="0" cy="0"/>
+        </a:xfrm>
+      </p:grpSpPr>
+      <p:sp>
+        <p:nvSpPr>
+          <p:cNvPr id="4" name="직사각형 3"/>
+          <p:cNvSpPr/>
+          <p:nvPr/>
+        </p:nvSpPr>
+        <p:spPr>
+          <a:xfrm>
+            <a:off x="0" y="1142990"/>
+            <a:ext cx="571472" cy="2231761"/>
+          </a:xfrm>
+          <a:prstGeom prst="rect">
+            <a:avLst/>
+          </a:prstGeom>
+          <a:solidFill>
+            <a:schemeClr val="accent6">
+              <a:lumMod val="60000"/>
+              <a:lumOff val="40000"/>
+            </a:schemeClr>
+          </a:solidFill>
+          <a:ln>
+            <a:noFill/>
+          </a:ln>
+        </p:spPr>
+        <p:style>
+          <a:lnRef idx="2">
+            <a:schemeClr val="accent1">
+              <a:shade val="50000"/>
+            </a:schemeClr>
+          </a:lnRef>
+          <a:fillRef idx="1">
+            <a:schemeClr val="accent1"/>
+          </a:fillRef>
+          <a:effectRef idx="0">
+            <a:schemeClr val="accent1"/>
+          </a:effectRef>
+          <a:fontRef idx="minor">
+            <a:schemeClr val="lt1"/>
+          </a:fontRef>
+        </p:style>
+        <p:txBody>
+          <a:bodyPr rtlCol="0" anchor="ctr"/>
+          <a:lstStyle/>
+          <a:p>
+            <a:pPr algn="ctr"/>
+            <a:endParaRPr lang="ko-KR" altLang="en-US" sz="1700" b="1">
+              <a:solidFill>
+                <a:schemeClr val="accent1">
+                  <a:lumMod val="75000"/>
+                </a:schemeClr>
+              </a:solidFill>
+            </a:endParaRPr>
+          </a:p>
+        </p:txBody>
+      </p:sp>
+      <p:sp>
+        <p:nvSpPr>
+          <p:cNvPr id="5" name="직사각형 4"/>
+          <p:cNvSpPr/>
+          <p:nvPr/>
+        </p:nvSpPr>
+        <p:spPr>
+          <a:xfrm>
+            <a:off x="714348" y="0"/>
+            <a:ext cx="1857388" cy="446338"/>
+          </a:xfrm>
+          <a:prstGeom prst="rect">
+            <a:avLst/>
+          </a:prstGeom>
+          <a:solidFill>
+            <a:schemeClr val="accent6">
+              <a:lumMod val="60000"/>
+              <a:lumOff val="40000"/>
+            </a:schemeClr>
+          </a:solidFill>
+          <a:ln>
+            <a:noFill/>
+          </a:ln>
+        </p:spPr>
+        <p:style>
+          <a:lnRef idx="2">
+            <a:schemeClr val="accent1">
+              <a:shade val="50000"/>
+            </a:schemeClr>
+          </a:lnRef>
+          <a:fillRef idx="1">
+            <a:schemeClr val="accent1"/>
+          </a:fillRef>
+          <a:effectRef idx="0">
+            <a:schemeClr val="accent1"/>
+          </a:effectRef>
+          <a:fontRef idx="minor">
+            <a:schemeClr val="lt1"/>
+          </a:fontRef>
+        </p:style>
+        <p:txBody>
+          <a:bodyPr rtlCol="0" anchor="ctr"/>
+          <a:lstStyle/>
+          <a:p>
+            <a:pPr algn="ctr"/>
+            <a:endParaRPr lang="ko-KR" altLang="en-US" sz="1700">
+              <a:solidFill>
+                <a:schemeClr val="accent1">
+                  <a:lumMod val="75000"/>
+                </a:schemeClr>
+              </a:solidFill>
+            </a:endParaRPr>
+          </a:p>
+        </p:txBody>
+      </p:sp>
+      <p:sp>
+        <p:nvSpPr>
+          <p:cNvPr id="6" name="직사각형 5"/>
+          <p:cNvSpPr/>
+          <p:nvPr/>
+        </p:nvSpPr>
+        <p:spPr>
+          <a:xfrm>
+            <a:off x="2607839" y="0"/>
+            <a:ext cx="1857388" cy="446338"/>
+          </a:xfrm>
+          <a:prstGeom prst="rect">
+            <a:avLst/>
+          </a:prstGeom>
+          <a:solidFill>
+            <a:schemeClr val="accent6">
+              <a:lumMod val="60000"/>
+              <a:lumOff val="40000"/>
+            </a:schemeClr>
+          </a:solidFill>
+          <a:ln>
+            <a:noFill/>
+          </a:ln>
+        </p:spPr>
+        <p:style>
+          <a:lnRef idx="2">
+            <a:schemeClr val="accent1">
+              <a:shade val="50000"/>
+            </a:schemeClr>
+          </a:lnRef>
+          <a:fillRef idx="1">
+            <a:schemeClr val="accent1"/>
+          </a:fillRef>
+          <a:effectRef idx="0">
+            <a:schemeClr val="accent1"/>
+          </a:effectRef>
+          <a:fontRef idx="minor">
+            <a:schemeClr val="lt1"/>
+          </a:fontRef>
+        </p:style>
+        <p:txBody>
+          <a:bodyPr rtlCol="0" anchor="ctr"/>
+          <a:lstStyle/>
+          <a:p>
+            <a:pPr algn="ctr"/>
+            <a:endParaRPr lang="ko-KR" altLang="en-US" sz="1700">
+              <a:solidFill>
+                <a:schemeClr val="accent1">
+                  <a:lumMod val="75000"/>
+                </a:schemeClr>
+              </a:solidFill>
+            </a:endParaRPr>
+          </a:p>
+        </p:txBody>
+      </p:sp>
+      <p:sp>
+        <p:nvSpPr>
+          <p:cNvPr id="7" name="직사각형 6"/>
+          <p:cNvSpPr/>
+          <p:nvPr/>
+        </p:nvSpPr>
+        <p:spPr>
+          <a:xfrm>
+            <a:off x="4857752" y="0"/>
+            <a:ext cx="1392657" cy="446338"/>
+          </a:xfrm>
+          <a:prstGeom prst="rect">
+            <a:avLst/>
+          </a:prstGeom>
+          <a:solidFill>
+            <a:schemeClr val="accent6">
+              <a:lumMod val="60000"/>
+              <a:lumOff val="40000"/>
+            </a:schemeClr>
+          </a:solidFill>
+          <a:ln>
+            <a:noFill/>
+          </a:ln>
+        </p:spPr>
+        <p:style>
+          <a:lnRef idx="2">
+            <a:schemeClr val="accent1">
+              <a:shade val="50000"/>
+            </a:schemeClr>
+          </a:lnRef>
+          <a:fillRef idx="1">
+            <a:schemeClr val="accent1"/>
+          </a:fillRef>
+          <a:effectRef idx="0">
+            <a:schemeClr val="accent1"/>
+          </a:effectRef>
+          <a:fontRef idx="minor">
+            <a:schemeClr val="lt1"/>
+          </a:fontRef>
+        </p:style>
+        <p:txBody>
+          <a:bodyPr rtlCol="0" anchor="ctr"/>
+          <a:lstStyle/>
+          <a:p>
+            <a:pPr algn="ctr"/>
+            <a:endParaRPr lang="ko-KR" altLang="en-US" sz="1700">
+              <a:solidFill>
+                <a:schemeClr val="accent1">
+                  <a:lumMod val="75000"/>
+                </a:schemeClr>
+              </a:solidFill>
+            </a:endParaRPr>
+          </a:p>
+        </p:txBody>
+      </p:sp>
+      <p:sp>
+        <p:nvSpPr>
+          <p:cNvPr id="8" name="직사각형 7"/>
+          <p:cNvSpPr/>
+          <p:nvPr/>
+        </p:nvSpPr>
+        <p:spPr>
+          <a:xfrm>
+            <a:off x="6299287" y="0"/>
+            <a:ext cx="1392657" cy="446338"/>
+          </a:xfrm>
+          <a:prstGeom prst="rect">
+            <a:avLst/>
+          </a:prstGeom>
+          <a:solidFill>
+            <a:schemeClr val="accent6">
+              <a:lumMod val="60000"/>
+              <a:lumOff val="40000"/>
+            </a:schemeClr>
+          </a:solidFill>
+          <a:ln>
+            <a:noFill/>
+          </a:ln>
+        </p:spPr>
+        <p:style>
+          <a:lnRef idx="2">
+            <a:schemeClr val="accent1">
+              <a:shade val="50000"/>
+            </a:schemeClr>
+          </a:lnRef>
+          <a:fillRef idx="1">
+            <a:schemeClr val="accent1"/>
+          </a:fillRef>
+          <a:effectRef idx="0">
+            <a:schemeClr val="accent1"/>
+          </a:effectRef>
+          <a:fontRef idx="minor">
+            <a:schemeClr val="lt1"/>
+          </a:fontRef>
+        </p:style>
+        <p:txBody>
+          <a:bodyPr rtlCol="0" anchor="ctr"/>
+          <a:lstStyle/>
+          <a:p>
+            <a:pPr algn="ctr"/>
+            <a:endParaRPr lang="ko-KR" altLang="en-US" sz="1700">
+              <a:solidFill>
+                <a:schemeClr val="accent1">
+                  <a:lumMod val="75000"/>
+                </a:schemeClr>
+              </a:solidFill>
+            </a:endParaRPr>
+          </a:p>
+        </p:txBody>
+      </p:sp>
+      <p:sp>
+        <p:nvSpPr>
+          <p:cNvPr id="9" name="직사각형 8"/>
+          <p:cNvSpPr/>
+          <p:nvPr/>
+        </p:nvSpPr>
+        <p:spPr>
+          <a:xfrm>
+            <a:off x="7736305" y="0"/>
+            <a:ext cx="1407695" cy="1137015"/>
+          </a:xfrm>
+          <a:prstGeom prst="rect">
+            <a:avLst/>
+          </a:prstGeom>
+          <a:solidFill>
+            <a:schemeClr val="accent6">
+              <a:lumMod val="60000"/>
+              <a:lumOff val="40000"/>
+            </a:schemeClr>
+          </a:solidFill>
+          <a:ln>
+            <a:noFill/>
+          </a:ln>
+        </p:spPr>
+        <p:style>
+          <a:lnRef idx="2">
+            <a:schemeClr val="accent1">
+              <a:shade val="50000"/>
+            </a:schemeClr>
+          </a:lnRef>
+          <a:fillRef idx="1">
+            <a:schemeClr val="accent1"/>
+          </a:fillRef>
+          <a:effectRef idx="0">
+            <a:schemeClr val="accent1"/>
+          </a:effectRef>
+          <a:fontRef idx="minor">
+            <a:schemeClr val="lt1"/>
+          </a:fontRef>
+        </p:style>
+        <p:txBody>
+          <a:bodyPr rtlCol="0" anchor="ctr"/>
+          <a:lstStyle/>
+          <a:p>
+            <a:pPr algn="ctr"/>
+            <a:endParaRPr lang="ko-KR" altLang="en-US" sz="1700">
+              <a:solidFill>
+                <a:schemeClr val="accent1">
+                  <a:lumMod val="75000"/>
+                </a:schemeClr>
+              </a:solidFill>
+            </a:endParaRPr>
+          </a:p>
+        </p:txBody>
+      </p:sp>
+      <p:sp>
+        <p:nvSpPr>
+          <p:cNvPr id="10" name="직사각형 9"/>
+          <p:cNvSpPr/>
+          <p:nvPr/>
+        </p:nvSpPr>
+        <p:spPr>
+          <a:xfrm>
+            <a:off x="928662" y="642924"/>
+            <a:ext cx="1495665" cy="359415"/>
+          </a:xfrm>
+          <a:prstGeom prst="rect">
+            <a:avLst/>
+          </a:prstGeom>
+          <a:solidFill>
+            <a:schemeClr val="accent6">
+              <a:lumMod val="60000"/>
+              <a:lumOff val="40000"/>
+            </a:schemeClr>
+          </a:solidFill>
+          <a:ln>
+            <a:noFill/>
+          </a:ln>
+        </p:spPr>
+        <p:style>
+          <a:lnRef idx="2">
+            <a:schemeClr val="accent1">
+              <a:shade val="50000"/>
+            </a:schemeClr>
+          </a:lnRef>
+          <a:fillRef idx="1">
+            <a:schemeClr val="accent1"/>
+          </a:fillRef>
+          <a:effectRef idx="0">
+            <a:schemeClr val="accent1"/>
+          </a:effectRef>
+          <a:fontRef idx="minor">
+            <a:schemeClr val="lt1"/>
+          </a:fontRef>
+        </p:style>
+        <p:txBody>
+          <a:bodyPr rtlCol="0" anchor="ctr"/>
+          <a:lstStyle/>
+          <a:p>
+            <a:pPr algn="ctr"/>
+            <a:endParaRPr lang="ko-KR" altLang="en-US" sz="1700" b="1">
+              <a:solidFill>
+                <a:schemeClr val="accent1">
+                  <a:lumMod val="75000"/>
+                </a:schemeClr>
+              </a:solidFill>
+            </a:endParaRPr>
+          </a:p>
+        </p:txBody>
+      </p:sp>
+      <p:sp>
+        <p:nvSpPr>
+          <p:cNvPr id="11" name="직사각형 10"/>
+          <p:cNvSpPr/>
+          <p:nvPr/>
+        </p:nvSpPr>
+        <p:spPr>
+          <a:xfrm>
+            <a:off x="2786050" y="642924"/>
+            <a:ext cx="1495665" cy="359415"/>
+          </a:xfrm>
+          <a:prstGeom prst="rect">
+            <a:avLst/>
+          </a:prstGeom>
+          <a:solidFill>
+            <a:schemeClr val="accent6">
+              <a:lumMod val="60000"/>
+              <a:lumOff val="40000"/>
+            </a:schemeClr>
+          </a:solidFill>
+          <a:ln>
+            <a:noFill/>
+          </a:ln>
+        </p:spPr>
+        <p:style>
+          <a:lnRef idx="2">
+            <a:schemeClr val="accent1">
+              <a:shade val="50000"/>
+            </a:schemeClr>
+          </a:lnRef>
+          <a:fillRef idx="1">
+            <a:schemeClr val="accent1"/>
+          </a:fillRef>
+          <a:effectRef idx="0">
+            <a:schemeClr val="accent1"/>
+          </a:effectRef>
+          <a:fontRef idx="minor">
+            <a:schemeClr val="lt1"/>
+          </a:fontRef>
+        </p:style>
+        <p:txBody>
+          <a:bodyPr rtlCol="0" anchor="ctr"/>
+          <a:lstStyle/>
+          <a:p>
+            <a:pPr algn="ctr"/>
+            <a:endParaRPr lang="ko-KR" altLang="en-US" sz="1700" b="1">
+              <a:solidFill>
+                <a:schemeClr val="accent1">
+                  <a:lumMod val="75000"/>
+                </a:schemeClr>
+              </a:solidFill>
+            </a:endParaRPr>
+          </a:p>
+        </p:txBody>
+      </p:sp>
+      <p:sp>
+        <p:nvSpPr>
+          <p:cNvPr id="12" name="직사각형 11"/>
+          <p:cNvSpPr/>
+          <p:nvPr/>
+        </p:nvSpPr>
+        <p:spPr>
+          <a:xfrm>
+            <a:off x="928662" y="1214428"/>
+            <a:ext cx="1500198" cy="557941"/>
+          </a:xfrm>
+          <a:prstGeom prst="rect">
+            <a:avLst/>
+          </a:prstGeom>
+          <a:solidFill>
+            <a:schemeClr val="accent6">
+              <a:lumMod val="60000"/>
+              <a:lumOff val="40000"/>
+            </a:schemeClr>
+          </a:solidFill>
+          <a:ln>
+            <a:noFill/>
+          </a:ln>
+        </p:spPr>
+        <p:style>
+          <a:lnRef idx="2">
+            <a:schemeClr val="accent1">
+              <a:shade val="50000"/>
+            </a:schemeClr>
+          </a:lnRef>
+          <a:fillRef idx="1">
+            <a:schemeClr val="accent1"/>
+          </a:fillRef>
+          <a:effectRef idx="0">
+            <a:schemeClr val="accent1"/>
+          </a:effectRef>
+          <a:fontRef idx="minor">
+            <a:schemeClr val="lt1"/>
+          </a:fontRef>
+        </p:style>
+        <p:txBody>
+          <a:bodyPr rtlCol="0" anchor="ctr"/>
+          <a:lstStyle/>
+          <a:p>
+            <a:pPr algn="ctr"/>
+            <a:endParaRPr lang="ko-KR" altLang="en-US" sz="1700" b="1">
+              <a:solidFill>
+                <a:schemeClr val="accent1">
+                  <a:lumMod val="75000"/>
+                </a:schemeClr>
+              </a:solidFill>
+            </a:endParaRPr>
+          </a:p>
+        </p:txBody>
+      </p:sp>
+      <p:sp>
+        <p:nvSpPr>
+          <p:cNvPr id="13" name="직사각형 12"/>
+          <p:cNvSpPr/>
+          <p:nvPr/>
+        </p:nvSpPr>
+        <p:spPr>
+          <a:xfrm>
+            <a:off x="2801847" y="1214428"/>
+            <a:ext cx="1500198" cy="557941"/>
+          </a:xfrm>
+          <a:prstGeom prst="rect">
+            <a:avLst/>
+          </a:prstGeom>
+          <a:solidFill>
+            <a:schemeClr val="accent6">
+              <a:lumMod val="60000"/>
+              <a:lumOff val="40000"/>
+            </a:schemeClr>
+          </a:solidFill>
+          <a:ln>
+            <a:noFill/>
+          </a:ln>
+        </p:spPr>
+        <p:style>
+          <a:lnRef idx="2">
+            <a:schemeClr val="accent1">
+              <a:shade val="50000"/>
+            </a:schemeClr>
+          </a:lnRef>
+          <a:fillRef idx="1">
+            <a:schemeClr val="accent1"/>
+          </a:fillRef>
+          <a:effectRef idx="0">
+            <a:schemeClr val="accent1"/>
+          </a:effectRef>
+          <a:fontRef idx="minor">
+            <a:schemeClr val="lt1"/>
+          </a:fontRef>
+        </p:style>
+        <p:txBody>
+          <a:bodyPr rtlCol="0" anchor="ctr"/>
+          <a:lstStyle/>
+          <a:p>
+            <a:pPr algn="ctr"/>
+            <a:endParaRPr lang="ko-KR" altLang="en-US" sz="1700" b="1">
+              <a:solidFill>
+                <a:schemeClr val="accent1">
+                  <a:lumMod val="75000"/>
+                </a:schemeClr>
+              </a:solidFill>
+            </a:endParaRPr>
+          </a:p>
+        </p:txBody>
+      </p:sp>
+      <p:sp>
+        <p:nvSpPr>
+          <p:cNvPr id="14" name="직사각형 13"/>
+          <p:cNvSpPr/>
+          <p:nvPr/>
+        </p:nvSpPr>
+        <p:spPr>
+          <a:xfrm>
+            <a:off x="928662" y="1928807"/>
+            <a:ext cx="1267074" cy="852223"/>
+          </a:xfrm>
+          <a:prstGeom prst="rect">
+            <a:avLst/>
+          </a:prstGeom>
+          <a:solidFill>
+            <a:schemeClr val="accent6">
+              <a:lumMod val="60000"/>
+              <a:lumOff val="40000"/>
+            </a:schemeClr>
+          </a:solidFill>
+          <a:ln>
+            <a:noFill/>
+          </a:ln>
+        </p:spPr>
+        <p:style>
+          <a:lnRef idx="2">
+            <a:schemeClr val="accent1">
+              <a:shade val="50000"/>
+            </a:schemeClr>
+          </a:lnRef>
+          <a:fillRef idx="1">
+            <a:schemeClr val="accent1"/>
+          </a:fillRef>
+          <a:effectRef idx="0">
+            <a:schemeClr val="accent1"/>
+          </a:effectRef>
+          <a:fontRef idx="minor">
+            <a:schemeClr val="lt1"/>
+          </a:fontRef>
+        </p:style>
+        <p:txBody>
+          <a:bodyPr rtlCol="0" anchor="ctr"/>
+          <a:lstStyle/>
+          <a:p>
+            <a:pPr algn="ctr"/>
+            <a:endParaRPr lang="ko-KR" altLang="en-US" sz="1700" b="1">
+              <a:solidFill>
+                <a:schemeClr val="accent1">
+                  <a:lumMod val="75000"/>
+                </a:schemeClr>
+              </a:solidFill>
+            </a:endParaRPr>
+          </a:p>
+        </p:txBody>
+      </p:sp>
+      <p:sp>
+        <p:nvSpPr>
+          <p:cNvPr id="16" name="직사각형 15"/>
+          <p:cNvSpPr/>
+          <p:nvPr/>
+        </p:nvSpPr>
+        <p:spPr>
+          <a:xfrm>
+            <a:off x="2459384" y="1928807"/>
+            <a:ext cx="528439" cy="852223"/>
+          </a:xfrm>
+          <a:prstGeom prst="rect">
+            <a:avLst/>
+          </a:prstGeom>
+          <a:solidFill>
+            <a:schemeClr val="accent6">
+              <a:lumMod val="60000"/>
+              <a:lumOff val="40000"/>
+            </a:schemeClr>
+          </a:solidFill>
+          <a:ln>
+            <a:noFill/>
+          </a:ln>
+        </p:spPr>
+        <p:style>
+          <a:lnRef idx="2">
+            <a:schemeClr val="accent1">
+              <a:shade val="50000"/>
+            </a:schemeClr>
+          </a:lnRef>
+          <a:fillRef idx="1">
+            <a:schemeClr val="accent1"/>
+          </a:fillRef>
+          <a:effectRef idx="0">
+            <a:schemeClr val="accent1"/>
+          </a:effectRef>
+          <a:fontRef idx="minor">
+            <a:schemeClr val="lt1"/>
+          </a:fontRef>
+        </p:style>
+        <p:txBody>
+          <a:bodyPr rtlCol="0" anchor="ctr"/>
+          <a:lstStyle/>
+          <a:p>
+            <a:pPr algn="ctr"/>
+            <a:endParaRPr lang="ko-KR" altLang="en-US" sz="1700" b="1">
+              <a:solidFill>
+                <a:schemeClr val="accent1">
+                  <a:lumMod val="75000"/>
+                </a:schemeClr>
+              </a:solidFill>
+            </a:endParaRPr>
+          </a:p>
+        </p:txBody>
+      </p:sp>
+      <p:sp>
+        <p:nvSpPr>
+          <p:cNvPr id="17" name="직사각형 16"/>
+          <p:cNvSpPr/>
+          <p:nvPr/>
+        </p:nvSpPr>
+        <p:spPr>
+          <a:xfrm>
+            <a:off x="3912704" y="1925454"/>
+            <a:ext cx="500066" cy="852223"/>
+          </a:xfrm>
+          <a:prstGeom prst="rect">
+            <a:avLst/>
+          </a:prstGeom>
+          <a:solidFill>
+            <a:schemeClr val="accent6">
+              <a:lumMod val="60000"/>
+              <a:lumOff val="40000"/>
+            </a:schemeClr>
+          </a:solidFill>
+          <a:ln>
+            <a:noFill/>
+          </a:ln>
+        </p:spPr>
+        <p:style>
+          <a:lnRef idx="2">
+            <a:schemeClr val="accent1">
+              <a:shade val="50000"/>
+            </a:schemeClr>
+          </a:lnRef>
+          <a:fillRef idx="1">
+            <a:schemeClr val="accent1"/>
+          </a:fillRef>
+          <a:effectRef idx="0">
+            <a:schemeClr val="accent1"/>
+          </a:effectRef>
+          <a:fontRef idx="minor">
+            <a:schemeClr val="lt1"/>
+          </a:fontRef>
+        </p:style>
+        <p:txBody>
+          <a:bodyPr rtlCol="0" anchor="ctr"/>
+          <a:lstStyle/>
+          <a:p>
+            <a:pPr algn="ctr"/>
+            <a:endParaRPr lang="ko-KR" altLang="en-US" sz="1700" b="1">
+              <a:solidFill>
+                <a:schemeClr val="accent1">
+                  <a:lumMod val="75000"/>
+                </a:schemeClr>
+              </a:solidFill>
+            </a:endParaRPr>
+          </a:p>
+        </p:txBody>
+      </p:sp>
+      <p:sp>
+        <p:nvSpPr>
+          <p:cNvPr id="18" name="직사각형 17"/>
+          <p:cNvSpPr/>
+          <p:nvPr/>
+        </p:nvSpPr>
+        <p:spPr>
+          <a:xfrm>
+            <a:off x="3198324" y="1928806"/>
+            <a:ext cx="542665" cy="852223"/>
+          </a:xfrm>
+          <a:prstGeom prst="rect">
+            <a:avLst/>
+          </a:prstGeom>
+          <a:solidFill>
+            <a:schemeClr val="accent6">
+              <a:lumMod val="60000"/>
+              <a:lumOff val="40000"/>
+            </a:schemeClr>
+          </a:solidFill>
+          <a:ln>
+            <a:noFill/>
+          </a:ln>
+        </p:spPr>
+        <p:style>
+          <a:lnRef idx="2">
+            <a:schemeClr val="accent1">
+              <a:shade val="50000"/>
+            </a:schemeClr>
+          </a:lnRef>
+          <a:fillRef idx="1">
+            <a:schemeClr val="accent1"/>
+          </a:fillRef>
+          <a:effectRef idx="0">
+            <a:schemeClr val="accent1"/>
+          </a:effectRef>
+          <a:fontRef idx="minor">
+            <a:schemeClr val="lt1"/>
+          </a:fontRef>
+        </p:style>
+        <p:txBody>
+          <a:bodyPr rtlCol="0" anchor="ctr"/>
+          <a:lstStyle/>
+          <a:p>
+            <a:pPr algn="ctr"/>
+            <a:endParaRPr lang="ko-KR" altLang="en-US" sz="1700" b="1">
+              <a:solidFill>
+                <a:schemeClr val="accent1">
+                  <a:lumMod val="75000"/>
+                </a:schemeClr>
+              </a:solidFill>
+            </a:endParaRPr>
+          </a:p>
+        </p:txBody>
+      </p:sp>
+      <p:sp>
+        <p:nvSpPr>
+          <p:cNvPr id="19" name="직사각형 18"/>
+          <p:cNvSpPr/>
+          <p:nvPr/>
+        </p:nvSpPr>
+        <p:spPr>
+          <a:xfrm>
+            <a:off x="1000100" y="3000378"/>
+            <a:ext cx="1495665" cy="359415"/>
+          </a:xfrm>
+          <a:prstGeom prst="rect">
+            <a:avLst/>
+          </a:prstGeom>
+          <a:solidFill>
+            <a:schemeClr val="accent6">
+              <a:lumMod val="60000"/>
+              <a:lumOff val="40000"/>
+            </a:schemeClr>
+          </a:solidFill>
+          <a:ln>
+            <a:noFill/>
+          </a:ln>
+        </p:spPr>
+        <p:style>
+          <a:lnRef idx="2">
+            <a:schemeClr val="accent1">
+              <a:shade val="50000"/>
+            </a:schemeClr>
+          </a:lnRef>
+          <a:fillRef idx="1">
+            <a:schemeClr val="accent1"/>
+          </a:fillRef>
+          <a:effectRef idx="0">
+            <a:schemeClr val="accent1"/>
+          </a:effectRef>
+          <a:fontRef idx="minor">
+            <a:schemeClr val="lt1"/>
+          </a:fontRef>
+        </p:style>
+        <p:txBody>
+          <a:bodyPr rtlCol="0" anchor="ctr"/>
+          <a:lstStyle/>
+          <a:p>
+            <a:pPr algn="ctr"/>
+            <a:endParaRPr lang="ko-KR" altLang="en-US" sz="1700" b="1" dirty="0">
+              <a:solidFill>
+                <a:schemeClr val="accent1">
+                  <a:lumMod val="75000"/>
+                </a:schemeClr>
+              </a:solidFill>
+            </a:endParaRPr>
+          </a:p>
+        </p:txBody>
+      </p:sp>
+      <p:sp>
+        <p:nvSpPr>
+          <p:cNvPr id="20" name="직사각형 19"/>
+          <p:cNvSpPr/>
+          <p:nvPr/>
+        </p:nvSpPr>
+        <p:spPr>
+          <a:xfrm>
+            <a:off x="4857753" y="642925"/>
+            <a:ext cx="928725" cy="223176"/>
+          </a:xfrm>
+          <a:prstGeom prst="rect">
+            <a:avLst/>
+          </a:prstGeom>
+          <a:solidFill>
+            <a:schemeClr val="accent6">
+              <a:lumMod val="60000"/>
+              <a:lumOff val="40000"/>
+            </a:schemeClr>
+          </a:solidFill>
+          <a:ln>
+            <a:noFill/>
+          </a:ln>
+        </p:spPr>
+        <p:style>
+          <a:lnRef idx="2">
+            <a:schemeClr val="accent1">
+              <a:shade val="50000"/>
+            </a:schemeClr>
+          </a:lnRef>
+          <a:fillRef idx="1">
+            <a:schemeClr val="accent1"/>
+          </a:fillRef>
+          <a:effectRef idx="0">
+            <a:schemeClr val="accent1"/>
+          </a:effectRef>
+          <a:fontRef idx="minor">
+            <a:schemeClr val="lt1"/>
+          </a:fontRef>
+        </p:style>
+        <p:txBody>
+          <a:bodyPr rtlCol="0" anchor="ctr"/>
+          <a:lstStyle/>
+          <a:p>
+            <a:pPr algn="ctr"/>
+            <a:endParaRPr lang="en-US" altLang="ko-KR" sz="1700" b="1" dirty="0" smtClean="0">
+              <a:solidFill>
+                <a:schemeClr val="accent1">
+                  <a:lumMod val="75000"/>
+                </a:schemeClr>
+              </a:solidFill>
+            </a:endParaRPr>
+          </a:p>
+        </p:txBody>
+      </p:sp>
+      <p:sp>
+        <p:nvSpPr>
+          <p:cNvPr id="21" name="직사각형 20"/>
+          <p:cNvSpPr/>
+          <p:nvPr/>
+        </p:nvSpPr>
+        <p:spPr>
+          <a:xfrm>
+            <a:off x="5929322" y="642924"/>
+            <a:ext cx="928725" cy="223176"/>
+          </a:xfrm>
+          <a:prstGeom prst="rect">
+            <a:avLst/>
+          </a:prstGeom>
+          <a:solidFill>
+            <a:schemeClr val="accent6">
+              <a:lumMod val="60000"/>
+              <a:lumOff val="40000"/>
+            </a:schemeClr>
+          </a:solidFill>
+          <a:ln>
+            <a:noFill/>
+          </a:ln>
+        </p:spPr>
+        <p:style>
+          <a:lnRef idx="2">
+            <a:schemeClr val="accent1">
+              <a:shade val="50000"/>
+            </a:schemeClr>
+          </a:lnRef>
+          <a:fillRef idx="1">
+            <a:schemeClr val="accent1"/>
+          </a:fillRef>
+          <a:effectRef idx="0">
+            <a:schemeClr val="accent1"/>
+          </a:effectRef>
+          <a:fontRef idx="minor">
+            <a:schemeClr val="lt1"/>
+          </a:fontRef>
+        </p:style>
+        <p:txBody>
+          <a:bodyPr rtlCol="0" anchor="ctr"/>
+          <a:lstStyle/>
+          <a:p>
+            <a:pPr algn="ctr"/>
+            <a:endParaRPr lang="ko-KR" altLang="en-US" sz="1700" b="1" dirty="0">
+              <a:solidFill>
+                <a:schemeClr val="accent1">
+                  <a:lumMod val="75000"/>
+                </a:schemeClr>
+              </a:solidFill>
+            </a:endParaRPr>
+          </a:p>
+        </p:txBody>
+      </p:sp>
+      <p:sp>
+        <p:nvSpPr>
+          <p:cNvPr id="22" name="직사각형 21"/>
+          <p:cNvSpPr/>
+          <p:nvPr/>
+        </p:nvSpPr>
+        <p:spPr>
+          <a:xfrm>
+            <a:off x="4857752" y="1071552"/>
+            <a:ext cx="785818" cy="781117"/>
+          </a:xfrm>
+          <a:prstGeom prst="rect">
+            <a:avLst/>
+          </a:prstGeom>
+          <a:solidFill>
+            <a:schemeClr val="accent6">
+              <a:lumMod val="60000"/>
+              <a:lumOff val="40000"/>
+            </a:schemeClr>
+          </a:solidFill>
+          <a:ln>
+            <a:noFill/>
+          </a:ln>
+        </p:spPr>
+        <p:style>
+          <a:lnRef idx="2">
+            <a:schemeClr val="accent1">
+              <a:shade val="50000"/>
+            </a:schemeClr>
+          </a:lnRef>
+          <a:fillRef idx="1">
+            <a:schemeClr val="accent1"/>
+          </a:fillRef>
+          <a:effectRef idx="0">
+            <a:schemeClr val="accent1"/>
+          </a:effectRef>
+          <a:fontRef idx="minor">
+            <a:schemeClr val="lt1"/>
+          </a:fontRef>
+        </p:style>
+        <p:txBody>
+          <a:bodyPr rtlCol="0" anchor="ctr"/>
+          <a:lstStyle/>
+          <a:p>
+            <a:pPr algn="ctr"/>
+            <a:endParaRPr lang="ko-KR" altLang="en-US" sz="1700" b="1">
+              <a:solidFill>
+                <a:schemeClr val="accent1">
+                  <a:lumMod val="75000"/>
+                </a:schemeClr>
+              </a:solidFill>
+            </a:endParaRPr>
+          </a:p>
+        </p:txBody>
+      </p:sp>
+      <p:sp>
+        <p:nvSpPr>
+          <p:cNvPr id="23" name="직사각형 22"/>
+          <p:cNvSpPr/>
+          <p:nvPr/>
+        </p:nvSpPr>
+        <p:spPr>
+          <a:xfrm>
+            <a:off x="5786446" y="1071552"/>
+            <a:ext cx="785818" cy="781117"/>
+          </a:xfrm>
+          <a:prstGeom prst="rect">
+            <a:avLst/>
+          </a:prstGeom>
+          <a:solidFill>
+            <a:schemeClr val="accent6">
+              <a:lumMod val="60000"/>
+              <a:lumOff val="40000"/>
+            </a:schemeClr>
+          </a:solidFill>
+          <a:ln>
+            <a:noFill/>
+          </a:ln>
+        </p:spPr>
+        <p:style>
+          <a:lnRef idx="2">
+            <a:schemeClr val="accent1">
+              <a:shade val="50000"/>
+            </a:schemeClr>
+          </a:lnRef>
+          <a:fillRef idx="1">
+            <a:schemeClr val="accent1"/>
+          </a:fillRef>
+          <a:effectRef idx="0">
+            <a:schemeClr val="accent1"/>
+          </a:effectRef>
+          <a:fontRef idx="minor">
+            <a:schemeClr val="lt1"/>
+          </a:fontRef>
+        </p:style>
+        <p:txBody>
+          <a:bodyPr rtlCol="0" anchor="ctr"/>
+          <a:lstStyle/>
+          <a:p>
+            <a:pPr algn="ctr"/>
+            <a:endParaRPr lang="ko-KR" altLang="en-US" sz="1700" b="1">
+              <a:solidFill>
+                <a:schemeClr val="accent1">
+                  <a:lumMod val="75000"/>
+                </a:schemeClr>
+              </a:solidFill>
+            </a:endParaRPr>
+          </a:p>
+        </p:txBody>
+      </p:sp>
+      <p:sp>
+        <p:nvSpPr>
+          <p:cNvPr id="24" name="직사각형 23"/>
+          <p:cNvSpPr/>
+          <p:nvPr/>
+        </p:nvSpPr>
+        <p:spPr>
+          <a:xfrm>
+            <a:off x="6715140" y="1071552"/>
+            <a:ext cx="785818" cy="781117"/>
+          </a:xfrm>
+          <a:prstGeom prst="rect">
+            <a:avLst/>
+          </a:prstGeom>
+          <a:solidFill>
+            <a:schemeClr val="accent6">
+              <a:lumMod val="60000"/>
+              <a:lumOff val="40000"/>
+            </a:schemeClr>
+          </a:solidFill>
+          <a:ln>
+            <a:noFill/>
+          </a:ln>
+        </p:spPr>
+        <p:style>
+          <a:lnRef idx="2">
+            <a:schemeClr val="accent1">
+              <a:shade val="50000"/>
+            </a:schemeClr>
+          </a:lnRef>
+          <a:fillRef idx="1">
+            <a:schemeClr val="accent1"/>
+          </a:fillRef>
+          <a:effectRef idx="0">
+            <a:schemeClr val="accent1"/>
+          </a:effectRef>
+          <a:fontRef idx="minor">
+            <a:schemeClr val="lt1"/>
+          </a:fontRef>
+        </p:style>
+        <p:txBody>
+          <a:bodyPr rtlCol="0" anchor="ctr"/>
+          <a:lstStyle/>
+          <a:p>
+            <a:pPr algn="ctr"/>
+            <a:endParaRPr lang="ko-KR" altLang="en-US" sz="1700" b="1">
+              <a:solidFill>
+                <a:schemeClr val="accent1">
+                  <a:lumMod val="75000"/>
+                </a:schemeClr>
+              </a:solidFill>
+            </a:endParaRPr>
+          </a:p>
+        </p:txBody>
+      </p:sp>
+      <p:sp>
+        <p:nvSpPr>
+          <p:cNvPr id="25" name="직사각형 24"/>
+          <p:cNvSpPr/>
+          <p:nvPr/>
+        </p:nvSpPr>
+        <p:spPr>
+          <a:xfrm>
+            <a:off x="4857753" y="2143122"/>
+            <a:ext cx="928725" cy="223176"/>
+          </a:xfrm>
+          <a:prstGeom prst="rect">
+            <a:avLst/>
+          </a:prstGeom>
+          <a:solidFill>
+            <a:schemeClr val="accent6">
+              <a:lumMod val="60000"/>
+              <a:lumOff val="40000"/>
+            </a:schemeClr>
+          </a:solidFill>
+          <a:ln>
+            <a:noFill/>
+          </a:ln>
+        </p:spPr>
+        <p:style>
+          <a:lnRef idx="2">
+            <a:schemeClr val="accent1">
+              <a:shade val="50000"/>
+            </a:schemeClr>
+          </a:lnRef>
+          <a:fillRef idx="1">
+            <a:schemeClr val="accent1"/>
+          </a:fillRef>
+          <a:effectRef idx="0">
+            <a:schemeClr val="accent1"/>
+          </a:effectRef>
+          <a:fontRef idx="minor">
+            <a:schemeClr val="lt1"/>
+          </a:fontRef>
+        </p:style>
+        <p:txBody>
+          <a:bodyPr rtlCol="0" anchor="ctr"/>
+          <a:lstStyle/>
+          <a:p>
+            <a:pPr algn="ctr"/>
+            <a:endParaRPr lang="ko-KR" altLang="en-US" sz="1700" b="1" dirty="0">
+              <a:solidFill>
+                <a:schemeClr val="accent1">
+                  <a:lumMod val="75000"/>
+                </a:schemeClr>
+              </a:solidFill>
+            </a:endParaRPr>
+          </a:p>
+        </p:txBody>
+      </p:sp>
+      <p:sp>
+        <p:nvSpPr>
+          <p:cNvPr id="26" name="직사각형 25"/>
+          <p:cNvSpPr/>
+          <p:nvPr/>
+        </p:nvSpPr>
+        <p:spPr>
+          <a:xfrm>
+            <a:off x="5929322" y="2143121"/>
+            <a:ext cx="928725" cy="223176"/>
+          </a:xfrm>
+          <a:prstGeom prst="rect">
+            <a:avLst/>
+          </a:prstGeom>
+          <a:solidFill>
+            <a:schemeClr val="accent6">
+              <a:lumMod val="60000"/>
+              <a:lumOff val="40000"/>
+            </a:schemeClr>
+          </a:solidFill>
+          <a:ln>
+            <a:noFill/>
+          </a:ln>
+        </p:spPr>
+        <p:style>
+          <a:lnRef idx="2">
+            <a:schemeClr val="accent1">
+              <a:shade val="50000"/>
+            </a:schemeClr>
+          </a:lnRef>
+          <a:fillRef idx="1">
+            <a:schemeClr val="accent1"/>
+          </a:fillRef>
+          <a:effectRef idx="0">
+            <a:schemeClr val="accent1"/>
+          </a:effectRef>
+          <a:fontRef idx="minor">
+            <a:schemeClr val="lt1"/>
+          </a:fontRef>
+        </p:style>
+        <p:txBody>
+          <a:bodyPr rtlCol="0" anchor="ctr"/>
+          <a:lstStyle/>
+          <a:p>
+            <a:pPr algn="ctr"/>
+            <a:endParaRPr lang="ko-KR" altLang="en-US" sz="1700" b="1" dirty="0">
+              <a:solidFill>
+                <a:schemeClr val="accent1">
+                  <a:lumMod val="75000"/>
+                </a:schemeClr>
+              </a:solidFill>
+            </a:endParaRPr>
+          </a:p>
+        </p:txBody>
+      </p:sp>
+      <p:sp>
+        <p:nvSpPr>
+          <p:cNvPr id="27" name="직사각형 26"/>
+          <p:cNvSpPr/>
+          <p:nvPr/>
+        </p:nvSpPr>
+        <p:spPr>
+          <a:xfrm>
+            <a:off x="7000892" y="2143121"/>
+            <a:ext cx="928725" cy="223176"/>
+          </a:xfrm>
+          <a:prstGeom prst="rect">
+            <a:avLst/>
+          </a:prstGeom>
+          <a:solidFill>
+            <a:schemeClr val="accent6">
+              <a:lumMod val="60000"/>
+              <a:lumOff val="40000"/>
+            </a:schemeClr>
+          </a:solidFill>
+          <a:ln>
+            <a:noFill/>
+          </a:ln>
+        </p:spPr>
+        <p:style>
+          <a:lnRef idx="2">
+            <a:schemeClr val="accent1">
+              <a:shade val="50000"/>
+            </a:schemeClr>
+          </a:lnRef>
+          <a:fillRef idx="1">
+            <a:schemeClr val="accent1"/>
+          </a:fillRef>
+          <a:effectRef idx="0">
+            <a:schemeClr val="accent1"/>
+          </a:effectRef>
+          <a:fontRef idx="minor">
+            <a:schemeClr val="lt1"/>
+          </a:fontRef>
+        </p:style>
+        <p:txBody>
+          <a:bodyPr rtlCol="0" anchor="ctr"/>
+          <a:lstStyle/>
+          <a:p>
+            <a:pPr algn="ctr"/>
+            <a:endParaRPr lang="ko-KR" altLang="en-US" sz="1700" b="1" dirty="0">
+              <a:solidFill>
+                <a:schemeClr val="accent1">
+                  <a:lumMod val="75000"/>
+                </a:schemeClr>
+              </a:solidFill>
+            </a:endParaRPr>
+          </a:p>
+        </p:txBody>
+      </p:sp>
+      <p:sp>
+        <p:nvSpPr>
+          <p:cNvPr id="28" name="직사각형 27"/>
+          <p:cNvSpPr/>
+          <p:nvPr/>
+        </p:nvSpPr>
+        <p:spPr>
+          <a:xfrm>
+            <a:off x="5286380" y="3000378"/>
+            <a:ext cx="785818" cy="781117"/>
+          </a:xfrm>
+          <a:prstGeom prst="rect">
+            <a:avLst/>
+          </a:prstGeom>
+          <a:solidFill>
+            <a:schemeClr val="accent6">
+              <a:lumMod val="60000"/>
+              <a:lumOff val="40000"/>
+            </a:schemeClr>
+          </a:solidFill>
+          <a:ln>
+            <a:noFill/>
+          </a:ln>
+        </p:spPr>
+        <p:style>
+          <a:lnRef idx="2">
+            <a:schemeClr val="accent1">
+              <a:shade val="50000"/>
+            </a:schemeClr>
+          </a:lnRef>
+          <a:fillRef idx="1">
+            <a:schemeClr val="accent1"/>
+          </a:fillRef>
+          <a:effectRef idx="0">
+            <a:schemeClr val="accent1"/>
+          </a:effectRef>
+          <a:fontRef idx="minor">
+            <a:schemeClr val="lt1"/>
+          </a:fontRef>
+        </p:style>
+        <p:txBody>
+          <a:bodyPr rtlCol="0" anchor="ctr"/>
+          <a:lstStyle/>
+          <a:p>
+            <a:pPr algn="ctr"/>
+            <a:endParaRPr lang="ko-KR" altLang="en-US" sz="1700" b="1">
+              <a:solidFill>
+                <a:schemeClr val="accent1">
+                  <a:lumMod val="75000"/>
+                </a:schemeClr>
+              </a:solidFill>
+            </a:endParaRPr>
+          </a:p>
+        </p:txBody>
+      </p:sp>
+      <p:sp>
+        <p:nvSpPr>
+          <p:cNvPr id="29" name="직사각형 28"/>
+          <p:cNvSpPr/>
+          <p:nvPr/>
+        </p:nvSpPr>
+        <p:spPr>
+          <a:xfrm>
+            <a:off x="6215074" y="3000378"/>
+            <a:ext cx="785818" cy="781117"/>
+          </a:xfrm>
+          <a:prstGeom prst="rect">
+            <a:avLst/>
+          </a:prstGeom>
+          <a:solidFill>
+            <a:schemeClr val="accent6">
+              <a:lumMod val="60000"/>
+              <a:lumOff val="40000"/>
+            </a:schemeClr>
+          </a:solidFill>
+          <a:ln>
+            <a:noFill/>
+          </a:ln>
+        </p:spPr>
+        <p:style>
+          <a:lnRef idx="2">
+            <a:schemeClr val="accent1">
+              <a:shade val="50000"/>
+            </a:schemeClr>
+          </a:lnRef>
+          <a:fillRef idx="1">
+            <a:schemeClr val="accent1"/>
+          </a:fillRef>
+          <a:effectRef idx="0">
+            <a:schemeClr val="accent1"/>
+          </a:effectRef>
+          <a:fontRef idx="minor">
+            <a:schemeClr val="lt1"/>
+          </a:fontRef>
+        </p:style>
+        <p:txBody>
+          <a:bodyPr rtlCol="0" anchor="ctr"/>
+          <a:lstStyle/>
+          <a:p>
+            <a:pPr algn="ctr"/>
+            <a:endParaRPr lang="ko-KR" altLang="en-US" sz="1700" b="1">
+              <a:solidFill>
+                <a:schemeClr val="accent1">
+                  <a:lumMod val="75000"/>
+                </a:schemeClr>
+              </a:solidFill>
+            </a:endParaRPr>
+          </a:p>
+        </p:txBody>
+      </p:sp>
+      <p:sp>
+        <p:nvSpPr>
+          <p:cNvPr id="30" name="직사각형 29"/>
+          <p:cNvSpPr/>
+          <p:nvPr/>
+        </p:nvSpPr>
+        <p:spPr>
+          <a:xfrm>
+            <a:off x="7143768" y="3000378"/>
+            <a:ext cx="785818" cy="781117"/>
+          </a:xfrm>
+          <a:prstGeom prst="rect">
+            <a:avLst/>
+          </a:prstGeom>
+          <a:solidFill>
+            <a:schemeClr val="accent6">
+              <a:lumMod val="60000"/>
+              <a:lumOff val="40000"/>
+            </a:schemeClr>
+          </a:solidFill>
+          <a:ln>
+            <a:noFill/>
+          </a:ln>
+        </p:spPr>
+        <p:style>
+          <a:lnRef idx="2">
+            <a:schemeClr val="accent1">
+              <a:shade val="50000"/>
+            </a:schemeClr>
+          </a:lnRef>
+          <a:fillRef idx="1">
+            <a:schemeClr val="accent1"/>
+          </a:fillRef>
+          <a:effectRef idx="0">
+            <a:schemeClr val="accent1"/>
+          </a:effectRef>
+          <a:fontRef idx="minor">
+            <a:schemeClr val="lt1"/>
+          </a:fontRef>
+        </p:style>
+        <p:txBody>
+          <a:bodyPr rtlCol="0" anchor="ctr"/>
+          <a:lstStyle/>
+          <a:p>
+            <a:pPr algn="ctr"/>
+            <a:endParaRPr lang="ko-KR" altLang="en-US" sz="1700" b="1">
+              <a:solidFill>
+                <a:schemeClr val="accent1">
+                  <a:lumMod val="75000"/>
+                </a:schemeClr>
+              </a:solidFill>
+            </a:endParaRPr>
+          </a:p>
+        </p:txBody>
+      </p:sp>
+      <p:sp>
+        <p:nvSpPr>
+          <p:cNvPr id="31" name="직사각형 30"/>
+          <p:cNvSpPr/>
+          <p:nvPr/>
+        </p:nvSpPr>
+        <p:spPr>
+          <a:xfrm>
+            <a:off x="3357554" y="3000378"/>
+            <a:ext cx="785818" cy="781117"/>
+          </a:xfrm>
+          <a:prstGeom prst="rect">
+            <a:avLst/>
+          </a:prstGeom>
+          <a:solidFill>
+            <a:schemeClr val="accent6">
+              <a:lumMod val="60000"/>
+              <a:lumOff val="40000"/>
+            </a:schemeClr>
+          </a:solidFill>
+          <a:ln>
+            <a:noFill/>
+          </a:ln>
+        </p:spPr>
+        <p:style>
+          <a:lnRef idx="2">
+            <a:schemeClr val="accent1">
+              <a:shade val="50000"/>
+            </a:schemeClr>
+          </a:lnRef>
+          <a:fillRef idx="1">
+            <a:schemeClr val="accent1"/>
+          </a:fillRef>
+          <a:effectRef idx="0">
+            <a:schemeClr val="accent1"/>
+          </a:effectRef>
+          <a:fontRef idx="minor">
+            <a:schemeClr val="lt1"/>
+          </a:fontRef>
+        </p:style>
+        <p:txBody>
+          <a:bodyPr rtlCol="0" anchor="ctr"/>
+          <a:lstStyle/>
+          <a:p>
+            <a:pPr algn="ctr"/>
+            <a:endParaRPr lang="ko-KR" altLang="en-US" sz="1700" b="1">
+              <a:solidFill>
+                <a:schemeClr val="accent1">
+                  <a:lumMod val="75000"/>
+                </a:schemeClr>
+              </a:solidFill>
+            </a:endParaRPr>
+          </a:p>
+        </p:txBody>
+      </p:sp>
+      <p:sp>
+        <p:nvSpPr>
+          <p:cNvPr id="32" name="직사각형 31"/>
+          <p:cNvSpPr/>
+          <p:nvPr/>
+        </p:nvSpPr>
+        <p:spPr>
+          <a:xfrm>
+            <a:off x="4286248" y="3000378"/>
+            <a:ext cx="785818" cy="781117"/>
+          </a:xfrm>
+          <a:prstGeom prst="rect">
+            <a:avLst/>
+          </a:prstGeom>
+          <a:solidFill>
+            <a:schemeClr val="accent6">
+              <a:lumMod val="60000"/>
+              <a:lumOff val="40000"/>
+            </a:schemeClr>
+          </a:solidFill>
+          <a:ln>
+            <a:noFill/>
+          </a:ln>
+        </p:spPr>
+        <p:style>
+          <a:lnRef idx="2">
+            <a:schemeClr val="accent1">
+              <a:shade val="50000"/>
+            </a:schemeClr>
+          </a:lnRef>
+          <a:fillRef idx="1">
+            <a:schemeClr val="accent1"/>
+          </a:fillRef>
+          <a:effectRef idx="0">
+            <a:schemeClr val="accent1"/>
+          </a:effectRef>
+          <a:fontRef idx="minor">
+            <a:schemeClr val="lt1"/>
+          </a:fontRef>
+        </p:style>
+        <p:txBody>
+          <a:bodyPr rtlCol="0" anchor="ctr"/>
+          <a:lstStyle/>
+          <a:p>
+            <a:pPr algn="ctr"/>
+            <a:endParaRPr lang="ko-KR" altLang="en-US" sz="1700" b="1">
+              <a:solidFill>
+                <a:schemeClr val="accent1">
+                  <a:lumMod val="75000"/>
+                </a:schemeClr>
+              </a:solidFill>
+            </a:endParaRPr>
+          </a:p>
+        </p:txBody>
+      </p:sp>
+      <p:sp>
+        <p:nvSpPr>
+          <p:cNvPr id="33" name="직사각형 32"/>
+          <p:cNvSpPr/>
+          <p:nvPr/>
+        </p:nvSpPr>
+        <p:spPr>
+          <a:xfrm>
+            <a:off x="8572528" y="1500180"/>
+            <a:ext cx="571472" cy="2231761"/>
+          </a:xfrm>
+          <a:prstGeom prst="rect">
+            <a:avLst/>
+          </a:prstGeom>
+          <a:solidFill>
+            <a:schemeClr val="accent6">
+              <a:lumMod val="60000"/>
+              <a:lumOff val="40000"/>
+            </a:schemeClr>
+          </a:solidFill>
+          <a:ln>
+            <a:noFill/>
+          </a:ln>
+        </p:spPr>
+        <p:style>
+          <a:lnRef idx="2">
+            <a:schemeClr val="accent1">
+              <a:shade val="50000"/>
+            </a:schemeClr>
+          </a:lnRef>
+          <a:fillRef idx="1">
+            <a:schemeClr val="accent1"/>
+          </a:fillRef>
+          <a:effectRef idx="0">
+            <a:schemeClr val="accent1"/>
+          </a:effectRef>
+          <a:fontRef idx="minor">
+            <a:schemeClr val="lt1"/>
+          </a:fontRef>
+        </p:style>
+        <p:txBody>
+          <a:bodyPr rtlCol="0" anchor="ctr"/>
+          <a:lstStyle/>
+          <a:p>
+            <a:pPr algn="ctr"/>
+            <a:endParaRPr lang="ko-KR" altLang="en-US" sz="1700" b="1">
+              <a:solidFill>
+                <a:schemeClr val="accent1">
+                  <a:lumMod val="75000"/>
+                </a:schemeClr>
+              </a:solidFill>
+            </a:endParaRPr>
+          </a:p>
+        </p:txBody>
+      </p:sp>
+      <p:sp>
+        <p:nvSpPr>
+          <p:cNvPr id="34" name="직사각형 33"/>
+          <p:cNvSpPr/>
+          <p:nvPr/>
+        </p:nvSpPr>
+        <p:spPr>
+          <a:xfrm>
+            <a:off x="3099630" y="4000510"/>
+            <a:ext cx="5044269" cy="321829"/>
+          </a:xfrm>
+          <a:prstGeom prst="rect">
+            <a:avLst/>
+          </a:prstGeom>
+          <a:solidFill>
+            <a:schemeClr val="bg1">
+              <a:lumMod val="85000"/>
+            </a:schemeClr>
+          </a:solidFill>
+          <a:ln>
+            <a:noFill/>
+          </a:ln>
+        </p:spPr>
+        <p:style>
+          <a:lnRef idx="2">
+            <a:schemeClr val="accent1">
+              <a:shade val="50000"/>
+            </a:schemeClr>
+          </a:lnRef>
+          <a:fillRef idx="1">
+            <a:schemeClr val="accent1"/>
+          </a:fillRef>
+          <a:effectRef idx="0">
+            <a:schemeClr val="accent1"/>
+          </a:effectRef>
+          <a:fontRef idx="minor">
+            <a:schemeClr val="lt1"/>
+          </a:fontRef>
+        </p:style>
+        <p:txBody>
+          <a:bodyPr rtlCol="0" anchor="ctr"/>
+          <a:lstStyle/>
+          <a:p>
+            <a:pPr algn="ctr"/>
+            <a:endParaRPr lang="ko-KR" altLang="en-US" sz="1400"/>
+          </a:p>
+        </p:txBody>
+      </p:sp>
+      <p:sp>
+        <p:nvSpPr>
+          <p:cNvPr id="35" name="직사각형 34"/>
+          <p:cNvSpPr/>
+          <p:nvPr/>
+        </p:nvSpPr>
+        <p:spPr>
+          <a:xfrm>
+            <a:off x="0" y="4000510"/>
+            <a:ext cx="2428860" cy="321829"/>
+          </a:xfrm>
+          <a:prstGeom prst="rect">
+            <a:avLst/>
+          </a:prstGeom>
+          <a:solidFill>
+            <a:schemeClr val="bg1">
+              <a:lumMod val="85000"/>
+            </a:schemeClr>
+          </a:solidFill>
+          <a:ln>
+            <a:noFill/>
+          </a:ln>
+        </p:spPr>
+        <p:style>
+          <a:lnRef idx="2">
+            <a:schemeClr val="accent1">
+              <a:shade val="50000"/>
+            </a:schemeClr>
+          </a:lnRef>
+          <a:fillRef idx="1">
+            <a:schemeClr val="accent1"/>
+          </a:fillRef>
+          <a:effectRef idx="0">
+            <a:schemeClr val="accent1"/>
+          </a:effectRef>
+          <a:fontRef idx="minor">
+            <a:schemeClr val="lt1"/>
+          </a:fontRef>
+        </p:style>
+        <p:txBody>
+          <a:bodyPr rtlCol="0" anchor="ctr"/>
+          <a:lstStyle/>
+          <a:p>
+            <a:pPr algn="ctr"/>
+            <a:endParaRPr lang="ko-KR" altLang="en-US" sz="1400"/>
+          </a:p>
+        </p:txBody>
+      </p:sp>
+      <p:sp>
+        <p:nvSpPr>
+          <p:cNvPr id="36" name="직사각형 35"/>
+          <p:cNvSpPr/>
+          <p:nvPr/>
+        </p:nvSpPr>
+        <p:spPr>
+          <a:xfrm>
+            <a:off x="1714480" y="3714758"/>
+            <a:ext cx="714348" cy="571486"/>
+          </a:xfrm>
+          <a:prstGeom prst="rect">
+            <a:avLst/>
+          </a:prstGeom>
+          <a:solidFill>
+            <a:schemeClr val="bg1">
+              <a:lumMod val="85000"/>
+            </a:schemeClr>
+          </a:solidFill>
+          <a:ln>
+            <a:noFill/>
+          </a:ln>
+        </p:spPr>
+        <p:style>
+          <a:lnRef idx="2">
+            <a:schemeClr val="accent1">
+              <a:shade val="50000"/>
+            </a:schemeClr>
+          </a:lnRef>
+          <a:fillRef idx="1">
+            <a:schemeClr val="accent1"/>
+          </a:fillRef>
+          <a:effectRef idx="0">
+            <a:schemeClr val="accent1"/>
+          </a:effectRef>
+          <a:fontRef idx="minor">
+            <a:schemeClr val="lt1"/>
+          </a:fontRef>
+        </p:style>
+        <p:txBody>
+          <a:bodyPr rtlCol="0" anchor="ctr"/>
+          <a:lstStyle/>
+          <a:p>
+            <a:pPr algn="ctr"/>
+            <a:endParaRPr lang="ko-KR" altLang="en-US" sz="1400"/>
+          </a:p>
+        </p:txBody>
+      </p:sp>
+      <p:sp>
+        <p:nvSpPr>
+          <p:cNvPr id="37" name="직사각형 36"/>
+          <p:cNvSpPr/>
+          <p:nvPr/>
+        </p:nvSpPr>
+        <p:spPr>
+          <a:xfrm>
+            <a:off x="0" y="4286262"/>
+            <a:ext cx="714348" cy="857238"/>
+          </a:xfrm>
+          <a:prstGeom prst="rect">
+            <a:avLst/>
+          </a:prstGeom>
+          <a:solidFill>
+            <a:schemeClr val="bg1">
+              <a:lumMod val="85000"/>
+            </a:schemeClr>
+          </a:solidFill>
+          <a:ln>
+            <a:noFill/>
+          </a:ln>
+        </p:spPr>
+        <p:style>
+          <a:lnRef idx="2">
+            <a:schemeClr val="accent1">
+              <a:shade val="50000"/>
+            </a:schemeClr>
+          </a:lnRef>
+          <a:fillRef idx="1">
+            <a:schemeClr val="accent1"/>
+          </a:fillRef>
+          <a:effectRef idx="0">
+            <a:schemeClr val="accent1"/>
+          </a:effectRef>
+          <a:fontRef idx="minor">
+            <a:schemeClr val="lt1"/>
+          </a:fontRef>
+        </p:style>
+        <p:txBody>
+          <a:bodyPr rtlCol="0" anchor="ctr"/>
+          <a:lstStyle/>
+          <a:p>
+            <a:pPr algn="ctr"/>
+            <a:endParaRPr lang="ko-KR" altLang="en-US" sz="1400"/>
+          </a:p>
+        </p:txBody>
+      </p:sp>
+      <p:sp>
+        <p:nvSpPr>
+          <p:cNvPr id="38" name="TextBox 37"/>
+          <p:cNvSpPr txBox="1"/>
+          <p:nvPr/>
+        </p:nvSpPr>
+        <p:spPr>
+          <a:xfrm>
+            <a:off x="918726" y="27128"/>
+            <a:ext cx="1505058" cy="353943"/>
+          </a:xfrm>
+          <a:prstGeom prst="rect">
+            <a:avLst/>
+          </a:prstGeom>
+          <a:noFill/>
+        </p:spPr>
+        <p:txBody>
+          <a:bodyPr wrap="square" rtlCol="0">
+            <a:spAutoFit/>
+          </a:bodyPr>
+          <a:lstStyle/>
+          <a:p>
+            <a:pPr algn="ctr"/>
+            <a:r>
+              <a:rPr lang="en-US" altLang="ko-KR" sz="1700" b="1" dirty="0" smtClean="0">
+                <a:solidFill>
+                  <a:schemeClr val="accent1">
+                    <a:lumMod val="75000"/>
+                  </a:schemeClr>
+                </a:solidFill>
+              </a:rPr>
+              <a:t>1</a:t>
+            </a:r>
+            <a:endParaRPr lang="ko-KR" altLang="en-US" sz="1700" b="1" dirty="0">
+              <a:solidFill>
+                <a:schemeClr val="accent1">
+                  <a:lumMod val="75000"/>
+                </a:schemeClr>
+              </a:solidFill>
+            </a:endParaRPr>
+          </a:p>
+        </p:txBody>
+      </p:sp>
+      <p:sp>
+        <p:nvSpPr>
+          <p:cNvPr id="40" name="TextBox 39"/>
+          <p:cNvSpPr txBox="1"/>
+          <p:nvPr/>
+        </p:nvSpPr>
+        <p:spPr>
+          <a:xfrm>
+            <a:off x="3198881" y="38503"/>
+            <a:ext cx="797055" cy="353943"/>
+          </a:xfrm>
+          <a:prstGeom prst="rect">
+            <a:avLst/>
+          </a:prstGeom>
+          <a:noFill/>
+        </p:spPr>
+        <p:txBody>
+          <a:bodyPr wrap="square" rtlCol="0">
+            <a:spAutoFit/>
+          </a:bodyPr>
+          <a:lstStyle/>
+          <a:p>
+            <a:pPr algn="ctr"/>
+            <a:r>
+              <a:rPr lang="en-US" altLang="ko-KR" sz="1700" b="1" dirty="0" smtClean="0">
+                <a:solidFill>
+                  <a:schemeClr val="accent1">
+                    <a:lumMod val="75000"/>
+                  </a:schemeClr>
+                </a:solidFill>
+              </a:rPr>
+              <a:t>2</a:t>
+            </a:r>
+            <a:endParaRPr lang="ko-KR" altLang="en-US" sz="1700" b="1" dirty="0">
+              <a:solidFill>
+                <a:schemeClr val="accent1">
+                  <a:lumMod val="75000"/>
+                </a:schemeClr>
+              </a:solidFill>
+            </a:endParaRPr>
+          </a:p>
+        </p:txBody>
+      </p:sp>
+      <p:sp>
+        <p:nvSpPr>
+          <p:cNvPr id="41" name="TextBox 40"/>
+          <p:cNvSpPr txBox="1"/>
+          <p:nvPr/>
+        </p:nvSpPr>
+        <p:spPr>
+          <a:xfrm>
+            <a:off x="2915088" y="637904"/>
+            <a:ext cx="1341525" cy="353943"/>
+          </a:xfrm>
+          <a:prstGeom prst="rect">
+            <a:avLst/>
+          </a:prstGeom>
+          <a:noFill/>
+        </p:spPr>
+        <p:txBody>
+          <a:bodyPr wrap="square" rtlCol="0">
+            <a:spAutoFit/>
+          </a:bodyPr>
+          <a:lstStyle/>
+          <a:p>
+            <a:pPr algn="ctr"/>
+            <a:r>
+              <a:rPr lang="en-US" altLang="ko-KR" sz="1700" b="1" dirty="0" smtClean="0">
+                <a:solidFill>
+                  <a:schemeClr val="accent1">
+                    <a:lumMod val="75000"/>
+                  </a:schemeClr>
+                </a:solidFill>
+              </a:rPr>
+              <a:t>2</a:t>
+            </a:r>
+            <a:endParaRPr lang="ko-KR" altLang="en-US" sz="1700" b="1" dirty="0">
+              <a:solidFill>
+                <a:schemeClr val="accent1">
+                  <a:lumMod val="75000"/>
+                </a:schemeClr>
+              </a:solidFill>
+            </a:endParaRPr>
+          </a:p>
+        </p:txBody>
+      </p:sp>
+      <p:sp>
+        <p:nvSpPr>
+          <p:cNvPr id="42" name="TextBox 41"/>
+          <p:cNvSpPr txBox="1"/>
+          <p:nvPr/>
+        </p:nvSpPr>
+        <p:spPr>
+          <a:xfrm>
+            <a:off x="1205561" y="2154785"/>
+            <a:ext cx="699368" cy="353943"/>
+          </a:xfrm>
+          <a:prstGeom prst="rect">
+            <a:avLst/>
+          </a:prstGeom>
+          <a:noFill/>
+        </p:spPr>
+        <p:txBody>
+          <a:bodyPr wrap="square" rtlCol="0">
+            <a:spAutoFit/>
+          </a:bodyPr>
+          <a:lstStyle/>
+          <a:p>
+            <a:pPr algn="ctr"/>
+            <a:r>
+              <a:rPr lang="en-US" altLang="ko-KR" sz="1700" b="1" dirty="0" smtClean="0">
+                <a:solidFill>
+                  <a:schemeClr val="accent1">
+                    <a:lumMod val="75000"/>
+                  </a:schemeClr>
+                </a:solidFill>
+              </a:rPr>
+              <a:t>3</a:t>
+            </a:r>
+            <a:endParaRPr lang="ko-KR" altLang="en-US" sz="1700" b="1" dirty="0">
+              <a:solidFill>
+                <a:schemeClr val="accent1">
+                  <a:lumMod val="75000"/>
+                </a:schemeClr>
+              </a:solidFill>
+            </a:endParaRPr>
+          </a:p>
+        </p:txBody>
+      </p:sp>
+      <p:sp>
+        <p:nvSpPr>
+          <p:cNvPr id="43" name="TextBox 42"/>
+          <p:cNvSpPr txBox="1"/>
+          <p:nvPr/>
+        </p:nvSpPr>
+        <p:spPr>
+          <a:xfrm>
+            <a:off x="142860" y="2154785"/>
+            <a:ext cx="285752" cy="353943"/>
+          </a:xfrm>
+          <a:prstGeom prst="rect">
+            <a:avLst/>
+          </a:prstGeom>
+          <a:noFill/>
+        </p:spPr>
+        <p:txBody>
+          <a:bodyPr wrap="square" rtlCol="0">
+            <a:spAutoFit/>
+          </a:bodyPr>
+          <a:lstStyle/>
+          <a:p>
+            <a:pPr algn="ctr"/>
+            <a:r>
+              <a:rPr lang="en-US" altLang="ko-KR" sz="1700" b="1" dirty="0" smtClean="0">
+                <a:solidFill>
+                  <a:schemeClr val="accent1">
+                    <a:lumMod val="75000"/>
+                  </a:schemeClr>
+                </a:solidFill>
+              </a:rPr>
+              <a:t>4</a:t>
+            </a:r>
+            <a:endParaRPr lang="ko-KR" altLang="en-US" sz="1700" b="1" dirty="0">
+              <a:solidFill>
+                <a:schemeClr val="accent1">
+                  <a:lumMod val="75000"/>
+                </a:schemeClr>
+              </a:solidFill>
+            </a:endParaRPr>
+          </a:p>
+        </p:txBody>
+      </p:sp>
+      <p:sp>
+        <p:nvSpPr>
+          <p:cNvPr id="44" name="TextBox 43"/>
+          <p:cNvSpPr txBox="1"/>
+          <p:nvPr/>
+        </p:nvSpPr>
+        <p:spPr>
+          <a:xfrm>
+            <a:off x="3276714" y="3214692"/>
+            <a:ext cx="1018935" cy="353943"/>
+          </a:xfrm>
+          <a:prstGeom prst="rect">
+            <a:avLst/>
+          </a:prstGeom>
+          <a:noFill/>
+        </p:spPr>
+        <p:txBody>
+          <a:bodyPr wrap="square" rtlCol="0">
+            <a:spAutoFit/>
+          </a:bodyPr>
+          <a:lstStyle/>
+          <a:p>
+            <a:pPr algn="ctr"/>
+            <a:r>
+              <a:rPr lang="en-US" altLang="ko-KR" sz="1700" b="1" dirty="0" smtClean="0">
+                <a:solidFill>
+                  <a:schemeClr val="accent1">
+                    <a:lumMod val="75000"/>
+                  </a:schemeClr>
+                </a:solidFill>
+              </a:rPr>
+              <a:t>5</a:t>
+            </a:r>
+            <a:endParaRPr lang="ko-KR" altLang="en-US" sz="1700" b="1" dirty="0">
+              <a:solidFill>
+                <a:schemeClr val="accent1">
+                  <a:lumMod val="75000"/>
+                </a:schemeClr>
+              </a:solidFill>
+            </a:endParaRPr>
+          </a:p>
+        </p:txBody>
+      </p:sp>
+      <p:sp>
+        <p:nvSpPr>
+          <p:cNvPr id="45" name="TextBox 44"/>
+          <p:cNvSpPr txBox="1"/>
+          <p:nvPr/>
+        </p:nvSpPr>
+        <p:spPr>
+          <a:xfrm>
+            <a:off x="3198324" y="1308732"/>
+            <a:ext cx="714380" cy="353943"/>
+          </a:xfrm>
+          <a:prstGeom prst="rect">
+            <a:avLst/>
+          </a:prstGeom>
+          <a:noFill/>
+        </p:spPr>
+        <p:txBody>
+          <a:bodyPr wrap="square" rtlCol="0">
+            <a:spAutoFit/>
+          </a:bodyPr>
+          <a:lstStyle/>
+          <a:p>
+            <a:pPr algn="ctr"/>
+            <a:r>
+              <a:rPr lang="en-US" altLang="ko-KR" sz="1700" b="1" dirty="0" smtClean="0">
+                <a:solidFill>
+                  <a:schemeClr val="accent1">
+                    <a:lumMod val="75000"/>
+                  </a:schemeClr>
+                </a:solidFill>
+              </a:rPr>
+              <a:t>6</a:t>
+            </a:r>
+            <a:endParaRPr lang="ko-KR" altLang="en-US" sz="1700" b="1" dirty="0">
+              <a:solidFill>
+                <a:schemeClr val="accent1">
+                  <a:lumMod val="75000"/>
+                </a:schemeClr>
+              </a:solidFill>
+            </a:endParaRPr>
+          </a:p>
+        </p:txBody>
+      </p:sp>
+      <p:sp>
+        <p:nvSpPr>
+          <p:cNvPr id="46" name="TextBox 45"/>
+          <p:cNvSpPr txBox="1"/>
+          <p:nvPr/>
+        </p:nvSpPr>
+        <p:spPr>
+          <a:xfrm>
+            <a:off x="2294503" y="2212409"/>
+            <a:ext cx="858199" cy="353943"/>
+          </a:xfrm>
+          <a:prstGeom prst="rect">
+            <a:avLst/>
+          </a:prstGeom>
+          <a:noFill/>
+        </p:spPr>
+        <p:txBody>
+          <a:bodyPr wrap="square" rtlCol="0">
+            <a:spAutoFit/>
+          </a:bodyPr>
+          <a:lstStyle/>
+          <a:p>
+            <a:pPr algn="ctr"/>
+            <a:r>
+              <a:rPr lang="en-US" altLang="ko-KR" sz="1700" b="1" dirty="0" smtClean="0">
+                <a:solidFill>
+                  <a:schemeClr val="accent1">
+                    <a:lumMod val="75000"/>
+                  </a:schemeClr>
+                </a:solidFill>
+              </a:rPr>
+              <a:t>7</a:t>
+            </a:r>
+          </a:p>
+        </p:txBody>
+      </p:sp>
+      <p:sp>
+        <p:nvSpPr>
+          <p:cNvPr id="48" name="TextBox 47"/>
+          <p:cNvSpPr txBox="1"/>
+          <p:nvPr/>
+        </p:nvSpPr>
+        <p:spPr>
+          <a:xfrm>
+            <a:off x="3286329" y="2197020"/>
+            <a:ext cx="366653" cy="353943"/>
+          </a:xfrm>
+          <a:prstGeom prst="rect">
+            <a:avLst/>
+          </a:prstGeom>
+          <a:noFill/>
+        </p:spPr>
+        <p:txBody>
+          <a:bodyPr wrap="square" rtlCol="0">
+            <a:spAutoFit/>
+          </a:bodyPr>
+          <a:lstStyle/>
+          <a:p>
+            <a:pPr algn="ctr"/>
+            <a:r>
+              <a:rPr lang="en-US" altLang="ko-KR" sz="1700" b="1" dirty="0" smtClean="0">
+                <a:solidFill>
+                  <a:schemeClr val="accent1">
+                    <a:lumMod val="75000"/>
+                  </a:schemeClr>
+                </a:solidFill>
+              </a:rPr>
+              <a:t>7</a:t>
+            </a:r>
+            <a:endParaRPr lang="ko-KR" altLang="en-US" sz="1700" b="1" dirty="0">
+              <a:solidFill>
+                <a:schemeClr val="accent1">
+                  <a:lumMod val="75000"/>
+                </a:schemeClr>
+              </a:solidFill>
+            </a:endParaRPr>
+          </a:p>
+        </p:txBody>
+      </p:sp>
+      <p:sp>
+        <p:nvSpPr>
+          <p:cNvPr id="49" name="TextBox 48"/>
+          <p:cNvSpPr txBox="1"/>
+          <p:nvPr/>
+        </p:nvSpPr>
+        <p:spPr>
+          <a:xfrm>
+            <a:off x="3744174" y="2197021"/>
+            <a:ext cx="792087" cy="353943"/>
+          </a:xfrm>
+          <a:prstGeom prst="rect">
+            <a:avLst/>
+          </a:prstGeom>
+          <a:noFill/>
+        </p:spPr>
+        <p:txBody>
+          <a:bodyPr wrap="square" rtlCol="0">
+            <a:spAutoFit/>
+          </a:bodyPr>
+          <a:lstStyle/>
+          <a:p>
+            <a:pPr algn="ctr"/>
+            <a:r>
+              <a:rPr lang="en-US" altLang="ko-KR" sz="1700" b="1" dirty="0" smtClean="0">
+                <a:solidFill>
+                  <a:schemeClr val="accent1">
+                    <a:lumMod val="75000"/>
+                  </a:schemeClr>
+                </a:solidFill>
+              </a:rPr>
+              <a:t>10</a:t>
+            </a:r>
+          </a:p>
+        </p:txBody>
+      </p:sp>
+      <p:sp>
+        <p:nvSpPr>
+          <p:cNvPr id="51" name="TextBox 50"/>
+          <p:cNvSpPr txBox="1"/>
+          <p:nvPr/>
+        </p:nvSpPr>
+        <p:spPr>
+          <a:xfrm>
+            <a:off x="6786586" y="1308732"/>
+            <a:ext cx="642910" cy="353943"/>
+          </a:xfrm>
+          <a:prstGeom prst="rect">
+            <a:avLst/>
+          </a:prstGeom>
+          <a:noFill/>
+        </p:spPr>
+        <p:txBody>
+          <a:bodyPr wrap="square" rtlCol="0">
+            <a:spAutoFit/>
+          </a:bodyPr>
+          <a:lstStyle/>
+          <a:p>
+            <a:pPr algn="ctr"/>
+            <a:r>
+              <a:rPr lang="en-US" altLang="ko-KR" sz="1700" b="1" dirty="0" smtClean="0">
+                <a:solidFill>
+                  <a:schemeClr val="accent1">
+                    <a:lumMod val="75000"/>
+                  </a:schemeClr>
+                </a:solidFill>
+              </a:rPr>
+              <a:t>12</a:t>
+            </a:r>
+            <a:endParaRPr lang="ko-KR" altLang="en-US" sz="1700" b="1" dirty="0">
+              <a:solidFill>
+                <a:schemeClr val="accent1">
+                  <a:lumMod val="75000"/>
+                </a:schemeClr>
+              </a:solidFill>
+            </a:endParaRPr>
+          </a:p>
+        </p:txBody>
+      </p:sp>
+      <p:sp>
+        <p:nvSpPr>
+          <p:cNvPr id="52" name="TextBox 51"/>
+          <p:cNvSpPr txBox="1"/>
+          <p:nvPr/>
+        </p:nvSpPr>
+        <p:spPr>
+          <a:xfrm>
+            <a:off x="5822735" y="1285922"/>
+            <a:ext cx="784678" cy="353943"/>
+          </a:xfrm>
+          <a:prstGeom prst="rect">
+            <a:avLst/>
+          </a:prstGeom>
+          <a:noFill/>
+        </p:spPr>
+        <p:txBody>
+          <a:bodyPr wrap="square" rtlCol="0">
+            <a:spAutoFit/>
+          </a:bodyPr>
+          <a:lstStyle/>
+          <a:p>
+            <a:pPr algn="ctr"/>
+            <a:r>
+              <a:rPr lang="en-US" altLang="ko-KR" sz="1700" b="1" dirty="0" smtClean="0">
+                <a:solidFill>
+                  <a:schemeClr val="accent1">
+                    <a:lumMod val="75000"/>
+                  </a:schemeClr>
+                </a:solidFill>
+              </a:rPr>
+              <a:t>11</a:t>
+            </a:r>
+          </a:p>
+        </p:txBody>
+      </p:sp>
+      <p:sp>
+        <p:nvSpPr>
+          <p:cNvPr id="53" name="TextBox 52"/>
+          <p:cNvSpPr txBox="1"/>
+          <p:nvPr/>
+        </p:nvSpPr>
+        <p:spPr>
+          <a:xfrm>
+            <a:off x="5375685" y="3221659"/>
+            <a:ext cx="607207" cy="353943"/>
+          </a:xfrm>
+          <a:prstGeom prst="rect">
+            <a:avLst/>
+          </a:prstGeom>
+          <a:noFill/>
+        </p:spPr>
+        <p:txBody>
+          <a:bodyPr wrap="square" rtlCol="0">
+            <a:spAutoFit/>
+          </a:bodyPr>
+          <a:lstStyle/>
+          <a:p>
+            <a:pPr algn="ctr"/>
+            <a:r>
+              <a:rPr lang="en-US" altLang="ko-KR" sz="1700" b="1" dirty="0" smtClean="0">
+                <a:solidFill>
+                  <a:schemeClr val="accent1">
+                    <a:lumMod val="75000"/>
+                  </a:schemeClr>
+                </a:solidFill>
+              </a:rPr>
+              <a:t>13</a:t>
+            </a:r>
+            <a:endParaRPr lang="ko-KR" altLang="en-US" sz="1700" b="1" dirty="0">
+              <a:solidFill>
+                <a:schemeClr val="accent1">
+                  <a:lumMod val="75000"/>
+                </a:schemeClr>
+              </a:solidFill>
+            </a:endParaRPr>
+          </a:p>
+        </p:txBody>
+      </p:sp>
+      <p:sp>
+        <p:nvSpPr>
+          <p:cNvPr id="54" name="TextBox 53"/>
+          <p:cNvSpPr txBox="1"/>
+          <p:nvPr/>
+        </p:nvSpPr>
+        <p:spPr>
+          <a:xfrm>
+            <a:off x="4054266" y="3205904"/>
+            <a:ext cx="1249781" cy="353943"/>
+          </a:xfrm>
+          <a:prstGeom prst="rect">
+            <a:avLst/>
+          </a:prstGeom>
+          <a:noFill/>
+        </p:spPr>
+        <p:txBody>
+          <a:bodyPr wrap="square" rtlCol="0">
+            <a:spAutoFit/>
+          </a:bodyPr>
+          <a:lstStyle/>
+          <a:p>
+            <a:pPr algn="ctr"/>
+            <a:r>
+              <a:rPr lang="en-US" altLang="ko-KR" sz="1700" b="1" dirty="0" smtClean="0">
+                <a:solidFill>
+                  <a:schemeClr val="accent1">
+                    <a:lumMod val="75000"/>
+                  </a:schemeClr>
+                </a:solidFill>
+              </a:rPr>
+              <a:t>14</a:t>
+            </a:r>
+            <a:endParaRPr lang="ko-KR" altLang="en-US" sz="1700" b="1" dirty="0">
+              <a:solidFill>
+                <a:schemeClr val="accent1">
+                  <a:lumMod val="75000"/>
+                </a:schemeClr>
+              </a:solidFill>
+            </a:endParaRPr>
+          </a:p>
+        </p:txBody>
+      </p:sp>
+      <p:sp>
+        <p:nvSpPr>
+          <p:cNvPr id="55" name="TextBox 54"/>
+          <p:cNvSpPr txBox="1"/>
+          <p:nvPr/>
+        </p:nvSpPr>
+        <p:spPr>
+          <a:xfrm>
+            <a:off x="6143652" y="3223487"/>
+            <a:ext cx="1000116" cy="353943"/>
+          </a:xfrm>
+          <a:prstGeom prst="rect">
+            <a:avLst/>
+          </a:prstGeom>
+          <a:noFill/>
+        </p:spPr>
+        <p:txBody>
+          <a:bodyPr wrap="square" rtlCol="0">
+            <a:spAutoFit/>
+          </a:bodyPr>
+          <a:lstStyle/>
+          <a:p>
+            <a:pPr algn="ctr"/>
+            <a:r>
+              <a:rPr lang="en-US" altLang="ko-KR" sz="1700" b="1" dirty="0" smtClean="0">
+                <a:solidFill>
+                  <a:schemeClr val="accent1">
+                    <a:lumMod val="75000"/>
+                  </a:schemeClr>
+                </a:solidFill>
+              </a:rPr>
+              <a:t>15</a:t>
+            </a:r>
+            <a:endParaRPr lang="ko-KR" altLang="en-US" sz="1700" b="1" dirty="0">
+              <a:solidFill>
+                <a:schemeClr val="accent1">
+                  <a:lumMod val="75000"/>
+                </a:schemeClr>
+              </a:solidFill>
+            </a:endParaRPr>
+          </a:p>
+        </p:txBody>
+      </p:sp>
+      <p:sp>
+        <p:nvSpPr>
+          <p:cNvPr id="56" name="TextBox 55"/>
+          <p:cNvSpPr txBox="1"/>
+          <p:nvPr/>
+        </p:nvSpPr>
+        <p:spPr>
+          <a:xfrm>
+            <a:off x="7237815" y="3194325"/>
+            <a:ext cx="597724" cy="353943"/>
+          </a:xfrm>
+          <a:prstGeom prst="rect">
+            <a:avLst/>
+          </a:prstGeom>
+          <a:noFill/>
+        </p:spPr>
+        <p:txBody>
+          <a:bodyPr wrap="square" rtlCol="0">
+            <a:spAutoFit/>
+          </a:bodyPr>
+          <a:lstStyle/>
+          <a:p>
+            <a:pPr algn="ctr"/>
+            <a:r>
+              <a:rPr lang="en-US" altLang="ko-KR" sz="1700" b="1" dirty="0" smtClean="0">
+                <a:solidFill>
+                  <a:schemeClr val="accent1">
+                    <a:lumMod val="75000"/>
+                  </a:schemeClr>
+                </a:solidFill>
+              </a:rPr>
+              <a:t>16</a:t>
+            </a:r>
+            <a:endParaRPr lang="ko-KR" altLang="en-US" sz="1700" b="1" dirty="0">
+              <a:solidFill>
+                <a:schemeClr val="accent1">
+                  <a:lumMod val="75000"/>
+                </a:schemeClr>
+              </a:solidFill>
+            </a:endParaRPr>
+          </a:p>
+        </p:txBody>
+      </p:sp>
+      <p:sp>
+        <p:nvSpPr>
+          <p:cNvPr id="59" name="TextBox 58"/>
+          <p:cNvSpPr txBox="1"/>
+          <p:nvPr/>
+        </p:nvSpPr>
+        <p:spPr>
+          <a:xfrm>
+            <a:off x="8061271" y="414618"/>
+            <a:ext cx="833164" cy="353943"/>
+          </a:xfrm>
+          <a:prstGeom prst="rect">
+            <a:avLst/>
+          </a:prstGeom>
+          <a:noFill/>
+        </p:spPr>
+        <p:txBody>
+          <a:bodyPr wrap="square" rtlCol="0">
+            <a:spAutoFit/>
+          </a:bodyPr>
+          <a:lstStyle/>
+          <a:p>
+            <a:pPr algn="ctr"/>
+            <a:r>
+              <a:rPr lang="en-US" altLang="ko-KR" sz="1700" b="1" dirty="0" smtClean="0">
+                <a:solidFill>
+                  <a:schemeClr val="accent1">
+                    <a:lumMod val="75000"/>
+                  </a:schemeClr>
+                </a:solidFill>
+              </a:rPr>
+              <a:t>17</a:t>
+            </a:r>
+            <a:endParaRPr lang="ko-KR" altLang="en-US" sz="1700" b="1" dirty="0">
+              <a:solidFill>
+                <a:schemeClr val="accent1">
+                  <a:lumMod val="75000"/>
+                </a:schemeClr>
+              </a:solidFill>
+            </a:endParaRPr>
+          </a:p>
+        </p:txBody>
+      </p:sp>
+      <p:sp>
+        <p:nvSpPr>
+          <p:cNvPr id="60" name="TextBox 59"/>
+          <p:cNvSpPr txBox="1"/>
+          <p:nvPr/>
+        </p:nvSpPr>
+        <p:spPr>
+          <a:xfrm>
+            <a:off x="6027545" y="53891"/>
+            <a:ext cx="1946694" cy="353943"/>
+          </a:xfrm>
+          <a:prstGeom prst="rect">
+            <a:avLst/>
+          </a:prstGeom>
+          <a:noFill/>
+        </p:spPr>
+        <p:txBody>
+          <a:bodyPr wrap="square" rtlCol="0">
+            <a:spAutoFit/>
+          </a:bodyPr>
+          <a:lstStyle/>
+          <a:p>
+            <a:pPr algn="ctr"/>
+            <a:r>
+              <a:rPr lang="en-US" altLang="ko-KR" sz="1700" b="1" dirty="0" smtClean="0">
+                <a:solidFill>
+                  <a:schemeClr val="accent1">
+                    <a:lumMod val="75000"/>
+                  </a:schemeClr>
+                </a:solidFill>
+              </a:rPr>
+              <a:t>19</a:t>
+            </a:r>
+            <a:endParaRPr lang="ko-KR" altLang="en-US" sz="1700" b="1" dirty="0">
+              <a:solidFill>
+                <a:schemeClr val="accent1">
+                  <a:lumMod val="75000"/>
+                </a:schemeClr>
+              </a:solidFill>
+            </a:endParaRPr>
+          </a:p>
+        </p:txBody>
+      </p:sp>
+      <p:sp>
+        <p:nvSpPr>
+          <p:cNvPr id="61" name="TextBox 60"/>
+          <p:cNvSpPr txBox="1"/>
+          <p:nvPr/>
+        </p:nvSpPr>
+        <p:spPr>
+          <a:xfrm>
+            <a:off x="4698534" y="53892"/>
+            <a:ext cx="1711092" cy="353943"/>
+          </a:xfrm>
+          <a:prstGeom prst="rect">
+            <a:avLst/>
+          </a:prstGeom>
+          <a:noFill/>
+        </p:spPr>
+        <p:txBody>
+          <a:bodyPr wrap="square" rtlCol="0">
+            <a:spAutoFit/>
+          </a:bodyPr>
+          <a:lstStyle/>
+          <a:p>
+            <a:pPr algn="ctr"/>
+            <a:r>
+              <a:rPr lang="en-US" altLang="ko-KR" sz="1700" b="1" dirty="0" smtClean="0">
+                <a:solidFill>
+                  <a:schemeClr val="accent1">
+                    <a:lumMod val="75000"/>
+                  </a:schemeClr>
+                </a:solidFill>
+              </a:rPr>
+              <a:t>18</a:t>
+            </a:r>
+            <a:endParaRPr lang="ko-KR" altLang="en-US" sz="1700" b="1" dirty="0">
+              <a:solidFill>
+                <a:schemeClr val="accent1">
+                  <a:lumMod val="75000"/>
+                </a:schemeClr>
+              </a:solidFill>
+            </a:endParaRPr>
+          </a:p>
+        </p:txBody>
+      </p:sp>
+      <p:sp>
+        <p:nvSpPr>
+          <p:cNvPr id="62" name="TextBox 61"/>
+          <p:cNvSpPr txBox="1"/>
+          <p:nvPr/>
+        </p:nvSpPr>
+        <p:spPr>
+          <a:xfrm>
+            <a:off x="8604172" y="2497064"/>
+            <a:ext cx="500066" cy="353943"/>
+          </a:xfrm>
+          <a:prstGeom prst="rect">
+            <a:avLst/>
+          </a:prstGeom>
+          <a:noFill/>
+        </p:spPr>
+        <p:txBody>
+          <a:bodyPr wrap="square" rtlCol="0">
+            <a:spAutoFit/>
+          </a:bodyPr>
+          <a:lstStyle/>
+          <a:p>
+            <a:pPr algn="ctr"/>
+            <a:r>
+              <a:rPr lang="en-US" altLang="ko-KR" sz="1700" b="1" dirty="0" smtClean="0">
+                <a:solidFill>
+                  <a:schemeClr val="accent1">
+                    <a:lumMod val="75000"/>
+                  </a:schemeClr>
+                </a:solidFill>
+              </a:rPr>
+              <a:t>20</a:t>
+            </a:r>
+          </a:p>
+        </p:txBody>
+      </p:sp>
+      <p:sp>
+        <p:nvSpPr>
+          <p:cNvPr id="63" name="TextBox 62"/>
+          <p:cNvSpPr txBox="1"/>
+          <p:nvPr/>
+        </p:nvSpPr>
+        <p:spPr>
+          <a:xfrm>
+            <a:off x="4786314" y="4000510"/>
+            <a:ext cx="1357322" cy="307777"/>
+          </a:xfrm>
+          <a:prstGeom prst="rect">
+            <a:avLst/>
+          </a:prstGeom>
+          <a:noFill/>
+        </p:spPr>
+        <p:txBody>
+          <a:bodyPr wrap="square" rtlCol="0">
+            <a:spAutoFit/>
+          </a:bodyPr>
+          <a:lstStyle/>
+          <a:p>
+            <a:pPr algn="ctr"/>
+            <a:r>
+              <a:rPr lang="ko-KR" altLang="en-US" sz="1400" dirty="0" smtClean="0"/>
+              <a:t>카운</a:t>
+            </a:r>
+            <a:r>
+              <a:rPr lang="ko-KR" altLang="en-US" sz="1400" dirty="0"/>
+              <a:t>터</a:t>
+            </a:r>
+          </a:p>
+        </p:txBody>
+      </p:sp>
+      <p:sp>
+        <p:nvSpPr>
+          <p:cNvPr id="64" name="TextBox 63"/>
+          <p:cNvSpPr txBox="1"/>
+          <p:nvPr/>
+        </p:nvSpPr>
+        <p:spPr>
+          <a:xfrm>
+            <a:off x="485021" y="3994484"/>
+            <a:ext cx="1357322" cy="307777"/>
+          </a:xfrm>
+          <a:prstGeom prst="rect">
+            <a:avLst/>
+          </a:prstGeom>
+          <a:noFill/>
+        </p:spPr>
+        <p:txBody>
+          <a:bodyPr wrap="square" rtlCol="0">
+            <a:spAutoFit/>
+          </a:bodyPr>
+          <a:lstStyle/>
+          <a:p>
+            <a:pPr algn="ctr"/>
+            <a:r>
+              <a:rPr lang="ko-KR" altLang="en-US" sz="1400" dirty="0" smtClean="0"/>
+              <a:t>입구</a:t>
+            </a:r>
+            <a:endParaRPr lang="ko-KR" altLang="en-US" sz="1400" dirty="0"/>
+          </a:p>
+        </p:txBody>
+      </p:sp>
+      <p:sp>
+        <p:nvSpPr>
+          <p:cNvPr id="65" name="TextBox 64"/>
+          <p:cNvSpPr txBox="1"/>
+          <p:nvPr/>
+        </p:nvSpPr>
+        <p:spPr>
+          <a:xfrm>
+            <a:off x="861548" y="1324121"/>
+            <a:ext cx="1643074" cy="353943"/>
+          </a:xfrm>
+          <a:prstGeom prst="rect">
+            <a:avLst/>
+          </a:prstGeom>
+          <a:noFill/>
+        </p:spPr>
+        <p:txBody>
+          <a:bodyPr wrap="square" rtlCol="0">
+            <a:spAutoFit/>
+          </a:bodyPr>
+          <a:lstStyle/>
+          <a:p>
+            <a:pPr algn="ctr"/>
+            <a:r>
+              <a:rPr lang="en-US" altLang="ko-KR" sz="1700" b="1" dirty="0" smtClean="0">
+                <a:solidFill>
+                  <a:schemeClr val="accent1">
+                    <a:lumMod val="75000"/>
+                  </a:schemeClr>
+                </a:solidFill>
+              </a:rPr>
+              <a:t>8</a:t>
+            </a:r>
+            <a:endParaRPr lang="ko-KR" altLang="en-US" sz="1700" b="1" dirty="0">
+              <a:solidFill>
+                <a:schemeClr val="accent1">
+                  <a:lumMod val="75000"/>
+                </a:schemeClr>
+              </a:solidFill>
+            </a:endParaRPr>
+          </a:p>
+        </p:txBody>
+      </p:sp>
+      <p:pic>
+        <p:nvPicPr>
+          <p:cNvPr id="2" name="그림 1"/>
+          <p:cNvPicPr>
+            <a:picLocks noChangeAspect="1"/>
+          </p:cNvPicPr>
+          <p:nvPr/>
+        </p:nvPicPr>
+        <p:blipFill>
+          <a:blip r:embed="rId3" cstate="print">
+            <a:extLst>
+              <a:ext uri="{28A0092B-C50C-407E-A947-70E740481C1C}">
+                <a14:useLocalDpi xmlns:a14="http://schemas.microsoft.com/office/drawing/2010/main" val="0"/>
+              </a:ext>
+            </a:extLst>
+          </a:blip>
+          <a:stretch>
+            <a:fillRect/>
+          </a:stretch>
+        </p:blipFill>
+        <p:spPr>
+          <a:xfrm>
+            <a:off x="835183" y="4286262"/>
+            <a:ext cx="379247" cy="379247"/>
+          </a:xfrm>
+          <a:prstGeom prst="rect">
+            <a:avLst/>
+          </a:prstGeom>
+        </p:spPr>
+      </p:pic>
+      <p:pic>
+        <p:nvPicPr>
+          <p:cNvPr id="3" name="그림 2"/>
+          <p:cNvPicPr>
+            <a:picLocks noChangeAspect="1"/>
+          </p:cNvPicPr>
+          <p:nvPr/>
+        </p:nvPicPr>
+        <p:blipFill>
+          <a:blip r:embed="rId4" cstate="print">
+            <a:extLst>
+              <a:ext uri="{28A0092B-C50C-407E-A947-70E740481C1C}">
+                <a14:useLocalDpi xmlns:a14="http://schemas.microsoft.com/office/drawing/2010/main" val="0"/>
+              </a:ext>
+            </a:extLst>
+          </a:blip>
+          <a:stretch>
+            <a:fillRect/>
+          </a:stretch>
+        </p:blipFill>
+        <p:spPr>
+          <a:xfrm>
+            <a:off x="3485509" y="4808554"/>
+            <a:ext cx="334946" cy="334946"/>
+          </a:xfrm>
+          <a:prstGeom prst="rect">
+            <a:avLst/>
+          </a:prstGeom>
+        </p:spPr>
+      </p:pic>
+      <p:pic>
+        <p:nvPicPr>
+          <p:cNvPr id="66" name="그림 65"/>
+          <p:cNvPicPr>
+            <a:picLocks noChangeAspect="1"/>
+          </p:cNvPicPr>
+          <p:nvPr/>
+        </p:nvPicPr>
+        <p:blipFill>
+          <a:blip r:embed="rId3" cstate="print">
+            <a:extLst>
+              <a:ext uri="{28A0092B-C50C-407E-A947-70E740481C1C}">
+                <a14:useLocalDpi xmlns:a14="http://schemas.microsoft.com/office/drawing/2010/main" val="0"/>
+              </a:ext>
+            </a:extLst>
+          </a:blip>
+          <a:stretch>
+            <a:fillRect/>
+          </a:stretch>
+        </p:blipFill>
+        <p:spPr>
+          <a:xfrm>
+            <a:off x="1150188" y="4286262"/>
+            <a:ext cx="379247" cy="379247"/>
+          </a:xfrm>
+          <a:prstGeom prst="rect">
+            <a:avLst/>
+          </a:prstGeom>
+        </p:spPr>
+      </p:pic>
+      <p:pic>
+        <p:nvPicPr>
+          <p:cNvPr id="67" name="그림 66"/>
+          <p:cNvPicPr>
+            <a:picLocks noChangeAspect="1"/>
+          </p:cNvPicPr>
+          <p:nvPr/>
+        </p:nvPicPr>
+        <p:blipFill>
+          <a:blip r:embed="rId3" cstate="print">
+            <a:extLst>
+              <a:ext uri="{28A0092B-C50C-407E-A947-70E740481C1C}">
+                <a14:useLocalDpi xmlns:a14="http://schemas.microsoft.com/office/drawing/2010/main" val="0"/>
+              </a:ext>
+            </a:extLst>
+          </a:blip>
+          <a:stretch>
+            <a:fillRect/>
+          </a:stretch>
+        </p:blipFill>
+        <p:spPr>
+          <a:xfrm>
+            <a:off x="1866118" y="4286243"/>
+            <a:ext cx="379247" cy="379247"/>
+          </a:xfrm>
+          <a:prstGeom prst="rect">
+            <a:avLst/>
+          </a:prstGeom>
+        </p:spPr>
+      </p:pic>
+      <p:pic>
+        <p:nvPicPr>
+          <p:cNvPr id="68" name="그림 67"/>
+          <p:cNvPicPr>
+            <a:picLocks noChangeAspect="1"/>
+          </p:cNvPicPr>
+          <p:nvPr/>
+        </p:nvPicPr>
+        <p:blipFill>
+          <a:blip r:embed="rId3" cstate="print">
+            <a:extLst>
+              <a:ext uri="{28A0092B-C50C-407E-A947-70E740481C1C}">
+                <a14:useLocalDpi xmlns:a14="http://schemas.microsoft.com/office/drawing/2010/main" val="0"/>
+              </a:ext>
+            </a:extLst>
+          </a:blip>
+          <a:stretch>
+            <a:fillRect/>
+          </a:stretch>
+        </p:blipFill>
+        <p:spPr>
+          <a:xfrm>
+            <a:off x="1513512" y="4286244"/>
+            <a:ext cx="379247" cy="379247"/>
+          </a:xfrm>
+          <a:prstGeom prst="rect">
+            <a:avLst/>
+          </a:prstGeom>
+        </p:spPr>
+      </p:pic>
+      <p:sp>
+        <p:nvSpPr>
+          <p:cNvPr id="69" name="TextBox 68"/>
+          <p:cNvSpPr txBox="1"/>
+          <p:nvPr/>
+        </p:nvSpPr>
+        <p:spPr>
+          <a:xfrm>
+            <a:off x="1001754" y="642925"/>
+            <a:ext cx="1505058" cy="353943"/>
+          </a:xfrm>
+          <a:prstGeom prst="rect">
+            <a:avLst/>
+          </a:prstGeom>
+          <a:noFill/>
+        </p:spPr>
+        <p:txBody>
+          <a:bodyPr wrap="square" rtlCol="0">
+            <a:spAutoFit/>
+          </a:bodyPr>
+          <a:lstStyle/>
+          <a:p>
+            <a:pPr algn="ctr"/>
+            <a:r>
+              <a:rPr lang="en-US" altLang="ko-KR" sz="1700" b="1" dirty="0" smtClean="0">
+                <a:solidFill>
+                  <a:schemeClr val="accent1">
+                    <a:lumMod val="75000"/>
+                  </a:schemeClr>
+                </a:solidFill>
+              </a:rPr>
+              <a:t>1</a:t>
+            </a:r>
+            <a:endParaRPr lang="ko-KR" altLang="en-US" sz="1700" b="1" dirty="0">
+              <a:solidFill>
+                <a:schemeClr val="accent1">
+                  <a:lumMod val="75000"/>
+                </a:schemeClr>
+              </a:solidFill>
+            </a:endParaRPr>
+          </a:p>
+        </p:txBody>
+      </p:sp>
+      <p:sp>
+        <p:nvSpPr>
+          <p:cNvPr id="70" name="TextBox 69"/>
+          <p:cNvSpPr txBox="1"/>
+          <p:nvPr/>
+        </p:nvSpPr>
+        <p:spPr>
+          <a:xfrm>
+            <a:off x="4708532" y="1285923"/>
+            <a:ext cx="1170836" cy="353943"/>
+          </a:xfrm>
+          <a:prstGeom prst="rect">
+            <a:avLst/>
+          </a:prstGeom>
+          <a:noFill/>
+        </p:spPr>
+        <p:txBody>
+          <a:bodyPr wrap="square" rtlCol="0">
+            <a:spAutoFit/>
+          </a:bodyPr>
+          <a:lstStyle/>
+          <a:p>
+            <a:pPr algn="ctr"/>
+            <a:r>
+              <a:rPr lang="en-US" altLang="ko-KR" sz="1700" b="1" dirty="0" smtClean="0">
+                <a:solidFill>
+                  <a:schemeClr val="accent1">
+                    <a:lumMod val="75000"/>
+                  </a:schemeClr>
+                </a:solidFill>
+              </a:rPr>
+              <a:t>9</a:t>
+            </a:r>
+            <a:endParaRPr lang="ko-KR" altLang="en-US" sz="1700" b="1" dirty="0">
+              <a:solidFill>
+                <a:schemeClr val="accent1">
+                  <a:lumMod val="75000"/>
+                </a:schemeClr>
+              </a:solidFill>
+            </a:endParaRPr>
+          </a:p>
+        </p:txBody>
+      </p:sp>
+      <p:sp>
+        <p:nvSpPr>
+          <p:cNvPr id="71" name="직사각형 70"/>
+          <p:cNvSpPr/>
+          <p:nvPr/>
+        </p:nvSpPr>
+        <p:spPr>
+          <a:xfrm>
+            <a:off x="5929322" y="2528255"/>
+            <a:ext cx="928725" cy="223176"/>
+          </a:xfrm>
+          <a:prstGeom prst="rect">
+            <a:avLst/>
+          </a:prstGeom>
+          <a:solidFill>
+            <a:schemeClr val="accent6">
+              <a:lumMod val="60000"/>
+              <a:lumOff val="40000"/>
+            </a:schemeClr>
+          </a:solidFill>
+          <a:ln>
+            <a:noFill/>
+          </a:ln>
+        </p:spPr>
+        <p:style>
+          <a:lnRef idx="2">
+            <a:schemeClr val="accent1">
+              <a:shade val="50000"/>
+            </a:schemeClr>
+          </a:lnRef>
+          <a:fillRef idx="1">
+            <a:schemeClr val="accent1"/>
+          </a:fillRef>
+          <a:effectRef idx="0">
+            <a:schemeClr val="accent1"/>
+          </a:effectRef>
+          <a:fontRef idx="minor">
+            <a:schemeClr val="lt1"/>
+          </a:fontRef>
+        </p:style>
+        <p:txBody>
+          <a:bodyPr rtlCol="0" anchor="ctr"/>
+          <a:lstStyle/>
+          <a:p>
+            <a:pPr algn="ctr"/>
+            <a:endParaRPr lang="ko-KR" altLang="en-US" sz="1700" b="1" dirty="0">
+              <a:solidFill>
+                <a:schemeClr val="accent1">
+                  <a:lumMod val="75000"/>
+                </a:schemeClr>
+              </a:solidFill>
+            </a:endParaRPr>
+          </a:p>
+        </p:txBody>
+      </p:sp>
+      <p:sp>
+        <p:nvSpPr>
+          <p:cNvPr id="72" name="직사각형 71"/>
+          <p:cNvSpPr/>
+          <p:nvPr/>
+        </p:nvSpPr>
+        <p:spPr>
+          <a:xfrm>
+            <a:off x="4857721" y="2539365"/>
+            <a:ext cx="928725" cy="223176"/>
+          </a:xfrm>
+          <a:prstGeom prst="rect">
+            <a:avLst/>
+          </a:prstGeom>
+          <a:solidFill>
+            <a:schemeClr val="accent6">
+              <a:lumMod val="60000"/>
+              <a:lumOff val="40000"/>
+            </a:schemeClr>
+          </a:solidFill>
+          <a:ln>
+            <a:noFill/>
+          </a:ln>
+        </p:spPr>
+        <p:style>
+          <a:lnRef idx="2">
+            <a:schemeClr val="accent1">
+              <a:shade val="50000"/>
+            </a:schemeClr>
+          </a:lnRef>
+          <a:fillRef idx="1">
+            <a:schemeClr val="accent1"/>
+          </a:fillRef>
+          <a:effectRef idx="0">
+            <a:schemeClr val="accent1"/>
+          </a:effectRef>
+          <a:fontRef idx="minor">
+            <a:schemeClr val="lt1"/>
+          </a:fontRef>
+        </p:style>
+        <p:txBody>
+          <a:bodyPr rtlCol="0" anchor="ctr"/>
+          <a:lstStyle/>
+          <a:p>
+            <a:pPr algn="ctr"/>
+            <a:endParaRPr lang="ko-KR" altLang="en-US" sz="1700" b="1" dirty="0">
+              <a:solidFill>
+                <a:schemeClr val="accent1">
+                  <a:lumMod val="75000"/>
+                </a:schemeClr>
+              </a:solidFill>
+            </a:endParaRPr>
+          </a:p>
+        </p:txBody>
+      </p:sp>
+      <p:sp>
+        <p:nvSpPr>
+          <p:cNvPr id="73" name="직사각형 72"/>
+          <p:cNvSpPr/>
+          <p:nvPr/>
+        </p:nvSpPr>
+        <p:spPr>
+          <a:xfrm>
+            <a:off x="7000892" y="2528255"/>
+            <a:ext cx="928725" cy="223176"/>
+          </a:xfrm>
+          <a:prstGeom prst="rect">
+            <a:avLst/>
+          </a:prstGeom>
+          <a:solidFill>
+            <a:schemeClr val="accent6">
+              <a:lumMod val="60000"/>
+              <a:lumOff val="40000"/>
+            </a:schemeClr>
+          </a:solidFill>
+          <a:ln>
+            <a:noFill/>
+          </a:ln>
+        </p:spPr>
+        <p:style>
+          <a:lnRef idx="2">
+            <a:schemeClr val="accent1">
+              <a:shade val="50000"/>
+            </a:schemeClr>
+          </a:lnRef>
+          <a:fillRef idx="1">
+            <a:schemeClr val="accent1"/>
+          </a:fillRef>
+          <a:effectRef idx="0">
+            <a:schemeClr val="accent1"/>
+          </a:effectRef>
+          <a:fontRef idx="minor">
+            <a:schemeClr val="lt1"/>
+          </a:fontRef>
+        </p:style>
+        <p:txBody>
+          <a:bodyPr rtlCol="0" anchor="ctr"/>
+          <a:lstStyle/>
+          <a:p>
+            <a:pPr algn="ctr"/>
+            <a:endParaRPr lang="ko-KR" altLang="en-US" sz="1700" b="1" dirty="0">
+              <a:solidFill>
+                <a:schemeClr val="accent1">
+                  <a:lumMod val="75000"/>
+                </a:schemeClr>
+              </a:solidFill>
+            </a:endParaRPr>
+          </a:p>
+        </p:txBody>
+      </p:sp>
+      <p:pic>
+        <p:nvPicPr>
+          <p:cNvPr id="74" name="그림 73"/>
+          <p:cNvPicPr>
+            <a:picLocks noChangeAspect="1"/>
+          </p:cNvPicPr>
+          <p:nvPr/>
+        </p:nvPicPr>
+        <p:blipFill>
+          <a:blip r:embed="rId4" cstate="print">
+            <a:extLst>
+              <a:ext uri="{28A0092B-C50C-407E-A947-70E740481C1C}">
+                <a14:useLocalDpi xmlns:a14="http://schemas.microsoft.com/office/drawing/2010/main" val="0"/>
+              </a:ext>
+            </a:extLst>
+          </a:blip>
+          <a:stretch>
+            <a:fillRect/>
+          </a:stretch>
+        </p:blipFill>
+        <p:spPr>
+          <a:xfrm>
+            <a:off x="3131836" y="4810195"/>
+            <a:ext cx="334946" cy="334946"/>
+          </a:xfrm>
+          <a:prstGeom prst="rect">
+            <a:avLst/>
+          </a:prstGeom>
+        </p:spPr>
+      </p:pic>
+    </p:spTree>
+    <p:extLst>
+      <p:ext uri="{BB962C8B-B14F-4D97-AF65-F5344CB8AC3E}">
+        <p14:creationId xmlns:p14="http://schemas.microsoft.com/office/powerpoint/2010/main" val="3053087722"/>
+      </p:ext>
+    </p:extLst>
+  </p:cSld>
+  <p:clrMapOvr>
+    <a:masterClrMapping/>
+  </p:clrMapOvr>
+  <p:timing>
+    <p:tnLst>
+      <p:par>
+        <p:cTn id="1" dur="indefinite" restart="never" nodeType="tmRoot"/>
+      </p:par>
+    </p:tnLst>
+  </p:timing>
 </p:sld>
 </file>
 

--- a/도면.pptx
+++ b/도면.pptx
@@ -5,11 +5,12 @@
     <p:sldMasterId id="2147483648" r:id="rId1"/>
   </p:sldMasterIdLst>
   <p:notesMasterIdLst>
-    <p:notesMasterId r:id="rId4"/>
+    <p:notesMasterId r:id="rId5"/>
   </p:notesMasterIdLst>
   <p:sldIdLst>
-    <p:sldId id="256" r:id="rId2"/>
-    <p:sldId id="257" r:id="rId3"/>
+    <p:sldId id="258" r:id="rId2"/>
+    <p:sldId id="256" r:id="rId3"/>
+    <p:sldId id="257" r:id="rId4"/>
   </p:sldIdLst>
   <p:sldSz cx="9144000" cy="5143500" type="screen16x9"/>
   <p:notesSz cx="6858000" cy="9144000"/>
@@ -108,6 +109,22 @@
       </a:defRPr>
     </a:lvl9pPr>
   </p:defaultTextStyle>
+  <p:extLst>
+    <p:ext uri="{EFAFB233-063F-42B5-8137-9DF3F51BA10A}">
+      <p15:sldGuideLst xmlns:p15="http://schemas.microsoft.com/office/powerpoint/2012/main">
+        <p15:guide id="1" orient="horz" pos="1620">
+          <p15:clr>
+            <a:srgbClr val="A4A3A4"/>
+          </p15:clr>
+        </p15:guide>
+        <p15:guide id="2" pos="2880">
+          <p15:clr>
+            <a:srgbClr val="A4A3A4"/>
+          </p15:clr>
+        </p15:guide>
+      </p15:sldGuideLst>
+    </p:ext>
+  </p:extLst>
 </p:presentation>
 </file>
 
@@ -194,7 +211,7 @@
             <a:fld id="{3952EF5C-13A6-46DC-8EE4-A9BA01FECAB6}" type="datetimeFigureOut">
               <a:rPr lang="ko-KR" altLang="en-US" smtClean="0"/>
               <a:pPr/>
-              <a:t>2016-04-23</a:t>
+              <a:t>2016-04-24</a:t>
             </a:fld>
             <a:endParaRPr lang="ko-KR" altLang="en-US"/>
           </a:p>
@@ -569,7 +586,7 @@
               <a:t>/</a:t>
             </a:r>
             <a:r>
-              <a:rPr lang="ko-KR" altLang="en-US" baseline="0" dirty="0" err="1" smtClean="0"/>
+              <a:rPr lang="ko-KR" altLang="en-US" baseline="0" dirty="0" smtClean="0"/>
               <a:t>건나물</a:t>
             </a:r>
             <a:endParaRPr lang="en-US" altLang="ko-KR" baseline="0" dirty="0" smtClean="0"/>
@@ -935,6 +952,11 @@
         </p:txBody>
       </p:sp>
     </p:spTree>
+    <p:extLst>
+      <p:ext uri="{BB962C8B-B14F-4D97-AF65-F5344CB8AC3E}">
+        <p14:creationId xmlns:p14="http://schemas.microsoft.com/office/powerpoint/2010/main" val="4001933735"/>
+      </p:ext>
+    </p:extLst>
   </p:cSld>
   <p:clrMapOvr>
     <a:masterClrMapping/>
@@ -991,6 +1013,398 @@
             <a:pPr marL="228600" indent="-228600">
               <a:buAutoNum type="arabicPeriod"/>
             </a:pPr>
+            <a:r>
+              <a:rPr lang="ko-KR" altLang="en-US" baseline="0" dirty="0" smtClean="0"/>
+              <a:t>생선</a:t>
+            </a:r>
+            <a:r>
+              <a:rPr lang="en-US" altLang="ko-KR" baseline="0" dirty="0" smtClean="0"/>
+              <a:t>/</a:t>
+            </a:r>
+            <a:r>
+              <a:rPr lang="ko-KR" altLang="en-US" baseline="0" dirty="0" smtClean="0"/>
+              <a:t>해산</a:t>
+            </a:r>
+            <a:endParaRPr lang="en-US" altLang="ko-KR" baseline="0" dirty="0" smtClean="0"/>
+          </a:p>
+          <a:p>
+            <a:pPr marL="228600" indent="-228600">
+              <a:buAutoNum type="arabicPeriod"/>
+            </a:pPr>
+            <a:r>
+              <a:rPr lang="ko-KR" altLang="en-US" baseline="0" dirty="0" smtClean="0"/>
+              <a:t>정육</a:t>
+            </a:r>
+            <a:r>
+              <a:rPr lang="en-US" altLang="ko-KR" baseline="0" dirty="0" smtClean="0"/>
+              <a:t>/</a:t>
+            </a:r>
+            <a:r>
+              <a:rPr lang="ko-KR" altLang="en-US" baseline="0" dirty="0" smtClean="0"/>
+              <a:t>계란</a:t>
+            </a:r>
+            <a:endParaRPr lang="en-US" altLang="ko-KR" baseline="0" dirty="0" smtClean="0"/>
+          </a:p>
+          <a:p>
+            <a:pPr marL="228600" indent="-228600">
+              <a:buAutoNum type="arabicPeriod"/>
+            </a:pPr>
+            <a:r>
+              <a:rPr lang="ko-KR" altLang="en-US" baseline="0" dirty="0" smtClean="0"/>
+              <a:t>과일</a:t>
+            </a:r>
+            <a:endParaRPr lang="en-US" altLang="ko-KR" baseline="0" dirty="0" smtClean="0"/>
+          </a:p>
+          <a:p>
+            <a:pPr marL="228600" indent="-228600">
+              <a:buAutoNum type="arabicPeriod"/>
+            </a:pPr>
+            <a:r>
+              <a:rPr lang="ko-KR" altLang="en-US" baseline="0" dirty="0" smtClean="0"/>
+              <a:t>채소</a:t>
+            </a:r>
+            <a:r>
+              <a:rPr lang="en-US" altLang="ko-KR" baseline="0" dirty="0" smtClean="0"/>
+              <a:t>/</a:t>
+            </a:r>
+            <a:r>
+              <a:rPr lang="ko-KR" altLang="en-US" baseline="0" dirty="0" err="1" smtClean="0"/>
+              <a:t>건나물</a:t>
+            </a:r>
+            <a:endParaRPr lang="en-US" altLang="ko-KR" baseline="0" dirty="0" smtClean="0"/>
+          </a:p>
+          <a:p>
+            <a:pPr marL="228600" indent="-228600">
+              <a:buAutoNum type="arabicPeriod"/>
+            </a:pPr>
+            <a:r>
+              <a:rPr lang="ko-KR" altLang="en-US" baseline="0" dirty="0" smtClean="0"/>
+              <a:t>쌀</a:t>
+            </a:r>
+            <a:r>
+              <a:rPr lang="en-US" altLang="ko-KR" baseline="0" dirty="0" smtClean="0"/>
+              <a:t>/</a:t>
+            </a:r>
+            <a:r>
+              <a:rPr lang="ko-KR" altLang="en-US" baseline="0" dirty="0" smtClean="0"/>
+              <a:t>잡곡</a:t>
+            </a:r>
+            <a:endParaRPr lang="en-US" altLang="ko-KR" baseline="0" dirty="0" smtClean="0"/>
+          </a:p>
+          <a:p>
+            <a:pPr marL="228600" indent="-228600">
+              <a:buAutoNum type="arabicPeriod"/>
+            </a:pPr>
+            <a:r>
+              <a:rPr lang="ko-KR" altLang="en-US" baseline="0" dirty="0" smtClean="0"/>
+              <a:t>김</a:t>
+            </a:r>
+            <a:r>
+              <a:rPr lang="en-US" altLang="ko-KR" baseline="0" dirty="0" smtClean="0"/>
+              <a:t>/</a:t>
+            </a:r>
+            <a:r>
+              <a:rPr lang="ko-KR" altLang="en-US" baseline="0" dirty="0" smtClean="0"/>
+              <a:t>미역</a:t>
+            </a:r>
+            <a:endParaRPr lang="en-US" altLang="ko-KR" baseline="0" dirty="0" smtClean="0"/>
+          </a:p>
+          <a:p>
+            <a:pPr marL="228600" indent="-228600">
+              <a:buAutoNum type="arabicPeriod"/>
+            </a:pPr>
+            <a:r>
+              <a:rPr lang="ko-KR" altLang="en-US" baseline="0" dirty="0" smtClean="0"/>
+              <a:t>유제품 </a:t>
+            </a:r>
+            <a:r>
+              <a:rPr lang="en-US" altLang="ko-KR" baseline="0" dirty="0" smtClean="0"/>
+              <a:t>/ </a:t>
+            </a:r>
+            <a:r>
+              <a:rPr lang="ko-KR" altLang="en-US" baseline="0" dirty="0" smtClean="0"/>
+              <a:t>냉장음료</a:t>
+            </a:r>
+            <a:endParaRPr lang="en-US" altLang="ko-KR" baseline="0" dirty="0" smtClean="0"/>
+          </a:p>
+          <a:p>
+            <a:pPr marL="228600" indent="-228600">
+              <a:buAutoNum type="arabicPeriod"/>
+            </a:pPr>
+            <a:r>
+              <a:rPr lang="ko-KR" altLang="en-US" baseline="0" dirty="0" smtClean="0"/>
+              <a:t>반찬</a:t>
+            </a:r>
+            <a:endParaRPr lang="en-US" altLang="ko-KR" baseline="0" dirty="0" smtClean="0"/>
+          </a:p>
+          <a:p>
+            <a:pPr marL="228600" indent="-228600">
+              <a:buAutoNum type="arabicPeriod"/>
+            </a:pPr>
+            <a:r>
+              <a:rPr lang="ko-KR" altLang="en-US" baseline="0" dirty="0" smtClean="0"/>
+              <a:t>냉동식품</a:t>
+            </a:r>
+            <a:r>
+              <a:rPr lang="en-US" altLang="ko-KR" baseline="0" dirty="0" smtClean="0"/>
+              <a:t>/</a:t>
+            </a:r>
+            <a:r>
+              <a:rPr lang="ko-KR" altLang="en-US" baseline="0" dirty="0" smtClean="0"/>
+              <a:t>아이스크림</a:t>
+            </a:r>
+            <a:endParaRPr lang="en-US" altLang="ko-KR" baseline="0" dirty="0" smtClean="0"/>
+          </a:p>
+          <a:p>
+            <a:pPr marL="228600" indent="-228600">
+              <a:buAutoNum type="arabicPeriod"/>
+            </a:pPr>
+            <a:r>
+              <a:rPr lang="ko-KR" altLang="en-US" baseline="0" dirty="0" smtClean="0"/>
+              <a:t>음료</a:t>
+            </a:r>
+            <a:r>
+              <a:rPr lang="en-US" altLang="ko-KR" baseline="0" dirty="0" smtClean="0"/>
+              <a:t>/</a:t>
+            </a:r>
+            <a:r>
+              <a:rPr lang="ko-KR" altLang="en-US" baseline="0" dirty="0" smtClean="0"/>
+              <a:t>생수</a:t>
+            </a:r>
+            <a:endParaRPr lang="en-US" altLang="ko-KR" baseline="0" dirty="0" smtClean="0"/>
+          </a:p>
+          <a:p>
+            <a:pPr marL="228600" indent="-228600">
+              <a:buAutoNum type="arabicPeriod"/>
+            </a:pPr>
+            <a:r>
+              <a:rPr lang="ko-KR" altLang="en-US" baseline="0" dirty="0" smtClean="0"/>
+              <a:t>커피</a:t>
+            </a:r>
+            <a:r>
+              <a:rPr lang="en-US" altLang="ko-KR" baseline="0" dirty="0" smtClean="0"/>
+              <a:t>/</a:t>
+            </a:r>
+            <a:r>
+              <a:rPr lang="ko-KR" altLang="en-US" baseline="0" dirty="0" smtClean="0"/>
+              <a:t>차</a:t>
+            </a:r>
+            <a:endParaRPr lang="en-US" altLang="ko-KR" baseline="0" dirty="0" smtClean="0"/>
+          </a:p>
+          <a:p>
+            <a:pPr marL="228600" indent="-228600">
+              <a:buAutoNum type="arabicPeriod"/>
+            </a:pPr>
+            <a:r>
+              <a:rPr lang="ko-KR" altLang="en-US" baseline="0" dirty="0" smtClean="0"/>
+              <a:t>과자</a:t>
+            </a:r>
+            <a:endParaRPr lang="en-US" altLang="ko-KR" baseline="0" dirty="0" smtClean="0"/>
+          </a:p>
+          <a:p>
+            <a:pPr marL="228600" indent="-228600">
+              <a:buAutoNum type="arabicPeriod"/>
+            </a:pPr>
+            <a:r>
+              <a:rPr lang="ko-KR" altLang="en-US" baseline="0" dirty="0" smtClean="0"/>
+              <a:t>라면</a:t>
+            </a:r>
+            <a:r>
+              <a:rPr lang="en-US" altLang="ko-KR" baseline="0" dirty="0" smtClean="0"/>
+              <a:t>/</a:t>
+            </a:r>
+            <a:r>
+              <a:rPr lang="ko-KR" altLang="en-US" baseline="0" dirty="0" smtClean="0"/>
+              <a:t>통조림</a:t>
+            </a:r>
+            <a:r>
+              <a:rPr lang="en-US" altLang="ko-KR" baseline="0" dirty="0" smtClean="0"/>
+              <a:t>/</a:t>
+            </a:r>
+            <a:r>
+              <a:rPr lang="ko-KR" altLang="en-US" baseline="0" dirty="0" smtClean="0"/>
+              <a:t>캔</a:t>
+            </a:r>
+            <a:endParaRPr lang="en-US" altLang="ko-KR" baseline="0" dirty="0" smtClean="0"/>
+          </a:p>
+          <a:p>
+            <a:pPr marL="228600" indent="-228600">
+              <a:buAutoNum type="arabicPeriod"/>
+            </a:pPr>
+            <a:r>
+              <a:rPr lang="ko-KR" altLang="en-US" baseline="0" dirty="0" smtClean="0"/>
+              <a:t>식용유</a:t>
+            </a:r>
+            <a:r>
+              <a:rPr lang="en-US" altLang="ko-KR" baseline="0" dirty="0" smtClean="0"/>
+              <a:t>/</a:t>
+            </a:r>
+            <a:r>
+              <a:rPr lang="ko-KR" altLang="en-US" baseline="0" dirty="0" smtClean="0"/>
+              <a:t>조미료</a:t>
+            </a:r>
+            <a:r>
+              <a:rPr lang="en-US" altLang="ko-KR" baseline="0" dirty="0" smtClean="0"/>
+              <a:t>/</a:t>
+            </a:r>
+            <a:r>
+              <a:rPr lang="ko-KR" altLang="en-US" baseline="0" dirty="0" smtClean="0"/>
+              <a:t>밀가루</a:t>
+            </a:r>
+            <a:r>
+              <a:rPr lang="en-US" altLang="ko-KR" baseline="0" dirty="0" smtClean="0"/>
+              <a:t>/</a:t>
+            </a:r>
+            <a:r>
+              <a:rPr lang="ko-KR" altLang="en-US" baseline="0" dirty="0" smtClean="0"/>
+              <a:t>양념</a:t>
+            </a:r>
+            <a:endParaRPr lang="en-US" altLang="ko-KR" baseline="0" dirty="0" smtClean="0"/>
+          </a:p>
+          <a:p>
+            <a:pPr marL="228600" indent="-228600">
+              <a:buAutoNum type="arabicPeriod"/>
+            </a:pPr>
+            <a:r>
+              <a:rPr lang="ko-KR" altLang="en-US" baseline="0" dirty="0" smtClean="0"/>
+              <a:t>세제</a:t>
+            </a:r>
+            <a:r>
+              <a:rPr lang="en-US" altLang="ko-KR" baseline="0" dirty="0" smtClean="0"/>
+              <a:t>/</a:t>
+            </a:r>
+            <a:r>
+              <a:rPr lang="ko-KR" altLang="en-US" baseline="0" dirty="0" smtClean="0"/>
+              <a:t>화장지</a:t>
+            </a:r>
+            <a:r>
+              <a:rPr lang="en-US" altLang="ko-KR" baseline="0" dirty="0" smtClean="0"/>
+              <a:t>/</a:t>
+            </a:r>
+            <a:r>
+              <a:rPr lang="ko-KR" altLang="en-US" baseline="0" dirty="0" smtClean="0"/>
+              <a:t>헤어</a:t>
+            </a:r>
+            <a:r>
+              <a:rPr lang="en-US" altLang="ko-KR" baseline="0" dirty="0" smtClean="0"/>
+              <a:t>/</a:t>
+            </a:r>
+            <a:r>
+              <a:rPr lang="ko-KR" altLang="en-US" baseline="0" dirty="0" smtClean="0"/>
+              <a:t>세안</a:t>
+            </a:r>
+            <a:r>
+              <a:rPr lang="en-US" altLang="ko-KR" baseline="0" dirty="0" smtClean="0"/>
+              <a:t>/</a:t>
+            </a:r>
+            <a:r>
+              <a:rPr lang="ko-KR" altLang="en-US" baseline="0" dirty="0" smtClean="0"/>
+              <a:t>바디</a:t>
+            </a:r>
+            <a:endParaRPr lang="en-US" altLang="ko-KR" baseline="0" dirty="0" smtClean="0"/>
+          </a:p>
+          <a:p>
+            <a:pPr marL="228600" indent="-228600">
+              <a:buAutoNum type="arabicPeriod"/>
+            </a:pPr>
+            <a:r>
+              <a:rPr lang="ko-KR" altLang="en-US" baseline="0" dirty="0" smtClean="0"/>
+              <a:t>랩</a:t>
+            </a:r>
+            <a:r>
+              <a:rPr lang="en-US" altLang="ko-KR" baseline="0" dirty="0" smtClean="0"/>
+              <a:t>/</a:t>
+            </a:r>
+            <a:r>
+              <a:rPr lang="ko-KR" altLang="en-US" baseline="0" dirty="0" smtClean="0"/>
+              <a:t>호일</a:t>
+            </a:r>
+            <a:r>
+              <a:rPr lang="en-US" altLang="ko-KR" baseline="0" dirty="0" smtClean="0"/>
+              <a:t>/</a:t>
+            </a:r>
+            <a:r>
+              <a:rPr lang="ko-KR" altLang="en-US" baseline="0" dirty="0" smtClean="0"/>
+              <a:t>고무장갑</a:t>
+            </a:r>
+            <a:endParaRPr lang="en-US" altLang="ko-KR" baseline="0" dirty="0" smtClean="0"/>
+          </a:p>
+          <a:p>
+            <a:pPr marL="228600" indent="-228600">
+              <a:buAutoNum type="arabicPeriod"/>
+            </a:pPr>
+            <a:r>
+              <a:rPr lang="ko-KR" altLang="en-US" baseline="0" dirty="0" smtClean="0"/>
+              <a:t>주류</a:t>
+            </a:r>
+            <a:endParaRPr lang="en-US" altLang="ko-KR" baseline="0" dirty="0" smtClean="0"/>
+          </a:p>
+          <a:p>
+            <a:pPr marL="228600" indent="-228600">
+              <a:buAutoNum type="arabicPeriod"/>
+            </a:pPr>
+            <a:r>
+              <a:rPr lang="ko-KR" altLang="en-US" baseline="0" dirty="0" err="1" smtClean="0"/>
+              <a:t>베이커리</a:t>
+            </a:r>
+            <a:endParaRPr lang="en-US" altLang="ko-KR" baseline="0" dirty="0" smtClean="0"/>
+          </a:p>
+          <a:p>
+            <a:pPr marL="228600" indent="-228600">
+              <a:buAutoNum type="arabicPeriod"/>
+            </a:pPr>
+            <a:r>
+              <a:rPr lang="ko-KR" altLang="en-US" baseline="0" dirty="0" smtClean="0"/>
+              <a:t>식품</a:t>
+            </a:r>
+            <a:endParaRPr lang="en-US" altLang="ko-KR" baseline="0" dirty="0" smtClean="0"/>
+          </a:p>
+          <a:p>
+            <a:pPr marL="228600" indent="-228600">
+              <a:buAutoNum type="arabicPeriod"/>
+            </a:pPr>
+            <a:r>
+              <a:rPr lang="ko-KR" altLang="en-US" baseline="0" dirty="0" smtClean="0"/>
+              <a:t>조리</a:t>
+            </a:r>
+            <a:r>
+              <a:rPr lang="en-US" altLang="ko-KR" baseline="0" dirty="0" smtClean="0"/>
+              <a:t>/</a:t>
+            </a:r>
+            <a:r>
+              <a:rPr lang="ko-KR" altLang="en-US" baseline="0" dirty="0" smtClean="0"/>
+              <a:t>주방용품</a:t>
+            </a:r>
+            <a:r>
+              <a:rPr lang="en-US" altLang="ko-KR" baseline="0" dirty="0" smtClean="0"/>
+              <a:t>/</a:t>
+            </a:r>
+            <a:r>
+              <a:rPr lang="ko-KR" altLang="en-US" baseline="0" dirty="0" smtClean="0"/>
+              <a:t>그릇</a:t>
+            </a:r>
+            <a:endParaRPr lang="en-US" altLang="ko-KR" baseline="0" dirty="0" smtClean="0"/>
+          </a:p>
+          <a:p>
+            <a:pPr marL="228600" indent="-228600">
+              <a:buAutoNum type="arabicPeriod"/>
+            </a:pPr>
+            <a:endParaRPr lang="en-US" altLang="ko-KR" baseline="0" dirty="0" smtClean="0"/>
+          </a:p>
+          <a:p>
+            <a:pPr marL="228600" indent="-228600">
+              <a:buAutoNum type="arabicPeriod"/>
+            </a:pPr>
+            <a:r>
+              <a:rPr lang="ko-KR" altLang="en-US" baseline="0" dirty="0" smtClean="0"/>
+              <a:t>나머지는 행사상품</a:t>
+            </a:r>
+            <a:endParaRPr lang="en-US" altLang="ko-KR" baseline="0" dirty="0" smtClean="0"/>
+          </a:p>
+          <a:p>
+            <a:pPr marL="228600" indent="-228600">
+              <a:buAutoNum type="arabicPeriod"/>
+            </a:pPr>
             <a:endParaRPr lang="ko-KR" altLang="en-US" dirty="0"/>
           </a:p>
         </p:txBody>
@@ -1020,6 +1434,101 @@
         </p:txBody>
       </p:sp>
     </p:spTree>
+    <p:extLst>
+      <p:ext uri="{BB962C8B-B14F-4D97-AF65-F5344CB8AC3E}">
+        <p14:creationId xmlns:p14="http://schemas.microsoft.com/office/powerpoint/2010/main" val="2645877661"/>
+      </p:ext>
+    </p:extLst>
+  </p:cSld>
+  <p:clrMapOvr>
+    <a:masterClrMapping/>
+  </p:clrMapOvr>
+</p:notes>
+</file>
+
+<file path=ppt/notesSlides/notesSlide3.xml><?xml version="1.0" encoding="utf-8"?>
+<p:notes xmlns:a="http://schemas.openxmlformats.org/drawingml/2006/main" xmlns:r="http://schemas.openxmlformats.org/officeDocument/2006/relationships" xmlns:p="http://schemas.openxmlformats.org/presentationml/2006/main">
+  <p:cSld>
+    <p:spTree>
+      <p:nvGrpSpPr>
+        <p:cNvPr id="1" name=""/>
+        <p:cNvGrpSpPr/>
+        <p:nvPr/>
+      </p:nvGrpSpPr>
+      <p:grpSpPr>
+        <a:xfrm>
+          <a:off x="0" y="0"/>
+          <a:ext cx="0" cy="0"/>
+          <a:chOff x="0" y="0"/>
+          <a:chExt cx="0" cy="0"/>
+        </a:xfrm>
+      </p:grpSpPr>
+      <p:sp>
+        <p:nvSpPr>
+          <p:cNvPr id="2" name="슬라이드 이미지 개체 틀 1"/>
+          <p:cNvSpPr>
+            <a:spLocks noGrp="1" noRot="1" noChangeAspect="1"/>
+          </p:cNvSpPr>
+          <p:nvPr>
+            <p:ph type="sldImg"/>
+          </p:nvPr>
+        </p:nvSpPr>
+        <p:spPr/>
+      </p:sp>
+      <p:sp>
+        <p:nvSpPr>
+          <p:cNvPr id="3" name="슬라이드 노트 개체 틀 2"/>
+          <p:cNvSpPr>
+            <a:spLocks noGrp="1"/>
+          </p:cNvSpPr>
+          <p:nvPr>
+            <p:ph type="body" idx="1"/>
+          </p:nvPr>
+        </p:nvSpPr>
+        <p:spPr/>
+        <p:txBody>
+          <a:bodyPr>
+            <a:normAutofit/>
+          </a:bodyPr>
+          <a:lstStyle/>
+          <a:p>
+            <a:pPr marL="228600" indent="-228600">
+              <a:buAutoNum type="arabicPeriod"/>
+            </a:pPr>
+            <a:endParaRPr lang="ko-KR" altLang="en-US" dirty="0"/>
+          </a:p>
+        </p:txBody>
+      </p:sp>
+      <p:sp>
+        <p:nvSpPr>
+          <p:cNvPr id="4" name="슬라이드 번호 개체 틀 3"/>
+          <p:cNvSpPr>
+            <a:spLocks noGrp="1"/>
+          </p:cNvSpPr>
+          <p:nvPr>
+            <p:ph type="sldNum" sz="quarter" idx="10"/>
+          </p:nvPr>
+        </p:nvSpPr>
+        <p:spPr/>
+        <p:txBody>
+          <a:bodyPr/>
+          <a:lstStyle/>
+          <a:p>
+            <a:fld id="{AFE9915A-9C0B-4C6B-979A-C71FFE3DEDFD}" type="slidenum">
+              <a:rPr lang="ko-KR" altLang="en-US" smtClean="0"/>
+              <a:pPr/>
+              <a:t>3</a:t>
+            </a:fld>
+            <a:endParaRPr lang="ko-KR" altLang="en-US"/>
+          </a:p>
+        </p:txBody>
+      </p:sp>
+    </p:spTree>
+    <p:extLst>
+      <p:ext uri="{BB962C8B-B14F-4D97-AF65-F5344CB8AC3E}">
+        <p14:creationId xmlns:p14="http://schemas.microsoft.com/office/powerpoint/2010/main" val="3393323496"/>
+      </p:ext>
+    </p:extLst>
   </p:cSld>
   <p:clrMapOvr>
     <a:masterClrMapping/>
@@ -1209,7 +1718,7 @@
             <a:fld id="{32C829D3-BBA9-4BF1-9A6D-2D455122F13F}" type="datetimeFigureOut">
               <a:rPr lang="ko-KR" altLang="en-US" smtClean="0"/>
               <a:pPr/>
-              <a:t>2016-04-23</a:t>
+              <a:t>2016-04-24</a:t>
             </a:fld>
             <a:endParaRPr lang="ko-KR" altLang="en-US"/>
           </a:p>
@@ -1376,7 +1885,7 @@
             <a:fld id="{32C829D3-BBA9-4BF1-9A6D-2D455122F13F}" type="datetimeFigureOut">
               <a:rPr lang="ko-KR" altLang="en-US" smtClean="0"/>
               <a:pPr/>
-              <a:t>2016-04-23</a:t>
+              <a:t>2016-04-24</a:t>
             </a:fld>
             <a:endParaRPr lang="ko-KR" altLang="en-US"/>
           </a:p>
@@ -1553,7 +2062,7 @@
             <a:fld id="{32C829D3-BBA9-4BF1-9A6D-2D455122F13F}" type="datetimeFigureOut">
               <a:rPr lang="ko-KR" altLang="en-US" smtClean="0"/>
               <a:pPr/>
-              <a:t>2016-04-23</a:t>
+              <a:t>2016-04-24</a:t>
             </a:fld>
             <a:endParaRPr lang="ko-KR" altLang="en-US"/>
           </a:p>
@@ -1720,7 +2229,7 @@
             <a:fld id="{32C829D3-BBA9-4BF1-9A6D-2D455122F13F}" type="datetimeFigureOut">
               <a:rPr lang="ko-KR" altLang="en-US" smtClean="0"/>
               <a:pPr/>
-              <a:t>2016-04-23</a:t>
+              <a:t>2016-04-24</a:t>
             </a:fld>
             <a:endParaRPr lang="ko-KR" altLang="en-US"/>
           </a:p>
@@ -1963,7 +2472,7 @@
             <a:fld id="{32C829D3-BBA9-4BF1-9A6D-2D455122F13F}" type="datetimeFigureOut">
               <a:rPr lang="ko-KR" altLang="en-US" smtClean="0"/>
               <a:pPr/>
-              <a:t>2016-04-23</a:t>
+              <a:t>2016-04-24</a:t>
             </a:fld>
             <a:endParaRPr lang="ko-KR" altLang="en-US"/>
           </a:p>
@@ -2248,7 +2757,7 @@
             <a:fld id="{32C829D3-BBA9-4BF1-9A6D-2D455122F13F}" type="datetimeFigureOut">
               <a:rPr lang="ko-KR" altLang="en-US" smtClean="0"/>
               <a:pPr/>
-              <a:t>2016-04-23</a:t>
+              <a:t>2016-04-24</a:t>
             </a:fld>
             <a:endParaRPr lang="ko-KR" altLang="en-US"/>
           </a:p>
@@ -2672,7 +3181,7 @@
             <a:fld id="{32C829D3-BBA9-4BF1-9A6D-2D455122F13F}" type="datetimeFigureOut">
               <a:rPr lang="ko-KR" altLang="en-US" smtClean="0"/>
               <a:pPr/>
-              <a:t>2016-04-23</a:t>
+              <a:t>2016-04-24</a:t>
             </a:fld>
             <a:endParaRPr lang="ko-KR" altLang="en-US"/>
           </a:p>
@@ -2787,7 +3296,7 @@
             <a:fld id="{32C829D3-BBA9-4BF1-9A6D-2D455122F13F}" type="datetimeFigureOut">
               <a:rPr lang="ko-KR" altLang="en-US" smtClean="0"/>
               <a:pPr/>
-              <a:t>2016-04-23</a:t>
+              <a:t>2016-04-24</a:t>
             </a:fld>
             <a:endParaRPr lang="ko-KR" altLang="en-US"/>
           </a:p>
@@ -2879,7 +3388,7 @@
             <a:fld id="{32C829D3-BBA9-4BF1-9A6D-2D455122F13F}" type="datetimeFigureOut">
               <a:rPr lang="ko-KR" altLang="en-US" smtClean="0"/>
               <a:pPr/>
-              <a:t>2016-04-23</a:t>
+              <a:t>2016-04-24</a:t>
             </a:fld>
             <a:endParaRPr lang="ko-KR" altLang="en-US"/>
           </a:p>
@@ -3153,7 +3662,7 @@
             <a:fld id="{32C829D3-BBA9-4BF1-9A6D-2D455122F13F}" type="datetimeFigureOut">
               <a:rPr lang="ko-KR" altLang="en-US" smtClean="0"/>
               <a:pPr/>
-              <a:t>2016-04-23</a:t>
+              <a:t>2016-04-24</a:t>
             </a:fld>
             <a:endParaRPr lang="ko-KR" altLang="en-US"/>
           </a:p>
@@ -3403,7 +3912,7 @@
             <a:fld id="{32C829D3-BBA9-4BF1-9A6D-2D455122F13F}" type="datetimeFigureOut">
               <a:rPr lang="ko-KR" altLang="en-US" smtClean="0"/>
               <a:pPr/>
-              <a:t>2016-04-23</a:t>
+              <a:t>2016-04-24</a:t>
             </a:fld>
             <a:endParaRPr lang="ko-KR" altLang="en-US"/>
           </a:p>
@@ -3613,7 +4122,7 @@
             <a:fld id="{32C829D3-BBA9-4BF1-9A6D-2D455122F13F}" type="datetimeFigureOut">
               <a:rPr lang="ko-KR" altLang="en-US" smtClean="0"/>
               <a:pPr/>
-              <a:t>2016-04-23</a:t>
+              <a:t>2016-04-24</a:t>
             </a:fld>
             <a:endParaRPr lang="ko-KR" altLang="en-US"/>
           </a:p>
@@ -3984,6 +4493,3305 @@
           <a:chExt cx="0" cy="0"/>
         </a:xfrm>
       </p:grpSpPr>
+      <p:grpSp>
+        <p:nvGrpSpPr>
+          <p:cNvPr id="15" name="그룹 14"/>
+          <p:cNvGrpSpPr/>
+          <p:nvPr/>
+        </p:nvGrpSpPr>
+        <p:grpSpPr>
+          <a:xfrm>
+            <a:off x="0" y="0"/>
+            <a:ext cx="9144000" cy="5143500"/>
+            <a:chOff x="0" y="0"/>
+            <a:chExt cx="9144000" cy="5143500"/>
+          </a:xfrm>
+        </p:grpSpPr>
+        <p:sp>
+          <p:nvSpPr>
+            <p:cNvPr id="4" name="직사각형 3"/>
+            <p:cNvSpPr/>
+            <p:nvPr/>
+          </p:nvSpPr>
+          <p:spPr>
+            <a:xfrm>
+              <a:off x="0" y="1142990"/>
+              <a:ext cx="571472" cy="2231761"/>
+            </a:xfrm>
+            <a:prstGeom prst="rect">
+              <a:avLst/>
+            </a:prstGeom>
+            <a:solidFill>
+              <a:schemeClr val="accent6">
+                <a:lumMod val="60000"/>
+                <a:lumOff val="40000"/>
+              </a:schemeClr>
+            </a:solidFill>
+            <a:ln>
+              <a:noFill/>
+            </a:ln>
+          </p:spPr>
+          <p:style>
+            <a:lnRef idx="2">
+              <a:schemeClr val="accent1">
+                <a:shade val="50000"/>
+              </a:schemeClr>
+            </a:lnRef>
+            <a:fillRef idx="1">
+              <a:schemeClr val="accent1"/>
+            </a:fillRef>
+            <a:effectRef idx="0">
+              <a:schemeClr val="accent1"/>
+            </a:effectRef>
+            <a:fontRef idx="minor">
+              <a:schemeClr val="lt1"/>
+            </a:fontRef>
+          </p:style>
+          <p:txBody>
+            <a:bodyPr rtlCol="0" anchor="ctr"/>
+            <a:lstStyle/>
+            <a:p>
+              <a:pPr algn="ctr"/>
+              <a:endParaRPr lang="ko-KR" altLang="en-US" sz="1400" b="1">
+                <a:solidFill>
+                  <a:schemeClr val="accent1">
+                    <a:lumMod val="75000"/>
+                  </a:schemeClr>
+                </a:solidFill>
+              </a:endParaRPr>
+            </a:p>
+          </p:txBody>
+        </p:sp>
+        <p:sp>
+          <p:nvSpPr>
+            <p:cNvPr id="5" name="직사각형 4"/>
+            <p:cNvSpPr/>
+            <p:nvPr/>
+          </p:nvSpPr>
+          <p:spPr>
+            <a:xfrm>
+              <a:off x="714348" y="0"/>
+              <a:ext cx="1857388" cy="446338"/>
+            </a:xfrm>
+            <a:prstGeom prst="rect">
+              <a:avLst/>
+            </a:prstGeom>
+            <a:solidFill>
+              <a:schemeClr val="accent6">
+                <a:lumMod val="60000"/>
+                <a:lumOff val="40000"/>
+              </a:schemeClr>
+            </a:solidFill>
+            <a:ln>
+              <a:noFill/>
+            </a:ln>
+          </p:spPr>
+          <p:style>
+            <a:lnRef idx="2">
+              <a:schemeClr val="accent1">
+                <a:shade val="50000"/>
+              </a:schemeClr>
+            </a:lnRef>
+            <a:fillRef idx="1">
+              <a:schemeClr val="accent1"/>
+            </a:fillRef>
+            <a:effectRef idx="0">
+              <a:schemeClr val="accent1"/>
+            </a:effectRef>
+            <a:fontRef idx="minor">
+              <a:schemeClr val="lt1"/>
+            </a:fontRef>
+          </p:style>
+          <p:txBody>
+            <a:bodyPr rtlCol="0" anchor="ctr"/>
+            <a:lstStyle/>
+            <a:p>
+              <a:pPr algn="ctr"/>
+              <a:endParaRPr lang="ko-KR" altLang="en-US" sz="1400">
+                <a:solidFill>
+                  <a:schemeClr val="accent1">
+                    <a:lumMod val="75000"/>
+                  </a:schemeClr>
+                </a:solidFill>
+              </a:endParaRPr>
+            </a:p>
+          </p:txBody>
+        </p:sp>
+        <p:sp>
+          <p:nvSpPr>
+            <p:cNvPr id="6" name="직사각형 5"/>
+            <p:cNvSpPr/>
+            <p:nvPr/>
+          </p:nvSpPr>
+          <p:spPr>
+            <a:xfrm>
+              <a:off x="2607839" y="0"/>
+              <a:ext cx="1857388" cy="446338"/>
+            </a:xfrm>
+            <a:prstGeom prst="rect">
+              <a:avLst/>
+            </a:prstGeom>
+            <a:solidFill>
+              <a:schemeClr val="accent6">
+                <a:lumMod val="60000"/>
+                <a:lumOff val="40000"/>
+              </a:schemeClr>
+            </a:solidFill>
+            <a:ln>
+              <a:noFill/>
+            </a:ln>
+          </p:spPr>
+          <p:style>
+            <a:lnRef idx="2">
+              <a:schemeClr val="accent1">
+                <a:shade val="50000"/>
+              </a:schemeClr>
+            </a:lnRef>
+            <a:fillRef idx="1">
+              <a:schemeClr val="accent1"/>
+            </a:fillRef>
+            <a:effectRef idx="0">
+              <a:schemeClr val="accent1"/>
+            </a:effectRef>
+            <a:fontRef idx="minor">
+              <a:schemeClr val="lt1"/>
+            </a:fontRef>
+          </p:style>
+          <p:txBody>
+            <a:bodyPr rtlCol="0" anchor="ctr"/>
+            <a:lstStyle/>
+            <a:p>
+              <a:pPr algn="ctr"/>
+              <a:endParaRPr lang="ko-KR" altLang="en-US" sz="1400">
+                <a:solidFill>
+                  <a:schemeClr val="accent1">
+                    <a:lumMod val="75000"/>
+                  </a:schemeClr>
+                </a:solidFill>
+              </a:endParaRPr>
+            </a:p>
+          </p:txBody>
+        </p:sp>
+        <p:sp>
+          <p:nvSpPr>
+            <p:cNvPr id="7" name="직사각형 6"/>
+            <p:cNvSpPr/>
+            <p:nvPr/>
+          </p:nvSpPr>
+          <p:spPr>
+            <a:xfrm>
+              <a:off x="4857752" y="0"/>
+              <a:ext cx="1392657" cy="446338"/>
+            </a:xfrm>
+            <a:prstGeom prst="rect">
+              <a:avLst/>
+            </a:prstGeom>
+            <a:solidFill>
+              <a:schemeClr val="accent6">
+                <a:lumMod val="60000"/>
+                <a:lumOff val="40000"/>
+              </a:schemeClr>
+            </a:solidFill>
+            <a:ln>
+              <a:noFill/>
+            </a:ln>
+          </p:spPr>
+          <p:style>
+            <a:lnRef idx="2">
+              <a:schemeClr val="accent1">
+                <a:shade val="50000"/>
+              </a:schemeClr>
+            </a:lnRef>
+            <a:fillRef idx="1">
+              <a:schemeClr val="accent1"/>
+            </a:fillRef>
+            <a:effectRef idx="0">
+              <a:schemeClr val="accent1"/>
+            </a:effectRef>
+            <a:fontRef idx="minor">
+              <a:schemeClr val="lt1"/>
+            </a:fontRef>
+          </p:style>
+          <p:txBody>
+            <a:bodyPr rtlCol="0" anchor="ctr"/>
+            <a:lstStyle/>
+            <a:p>
+              <a:pPr algn="ctr"/>
+              <a:endParaRPr lang="ko-KR" altLang="en-US" sz="1400">
+                <a:solidFill>
+                  <a:schemeClr val="accent1">
+                    <a:lumMod val="75000"/>
+                  </a:schemeClr>
+                </a:solidFill>
+              </a:endParaRPr>
+            </a:p>
+          </p:txBody>
+        </p:sp>
+        <p:sp>
+          <p:nvSpPr>
+            <p:cNvPr id="8" name="직사각형 7"/>
+            <p:cNvSpPr/>
+            <p:nvPr/>
+          </p:nvSpPr>
+          <p:spPr>
+            <a:xfrm>
+              <a:off x="6299287" y="0"/>
+              <a:ext cx="1392657" cy="446338"/>
+            </a:xfrm>
+            <a:prstGeom prst="rect">
+              <a:avLst/>
+            </a:prstGeom>
+            <a:solidFill>
+              <a:schemeClr val="accent6">
+                <a:lumMod val="60000"/>
+                <a:lumOff val="40000"/>
+              </a:schemeClr>
+            </a:solidFill>
+            <a:ln>
+              <a:noFill/>
+            </a:ln>
+          </p:spPr>
+          <p:style>
+            <a:lnRef idx="2">
+              <a:schemeClr val="accent1">
+                <a:shade val="50000"/>
+              </a:schemeClr>
+            </a:lnRef>
+            <a:fillRef idx="1">
+              <a:schemeClr val="accent1"/>
+            </a:fillRef>
+            <a:effectRef idx="0">
+              <a:schemeClr val="accent1"/>
+            </a:effectRef>
+            <a:fontRef idx="minor">
+              <a:schemeClr val="lt1"/>
+            </a:fontRef>
+          </p:style>
+          <p:txBody>
+            <a:bodyPr rtlCol="0" anchor="ctr"/>
+            <a:lstStyle/>
+            <a:p>
+              <a:pPr algn="ctr"/>
+              <a:endParaRPr lang="ko-KR" altLang="en-US" sz="1400">
+                <a:solidFill>
+                  <a:schemeClr val="accent1">
+                    <a:lumMod val="75000"/>
+                  </a:schemeClr>
+                </a:solidFill>
+              </a:endParaRPr>
+            </a:p>
+          </p:txBody>
+        </p:sp>
+        <p:sp>
+          <p:nvSpPr>
+            <p:cNvPr id="9" name="직사각형 8"/>
+            <p:cNvSpPr/>
+            <p:nvPr/>
+          </p:nvSpPr>
+          <p:spPr>
+            <a:xfrm>
+              <a:off x="7736305" y="0"/>
+              <a:ext cx="1407695" cy="1137015"/>
+            </a:xfrm>
+            <a:prstGeom prst="rect">
+              <a:avLst/>
+            </a:prstGeom>
+            <a:solidFill>
+              <a:schemeClr val="accent6">
+                <a:lumMod val="60000"/>
+                <a:lumOff val="40000"/>
+              </a:schemeClr>
+            </a:solidFill>
+            <a:ln>
+              <a:noFill/>
+            </a:ln>
+          </p:spPr>
+          <p:style>
+            <a:lnRef idx="2">
+              <a:schemeClr val="accent1">
+                <a:shade val="50000"/>
+              </a:schemeClr>
+            </a:lnRef>
+            <a:fillRef idx="1">
+              <a:schemeClr val="accent1"/>
+            </a:fillRef>
+            <a:effectRef idx="0">
+              <a:schemeClr val="accent1"/>
+            </a:effectRef>
+            <a:fontRef idx="minor">
+              <a:schemeClr val="lt1"/>
+            </a:fontRef>
+          </p:style>
+          <p:txBody>
+            <a:bodyPr rtlCol="0" anchor="ctr"/>
+            <a:lstStyle/>
+            <a:p>
+              <a:pPr algn="ctr"/>
+              <a:endParaRPr lang="ko-KR" altLang="en-US" sz="1400">
+                <a:solidFill>
+                  <a:schemeClr val="accent1">
+                    <a:lumMod val="75000"/>
+                  </a:schemeClr>
+                </a:solidFill>
+              </a:endParaRPr>
+            </a:p>
+          </p:txBody>
+        </p:sp>
+        <p:sp>
+          <p:nvSpPr>
+            <p:cNvPr id="10" name="직사각형 9"/>
+            <p:cNvSpPr/>
+            <p:nvPr/>
+          </p:nvSpPr>
+          <p:spPr>
+            <a:xfrm>
+              <a:off x="928662" y="642924"/>
+              <a:ext cx="1495665" cy="359415"/>
+            </a:xfrm>
+            <a:prstGeom prst="rect">
+              <a:avLst/>
+            </a:prstGeom>
+            <a:solidFill>
+              <a:schemeClr val="accent6">
+                <a:lumMod val="60000"/>
+                <a:lumOff val="40000"/>
+              </a:schemeClr>
+            </a:solidFill>
+            <a:ln>
+              <a:noFill/>
+            </a:ln>
+          </p:spPr>
+          <p:style>
+            <a:lnRef idx="2">
+              <a:schemeClr val="accent1">
+                <a:shade val="50000"/>
+              </a:schemeClr>
+            </a:lnRef>
+            <a:fillRef idx="1">
+              <a:schemeClr val="accent1"/>
+            </a:fillRef>
+            <a:effectRef idx="0">
+              <a:schemeClr val="accent1"/>
+            </a:effectRef>
+            <a:fontRef idx="minor">
+              <a:schemeClr val="lt1"/>
+            </a:fontRef>
+          </p:style>
+          <p:txBody>
+            <a:bodyPr rtlCol="0" anchor="ctr"/>
+            <a:lstStyle/>
+            <a:p>
+              <a:pPr algn="ctr"/>
+              <a:endParaRPr lang="ko-KR" altLang="en-US" sz="1400" b="1">
+                <a:solidFill>
+                  <a:schemeClr val="accent1">
+                    <a:lumMod val="75000"/>
+                  </a:schemeClr>
+                </a:solidFill>
+              </a:endParaRPr>
+            </a:p>
+          </p:txBody>
+        </p:sp>
+        <p:sp>
+          <p:nvSpPr>
+            <p:cNvPr id="11" name="직사각형 10"/>
+            <p:cNvSpPr/>
+            <p:nvPr/>
+          </p:nvSpPr>
+          <p:spPr>
+            <a:xfrm>
+              <a:off x="2786050" y="642924"/>
+              <a:ext cx="1495665" cy="359415"/>
+            </a:xfrm>
+            <a:prstGeom prst="rect">
+              <a:avLst/>
+            </a:prstGeom>
+            <a:solidFill>
+              <a:schemeClr val="accent6">
+                <a:lumMod val="60000"/>
+                <a:lumOff val="40000"/>
+              </a:schemeClr>
+            </a:solidFill>
+            <a:ln>
+              <a:noFill/>
+            </a:ln>
+          </p:spPr>
+          <p:style>
+            <a:lnRef idx="2">
+              <a:schemeClr val="accent1">
+                <a:shade val="50000"/>
+              </a:schemeClr>
+            </a:lnRef>
+            <a:fillRef idx="1">
+              <a:schemeClr val="accent1"/>
+            </a:fillRef>
+            <a:effectRef idx="0">
+              <a:schemeClr val="accent1"/>
+            </a:effectRef>
+            <a:fontRef idx="minor">
+              <a:schemeClr val="lt1"/>
+            </a:fontRef>
+          </p:style>
+          <p:txBody>
+            <a:bodyPr rtlCol="0" anchor="ctr"/>
+            <a:lstStyle/>
+            <a:p>
+              <a:pPr algn="ctr"/>
+              <a:endParaRPr lang="ko-KR" altLang="en-US" sz="1400" b="1">
+                <a:solidFill>
+                  <a:schemeClr val="accent1">
+                    <a:lumMod val="75000"/>
+                  </a:schemeClr>
+                </a:solidFill>
+              </a:endParaRPr>
+            </a:p>
+          </p:txBody>
+        </p:sp>
+        <p:sp>
+          <p:nvSpPr>
+            <p:cNvPr id="12" name="직사각형 11"/>
+            <p:cNvSpPr/>
+            <p:nvPr/>
+          </p:nvSpPr>
+          <p:spPr>
+            <a:xfrm>
+              <a:off x="928662" y="1214428"/>
+              <a:ext cx="1500198" cy="557941"/>
+            </a:xfrm>
+            <a:prstGeom prst="rect">
+              <a:avLst/>
+            </a:prstGeom>
+            <a:solidFill>
+              <a:schemeClr val="accent6">
+                <a:lumMod val="60000"/>
+                <a:lumOff val="40000"/>
+              </a:schemeClr>
+            </a:solidFill>
+            <a:ln>
+              <a:noFill/>
+            </a:ln>
+          </p:spPr>
+          <p:style>
+            <a:lnRef idx="2">
+              <a:schemeClr val="accent1">
+                <a:shade val="50000"/>
+              </a:schemeClr>
+            </a:lnRef>
+            <a:fillRef idx="1">
+              <a:schemeClr val="accent1"/>
+            </a:fillRef>
+            <a:effectRef idx="0">
+              <a:schemeClr val="accent1"/>
+            </a:effectRef>
+            <a:fontRef idx="minor">
+              <a:schemeClr val="lt1"/>
+            </a:fontRef>
+          </p:style>
+          <p:txBody>
+            <a:bodyPr rtlCol="0" anchor="ctr"/>
+            <a:lstStyle/>
+            <a:p>
+              <a:pPr algn="ctr"/>
+              <a:endParaRPr lang="ko-KR" altLang="en-US" sz="1400" b="1">
+                <a:solidFill>
+                  <a:schemeClr val="accent1">
+                    <a:lumMod val="75000"/>
+                  </a:schemeClr>
+                </a:solidFill>
+              </a:endParaRPr>
+            </a:p>
+          </p:txBody>
+        </p:sp>
+        <p:sp>
+          <p:nvSpPr>
+            <p:cNvPr id="13" name="직사각형 12"/>
+            <p:cNvSpPr/>
+            <p:nvPr/>
+          </p:nvSpPr>
+          <p:spPr>
+            <a:xfrm>
+              <a:off x="2801847" y="1214428"/>
+              <a:ext cx="1500198" cy="557941"/>
+            </a:xfrm>
+            <a:prstGeom prst="rect">
+              <a:avLst/>
+            </a:prstGeom>
+            <a:solidFill>
+              <a:schemeClr val="accent6">
+                <a:lumMod val="60000"/>
+                <a:lumOff val="40000"/>
+              </a:schemeClr>
+            </a:solidFill>
+            <a:ln>
+              <a:noFill/>
+            </a:ln>
+          </p:spPr>
+          <p:style>
+            <a:lnRef idx="2">
+              <a:schemeClr val="accent1">
+                <a:shade val="50000"/>
+              </a:schemeClr>
+            </a:lnRef>
+            <a:fillRef idx="1">
+              <a:schemeClr val="accent1"/>
+            </a:fillRef>
+            <a:effectRef idx="0">
+              <a:schemeClr val="accent1"/>
+            </a:effectRef>
+            <a:fontRef idx="minor">
+              <a:schemeClr val="lt1"/>
+            </a:fontRef>
+          </p:style>
+          <p:txBody>
+            <a:bodyPr rtlCol="0" anchor="ctr"/>
+            <a:lstStyle/>
+            <a:p>
+              <a:pPr algn="ctr"/>
+              <a:endParaRPr lang="ko-KR" altLang="en-US" sz="1400" b="1">
+                <a:solidFill>
+                  <a:schemeClr val="accent1">
+                    <a:lumMod val="75000"/>
+                  </a:schemeClr>
+                </a:solidFill>
+              </a:endParaRPr>
+            </a:p>
+          </p:txBody>
+        </p:sp>
+        <p:sp>
+          <p:nvSpPr>
+            <p:cNvPr id="14" name="직사각형 13"/>
+            <p:cNvSpPr/>
+            <p:nvPr/>
+          </p:nvSpPr>
+          <p:spPr>
+            <a:xfrm>
+              <a:off x="928662" y="1928807"/>
+              <a:ext cx="1267074" cy="852223"/>
+            </a:xfrm>
+            <a:prstGeom prst="rect">
+              <a:avLst/>
+            </a:prstGeom>
+            <a:solidFill>
+              <a:schemeClr val="accent6">
+                <a:lumMod val="60000"/>
+                <a:lumOff val="40000"/>
+              </a:schemeClr>
+            </a:solidFill>
+            <a:ln>
+              <a:noFill/>
+            </a:ln>
+          </p:spPr>
+          <p:style>
+            <a:lnRef idx="2">
+              <a:schemeClr val="accent1">
+                <a:shade val="50000"/>
+              </a:schemeClr>
+            </a:lnRef>
+            <a:fillRef idx="1">
+              <a:schemeClr val="accent1"/>
+            </a:fillRef>
+            <a:effectRef idx="0">
+              <a:schemeClr val="accent1"/>
+            </a:effectRef>
+            <a:fontRef idx="minor">
+              <a:schemeClr val="lt1"/>
+            </a:fontRef>
+          </p:style>
+          <p:txBody>
+            <a:bodyPr rtlCol="0" anchor="ctr"/>
+            <a:lstStyle/>
+            <a:p>
+              <a:pPr algn="ctr"/>
+              <a:endParaRPr lang="ko-KR" altLang="en-US" sz="1400" b="1">
+                <a:solidFill>
+                  <a:schemeClr val="accent1">
+                    <a:lumMod val="75000"/>
+                  </a:schemeClr>
+                </a:solidFill>
+              </a:endParaRPr>
+            </a:p>
+          </p:txBody>
+        </p:sp>
+        <p:sp>
+          <p:nvSpPr>
+            <p:cNvPr id="16" name="직사각형 15"/>
+            <p:cNvSpPr/>
+            <p:nvPr/>
+          </p:nvSpPr>
+          <p:spPr>
+            <a:xfrm>
+              <a:off x="2459384" y="1928807"/>
+              <a:ext cx="528439" cy="852223"/>
+            </a:xfrm>
+            <a:prstGeom prst="rect">
+              <a:avLst/>
+            </a:prstGeom>
+            <a:solidFill>
+              <a:schemeClr val="accent6">
+                <a:lumMod val="60000"/>
+                <a:lumOff val="40000"/>
+              </a:schemeClr>
+            </a:solidFill>
+            <a:ln>
+              <a:noFill/>
+            </a:ln>
+          </p:spPr>
+          <p:style>
+            <a:lnRef idx="2">
+              <a:schemeClr val="accent1">
+                <a:shade val="50000"/>
+              </a:schemeClr>
+            </a:lnRef>
+            <a:fillRef idx="1">
+              <a:schemeClr val="accent1"/>
+            </a:fillRef>
+            <a:effectRef idx="0">
+              <a:schemeClr val="accent1"/>
+            </a:effectRef>
+            <a:fontRef idx="minor">
+              <a:schemeClr val="lt1"/>
+            </a:fontRef>
+          </p:style>
+          <p:txBody>
+            <a:bodyPr rtlCol="0" anchor="ctr"/>
+            <a:lstStyle/>
+            <a:p>
+              <a:pPr algn="ctr"/>
+              <a:endParaRPr lang="ko-KR" altLang="en-US" sz="1400" b="1">
+                <a:solidFill>
+                  <a:schemeClr val="accent1">
+                    <a:lumMod val="75000"/>
+                  </a:schemeClr>
+                </a:solidFill>
+              </a:endParaRPr>
+            </a:p>
+          </p:txBody>
+        </p:sp>
+        <p:sp>
+          <p:nvSpPr>
+            <p:cNvPr id="17" name="직사각형 16"/>
+            <p:cNvSpPr/>
+            <p:nvPr/>
+          </p:nvSpPr>
+          <p:spPr>
+            <a:xfrm>
+              <a:off x="3912704" y="1925454"/>
+              <a:ext cx="500066" cy="852223"/>
+            </a:xfrm>
+            <a:prstGeom prst="rect">
+              <a:avLst/>
+            </a:prstGeom>
+            <a:solidFill>
+              <a:schemeClr val="accent6">
+                <a:lumMod val="60000"/>
+                <a:lumOff val="40000"/>
+              </a:schemeClr>
+            </a:solidFill>
+            <a:ln>
+              <a:noFill/>
+            </a:ln>
+          </p:spPr>
+          <p:style>
+            <a:lnRef idx="2">
+              <a:schemeClr val="accent1">
+                <a:shade val="50000"/>
+              </a:schemeClr>
+            </a:lnRef>
+            <a:fillRef idx="1">
+              <a:schemeClr val="accent1"/>
+            </a:fillRef>
+            <a:effectRef idx="0">
+              <a:schemeClr val="accent1"/>
+            </a:effectRef>
+            <a:fontRef idx="minor">
+              <a:schemeClr val="lt1"/>
+            </a:fontRef>
+          </p:style>
+          <p:txBody>
+            <a:bodyPr rtlCol="0" anchor="ctr"/>
+            <a:lstStyle/>
+            <a:p>
+              <a:pPr algn="ctr"/>
+              <a:endParaRPr lang="ko-KR" altLang="en-US" sz="1400" b="1">
+                <a:solidFill>
+                  <a:schemeClr val="accent1">
+                    <a:lumMod val="75000"/>
+                  </a:schemeClr>
+                </a:solidFill>
+              </a:endParaRPr>
+            </a:p>
+          </p:txBody>
+        </p:sp>
+        <p:sp>
+          <p:nvSpPr>
+            <p:cNvPr id="18" name="직사각형 17"/>
+            <p:cNvSpPr/>
+            <p:nvPr/>
+          </p:nvSpPr>
+          <p:spPr>
+            <a:xfrm>
+              <a:off x="3198324" y="1928806"/>
+              <a:ext cx="542665" cy="852223"/>
+            </a:xfrm>
+            <a:prstGeom prst="rect">
+              <a:avLst/>
+            </a:prstGeom>
+            <a:solidFill>
+              <a:schemeClr val="accent6">
+                <a:lumMod val="60000"/>
+                <a:lumOff val="40000"/>
+              </a:schemeClr>
+            </a:solidFill>
+            <a:ln>
+              <a:noFill/>
+            </a:ln>
+          </p:spPr>
+          <p:style>
+            <a:lnRef idx="2">
+              <a:schemeClr val="accent1">
+                <a:shade val="50000"/>
+              </a:schemeClr>
+            </a:lnRef>
+            <a:fillRef idx="1">
+              <a:schemeClr val="accent1"/>
+            </a:fillRef>
+            <a:effectRef idx="0">
+              <a:schemeClr val="accent1"/>
+            </a:effectRef>
+            <a:fontRef idx="minor">
+              <a:schemeClr val="lt1"/>
+            </a:fontRef>
+          </p:style>
+          <p:txBody>
+            <a:bodyPr rtlCol="0" anchor="ctr"/>
+            <a:lstStyle/>
+            <a:p>
+              <a:pPr algn="ctr"/>
+              <a:endParaRPr lang="ko-KR" altLang="en-US" sz="1400" b="1">
+                <a:solidFill>
+                  <a:schemeClr val="accent1">
+                    <a:lumMod val="75000"/>
+                  </a:schemeClr>
+                </a:solidFill>
+              </a:endParaRPr>
+            </a:p>
+          </p:txBody>
+        </p:sp>
+        <p:sp>
+          <p:nvSpPr>
+            <p:cNvPr id="19" name="직사각형 18"/>
+            <p:cNvSpPr/>
+            <p:nvPr/>
+          </p:nvSpPr>
+          <p:spPr>
+            <a:xfrm>
+              <a:off x="1000100" y="3000378"/>
+              <a:ext cx="1495665" cy="359415"/>
+            </a:xfrm>
+            <a:prstGeom prst="rect">
+              <a:avLst/>
+            </a:prstGeom>
+            <a:solidFill>
+              <a:schemeClr val="accent6">
+                <a:lumMod val="60000"/>
+                <a:lumOff val="40000"/>
+              </a:schemeClr>
+            </a:solidFill>
+            <a:ln>
+              <a:noFill/>
+            </a:ln>
+          </p:spPr>
+          <p:style>
+            <a:lnRef idx="2">
+              <a:schemeClr val="accent1">
+                <a:shade val="50000"/>
+              </a:schemeClr>
+            </a:lnRef>
+            <a:fillRef idx="1">
+              <a:schemeClr val="accent1"/>
+            </a:fillRef>
+            <a:effectRef idx="0">
+              <a:schemeClr val="accent1"/>
+            </a:effectRef>
+            <a:fontRef idx="minor">
+              <a:schemeClr val="lt1"/>
+            </a:fontRef>
+          </p:style>
+          <p:txBody>
+            <a:bodyPr rtlCol="0" anchor="ctr"/>
+            <a:lstStyle/>
+            <a:p>
+              <a:pPr algn="ctr"/>
+              <a:r>
+                <a:rPr lang="ko-KR" altLang="en-US" sz="1400" b="1" dirty="0" smtClean="0">
+                  <a:solidFill>
+                    <a:schemeClr val="tx1"/>
+                  </a:solidFill>
+                </a:rPr>
+                <a:t>김</a:t>
+              </a:r>
+              <a:r>
+                <a:rPr lang="en-US" altLang="ko-KR" sz="1400" b="1" dirty="0" smtClean="0">
+                  <a:solidFill>
+                    <a:schemeClr val="tx1"/>
+                  </a:solidFill>
+                </a:rPr>
+                <a:t>/</a:t>
+              </a:r>
+              <a:r>
+                <a:rPr lang="ko-KR" altLang="en-US" sz="1400" b="1" dirty="0" smtClean="0">
+                  <a:solidFill>
+                    <a:schemeClr val="tx1"/>
+                  </a:solidFill>
+                </a:rPr>
+                <a:t>미역</a:t>
+              </a:r>
+              <a:r>
+                <a:rPr lang="en-US" altLang="ko-KR" sz="1400" b="1" dirty="0" smtClean="0">
+                  <a:solidFill>
+                    <a:schemeClr val="tx1"/>
+                  </a:solidFill>
+                </a:rPr>
+                <a:t>/</a:t>
+              </a:r>
+              <a:r>
+                <a:rPr lang="ko-KR" altLang="en-US" sz="1400" b="1" dirty="0" smtClean="0">
+                  <a:solidFill>
+                    <a:schemeClr val="tx1"/>
+                  </a:solidFill>
+                </a:rPr>
+                <a:t>건어</a:t>
+              </a:r>
+              <a:endParaRPr lang="ko-KR" altLang="en-US" sz="1400" b="1" dirty="0">
+                <a:solidFill>
+                  <a:schemeClr val="tx1"/>
+                </a:solidFill>
+              </a:endParaRPr>
+            </a:p>
+          </p:txBody>
+        </p:sp>
+        <p:sp>
+          <p:nvSpPr>
+            <p:cNvPr id="20" name="직사각형 19"/>
+            <p:cNvSpPr/>
+            <p:nvPr/>
+          </p:nvSpPr>
+          <p:spPr>
+            <a:xfrm>
+              <a:off x="4857753" y="642925"/>
+              <a:ext cx="928725" cy="223176"/>
+            </a:xfrm>
+            <a:prstGeom prst="rect">
+              <a:avLst/>
+            </a:prstGeom>
+            <a:solidFill>
+              <a:schemeClr val="accent6">
+                <a:lumMod val="60000"/>
+                <a:lumOff val="40000"/>
+              </a:schemeClr>
+            </a:solidFill>
+            <a:ln>
+              <a:noFill/>
+            </a:ln>
+          </p:spPr>
+          <p:style>
+            <a:lnRef idx="2">
+              <a:schemeClr val="accent1">
+                <a:shade val="50000"/>
+              </a:schemeClr>
+            </a:lnRef>
+            <a:fillRef idx="1">
+              <a:schemeClr val="accent1"/>
+            </a:fillRef>
+            <a:effectRef idx="0">
+              <a:schemeClr val="accent1"/>
+            </a:effectRef>
+            <a:fontRef idx="minor">
+              <a:schemeClr val="lt1"/>
+            </a:fontRef>
+          </p:style>
+          <p:txBody>
+            <a:bodyPr rtlCol="0" anchor="ctr"/>
+            <a:lstStyle/>
+            <a:p>
+              <a:pPr algn="ctr"/>
+              <a:r>
+                <a:rPr lang="ko-KR" altLang="en-US" sz="1400" b="1" dirty="0" smtClean="0">
+                  <a:solidFill>
+                    <a:schemeClr val="tx1"/>
+                  </a:solidFill>
+                </a:rPr>
+                <a:t>행사</a:t>
+              </a:r>
+              <a:r>
+                <a:rPr lang="en-US" altLang="ko-KR" sz="1400" b="1" dirty="0" smtClean="0">
+                  <a:solidFill>
+                    <a:schemeClr val="tx1"/>
+                  </a:solidFill>
+                </a:rPr>
+                <a:t>1</a:t>
+              </a:r>
+            </a:p>
+          </p:txBody>
+        </p:sp>
+        <p:sp>
+          <p:nvSpPr>
+            <p:cNvPr id="21" name="직사각형 20"/>
+            <p:cNvSpPr/>
+            <p:nvPr/>
+          </p:nvSpPr>
+          <p:spPr>
+            <a:xfrm>
+              <a:off x="5929322" y="642924"/>
+              <a:ext cx="928725" cy="223176"/>
+            </a:xfrm>
+            <a:prstGeom prst="rect">
+              <a:avLst/>
+            </a:prstGeom>
+            <a:solidFill>
+              <a:schemeClr val="accent6">
+                <a:lumMod val="60000"/>
+                <a:lumOff val="40000"/>
+              </a:schemeClr>
+            </a:solidFill>
+            <a:ln>
+              <a:noFill/>
+            </a:ln>
+          </p:spPr>
+          <p:style>
+            <a:lnRef idx="2">
+              <a:schemeClr val="accent1">
+                <a:shade val="50000"/>
+              </a:schemeClr>
+            </a:lnRef>
+            <a:fillRef idx="1">
+              <a:schemeClr val="accent1"/>
+            </a:fillRef>
+            <a:effectRef idx="0">
+              <a:schemeClr val="accent1"/>
+            </a:effectRef>
+            <a:fontRef idx="minor">
+              <a:schemeClr val="lt1"/>
+            </a:fontRef>
+          </p:style>
+          <p:txBody>
+            <a:bodyPr rtlCol="0" anchor="ctr"/>
+            <a:lstStyle/>
+            <a:p>
+              <a:pPr algn="ctr"/>
+              <a:r>
+                <a:rPr lang="ko-KR" altLang="en-US" sz="1400" b="1" dirty="0" smtClean="0">
+                  <a:solidFill>
+                    <a:schemeClr val="tx1"/>
+                  </a:solidFill>
+                </a:rPr>
+                <a:t>행사</a:t>
+              </a:r>
+              <a:r>
+                <a:rPr lang="en-US" altLang="ko-KR" sz="1400" b="1" dirty="0" smtClean="0">
+                  <a:solidFill>
+                    <a:schemeClr val="tx1"/>
+                  </a:solidFill>
+                </a:rPr>
+                <a:t>2</a:t>
+              </a:r>
+              <a:endParaRPr lang="ko-KR" altLang="en-US" sz="1400" b="1" dirty="0">
+                <a:solidFill>
+                  <a:schemeClr val="tx1"/>
+                </a:solidFill>
+              </a:endParaRPr>
+            </a:p>
+          </p:txBody>
+        </p:sp>
+        <p:sp>
+          <p:nvSpPr>
+            <p:cNvPr id="22" name="직사각형 21"/>
+            <p:cNvSpPr/>
+            <p:nvPr/>
+          </p:nvSpPr>
+          <p:spPr>
+            <a:xfrm>
+              <a:off x="4857752" y="1071552"/>
+              <a:ext cx="785818" cy="781117"/>
+            </a:xfrm>
+            <a:prstGeom prst="rect">
+              <a:avLst/>
+            </a:prstGeom>
+            <a:solidFill>
+              <a:schemeClr val="accent6">
+                <a:lumMod val="60000"/>
+                <a:lumOff val="40000"/>
+              </a:schemeClr>
+            </a:solidFill>
+            <a:ln>
+              <a:noFill/>
+            </a:ln>
+          </p:spPr>
+          <p:style>
+            <a:lnRef idx="2">
+              <a:schemeClr val="accent1">
+                <a:shade val="50000"/>
+              </a:schemeClr>
+            </a:lnRef>
+            <a:fillRef idx="1">
+              <a:schemeClr val="accent1"/>
+            </a:fillRef>
+            <a:effectRef idx="0">
+              <a:schemeClr val="accent1"/>
+            </a:effectRef>
+            <a:fontRef idx="minor">
+              <a:schemeClr val="lt1"/>
+            </a:fontRef>
+          </p:style>
+          <p:txBody>
+            <a:bodyPr rtlCol="0" anchor="ctr"/>
+            <a:lstStyle/>
+            <a:p>
+              <a:pPr algn="ctr"/>
+              <a:endParaRPr lang="ko-KR" altLang="en-US" sz="1400" b="1">
+                <a:solidFill>
+                  <a:schemeClr val="accent1">
+                    <a:lumMod val="75000"/>
+                  </a:schemeClr>
+                </a:solidFill>
+              </a:endParaRPr>
+            </a:p>
+          </p:txBody>
+        </p:sp>
+        <p:sp>
+          <p:nvSpPr>
+            <p:cNvPr id="23" name="직사각형 22"/>
+            <p:cNvSpPr/>
+            <p:nvPr/>
+          </p:nvSpPr>
+          <p:spPr>
+            <a:xfrm>
+              <a:off x="5786446" y="1071552"/>
+              <a:ext cx="785818" cy="781117"/>
+            </a:xfrm>
+            <a:prstGeom prst="rect">
+              <a:avLst/>
+            </a:prstGeom>
+            <a:solidFill>
+              <a:schemeClr val="accent6">
+                <a:lumMod val="60000"/>
+                <a:lumOff val="40000"/>
+              </a:schemeClr>
+            </a:solidFill>
+            <a:ln>
+              <a:noFill/>
+            </a:ln>
+          </p:spPr>
+          <p:style>
+            <a:lnRef idx="2">
+              <a:schemeClr val="accent1">
+                <a:shade val="50000"/>
+              </a:schemeClr>
+            </a:lnRef>
+            <a:fillRef idx="1">
+              <a:schemeClr val="accent1"/>
+            </a:fillRef>
+            <a:effectRef idx="0">
+              <a:schemeClr val="accent1"/>
+            </a:effectRef>
+            <a:fontRef idx="minor">
+              <a:schemeClr val="lt1"/>
+            </a:fontRef>
+          </p:style>
+          <p:txBody>
+            <a:bodyPr rtlCol="0" anchor="ctr"/>
+            <a:lstStyle/>
+            <a:p>
+              <a:pPr algn="ctr"/>
+              <a:endParaRPr lang="ko-KR" altLang="en-US" sz="1400" b="1">
+                <a:solidFill>
+                  <a:schemeClr val="accent1">
+                    <a:lumMod val="75000"/>
+                  </a:schemeClr>
+                </a:solidFill>
+              </a:endParaRPr>
+            </a:p>
+          </p:txBody>
+        </p:sp>
+        <p:sp>
+          <p:nvSpPr>
+            <p:cNvPr id="24" name="직사각형 23"/>
+            <p:cNvSpPr/>
+            <p:nvPr/>
+          </p:nvSpPr>
+          <p:spPr>
+            <a:xfrm>
+              <a:off x="6715140" y="1071552"/>
+              <a:ext cx="785818" cy="781117"/>
+            </a:xfrm>
+            <a:prstGeom prst="rect">
+              <a:avLst/>
+            </a:prstGeom>
+            <a:solidFill>
+              <a:schemeClr val="accent6">
+                <a:lumMod val="60000"/>
+                <a:lumOff val="40000"/>
+              </a:schemeClr>
+            </a:solidFill>
+            <a:ln>
+              <a:noFill/>
+            </a:ln>
+          </p:spPr>
+          <p:style>
+            <a:lnRef idx="2">
+              <a:schemeClr val="accent1">
+                <a:shade val="50000"/>
+              </a:schemeClr>
+            </a:lnRef>
+            <a:fillRef idx="1">
+              <a:schemeClr val="accent1"/>
+            </a:fillRef>
+            <a:effectRef idx="0">
+              <a:schemeClr val="accent1"/>
+            </a:effectRef>
+            <a:fontRef idx="minor">
+              <a:schemeClr val="lt1"/>
+            </a:fontRef>
+          </p:style>
+          <p:txBody>
+            <a:bodyPr rtlCol="0" anchor="ctr"/>
+            <a:lstStyle/>
+            <a:p>
+              <a:pPr algn="ctr"/>
+              <a:endParaRPr lang="ko-KR" altLang="en-US" sz="1400" b="1">
+                <a:solidFill>
+                  <a:schemeClr val="accent1">
+                    <a:lumMod val="75000"/>
+                  </a:schemeClr>
+                </a:solidFill>
+              </a:endParaRPr>
+            </a:p>
+          </p:txBody>
+        </p:sp>
+        <p:sp>
+          <p:nvSpPr>
+            <p:cNvPr id="25" name="직사각형 24"/>
+            <p:cNvSpPr/>
+            <p:nvPr/>
+          </p:nvSpPr>
+          <p:spPr>
+            <a:xfrm>
+              <a:off x="4857753" y="2143122"/>
+              <a:ext cx="928725" cy="223176"/>
+            </a:xfrm>
+            <a:prstGeom prst="rect">
+              <a:avLst/>
+            </a:prstGeom>
+            <a:solidFill>
+              <a:schemeClr val="accent6">
+                <a:lumMod val="60000"/>
+                <a:lumOff val="40000"/>
+              </a:schemeClr>
+            </a:solidFill>
+            <a:ln>
+              <a:noFill/>
+            </a:ln>
+          </p:spPr>
+          <p:style>
+            <a:lnRef idx="2">
+              <a:schemeClr val="accent1">
+                <a:shade val="50000"/>
+              </a:schemeClr>
+            </a:lnRef>
+            <a:fillRef idx="1">
+              <a:schemeClr val="accent1"/>
+            </a:fillRef>
+            <a:effectRef idx="0">
+              <a:schemeClr val="accent1"/>
+            </a:effectRef>
+            <a:fontRef idx="minor">
+              <a:schemeClr val="lt1"/>
+            </a:fontRef>
+          </p:style>
+          <p:txBody>
+            <a:bodyPr rtlCol="0" anchor="ctr"/>
+            <a:lstStyle/>
+            <a:p>
+              <a:pPr algn="ctr"/>
+              <a:r>
+                <a:rPr lang="ko-KR" altLang="en-US" sz="1400" b="1" dirty="0" smtClean="0">
+                  <a:solidFill>
+                    <a:schemeClr val="tx1"/>
+                  </a:solidFill>
+                </a:rPr>
+                <a:t>행사</a:t>
+              </a:r>
+              <a:r>
+                <a:rPr lang="en-US" altLang="ko-KR" sz="1400" b="1" dirty="0" smtClean="0">
+                  <a:solidFill>
+                    <a:schemeClr val="tx1"/>
+                  </a:solidFill>
+                </a:rPr>
+                <a:t>3</a:t>
+              </a:r>
+              <a:endParaRPr lang="ko-KR" altLang="en-US" sz="1400" b="1" dirty="0">
+                <a:solidFill>
+                  <a:schemeClr val="tx1"/>
+                </a:solidFill>
+              </a:endParaRPr>
+            </a:p>
+          </p:txBody>
+        </p:sp>
+        <p:sp>
+          <p:nvSpPr>
+            <p:cNvPr id="26" name="직사각형 25"/>
+            <p:cNvSpPr/>
+            <p:nvPr/>
+          </p:nvSpPr>
+          <p:spPr>
+            <a:xfrm>
+              <a:off x="5929322" y="2143121"/>
+              <a:ext cx="928725" cy="223176"/>
+            </a:xfrm>
+            <a:prstGeom prst="rect">
+              <a:avLst/>
+            </a:prstGeom>
+            <a:solidFill>
+              <a:schemeClr val="accent6">
+                <a:lumMod val="60000"/>
+                <a:lumOff val="40000"/>
+              </a:schemeClr>
+            </a:solidFill>
+            <a:ln>
+              <a:noFill/>
+            </a:ln>
+          </p:spPr>
+          <p:style>
+            <a:lnRef idx="2">
+              <a:schemeClr val="accent1">
+                <a:shade val="50000"/>
+              </a:schemeClr>
+            </a:lnRef>
+            <a:fillRef idx="1">
+              <a:schemeClr val="accent1"/>
+            </a:fillRef>
+            <a:effectRef idx="0">
+              <a:schemeClr val="accent1"/>
+            </a:effectRef>
+            <a:fontRef idx="minor">
+              <a:schemeClr val="lt1"/>
+            </a:fontRef>
+          </p:style>
+          <p:txBody>
+            <a:bodyPr rtlCol="0" anchor="ctr"/>
+            <a:lstStyle/>
+            <a:p>
+              <a:pPr algn="ctr"/>
+              <a:r>
+                <a:rPr lang="ko-KR" altLang="en-US" sz="1400" b="1" dirty="0" smtClean="0">
+                  <a:solidFill>
+                    <a:schemeClr val="tx1"/>
+                  </a:solidFill>
+                </a:rPr>
+                <a:t>행사</a:t>
+              </a:r>
+              <a:r>
+                <a:rPr lang="en-US" altLang="ko-KR" sz="1400" b="1" dirty="0" smtClean="0">
+                  <a:solidFill>
+                    <a:schemeClr val="tx1"/>
+                  </a:solidFill>
+                </a:rPr>
+                <a:t>4</a:t>
+              </a:r>
+              <a:endParaRPr lang="ko-KR" altLang="en-US" sz="1400" b="1" dirty="0">
+                <a:solidFill>
+                  <a:schemeClr val="tx1"/>
+                </a:solidFill>
+              </a:endParaRPr>
+            </a:p>
+          </p:txBody>
+        </p:sp>
+        <p:sp>
+          <p:nvSpPr>
+            <p:cNvPr id="27" name="직사각형 26"/>
+            <p:cNvSpPr/>
+            <p:nvPr/>
+          </p:nvSpPr>
+          <p:spPr>
+            <a:xfrm>
+              <a:off x="7000892" y="2143121"/>
+              <a:ext cx="928725" cy="223176"/>
+            </a:xfrm>
+            <a:prstGeom prst="rect">
+              <a:avLst/>
+            </a:prstGeom>
+            <a:solidFill>
+              <a:schemeClr val="accent6">
+                <a:lumMod val="60000"/>
+                <a:lumOff val="40000"/>
+              </a:schemeClr>
+            </a:solidFill>
+            <a:ln>
+              <a:noFill/>
+            </a:ln>
+          </p:spPr>
+          <p:style>
+            <a:lnRef idx="2">
+              <a:schemeClr val="accent1">
+                <a:shade val="50000"/>
+              </a:schemeClr>
+            </a:lnRef>
+            <a:fillRef idx="1">
+              <a:schemeClr val="accent1"/>
+            </a:fillRef>
+            <a:effectRef idx="0">
+              <a:schemeClr val="accent1"/>
+            </a:effectRef>
+            <a:fontRef idx="minor">
+              <a:schemeClr val="lt1"/>
+            </a:fontRef>
+          </p:style>
+          <p:txBody>
+            <a:bodyPr rtlCol="0" anchor="ctr"/>
+            <a:lstStyle/>
+            <a:p>
+              <a:pPr algn="ctr"/>
+              <a:r>
+                <a:rPr lang="ko-KR" altLang="en-US" sz="1400" b="1" dirty="0" smtClean="0">
+                  <a:solidFill>
+                    <a:schemeClr val="tx1"/>
+                  </a:solidFill>
+                </a:rPr>
+                <a:t>행사</a:t>
+              </a:r>
+              <a:r>
+                <a:rPr lang="en-US" altLang="ko-KR" sz="1400" b="1" dirty="0" smtClean="0">
+                  <a:solidFill>
+                    <a:schemeClr val="tx1"/>
+                  </a:solidFill>
+                </a:rPr>
+                <a:t>5</a:t>
+              </a:r>
+              <a:endParaRPr lang="ko-KR" altLang="en-US" sz="1400" b="1" dirty="0">
+                <a:solidFill>
+                  <a:schemeClr val="tx1"/>
+                </a:solidFill>
+              </a:endParaRPr>
+            </a:p>
+          </p:txBody>
+        </p:sp>
+        <p:sp>
+          <p:nvSpPr>
+            <p:cNvPr id="28" name="직사각형 27"/>
+            <p:cNvSpPr/>
+            <p:nvPr/>
+          </p:nvSpPr>
+          <p:spPr>
+            <a:xfrm>
+              <a:off x="5286380" y="3000378"/>
+              <a:ext cx="785818" cy="781117"/>
+            </a:xfrm>
+            <a:prstGeom prst="rect">
+              <a:avLst/>
+            </a:prstGeom>
+            <a:solidFill>
+              <a:schemeClr val="accent6">
+                <a:lumMod val="60000"/>
+                <a:lumOff val="40000"/>
+              </a:schemeClr>
+            </a:solidFill>
+            <a:ln>
+              <a:noFill/>
+            </a:ln>
+          </p:spPr>
+          <p:style>
+            <a:lnRef idx="2">
+              <a:schemeClr val="accent1">
+                <a:shade val="50000"/>
+              </a:schemeClr>
+            </a:lnRef>
+            <a:fillRef idx="1">
+              <a:schemeClr val="accent1"/>
+            </a:fillRef>
+            <a:effectRef idx="0">
+              <a:schemeClr val="accent1"/>
+            </a:effectRef>
+            <a:fontRef idx="minor">
+              <a:schemeClr val="lt1"/>
+            </a:fontRef>
+          </p:style>
+          <p:txBody>
+            <a:bodyPr rtlCol="0" anchor="ctr"/>
+            <a:lstStyle/>
+            <a:p>
+              <a:pPr algn="ctr"/>
+              <a:endParaRPr lang="ko-KR" altLang="en-US" sz="1400" b="1">
+                <a:solidFill>
+                  <a:schemeClr val="accent1">
+                    <a:lumMod val="75000"/>
+                  </a:schemeClr>
+                </a:solidFill>
+              </a:endParaRPr>
+            </a:p>
+          </p:txBody>
+        </p:sp>
+        <p:sp>
+          <p:nvSpPr>
+            <p:cNvPr id="29" name="직사각형 28"/>
+            <p:cNvSpPr/>
+            <p:nvPr/>
+          </p:nvSpPr>
+          <p:spPr>
+            <a:xfrm>
+              <a:off x="6215074" y="3000378"/>
+              <a:ext cx="785818" cy="781117"/>
+            </a:xfrm>
+            <a:prstGeom prst="rect">
+              <a:avLst/>
+            </a:prstGeom>
+            <a:solidFill>
+              <a:schemeClr val="accent6">
+                <a:lumMod val="60000"/>
+                <a:lumOff val="40000"/>
+              </a:schemeClr>
+            </a:solidFill>
+            <a:ln>
+              <a:noFill/>
+            </a:ln>
+          </p:spPr>
+          <p:style>
+            <a:lnRef idx="2">
+              <a:schemeClr val="accent1">
+                <a:shade val="50000"/>
+              </a:schemeClr>
+            </a:lnRef>
+            <a:fillRef idx="1">
+              <a:schemeClr val="accent1"/>
+            </a:fillRef>
+            <a:effectRef idx="0">
+              <a:schemeClr val="accent1"/>
+            </a:effectRef>
+            <a:fontRef idx="minor">
+              <a:schemeClr val="lt1"/>
+            </a:fontRef>
+          </p:style>
+          <p:txBody>
+            <a:bodyPr rtlCol="0" anchor="ctr"/>
+            <a:lstStyle/>
+            <a:p>
+              <a:pPr algn="ctr"/>
+              <a:endParaRPr lang="ko-KR" altLang="en-US" sz="1400" b="1">
+                <a:solidFill>
+                  <a:schemeClr val="accent1">
+                    <a:lumMod val="75000"/>
+                  </a:schemeClr>
+                </a:solidFill>
+              </a:endParaRPr>
+            </a:p>
+          </p:txBody>
+        </p:sp>
+        <p:sp>
+          <p:nvSpPr>
+            <p:cNvPr id="30" name="직사각형 29"/>
+            <p:cNvSpPr/>
+            <p:nvPr/>
+          </p:nvSpPr>
+          <p:spPr>
+            <a:xfrm>
+              <a:off x="7143768" y="3000378"/>
+              <a:ext cx="785818" cy="781117"/>
+            </a:xfrm>
+            <a:prstGeom prst="rect">
+              <a:avLst/>
+            </a:prstGeom>
+            <a:solidFill>
+              <a:schemeClr val="accent6">
+                <a:lumMod val="60000"/>
+                <a:lumOff val="40000"/>
+              </a:schemeClr>
+            </a:solidFill>
+            <a:ln>
+              <a:noFill/>
+            </a:ln>
+          </p:spPr>
+          <p:style>
+            <a:lnRef idx="2">
+              <a:schemeClr val="accent1">
+                <a:shade val="50000"/>
+              </a:schemeClr>
+            </a:lnRef>
+            <a:fillRef idx="1">
+              <a:schemeClr val="accent1"/>
+            </a:fillRef>
+            <a:effectRef idx="0">
+              <a:schemeClr val="accent1"/>
+            </a:effectRef>
+            <a:fontRef idx="minor">
+              <a:schemeClr val="lt1"/>
+            </a:fontRef>
+          </p:style>
+          <p:txBody>
+            <a:bodyPr rtlCol="0" anchor="ctr"/>
+            <a:lstStyle/>
+            <a:p>
+              <a:pPr algn="ctr"/>
+              <a:endParaRPr lang="ko-KR" altLang="en-US" sz="1400" b="1">
+                <a:solidFill>
+                  <a:schemeClr val="accent1">
+                    <a:lumMod val="75000"/>
+                  </a:schemeClr>
+                </a:solidFill>
+              </a:endParaRPr>
+            </a:p>
+          </p:txBody>
+        </p:sp>
+        <p:sp>
+          <p:nvSpPr>
+            <p:cNvPr id="31" name="직사각형 30"/>
+            <p:cNvSpPr/>
+            <p:nvPr/>
+          </p:nvSpPr>
+          <p:spPr>
+            <a:xfrm>
+              <a:off x="3357554" y="3000378"/>
+              <a:ext cx="785818" cy="781117"/>
+            </a:xfrm>
+            <a:prstGeom prst="rect">
+              <a:avLst/>
+            </a:prstGeom>
+            <a:solidFill>
+              <a:schemeClr val="accent6">
+                <a:lumMod val="60000"/>
+                <a:lumOff val="40000"/>
+              </a:schemeClr>
+            </a:solidFill>
+            <a:ln>
+              <a:noFill/>
+            </a:ln>
+          </p:spPr>
+          <p:style>
+            <a:lnRef idx="2">
+              <a:schemeClr val="accent1">
+                <a:shade val="50000"/>
+              </a:schemeClr>
+            </a:lnRef>
+            <a:fillRef idx="1">
+              <a:schemeClr val="accent1"/>
+            </a:fillRef>
+            <a:effectRef idx="0">
+              <a:schemeClr val="accent1"/>
+            </a:effectRef>
+            <a:fontRef idx="minor">
+              <a:schemeClr val="lt1"/>
+            </a:fontRef>
+          </p:style>
+          <p:txBody>
+            <a:bodyPr rtlCol="0" anchor="ctr"/>
+            <a:lstStyle/>
+            <a:p>
+              <a:pPr algn="ctr"/>
+              <a:endParaRPr lang="ko-KR" altLang="en-US" sz="1400" b="1">
+                <a:solidFill>
+                  <a:schemeClr val="accent1">
+                    <a:lumMod val="75000"/>
+                  </a:schemeClr>
+                </a:solidFill>
+              </a:endParaRPr>
+            </a:p>
+          </p:txBody>
+        </p:sp>
+        <p:sp>
+          <p:nvSpPr>
+            <p:cNvPr id="32" name="직사각형 31"/>
+            <p:cNvSpPr/>
+            <p:nvPr/>
+          </p:nvSpPr>
+          <p:spPr>
+            <a:xfrm>
+              <a:off x="4286248" y="3000378"/>
+              <a:ext cx="785818" cy="781117"/>
+            </a:xfrm>
+            <a:prstGeom prst="rect">
+              <a:avLst/>
+            </a:prstGeom>
+            <a:solidFill>
+              <a:schemeClr val="accent6">
+                <a:lumMod val="60000"/>
+                <a:lumOff val="40000"/>
+              </a:schemeClr>
+            </a:solidFill>
+            <a:ln>
+              <a:noFill/>
+            </a:ln>
+          </p:spPr>
+          <p:style>
+            <a:lnRef idx="2">
+              <a:schemeClr val="accent1">
+                <a:shade val="50000"/>
+              </a:schemeClr>
+            </a:lnRef>
+            <a:fillRef idx="1">
+              <a:schemeClr val="accent1"/>
+            </a:fillRef>
+            <a:effectRef idx="0">
+              <a:schemeClr val="accent1"/>
+            </a:effectRef>
+            <a:fontRef idx="minor">
+              <a:schemeClr val="lt1"/>
+            </a:fontRef>
+          </p:style>
+          <p:txBody>
+            <a:bodyPr rtlCol="0" anchor="ctr"/>
+            <a:lstStyle/>
+            <a:p>
+              <a:pPr algn="ctr"/>
+              <a:endParaRPr lang="ko-KR" altLang="en-US" sz="1400" b="1">
+                <a:solidFill>
+                  <a:schemeClr val="accent1">
+                    <a:lumMod val="75000"/>
+                  </a:schemeClr>
+                </a:solidFill>
+              </a:endParaRPr>
+            </a:p>
+          </p:txBody>
+        </p:sp>
+        <p:sp>
+          <p:nvSpPr>
+            <p:cNvPr id="33" name="직사각형 32"/>
+            <p:cNvSpPr/>
+            <p:nvPr/>
+          </p:nvSpPr>
+          <p:spPr>
+            <a:xfrm>
+              <a:off x="8572528" y="1500180"/>
+              <a:ext cx="571472" cy="2231761"/>
+            </a:xfrm>
+            <a:prstGeom prst="rect">
+              <a:avLst/>
+            </a:prstGeom>
+            <a:solidFill>
+              <a:schemeClr val="accent6">
+                <a:lumMod val="60000"/>
+                <a:lumOff val="40000"/>
+              </a:schemeClr>
+            </a:solidFill>
+            <a:ln>
+              <a:noFill/>
+            </a:ln>
+          </p:spPr>
+          <p:style>
+            <a:lnRef idx="2">
+              <a:schemeClr val="accent1">
+                <a:shade val="50000"/>
+              </a:schemeClr>
+            </a:lnRef>
+            <a:fillRef idx="1">
+              <a:schemeClr val="accent1"/>
+            </a:fillRef>
+            <a:effectRef idx="0">
+              <a:schemeClr val="accent1"/>
+            </a:effectRef>
+            <a:fontRef idx="minor">
+              <a:schemeClr val="lt1"/>
+            </a:fontRef>
+          </p:style>
+          <p:txBody>
+            <a:bodyPr rtlCol="0" anchor="ctr"/>
+            <a:lstStyle/>
+            <a:p>
+              <a:pPr algn="ctr"/>
+              <a:endParaRPr lang="ko-KR" altLang="en-US" sz="1400" b="1">
+                <a:solidFill>
+                  <a:schemeClr val="accent1">
+                    <a:lumMod val="75000"/>
+                  </a:schemeClr>
+                </a:solidFill>
+              </a:endParaRPr>
+            </a:p>
+          </p:txBody>
+        </p:sp>
+        <p:sp>
+          <p:nvSpPr>
+            <p:cNvPr id="34" name="직사각형 33"/>
+            <p:cNvSpPr/>
+            <p:nvPr/>
+          </p:nvSpPr>
+          <p:spPr>
+            <a:xfrm>
+              <a:off x="3099630" y="4000510"/>
+              <a:ext cx="5044269" cy="321829"/>
+            </a:xfrm>
+            <a:prstGeom prst="rect">
+              <a:avLst/>
+            </a:prstGeom>
+            <a:solidFill>
+              <a:schemeClr val="bg1">
+                <a:lumMod val="85000"/>
+              </a:schemeClr>
+            </a:solidFill>
+            <a:ln>
+              <a:noFill/>
+            </a:ln>
+          </p:spPr>
+          <p:style>
+            <a:lnRef idx="2">
+              <a:schemeClr val="accent1">
+                <a:shade val="50000"/>
+              </a:schemeClr>
+            </a:lnRef>
+            <a:fillRef idx="1">
+              <a:schemeClr val="accent1"/>
+            </a:fillRef>
+            <a:effectRef idx="0">
+              <a:schemeClr val="accent1"/>
+            </a:effectRef>
+            <a:fontRef idx="minor">
+              <a:schemeClr val="lt1"/>
+            </a:fontRef>
+          </p:style>
+          <p:txBody>
+            <a:bodyPr rtlCol="0" anchor="ctr"/>
+            <a:lstStyle/>
+            <a:p>
+              <a:pPr algn="ctr"/>
+              <a:endParaRPr lang="ko-KR" altLang="en-US" sz="1400"/>
+            </a:p>
+          </p:txBody>
+        </p:sp>
+        <p:sp>
+          <p:nvSpPr>
+            <p:cNvPr id="35" name="직사각형 34"/>
+            <p:cNvSpPr/>
+            <p:nvPr/>
+          </p:nvSpPr>
+          <p:spPr>
+            <a:xfrm>
+              <a:off x="0" y="4000510"/>
+              <a:ext cx="2428860" cy="321829"/>
+            </a:xfrm>
+            <a:prstGeom prst="rect">
+              <a:avLst/>
+            </a:prstGeom>
+            <a:solidFill>
+              <a:schemeClr val="bg1">
+                <a:lumMod val="85000"/>
+              </a:schemeClr>
+            </a:solidFill>
+            <a:ln>
+              <a:noFill/>
+            </a:ln>
+          </p:spPr>
+          <p:style>
+            <a:lnRef idx="2">
+              <a:schemeClr val="accent1">
+                <a:shade val="50000"/>
+              </a:schemeClr>
+            </a:lnRef>
+            <a:fillRef idx="1">
+              <a:schemeClr val="accent1"/>
+            </a:fillRef>
+            <a:effectRef idx="0">
+              <a:schemeClr val="accent1"/>
+            </a:effectRef>
+            <a:fontRef idx="minor">
+              <a:schemeClr val="lt1"/>
+            </a:fontRef>
+          </p:style>
+          <p:txBody>
+            <a:bodyPr rtlCol="0" anchor="ctr"/>
+            <a:lstStyle/>
+            <a:p>
+              <a:pPr algn="ctr"/>
+              <a:endParaRPr lang="ko-KR" altLang="en-US" sz="1400"/>
+            </a:p>
+          </p:txBody>
+        </p:sp>
+        <p:sp>
+          <p:nvSpPr>
+            <p:cNvPr id="36" name="직사각형 35"/>
+            <p:cNvSpPr/>
+            <p:nvPr/>
+          </p:nvSpPr>
+          <p:spPr>
+            <a:xfrm>
+              <a:off x="1714480" y="3714758"/>
+              <a:ext cx="714348" cy="571486"/>
+            </a:xfrm>
+            <a:prstGeom prst="rect">
+              <a:avLst/>
+            </a:prstGeom>
+            <a:solidFill>
+              <a:schemeClr val="bg1">
+                <a:lumMod val="85000"/>
+              </a:schemeClr>
+            </a:solidFill>
+            <a:ln>
+              <a:noFill/>
+            </a:ln>
+          </p:spPr>
+          <p:style>
+            <a:lnRef idx="2">
+              <a:schemeClr val="accent1">
+                <a:shade val="50000"/>
+              </a:schemeClr>
+            </a:lnRef>
+            <a:fillRef idx="1">
+              <a:schemeClr val="accent1"/>
+            </a:fillRef>
+            <a:effectRef idx="0">
+              <a:schemeClr val="accent1"/>
+            </a:effectRef>
+            <a:fontRef idx="minor">
+              <a:schemeClr val="lt1"/>
+            </a:fontRef>
+          </p:style>
+          <p:txBody>
+            <a:bodyPr rtlCol="0" anchor="ctr"/>
+            <a:lstStyle/>
+            <a:p>
+              <a:pPr algn="ctr"/>
+              <a:endParaRPr lang="ko-KR" altLang="en-US" sz="1400"/>
+            </a:p>
+          </p:txBody>
+        </p:sp>
+        <p:sp>
+          <p:nvSpPr>
+            <p:cNvPr id="37" name="직사각형 36"/>
+            <p:cNvSpPr/>
+            <p:nvPr/>
+          </p:nvSpPr>
+          <p:spPr>
+            <a:xfrm>
+              <a:off x="0" y="4286262"/>
+              <a:ext cx="714348" cy="857238"/>
+            </a:xfrm>
+            <a:prstGeom prst="rect">
+              <a:avLst/>
+            </a:prstGeom>
+            <a:solidFill>
+              <a:schemeClr val="bg1">
+                <a:lumMod val="85000"/>
+              </a:schemeClr>
+            </a:solidFill>
+            <a:ln>
+              <a:noFill/>
+            </a:ln>
+          </p:spPr>
+          <p:style>
+            <a:lnRef idx="2">
+              <a:schemeClr val="accent1">
+                <a:shade val="50000"/>
+              </a:schemeClr>
+            </a:lnRef>
+            <a:fillRef idx="1">
+              <a:schemeClr val="accent1"/>
+            </a:fillRef>
+            <a:effectRef idx="0">
+              <a:schemeClr val="accent1"/>
+            </a:effectRef>
+            <a:fontRef idx="minor">
+              <a:schemeClr val="lt1"/>
+            </a:fontRef>
+          </p:style>
+          <p:txBody>
+            <a:bodyPr rtlCol="0" anchor="ctr"/>
+            <a:lstStyle/>
+            <a:p>
+              <a:pPr algn="ctr"/>
+              <a:endParaRPr lang="ko-KR" altLang="en-US" sz="1400"/>
+            </a:p>
+          </p:txBody>
+        </p:sp>
+        <p:sp>
+          <p:nvSpPr>
+            <p:cNvPr id="38" name="TextBox 37"/>
+            <p:cNvSpPr txBox="1"/>
+            <p:nvPr/>
+          </p:nvSpPr>
+          <p:spPr>
+            <a:xfrm>
+              <a:off x="918726" y="27128"/>
+              <a:ext cx="1505058" cy="307777"/>
+            </a:xfrm>
+            <a:prstGeom prst="rect">
+              <a:avLst/>
+            </a:prstGeom>
+            <a:noFill/>
+          </p:spPr>
+          <p:txBody>
+            <a:bodyPr wrap="square" rtlCol="0">
+              <a:spAutoFit/>
+            </a:bodyPr>
+            <a:lstStyle/>
+            <a:p>
+              <a:pPr algn="ctr"/>
+              <a:r>
+                <a:rPr lang="ko-KR" altLang="en-US" sz="1400" b="1" dirty="0" smtClean="0"/>
+                <a:t>생선</a:t>
+              </a:r>
+              <a:r>
+                <a:rPr lang="en-US" altLang="ko-KR" sz="1400" b="1" dirty="0" smtClean="0"/>
+                <a:t>/</a:t>
+              </a:r>
+              <a:r>
+                <a:rPr lang="ko-KR" altLang="en-US" sz="1400" b="1" dirty="0" smtClean="0"/>
+                <a:t>해산물</a:t>
+              </a:r>
+              <a:r>
+                <a:rPr lang="en-US" altLang="ko-KR" sz="1400" b="1" dirty="0" smtClean="0"/>
+                <a:t>1</a:t>
+              </a:r>
+              <a:endParaRPr lang="ko-KR" altLang="en-US" sz="1400" b="1" dirty="0"/>
+            </a:p>
+          </p:txBody>
+        </p:sp>
+        <p:sp>
+          <p:nvSpPr>
+            <p:cNvPr id="40" name="TextBox 39"/>
+            <p:cNvSpPr txBox="1"/>
+            <p:nvPr/>
+          </p:nvSpPr>
+          <p:spPr>
+            <a:xfrm>
+              <a:off x="2981315" y="66564"/>
+              <a:ext cx="1103164" cy="307777"/>
+            </a:xfrm>
+            <a:prstGeom prst="rect">
+              <a:avLst/>
+            </a:prstGeom>
+            <a:noFill/>
+          </p:spPr>
+          <p:txBody>
+            <a:bodyPr wrap="square" rtlCol="0">
+              <a:spAutoFit/>
+            </a:bodyPr>
+            <a:lstStyle/>
+            <a:p>
+              <a:pPr algn="ctr"/>
+              <a:r>
+                <a:rPr lang="ko-KR" altLang="en-US" sz="1400" b="1" dirty="0" smtClean="0"/>
+                <a:t>정육</a:t>
+              </a:r>
+              <a:r>
+                <a:rPr lang="en-US" altLang="ko-KR" sz="1400" b="1" dirty="0" smtClean="0"/>
+                <a:t>/</a:t>
+              </a:r>
+              <a:r>
+                <a:rPr lang="ko-KR" altLang="en-US" sz="1400" b="1" dirty="0" smtClean="0"/>
+                <a:t>계란</a:t>
+              </a:r>
+              <a:r>
+                <a:rPr lang="en-US" altLang="ko-KR" sz="1400" b="1" dirty="0" smtClean="0"/>
+                <a:t>1</a:t>
+              </a:r>
+              <a:endParaRPr lang="ko-KR" altLang="en-US" sz="1400" b="1" dirty="0"/>
+            </a:p>
+          </p:txBody>
+        </p:sp>
+        <p:sp>
+          <p:nvSpPr>
+            <p:cNvPr id="41" name="TextBox 40"/>
+            <p:cNvSpPr txBox="1"/>
+            <p:nvPr/>
+          </p:nvSpPr>
+          <p:spPr>
+            <a:xfrm>
+              <a:off x="2860502" y="674651"/>
+              <a:ext cx="1341525" cy="307777"/>
+            </a:xfrm>
+            <a:prstGeom prst="rect">
+              <a:avLst/>
+            </a:prstGeom>
+            <a:noFill/>
+          </p:spPr>
+          <p:txBody>
+            <a:bodyPr wrap="square" rtlCol="0">
+              <a:spAutoFit/>
+            </a:bodyPr>
+            <a:lstStyle/>
+            <a:p>
+              <a:pPr algn="ctr"/>
+              <a:r>
+                <a:rPr lang="ko-KR" altLang="en-US" sz="1400" b="1" dirty="0" smtClean="0"/>
+                <a:t>정육</a:t>
+              </a:r>
+              <a:r>
+                <a:rPr lang="en-US" altLang="ko-KR" sz="1400" b="1" dirty="0" smtClean="0"/>
+                <a:t>/</a:t>
+              </a:r>
+              <a:r>
+                <a:rPr lang="ko-KR" altLang="en-US" sz="1400" b="1" dirty="0" smtClean="0"/>
+                <a:t>계란</a:t>
+              </a:r>
+              <a:r>
+                <a:rPr lang="en-US" altLang="ko-KR" sz="1400" b="1" dirty="0" smtClean="0"/>
+                <a:t>2</a:t>
+              </a:r>
+              <a:endParaRPr lang="ko-KR" altLang="en-US" sz="1400" b="1" dirty="0"/>
+            </a:p>
+          </p:txBody>
+        </p:sp>
+        <p:sp>
+          <p:nvSpPr>
+            <p:cNvPr id="42" name="TextBox 41"/>
+            <p:cNvSpPr txBox="1"/>
+            <p:nvPr/>
+          </p:nvSpPr>
+          <p:spPr>
+            <a:xfrm>
+              <a:off x="1205561" y="2154785"/>
+              <a:ext cx="699368" cy="307777"/>
+            </a:xfrm>
+            <a:prstGeom prst="rect">
+              <a:avLst/>
+            </a:prstGeom>
+            <a:noFill/>
+          </p:spPr>
+          <p:txBody>
+            <a:bodyPr wrap="square" rtlCol="0">
+              <a:spAutoFit/>
+            </a:bodyPr>
+            <a:lstStyle/>
+            <a:p>
+              <a:pPr algn="ctr"/>
+              <a:r>
+                <a:rPr lang="ko-KR" altLang="en-US" sz="1400" b="1" dirty="0" smtClean="0"/>
+                <a:t>과</a:t>
+              </a:r>
+              <a:r>
+                <a:rPr lang="ko-KR" altLang="en-US" sz="1400" b="1" dirty="0"/>
+                <a:t>일</a:t>
+              </a:r>
+            </a:p>
+          </p:txBody>
+        </p:sp>
+        <p:sp>
+          <p:nvSpPr>
+            <p:cNvPr id="43" name="TextBox 42"/>
+            <p:cNvSpPr txBox="1"/>
+            <p:nvPr/>
+          </p:nvSpPr>
+          <p:spPr>
+            <a:xfrm>
+              <a:off x="142860" y="1478009"/>
+              <a:ext cx="285752" cy="1384995"/>
+            </a:xfrm>
+            <a:prstGeom prst="rect">
+              <a:avLst/>
+            </a:prstGeom>
+            <a:noFill/>
+          </p:spPr>
+          <p:txBody>
+            <a:bodyPr wrap="square" rtlCol="0">
+              <a:spAutoFit/>
+            </a:bodyPr>
+            <a:lstStyle/>
+            <a:p>
+              <a:pPr algn="ctr"/>
+              <a:r>
+                <a:rPr lang="ko-KR" altLang="en-US" sz="1400" b="1" dirty="0" smtClean="0"/>
+                <a:t>채소</a:t>
+              </a:r>
+              <a:endParaRPr lang="en-US" altLang="ko-KR" sz="1400" b="1" dirty="0" smtClean="0"/>
+            </a:p>
+            <a:p>
+              <a:pPr algn="ctr"/>
+              <a:endParaRPr lang="en-US" altLang="ko-KR" sz="1400" b="1" dirty="0"/>
+            </a:p>
+            <a:p>
+              <a:pPr algn="ctr"/>
+              <a:r>
+                <a:rPr lang="ko-KR" altLang="en-US" sz="1400" b="1" dirty="0" smtClean="0"/>
+                <a:t>건나물</a:t>
+              </a:r>
+              <a:endParaRPr lang="ko-KR" altLang="en-US" sz="1400" b="1" dirty="0"/>
+            </a:p>
+          </p:txBody>
+        </p:sp>
+        <p:sp>
+          <p:nvSpPr>
+            <p:cNvPr id="44" name="TextBox 43"/>
+            <p:cNvSpPr txBox="1"/>
+            <p:nvPr/>
+          </p:nvSpPr>
+          <p:spPr>
+            <a:xfrm>
+              <a:off x="3276714" y="3214692"/>
+              <a:ext cx="1018935" cy="307777"/>
+            </a:xfrm>
+            <a:prstGeom prst="rect">
+              <a:avLst/>
+            </a:prstGeom>
+            <a:noFill/>
+          </p:spPr>
+          <p:txBody>
+            <a:bodyPr wrap="square" rtlCol="0">
+              <a:spAutoFit/>
+            </a:bodyPr>
+            <a:lstStyle/>
+            <a:p>
+              <a:pPr algn="ctr"/>
+              <a:r>
+                <a:rPr lang="ko-KR" altLang="en-US" sz="1400" b="1" dirty="0" smtClean="0"/>
+                <a:t>쌀</a:t>
+              </a:r>
+              <a:r>
+                <a:rPr lang="en-US" altLang="ko-KR" sz="1400" b="1" dirty="0"/>
+                <a:t>/</a:t>
+              </a:r>
+              <a:r>
+                <a:rPr lang="ko-KR" altLang="en-US" sz="1400" b="1" dirty="0" smtClean="0"/>
+                <a:t>잡곡</a:t>
+              </a:r>
+              <a:endParaRPr lang="ko-KR" altLang="en-US" sz="1400" b="1" dirty="0"/>
+            </a:p>
+          </p:txBody>
+        </p:sp>
+        <p:sp>
+          <p:nvSpPr>
+            <p:cNvPr id="45" name="TextBox 44"/>
+            <p:cNvSpPr txBox="1"/>
+            <p:nvPr/>
+          </p:nvSpPr>
+          <p:spPr>
+            <a:xfrm>
+              <a:off x="3198324" y="1308732"/>
+              <a:ext cx="714380" cy="307777"/>
+            </a:xfrm>
+            <a:prstGeom prst="rect">
+              <a:avLst/>
+            </a:prstGeom>
+            <a:noFill/>
+          </p:spPr>
+          <p:txBody>
+            <a:bodyPr wrap="square" rtlCol="0">
+              <a:spAutoFit/>
+            </a:bodyPr>
+            <a:lstStyle/>
+            <a:p>
+              <a:pPr algn="ctr"/>
+              <a:r>
+                <a:rPr lang="ko-KR" altLang="en-US" sz="1400" b="1" dirty="0" smtClean="0"/>
+                <a:t>반</a:t>
+              </a:r>
+              <a:r>
+                <a:rPr lang="ko-KR" altLang="en-US" sz="1400" b="1" dirty="0"/>
+                <a:t>찬</a:t>
+              </a:r>
+            </a:p>
+          </p:txBody>
+        </p:sp>
+        <p:sp>
+          <p:nvSpPr>
+            <p:cNvPr id="46" name="TextBox 45"/>
+            <p:cNvSpPr txBox="1"/>
+            <p:nvPr/>
+          </p:nvSpPr>
+          <p:spPr>
+            <a:xfrm>
+              <a:off x="2294503" y="2212409"/>
+              <a:ext cx="858199" cy="307777"/>
+            </a:xfrm>
+            <a:prstGeom prst="rect">
+              <a:avLst/>
+            </a:prstGeom>
+            <a:noFill/>
+          </p:spPr>
+          <p:txBody>
+            <a:bodyPr wrap="square" rtlCol="0">
+              <a:spAutoFit/>
+            </a:bodyPr>
+            <a:lstStyle/>
+            <a:p>
+              <a:pPr algn="ctr"/>
+              <a:r>
+                <a:rPr lang="ko-KR" altLang="en-US" sz="1400" b="1" dirty="0" smtClean="0"/>
+                <a:t>음료</a:t>
+              </a:r>
+              <a:endParaRPr lang="en-US" altLang="ko-KR" sz="1400" b="1" dirty="0" smtClean="0"/>
+            </a:p>
+          </p:txBody>
+        </p:sp>
+        <p:sp>
+          <p:nvSpPr>
+            <p:cNvPr id="48" name="TextBox 47"/>
+            <p:cNvSpPr txBox="1"/>
+            <p:nvPr/>
+          </p:nvSpPr>
+          <p:spPr>
+            <a:xfrm>
+              <a:off x="3286329" y="1986781"/>
+              <a:ext cx="366653" cy="738664"/>
+            </a:xfrm>
+            <a:prstGeom prst="rect">
+              <a:avLst/>
+            </a:prstGeom>
+            <a:noFill/>
+          </p:spPr>
+          <p:txBody>
+            <a:bodyPr wrap="square" rtlCol="0">
+              <a:spAutoFit/>
+            </a:bodyPr>
+            <a:lstStyle/>
+            <a:p>
+              <a:pPr algn="ctr"/>
+              <a:r>
+                <a:rPr lang="ko-KR" altLang="en-US" sz="1400" b="1" dirty="0"/>
+                <a:t>유</a:t>
+              </a:r>
+              <a:r>
+                <a:rPr lang="ko-KR" altLang="en-US" sz="1400" b="1" dirty="0" smtClean="0"/>
+                <a:t>제품</a:t>
+              </a:r>
+              <a:endParaRPr lang="ko-KR" altLang="en-US" sz="1400" b="1" dirty="0"/>
+            </a:p>
+          </p:txBody>
+        </p:sp>
+        <p:sp>
+          <p:nvSpPr>
+            <p:cNvPr id="49" name="TextBox 48"/>
+            <p:cNvSpPr txBox="1"/>
+            <p:nvPr/>
+          </p:nvSpPr>
+          <p:spPr>
+            <a:xfrm>
+              <a:off x="3744174" y="2197021"/>
+              <a:ext cx="792087" cy="307777"/>
+            </a:xfrm>
+            <a:prstGeom prst="rect">
+              <a:avLst/>
+            </a:prstGeom>
+            <a:noFill/>
+          </p:spPr>
+          <p:txBody>
+            <a:bodyPr wrap="square" rtlCol="0">
+              <a:spAutoFit/>
+            </a:bodyPr>
+            <a:lstStyle/>
+            <a:p>
+              <a:pPr algn="ctr"/>
+              <a:r>
+                <a:rPr lang="ko-KR" altLang="en-US" sz="1400" b="1" dirty="0" smtClean="0"/>
+                <a:t>주</a:t>
+              </a:r>
+              <a:r>
+                <a:rPr lang="ko-KR" altLang="en-US" sz="1400" b="1" dirty="0"/>
+                <a:t>류</a:t>
+              </a:r>
+              <a:endParaRPr lang="en-US" altLang="ko-KR" sz="1400" b="1" dirty="0" smtClean="0"/>
+            </a:p>
+          </p:txBody>
+        </p:sp>
+        <p:sp>
+          <p:nvSpPr>
+            <p:cNvPr id="51" name="TextBox 50"/>
+            <p:cNvSpPr txBox="1"/>
+            <p:nvPr/>
+          </p:nvSpPr>
+          <p:spPr>
+            <a:xfrm>
+              <a:off x="6786586" y="1308732"/>
+              <a:ext cx="642910" cy="307777"/>
+            </a:xfrm>
+            <a:prstGeom prst="rect">
+              <a:avLst/>
+            </a:prstGeom>
+            <a:noFill/>
+          </p:spPr>
+          <p:txBody>
+            <a:bodyPr wrap="square" rtlCol="0">
+              <a:spAutoFit/>
+            </a:bodyPr>
+            <a:lstStyle/>
+            <a:p>
+              <a:pPr algn="ctr"/>
+              <a:r>
+                <a:rPr lang="ko-KR" altLang="en-US" sz="1400" b="1" dirty="0" smtClean="0"/>
+                <a:t>과자</a:t>
+              </a:r>
+              <a:endParaRPr lang="ko-KR" altLang="en-US" sz="1400" b="1" dirty="0"/>
+            </a:p>
+          </p:txBody>
+        </p:sp>
+        <p:sp>
+          <p:nvSpPr>
+            <p:cNvPr id="52" name="TextBox 51"/>
+            <p:cNvSpPr txBox="1"/>
+            <p:nvPr/>
+          </p:nvSpPr>
+          <p:spPr>
+            <a:xfrm>
+              <a:off x="5787586" y="1178202"/>
+              <a:ext cx="784678" cy="523220"/>
+            </a:xfrm>
+            <a:prstGeom prst="rect">
+              <a:avLst/>
+            </a:prstGeom>
+            <a:noFill/>
+          </p:spPr>
+          <p:txBody>
+            <a:bodyPr wrap="square" rtlCol="0">
+              <a:spAutoFit/>
+            </a:bodyPr>
+            <a:lstStyle/>
+            <a:p>
+              <a:pPr algn="ctr"/>
+              <a:r>
+                <a:rPr lang="ko-KR" altLang="en-US" sz="1400" b="1" dirty="0" smtClean="0"/>
+                <a:t>커피</a:t>
+              </a:r>
+              <a:endParaRPr lang="en-US" altLang="ko-KR" sz="1400" b="1" dirty="0" smtClean="0"/>
+            </a:p>
+            <a:p>
+              <a:pPr algn="ctr"/>
+              <a:r>
+                <a:rPr lang="ko-KR" altLang="en-US" sz="1400" b="1" dirty="0" smtClean="0"/>
+                <a:t>차</a:t>
+              </a:r>
+              <a:endParaRPr lang="en-US" altLang="ko-KR" sz="1400" b="1" dirty="0" smtClean="0"/>
+            </a:p>
+          </p:txBody>
+        </p:sp>
+        <p:sp>
+          <p:nvSpPr>
+            <p:cNvPr id="53" name="TextBox 52"/>
+            <p:cNvSpPr txBox="1"/>
+            <p:nvPr/>
+          </p:nvSpPr>
+          <p:spPr>
+            <a:xfrm>
+              <a:off x="5375685" y="3221659"/>
+              <a:ext cx="607207" cy="307777"/>
+            </a:xfrm>
+            <a:prstGeom prst="rect">
+              <a:avLst/>
+            </a:prstGeom>
+            <a:noFill/>
+          </p:spPr>
+          <p:txBody>
+            <a:bodyPr wrap="square" rtlCol="0">
+              <a:spAutoFit/>
+            </a:bodyPr>
+            <a:lstStyle/>
+            <a:p>
+              <a:pPr algn="ctr"/>
+              <a:r>
+                <a:rPr lang="ko-KR" altLang="en-US" sz="1400" b="1" dirty="0" smtClean="0"/>
+                <a:t>라</a:t>
+              </a:r>
+              <a:r>
+                <a:rPr lang="ko-KR" altLang="en-US" sz="1400" b="1" dirty="0"/>
+                <a:t>면</a:t>
+              </a:r>
+            </a:p>
+          </p:txBody>
+        </p:sp>
+        <p:sp>
+          <p:nvSpPr>
+            <p:cNvPr id="54" name="TextBox 53"/>
+            <p:cNvSpPr txBox="1"/>
+            <p:nvPr/>
+          </p:nvSpPr>
+          <p:spPr>
+            <a:xfrm>
+              <a:off x="4041946" y="3021604"/>
+              <a:ext cx="1249781" cy="738664"/>
+            </a:xfrm>
+            <a:prstGeom prst="rect">
+              <a:avLst/>
+            </a:prstGeom>
+            <a:noFill/>
+          </p:spPr>
+          <p:txBody>
+            <a:bodyPr wrap="square" rtlCol="0">
+              <a:spAutoFit/>
+            </a:bodyPr>
+            <a:lstStyle/>
+            <a:p>
+              <a:pPr algn="ctr"/>
+              <a:r>
+                <a:rPr lang="ko-KR" altLang="en-US" sz="1400" b="1" dirty="0" smtClean="0"/>
+                <a:t>식용류</a:t>
+              </a:r>
+              <a:endParaRPr lang="en-US" altLang="ko-KR" sz="1400" b="1" dirty="0"/>
+            </a:p>
+            <a:p>
+              <a:pPr algn="ctr"/>
+              <a:r>
+                <a:rPr lang="ko-KR" altLang="en-US" sz="1400" b="1" dirty="0" smtClean="0"/>
+                <a:t>조미료</a:t>
+              </a:r>
+              <a:endParaRPr lang="en-US" altLang="ko-KR" sz="1400" b="1" dirty="0" smtClean="0"/>
+            </a:p>
+            <a:p>
+              <a:pPr algn="ctr"/>
+              <a:r>
+                <a:rPr lang="ko-KR" altLang="en-US" sz="1400" b="1" dirty="0" smtClean="0"/>
+                <a:t>밀가</a:t>
+              </a:r>
+              <a:r>
+                <a:rPr lang="ko-KR" altLang="en-US" sz="1400" b="1" dirty="0"/>
+                <a:t>루</a:t>
+              </a:r>
+            </a:p>
+          </p:txBody>
+        </p:sp>
+        <p:sp>
+          <p:nvSpPr>
+            <p:cNvPr id="55" name="TextBox 54"/>
+            <p:cNvSpPr txBox="1"/>
+            <p:nvPr/>
+          </p:nvSpPr>
+          <p:spPr>
+            <a:xfrm>
+              <a:off x="6107925" y="3098548"/>
+              <a:ext cx="1000116" cy="523220"/>
+            </a:xfrm>
+            <a:prstGeom prst="rect">
+              <a:avLst/>
+            </a:prstGeom>
+            <a:noFill/>
+          </p:spPr>
+          <p:txBody>
+            <a:bodyPr wrap="square" rtlCol="0">
+              <a:spAutoFit/>
+            </a:bodyPr>
+            <a:lstStyle/>
+            <a:p>
+              <a:pPr algn="ctr"/>
+              <a:r>
+                <a:rPr lang="ko-KR" altLang="en-US" sz="1400" b="1" dirty="0" smtClean="0"/>
+                <a:t>통조림</a:t>
+              </a:r>
+              <a:endParaRPr lang="en-US" altLang="ko-KR" sz="1400" b="1" dirty="0"/>
+            </a:p>
+            <a:p>
+              <a:pPr algn="ctr"/>
+              <a:r>
+                <a:rPr lang="ko-KR" altLang="en-US" sz="1400" b="1" dirty="0" smtClean="0"/>
+                <a:t>캔</a:t>
+              </a:r>
+              <a:endParaRPr lang="ko-KR" altLang="en-US" sz="1400" b="1" dirty="0"/>
+            </a:p>
+          </p:txBody>
+        </p:sp>
+        <p:sp>
+          <p:nvSpPr>
+            <p:cNvPr id="56" name="TextBox 55"/>
+            <p:cNvSpPr txBox="1"/>
+            <p:nvPr/>
+          </p:nvSpPr>
+          <p:spPr>
+            <a:xfrm>
+              <a:off x="7237815" y="3008044"/>
+              <a:ext cx="597724" cy="738664"/>
+            </a:xfrm>
+            <a:prstGeom prst="rect">
+              <a:avLst/>
+            </a:prstGeom>
+            <a:noFill/>
+          </p:spPr>
+          <p:txBody>
+            <a:bodyPr wrap="square" rtlCol="0">
+              <a:spAutoFit/>
+            </a:bodyPr>
+            <a:lstStyle/>
+            <a:p>
+              <a:pPr algn="ctr"/>
+              <a:r>
+                <a:rPr lang="ko-KR" altLang="en-US" sz="1400" b="1" dirty="0" smtClean="0"/>
+                <a:t>장류</a:t>
+              </a:r>
+              <a:endParaRPr lang="en-US" altLang="ko-KR" sz="1400" b="1" dirty="0" smtClean="0"/>
+            </a:p>
+            <a:p>
+              <a:pPr algn="ctr"/>
+              <a:r>
+                <a:rPr lang="ko-KR" altLang="en-US" sz="1400" b="1" dirty="0" smtClean="0"/>
+                <a:t>케찹</a:t>
+              </a:r>
+              <a:endParaRPr lang="en-US" altLang="ko-KR" sz="1400" b="1" dirty="0" smtClean="0"/>
+            </a:p>
+            <a:p>
+              <a:pPr algn="ctr"/>
+              <a:r>
+                <a:rPr lang="ko-KR" altLang="en-US" sz="1400" b="1" dirty="0" smtClean="0"/>
+                <a:t>소</a:t>
+              </a:r>
+              <a:r>
+                <a:rPr lang="ko-KR" altLang="en-US" sz="1400" b="1" dirty="0"/>
+                <a:t>스</a:t>
+              </a:r>
+            </a:p>
+          </p:txBody>
+        </p:sp>
+        <p:sp>
+          <p:nvSpPr>
+            <p:cNvPr id="59" name="TextBox 58"/>
+            <p:cNvSpPr txBox="1"/>
+            <p:nvPr/>
+          </p:nvSpPr>
+          <p:spPr>
+            <a:xfrm>
+              <a:off x="8033755" y="268572"/>
+              <a:ext cx="833164" cy="523220"/>
+            </a:xfrm>
+            <a:prstGeom prst="rect">
+              <a:avLst/>
+            </a:prstGeom>
+            <a:noFill/>
+          </p:spPr>
+          <p:txBody>
+            <a:bodyPr wrap="square" rtlCol="0">
+              <a:spAutoFit/>
+            </a:bodyPr>
+            <a:lstStyle/>
+            <a:p>
+              <a:pPr algn="ctr"/>
+              <a:r>
+                <a:rPr lang="ko-KR" altLang="en-US" sz="1400" b="1" dirty="0" smtClean="0"/>
+                <a:t>세제</a:t>
+              </a:r>
+              <a:endParaRPr lang="en-US" altLang="ko-KR" sz="1400" b="1" dirty="0" smtClean="0"/>
+            </a:p>
+            <a:p>
+              <a:pPr algn="ctr"/>
+              <a:r>
+                <a:rPr lang="ko-KR" altLang="en-US" sz="1400" b="1" dirty="0" smtClean="0"/>
+                <a:t>화장지</a:t>
+              </a:r>
+              <a:endParaRPr lang="ko-KR" altLang="en-US" sz="1400" b="1" dirty="0"/>
+            </a:p>
+          </p:txBody>
+        </p:sp>
+        <p:sp>
+          <p:nvSpPr>
+            <p:cNvPr id="60" name="TextBox 59"/>
+            <p:cNvSpPr txBox="1"/>
+            <p:nvPr/>
+          </p:nvSpPr>
+          <p:spPr>
+            <a:xfrm>
+              <a:off x="6027545" y="53891"/>
+              <a:ext cx="1946694" cy="307777"/>
+            </a:xfrm>
+            <a:prstGeom prst="rect">
+              <a:avLst/>
+            </a:prstGeom>
+            <a:noFill/>
+          </p:spPr>
+          <p:txBody>
+            <a:bodyPr wrap="square" rtlCol="0">
+              <a:spAutoFit/>
+            </a:bodyPr>
+            <a:lstStyle/>
+            <a:p>
+              <a:pPr algn="ctr"/>
+              <a:r>
+                <a:rPr lang="ko-KR" altLang="en-US" sz="1400" b="1" dirty="0" smtClean="0"/>
+                <a:t>랩</a:t>
+              </a:r>
+              <a:r>
+                <a:rPr lang="en-US" altLang="ko-KR" sz="1400" b="1" dirty="0" smtClean="0"/>
+                <a:t>/</a:t>
+              </a:r>
+              <a:r>
+                <a:rPr lang="ko-KR" altLang="en-US" sz="1400" b="1" dirty="0" smtClean="0"/>
+                <a:t>호일</a:t>
+              </a:r>
+              <a:r>
+                <a:rPr lang="en-US" altLang="ko-KR" sz="1400" b="1" dirty="0" smtClean="0"/>
+                <a:t>/</a:t>
+              </a:r>
+              <a:r>
+                <a:rPr lang="ko-KR" altLang="en-US" sz="1400" b="1" dirty="0" smtClean="0"/>
+                <a:t>고무장갑</a:t>
+              </a:r>
+              <a:endParaRPr lang="ko-KR" altLang="en-US" sz="1400" b="1" dirty="0"/>
+            </a:p>
+          </p:txBody>
+        </p:sp>
+        <p:sp>
+          <p:nvSpPr>
+            <p:cNvPr id="61" name="TextBox 60"/>
+            <p:cNvSpPr txBox="1"/>
+            <p:nvPr/>
+          </p:nvSpPr>
+          <p:spPr>
+            <a:xfrm>
+              <a:off x="4698534" y="53892"/>
+              <a:ext cx="1711092" cy="307777"/>
+            </a:xfrm>
+            <a:prstGeom prst="rect">
+              <a:avLst/>
+            </a:prstGeom>
+            <a:noFill/>
+          </p:spPr>
+          <p:txBody>
+            <a:bodyPr wrap="square" rtlCol="0">
+              <a:spAutoFit/>
+            </a:bodyPr>
+            <a:lstStyle/>
+            <a:p>
+              <a:pPr algn="ctr"/>
+              <a:r>
+                <a:rPr lang="ko-KR" altLang="en-US" sz="1400" b="1" dirty="0" smtClean="0"/>
+                <a:t>헤어</a:t>
+              </a:r>
+              <a:r>
+                <a:rPr lang="en-US" altLang="ko-KR" sz="1400" b="1" dirty="0" smtClean="0"/>
+                <a:t>/</a:t>
+              </a:r>
+              <a:r>
+                <a:rPr lang="ko-KR" altLang="en-US" sz="1400" b="1" dirty="0" smtClean="0"/>
+                <a:t>세안</a:t>
+              </a:r>
+              <a:r>
+                <a:rPr lang="en-US" altLang="ko-KR" sz="1400" b="1" dirty="0" smtClean="0"/>
+                <a:t>/</a:t>
+              </a:r>
+              <a:r>
+                <a:rPr lang="ko-KR" altLang="en-US" sz="1400" b="1" dirty="0" smtClean="0"/>
+                <a:t>바디</a:t>
+              </a:r>
+              <a:endParaRPr lang="ko-KR" altLang="en-US" sz="1400" b="1" dirty="0"/>
+            </a:p>
+          </p:txBody>
+        </p:sp>
+        <p:sp>
+          <p:nvSpPr>
+            <p:cNvPr id="62" name="TextBox 61"/>
+            <p:cNvSpPr txBox="1"/>
+            <p:nvPr/>
+          </p:nvSpPr>
+          <p:spPr>
+            <a:xfrm>
+              <a:off x="8604172" y="1503007"/>
+              <a:ext cx="500066" cy="2246769"/>
+            </a:xfrm>
+            <a:prstGeom prst="rect">
+              <a:avLst/>
+            </a:prstGeom>
+            <a:noFill/>
+          </p:spPr>
+          <p:txBody>
+            <a:bodyPr wrap="square" rtlCol="0">
+              <a:spAutoFit/>
+            </a:bodyPr>
+            <a:lstStyle/>
+            <a:p>
+              <a:pPr algn="ctr"/>
+              <a:r>
+                <a:rPr lang="ko-KR" altLang="en-US" sz="1400" b="1" dirty="0" smtClean="0"/>
+                <a:t>조리</a:t>
+              </a:r>
+              <a:endParaRPr lang="en-US" altLang="ko-KR" sz="1400" b="1" dirty="0" smtClean="0"/>
+            </a:p>
+            <a:p>
+              <a:pPr algn="ctr"/>
+              <a:endParaRPr lang="en-US" altLang="ko-KR" sz="1400" b="1" dirty="0"/>
+            </a:p>
+            <a:p>
+              <a:pPr algn="ctr"/>
+              <a:r>
+                <a:rPr lang="ko-KR" altLang="en-US" sz="1400" b="1" dirty="0" smtClean="0"/>
+                <a:t>주방용품</a:t>
+              </a:r>
+              <a:endParaRPr lang="en-US" altLang="ko-KR" sz="1400" b="1" dirty="0" smtClean="0"/>
+            </a:p>
+            <a:p>
+              <a:pPr algn="ctr"/>
+              <a:endParaRPr lang="en-US" altLang="ko-KR" sz="1400" b="1" dirty="0" smtClean="0"/>
+            </a:p>
+            <a:p>
+              <a:pPr algn="ctr"/>
+              <a:r>
+                <a:rPr lang="ko-KR" altLang="en-US" sz="1400" b="1" dirty="0" smtClean="0"/>
+                <a:t>그릇</a:t>
+              </a:r>
+              <a:endParaRPr lang="en-US" altLang="ko-KR" sz="1400" b="1" dirty="0" smtClean="0"/>
+            </a:p>
+          </p:txBody>
+        </p:sp>
+        <p:sp>
+          <p:nvSpPr>
+            <p:cNvPr id="63" name="TextBox 62"/>
+            <p:cNvSpPr txBox="1"/>
+            <p:nvPr/>
+          </p:nvSpPr>
+          <p:spPr>
+            <a:xfrm>
+              <a:off x="4786314" y="4000510"/>
+              <a:ext cx="1357322" cy="307777"/>
+            </a:xfrm>
+            <a:prstGeom prst="rect">
+              <a:avLst/>
+            </a:prstGeom>
+            <a:noFill/>
+          </p:spPr>
+          <p:txBody>
+            <a:bodyPr wrap="square" rtlCol="0">
+              <a:spAutoFit/>
+            </a:bodyPr>
+            <a:lstStyle/>
+            <a:p>
+              <a:pPr algn="ctr"/>
+              <a:r>
+                <a:rPr lang="ko-KR" altLang="en-US" sz="1400" dirty="0" smtClean="0"/>
+                <a:t>카운</a:t>
+              </a:r>
+              <a:r>
+                <a:rPr lang="ko-KR" altLang="en-US" sz="1400" dirty="0"/>
+                <a:t>터</a:t>
+              </a:r>
+            </a:p>
+          </p:txBody>
+        </p:sp>
+        <p:sp>
+          <p:nvSpPr>
+            <p:cNvPr id="64" name="TextBox 63"/>
+            <p:cNvSpPr txBox="1"/>
+            <p:nvPr/>
+          </p:nvSpPr>
+          <p:spPr>
+            <a:xfrm>
+              <a:off x="485021" y="3994484"/>
+              <a:ext cx="1357322" cy="307777"/>
+            </a:xfrm>
+            <a:prstGeom prst="rect">
+              <a:avLst/>
+            </a:prstGeom>
+            <a:noFill/>
+          </p:spPr>
+          <p:txBody>
+            <a:bodyPr wrap="square" rtlCol="0">
+              <a:spAutoFit/>
+            </a:bodyPr>
+            <a:lstStyle/>
+            <a:p>
+              <a:pPr algn="ctr"/>
+              <a:r>
+                <a:rPr lang="ko-KR" altLang="en-US" sz="1400" dirty="0" smtClean="0"/>
+                <a:t>입구</a:t>
+              </a:r>
+              <a:endParaRPr lang="ko-KR" altLang="en-US" sz="1400" dirty="0"/>
+            </a:p>
+          </p:txBody>
+        </p:sp>
+        <p:sp>
+          <p:nvSpPr>
+            <p:cNvPr id="65" name="TextBox 64"/>
+            <p:cNvSpPr txBox="1"/>
+            <p:nvPr/>
+          </p:nvSpPr>
+          <p:spPr>
+            <a:xfrm>
+              <a:off x="861548" y="1324121"/>
+              <a:ext cx="1643074" cy="307777"/>
+            </a:xfrm>
+            <a:prstGeom prst="rect">
+              <a:avLst/>
+            </a:prstGeom>
+            <a:noFill/>
+          </p:spPr>
+          <p:txBody>
+            <a:bodyPr wrap="square" rtlCol="0">
+              <a:spAutoFit/>
+            </a:bodyPr>
+            <a:lstStyle/>
+            <a:p>
+              <a:pPr algn="ctr"/>
+              <a:r>
+                <a:rPr lang="ko-KR" altLang="en-US" sz="1400" b="1" dirty="0" smtClean="0"/>
+                <a:t>두부</a:t>
+              </a:r>
+              <a:r>
+                <a:rPr lang="en-US" altLang="ko-KR" sz="1400" b="1" dirty="0" smtClean="0"/>
+                <a:t>/</a:t>
+              </a:r>
+              <a:r>
+                <a:rPr lang="ko-KR" altLang="en-US" sz="1400" b="1" dirty="0" smtClean="0"/>
+                <a:t>김치</a:t>
+              </a:r>
+              <a:endParaRPr lang="ko-KR" altLang="en-US" sz="1400" b="1" dirty="0"/>
+            </a:p>
+          </p:txBody>
+        </p:sp>
+        <p:pic>
+          <p:nvPicPr>
+            <p:cNvPr id="2" name="그림 1"/>
+            <p:cNvPicPr>
+              <a:picLocks noChangeAspect="1"/>
+            </p:cNvPicPr>
+            <p:nvPr/>
+          </p:nvPicPr>
+          <p:blipFill>
+            <a:blip r:embed="rId3" cstate="print">
+              <a:extLst>
+                <a:ext uri="{28A0092B-C50C-407E-A947-70E740481C1C}">
+                  <a14:useLocalDpi xmlns:a14="http://schemas.microsoft.com/office/drawing/2010/main" val="0"/>
+                </a:ext>
+              </a:extLst>
+            </a:blip>
+            <a:stretch>
+              <a:fillRect/>
+            </a:stretch>
+          </p:blipFill>
+          <p:spPr>
+            <a:xfrm>
+              <a:off x="835183" y="4286262"/>
+              <a:ext cx="379247" cy="379247"/>
+            </a:xfrm>
+            <a:prstGeom prst="rect">
+              <a:avLst/>
+            </a:prstGeom>
+          </p:spPr>
+        </p:pic>
+        <p:pic>
+          <p:nvPicPr>
+            <p:cNvPr id="3" name="그림 2"/>
+            <p:cNvPicPr>
+              <a:picLocks noChangeAspect="1"/>
+            </p:cNvPicPr>
+            <p:nvPr/>
+          </p:nvPicPr>
+          <p:blipFill>
+            <a:blip r:embed="rId4" cstate="print">
+              <a:extLst>
+                <a:ext uri="{28A0092B-C50C-407E-A947-70E740481C1C}">
+                  <a14:useLocalDpi xmlns:a14="http://schemas.microsoft.com/office/drawing/2010/main" val="0"/>
+                </a:ext>
+              </a:extLst>
+            </a:blip>
+            <a:stretch>
+              <a:fillRect/>
+            </a:stretch>
+          </p:blipFill>
+          <p:spPr>
+            <a:xfrm>
+              <a:off x="2404263" y="3781495"/>
+              <a:ext cx="334946" cy="334946"/>
+            </a:xfrm>
+            <a:prstGeom prst="rect">
+              <a:avLst/>
+            </a:prstGeom>
+          </p:spPr>
+        </p:pic>
+        <p:pic>
+          <p:nvPicPr>
+            <p:cNvPr id="66" name="그림 65"/>
+            <p:cNvPicPr>
+              <a:picLocks noChangeAspect="1"/>
+            </p:cNvPicPr>
+            <p:nvPr/>
+          </p:nvPicPr>
+          <p:blipFill>
+            <a:blip r:embed="rId3" cstate="print">
+              <a:extLst>
+                <a:ext uri="{28A0092B-C50C-407E-A947-70E740481C1C}">
+                  <a14:useLocalDpi xmlns:a14="http://schemas.microsoft.com/office/drawing/2010/main" val="0"/>
+                </a:ext>
+              </a:extLst>
+            </a:blip>
+            <a:stretch>
+              <a:fillRect/>
+            </a:stretch>
+          </p:blipFill>
+          <p:spPr>
+            <a:xfrm>
+              <a:off x="1150188" y="4286262"/>
+              <a:ext cx="379247" cy="379247"/>
+            </a:xfrm>
+            <a:prstGeom prst="rect">
+              <a:avLst/>
+            </a:prstGeom>
+          </p:spPr>
+        </p:pic>
+        <p:pic>
+          <p:nvPicPr>
+            <p:cNvPr id="67" name="그림 66"/>
+            <p:cNvPicPr>
+              <a:picLocks noChangeAspect="1"/>
+            </p:cNvPicPr>
+            <p:nvPr/>
+          </p:nvPicPr>
+          <p:blipFill>
+            <a:blip r:embed="rId3" cstate="print">
+              <a:extLst>
+                <a:ext uri="{28A0092B-C50C-407E-A947-70E740481C1C}">
+                  <a14:useLocalDpi xmlns:a14="http://schemas.microsoft.com/office/drawing/2010/main" val="0"/>
+                </a:ext>
+              </a:extLst>
+            </a:blip>
+            <a:stretch>
+              <a:fillRect/>
+            </a:stretch>
+          </p:blipFill>
+          <p:spPr>
+            <a:xfrm>
+              <a:off x="1866118" y="4286243"/>
+              <a:ext cx="379247" cy="379247"/>
+            </a:xfrm>
+            <a:prstGeom prst="rect">
+              <a:avLst/>
+            </a:prstGeom>
+          </p:spPr>
+        </p:pic>
+        <p:pic>
+          <p:nvPicPr>
+            <p:cNvPr id="68" name="그림 67"/>
+            <p:cNvPicPr>
+              <a:picLocks noChangeAspect="1"/>
+            </p:cNvPicPr>
+            <p:nvPr/>
+          </p:nvPicPr>
+          <p:blipFill>
+            <a:blip r:embed="rId3" cstate="print">
+              <a:extLst>
+                <a:ext uri="{28A0092B-C50C-407E-A947-70E740481C1C}">
+                  <a14:useLocalDpi xmlns:a14="http://schemas.microsoft.com/office/drawing/2010/main" val="0"/>
+                </a:ext>
+              </a:extLst>
+            </a:blip>
+            <a:stretch>
+              <a:fillRect/>
+            </a:stretch>
+          </p:blipFill>
+          <p:spPr>
+            <a:xfrm>
+              <a:off x="1513512" y="4286244"/>
+              <a:ext cx="379247" cy="379247"/>
+            </a:xfrm>
+            <a:prstGeom prst="rect">
+              <a:avLst/>
+            </a:prstGeom>
+          </p:spPr>
+        </p:pic>
+        <p:sp>
+          <p:nvSpPr>
+            <p:cNvPr id="69" name="TextBox 68"/>
+            <p:cNvSpPr txBox="1"/>
+            <p:nvPr/>
+          </p:nvSpPr>
+          <p:spPr>
+            <a:xfrm>
+              <a:off x="1001754" y="642925"/>
+              <a:ext cx="1505058" cy="307777"/>
+            </a:xfrm>
+            <a:prstGeom prst="rect">
+              <a:avLst/>
+            </a:prstGeom>
+            <a:noFill/>
+          </p:spPr>
+          <p:txBody>
+            <a:bodyPr wrap="square" rtlCol="0">
+              <a:spAutoFit/>
+            </a:bodyPr>
+            <a:lstStyle/>
+            <a:p>
+              <a:pPr algn="ctr"/>
+              <a:r>
+                <a:rPr lang="ko-KR" altLang="en-US" sz="1400" b="1" dirty="0"/>
+                <a:t>생선</a:t>
+              </a:r>
+              <a:r>
+                <a:rPr lang="en-US" altLang="ko-KR" sz="1400" b="1" dirty="0"/>
+                <a:t>/</a:t>
+              </a:r>
+              <a:r>
+                <a:rPr lang="ko-KR" altLang="en-US" sz="1400" b="1" dirty="0" smtClean="0"/>
+                <a:t>해산물</a:t>
+              </a:r>
+              <a:r>
+                <a:rPr lang="en-US" altLang="ko-KR" sz="1400" b="1" dirty="0" smtClean="0"/>
+                <a:t>2</a:t>
+              </a:r>
+              <a:endParaRPr lang="ko-KR" altLang="en-US" sz="1400" b="1" dirty="0"/>
+            </a:p>
+          </p:txBody>
+        </p:sp>
+        <p:sp>
+          <p:nvSpPr>
+            <p:cNvPr id="70" name="TextBox 69"/>
+            <p:cNvSpPr txBox="1"/>
+            <p:nvPr/>
+          </p:nvSpPr>
+          <p:spPr>
+            <a:xfrm>
+              <a:off x="4683486" y="1201010"/>
+              <a:ext cx="1170836" cy="523220"/>
+            </a:xfrm>
+            <a:prstGeom prst="rect">
+              <a:avLst/>
+            </a:prstGeom>
+            <a:noFill/>
+          </p:spPr>
+          <p:txBody>
+            <a:bodyPr wrap="square" rtlCol="0">
+              <a:spAutoFit/>
+            </a:bodyPr>
+            <a:lstStyle/>
+            <a:p>
+              <a:pPr algn="ctr"/>
+              <a:r>
+                <a:rPr lang="ko-KR" altLang="en-US" sz="1400" b="1" dirty="0" smtClean="0"/>
+                <a:t>냉동식품</a:t>
+              </a:r>
+              <a:endParaRPr lang="en-US" altLang="ko-KR" sz="1400" b="1" dirty="0" smtClean="0"/>
+            </a:p>
+            <a:p>
+              <a:pPr algn="ctr"/>
+              <a:r>
+                <a:rPr lang="ko-KR" altLang="en-US" sz="1400" b="1" dirty="0" smtClean="0"/>
+                <a:t>아이스크</a:t>
+              </a:r>
+              <a:r>
+                <a:rPr lang="ko-KR" altLang="en-US" sz="1400" b="1" dirty="0"/>
+                <a:t>림</a:t>
+              </a:r>
+            </a:p>
+          </p:txBody>
+        </p:sp>
+        <p:sp>
+          <p:nvSpPr>
+            <p:cNvPr id="71" name="직사각형 70"/>
+            <p:cNvSpPr/>
+            <p:nvPr/>
+          </p:nvSpPr>
+          <p:spPr>
+            <a:xfrm>
+              <a:off x="5929322" y="2528255"/>
+              <a:ext cx="928725" cy="223176"/>
+            </a:xfrm>
+            <a:prstGeom prst="rect">
+              <a:avLst/>
+            </a:prstGeom>
+            <a:solidFill>
+              <a:schemeClr val="accent6">
+                <a:lumMod val="60000"/>
+                <a:lumOff val="40000"/>
+              </a:schemeClr>
+            </a:solidFill>
+            <a:ln>
+              <a:noFill/>
+            </a:ln>
+          </p:spPr>
+          <p:style>
+            <a:lnRef idx="2">
+              <a:schemeClr val="accent1">
+                <a:shade val="50000"/>
+              </a:schemeClr>
+            </a:lnRef>
+            <a:fillRef idx="1">
+              <a:schemeClr val="accent1"/>
+            </a:fillRef>
+            <a:effectRef idx="0">
+              <a:schemeClr val="accent1"/>
+            </a:effectRef>
+            <a:fontRef idx="minor">
+              <a:schemeClr val="lt1"/>
+            </a:fontRef>
+          </p:style>
+          <p:txBody>
+            <a:bodyPr rtlCol="0" anchor="ctr"/>
+            <a:lstStyle/>
+            <a:p>
+              <a:pPr algn="ctr"/>
+              <a:r>
+                <a:rPr lang="ko-KR" altLang="en-US" sz="1400" b="1" dirty="0" smtClean="0">
+                  <a:solidFill>
+                    <a:schemeClr val="tx1"/>
+                  </a:solidFill>
+                </a:rPr>
+                <a:t>행사</a:t>
+              </a:r>
+              <a:r>
+                <a:rPr lang="en-US" altLang="ko-KR" sz="1400" b="1" dirty="0" smtClean="0">
+                  <a:solidFill>
+                    <a:schemeClr val="tx1"/>
+                  </a:solidFill>
+                </a:rPr>
+                <a:t>7</a:t>
+              </a:r>
+              <a:endParaRPr lang="ko-KR" altLang="en-US" sz="1400" b="1" dirty="0">
+                <a:solidFill>
+                  <a:schemeClr val="tx1"/>
+                </a:solidFill>
+              </a:endParaRPr>
+            </a:p>
+          </p:txBody>
+        </p:sp>
+        <p:sp>
+          <p:nvSpPr>
+            <p:cNvPr id="72" name="직사각형 71"/>
+            <p:cNvSpPr/>
+            <p:nvPr/>
+          </p:nvSpPr>
+          <p:spPr>
+            <a:xfrm>
+              <a:off x="4857721" y="2539365"/>
+              <a:ext cx="928725" cy="223176"/>
+            </a:xfrm>
+            <a:prstGeom prst="rect">
+              <a:avLst/>
+            </a:prstGeom>
+            <a:solidFill>
+              <a:schemeClr val="accent6">
+                <a:lumMod val="60000"/>
+                <a:lumOff val="40000"/>
+              </a:schemeClr>
+            </a:solidFill>
+            <a:ln>
+              <a:noFill/>
+            </a:ln>
+          </p:spPr>
+          <p:style>
+            <a:lnRef idx="2">
+              <a:schemeClr val="accent1">
+                <a:shade val="50000"/>
+              </a:schemeClr>
+            </a:lnRef>
+            <a:fillRef idx="1">
+              <a:schemeClr val="accent1"/>
+            </a:fillRef>
+            <a:effectRef idx="0">
+              <a:schemeClr val="accent1"/>
+            </a:effectRef>
+            <a:fontRef idx="minor">
+              <a:schemeClr val="lt1"/>
+            </a:fontRef>
+          </p:style>
+          <p:txBody>
+            <a:bodyPr rtlCol="0" anchor="ctr"/>
+            <a:lstStyle/>
+            <a:p>
+              <a:pPr algn="ctr"/>
+              <a:r>
+                <a:rPr lang="ko-KR" altLang="en-US" sz="1400" b="1" dirty="0" smtClean="0">
+                  <a:solidFill>
+                    <a:schemeClr val="tx1"/>
+                  </a:solidFill>
+                </a:rPr>
+                <a:t>행사</a:t>
+              </a:r>
+              <a:r>
+                <a:rPr lang="en-US" altLang="ko-KR" sz="1400" b="1" dirty="0" smtClean="0">
+                  <a:solidFill>
+                    <a:schemeClr val="tx1"/>
+                  </a:solidFill>
+                </a:rPr>
+                <a:t>6</a:t>
+              </a:r>
+              <a:endParaRPr lang="ko-KR" altLang="en-US" sz="1400" b="1" dirty="0">
+                <a:solidFill>
+                  <a:schemeClr val="tx1"/>
+                </a:solidFill>
+              </a:endParaRPr>
+            </a:p>
+          </p:txBody>
+        </p:sp>
+        <p:sp>
+          <p:nvSpPr>
+            <p:cNvPr id="73" name="직사각형 72"/>
+            <p:cNvSpPr/>
+            <p:nvPr/>
+          </p:nvSpPr>
+          <p:spPr>
+            <a:xfrm>
+              <a:off x="7000892" y="2528255"/>
+              <a:ext cx="928725" cy="223176"/>
+            </a:xfrm>
+            <a:prstGeom prst="rect">
+              <a:avLst/>
+            </a:prstGeom>
+            <a:solidFill>
+              <a:schemeClr val="accent6">
+                <a:lumMod val="60000"/>
+                <a:lumOff val="40000"/>
+              </a:schemeClr>
+            </a:solidFill>
+            <a:ln>
+              <a:noFill/>
+            </a:ln>
+          </p:spPr>
+          <p:style>
+            <a:lnRef idx="2">
+              <a:schemeClr val="accent1">
+                <a:shade val="50000"/>
+              </a:schemeClr>
+            </a:lnRef>
+            <a:fillRef idx="1">
+              <a:schemeClr val="accent1"/>
+            </a:fillRef>
+            <a:effectRef idx="0">
+              <a:schemeClr val="accent1"/>
+            </a:effectRef>
+            <a:fontRef idx="minor">
+              <a:schemeClr val="lt1"/>
+            </a:fontRef>
+          </p:style>
+          <p:txBody>
+            <a:bodyPr rtlCol="0" anchor="ctr"/>
+            <a:lstStyle/>
+            <a:p>
+              <a:pPr algn="ctr"/>
+              <a:r>
+                <a:rPr lang="ko-KR" altLang="en-US" sz="1400" b="1" dirty="0" smtClean="0">
+                  <a:solidFill>
+                    <a:schemeClr val="tx1"/>
+                  </a:solidFill>
+                </a:rPr>
+                <a:t>행사</a:t>
+              </a:r>
+              <a:r>
+                <a:rPr lang="en-US" altLang="ko-KR" sz="1400" b="1" dirty="0" smtClean="0">
+                  <a:solidFill>
+                    <a:schemeClr val="tx1"/>
+                  </a:solidFill>
+                </a:rPr>
+                <a:t>8</a:t>
+              </a:r>
+              <a:endParaRPr lang="ko-KR" altLang="en-US" sz="1400" b="1" dirty="0">
+                <a:solidFill>
+                  <a:schemeClr val="tx1"/>
+                </a:solidFill>
+              </a:endParaRPr>
+            </a:p>
+          </p:txBody>
+        </p:sp>
+      </p:grpSp>
+    </p:spTree>
+    <p:extLst>
+      <p:ext uri="{BB962C8B-B14F-4D97-AF65-F5344CB8AC3E}">
+        <p14:creationId xmlns:p14="http://schemas.microsoft.com/office/powerpoint/2010/main" val="2963124261"/>
+      </p:ext>
+    </p:extLst>
+  </p:cSld>
+  <p:clrMapOvr>
+    <a:masterClrMapping/>
+  </p:clrMapOvr>
+  <p:timing>
+    <p:tnLst>
+      <p:par>
+        <p:cTn id="1" dur="indefinite" restart="never" nodeType="tmRoot"/>
+      </p:par>
+    </p:tnLst>
+  </p:timing>
+</p:sld>
+</file>
+
+<file path=ppt/slides/slide2.xml><?xml version="1.0" encoding="utf-8"?>
+<p:sld xmlns:a="http://schemas.openxmlformats.org/drawingml/2006/main" xmlns:r="http://schemas.openxmlformats.org/officeDocument/2006/relationships" xmlns:p="http://schemas.openxmlformats.org/presentationml/2006/main">
+  <p:cSld>
+    <p:spTree>
+      <p:nvGrpSpPr>
+        <p:cNvPr id="1" name=""/>
+        <p:cNvGrpSpPr/>
+        <p:nvPr/>
+      </p:nvGrpSpPr>
+      <p:grpSpPr>
+        <a:xfrm>
+          <a:off x="0" y="0"/>
+          <a:ext cx="0" cy="0"/>
+          <a:chOff x="0" y="0"/>
+          <a:chExt cx="0" cy="0"/>
+        </a:xfrm>
+      </p:grpSpPr>
       <p:sp>
         <p:nvSpPr>
           <p:cNvPr id="4" name="직사각형 3"/>
@@ -7693,7 +11501,7 @@
 </p:sld>
 </file>
 
-<file path=ppt/slides/slide2.xml><?xml version="1.0" encoding="utf-8"?>
+<file path=ppt/slides/slide3.xml><?xml version="1.0" encoding="utf-8"?>
 <p:sld xmlns:a="http://schemas.openxmlformats.org/drawingml/2006/main" xmlns:r="http://schemas.openxmlformats.org/officeDocument/2006/relationships" xmlns:p="http://schemas.openxmlformats.org/presentationml/2006/main">
   <p:cSld>
     <p:spTree>
